--- a/Workshop_1/Presentasjon/Azureskolen-Workshop#1.pptx
+++ b/Workshop_1/Presentasjon/Azureskolen-Workshop#1.pptx
@@ -7,10 +7,10 @@
     <p:sldMasterId id="2147483705" r:id="rId6"/>
   </p:sldMasterIdLst>
   <p:notesMasterIdLst>
-    <p:notesMasterId r:id="rId36"/>
+    <p:notesMasterId r:id="rId37"/>
   </p:notesMasterIdLst>
   <p:handoutMasterIdLst>
-    <p:handoutMasterId r:id="rId37"/>
+    <p:handoutMasterId r:id="rId38"/>
   </p:handoutMasterIdLst>
   <p:sldIdLst>
     <p:sldId id="256" r:id="rId7"/>
@@ -24,24 +24,25 @@
     <p:sldId id="269" r:id="rId15"/>
     <p:sldId id="265" r:id="rId16"/>
     <p:sldId id="266" r:id="rId17"/>
-    <p:sldId id="274" r:id="rId18"/>
-    <p:sldId id="275" r:id="rId19"/>
-    <p:sldId id="280" r:id="rId20"/>
-    <p:sldId id="260" r:id="rId21"/>
+    <p:sldId id="260" r:id="rId18"/>
+    <p:sldId id="274" r:id="rId19"/>
+    <p:sldId id="275" r:id="rId20"/>
+    <p:sldId id="280" r:id="rId21"/>
     <p:sldId id="271" r:id="rId22"/>
     <p:sldId id="287" r:id="rId23"/>
     <p:sldId id="272" r:id="rId24"/>
     <p:sldId id="283" r:id="rId25"/>
     <p:sldId id="285" r:id="rId26"/>
-    <p:sldId id="273" r:id="rId27"/>
-    <p:sldId id="278" r:id="rId28"/>
-    <p:sldId id="277" r:id="rId29"/>
-    <p:sldId id="279" r:id="rId30"/>
-    <p:sldId id="270" r:id="rId31"/>
-    <p:sldId id="268" r:id="rId32"/>
-    <p:sldId id="281" r:id="rId33"/>
-    <p:sldId id="282" r:id="rId34"/>
-    <p:sldId id="286" r:id="rId35"/>
+    <p:sldId id="278" r:id="rId27"/>
+    <p:sldId id="289" r:id="rId28"/>
+    <p:sldId id="270" r:id="rId29"/>
+    <p:sldId id="268" r:id="rId30"/>
+    <p:sldId id="281" r:id="rId31"/>
+    <p:sldId id="282" r:id="rId32"/>
+    <p:sldId id="286" r:id="rId33"/>
+    <p:sldId id="288" r:id="rId34"/>
+    <p:sldId id="277" r:id="rId35"/>
+    <p:sldId id="279" r:id="rId36"/>
   </p:sldIdLst>
   <p:sldSz cx="12192000" cy="6858000"/>
   <p:notesSz cx="6858000" cy="9144000"/>
@@ -244,7 +245,7 @@
           <a:p>
             <a:fld id="{54C52192-B826-4AE0-9CD6-BEA9467D12B3}" type="datetimeFigureOut">
               <a:rPr lang="nb-NO" smtClean="0"/>
-              <a:t>09.10.2018</a:t>
+              <a:t>06.11.2018</a:t>
             </a:fld>
             <a:endParaRPr lang="nb-NO"/>
           </a:p>
@@ -409,7 +410,7 @@
           <a:p>
             <a:fld id="{2696BCB2-2760-41B1-A1BE-7886EF110FCB}" type="datetimeFigureOut">
               <a:rPr lang="nb-NO" smtClean="0"/>
-              <a:t>09.10.2018</a:t>
+              <a:t>06.11.2018</a:t>
             </a:fld>
             <a:endParaRPr lang="nb-NO"/>
           </a:p>
@@ -855,7 +856,7 @@
           <a:p>
             <a:fld id="{180377DB-C4B0-49B2-8838-0F01BA83B7C4}" type="slidenum">
               <a:rPr lang="nb-NO" smtClean="0"/>
-              <a:t>14</a:t>
+              <a:t>15</a:t>
             </a:fld>
             <a:endParaRPr lang="nb-NO"/>
           </a:p>
@@ -918,10 +919,7 @@
           <a:bodyPr/>
           <a:lstStyle/>
           <a:p>
-            <a:r>
-              <a:rPr lang="nb-NO" dirty="0"/>
-              <a:t>Mange </a:t>
-            </a:r>
+            <a:endParaRPr lang="nb-NO" dirty="0"/>
           </a:p>
         </p:txBody>
       </p:sp>
@@ -1089,7 +1087,10 @@
           <a:bodyPr/>
           <a:lstStyle/>
           <a:p>
-            <a:endParaRPr lang="nb-NO" dirty="0"/>
+            <a:r>
+              <a:rPr lang="nb-NO" dirty="0"/>
+              <a:t>App Service</a:t>
+            </a:r>
           </a:p>
         </p:txBody>
       </p:sp>
@@ -1100,7 +1101,7 @@
             <a:spLocks noGrp="1"/>
           </p:cNvSpPr>
           <p:nvPr>
-            <p:ph type="sldNum" sz="quarter" idx="10"/>
+            <p:ph type="sldNum" sz="quarter" idx="5"/>
           </p:nvPr>
         </p:nvSpPr>
         <p:spPr/>
@@ -1110,7 +1111,7 @@
           <a:p>
             <a:fld id="{180377DB-C4B0-49B2-8838-0F01BA83B7C4}" type="slidenum">
               <a:rPr lang="nb-NO" smtClean="0"/>
-              <a:t>19</a:t>
+              <a:t>18</a:t>
             </a:fld>
             <a:endParaRPr lang="nb-NO"/>
           </a:p>
@@ -1119,7 +1120,7 @@
     </p:spTree>
     <p:extLst>
       <p:ext uri="{BB962C8B-B14F-4D97-AF65-F5344CB8AC3E}">
-        <p14:creationId xmlns:p14="http://schemas.microsoft.com/office/powerpoint/2010/main" val="561151925"/>
+        <p14:creationId xmlns:p14="http://schemas.microsoft.com/office/powerpoint/2010/main" val="169622214"/>
       </p:ext>
     </p:extLst>
   </p:cSld>
@@ -1194,7 +1195,7 @@
           <a:p>
             <a:fld id="{180377DB-C4B0-49B2-8838-0F01BA83B7C4}" type="slidenum">
               <a:rPr lang="nb-NO" smtClean="0"/>
-              <a:t>20</a:t>
+              <a:t>19</a:t>
             </a:fld>
             <a:endParaRPr lang="nb-NO"/>
           </a:p>
@@ -1203,7 +1204,7 @@
     </p:spTree>
     <p:extLst>
       <p:ext uri="{BB962C8B-B14F-4D97-AF65-F5344CB8AC3E}">
-        <p14:creationId xmlns:p14="http://schemas.microsoft.com/office/powerpoint/2010/main" val="320389312"/>
+        <p14:creationId xmlns:p14="http://schemas.microsoft.com/office/powerpoint/2010/main" val="561151925"/>
       </p:ext>
     </p:extLst>
   </p:cSld>
@@ -1257,28 +1258,6 @@
           <a:bodyPr/>
           <a:lstStyle/>
           <a:p>
-            <a:pPr marL="171450" indent="-171450">
-              <a:buFontTx/>
-              <a:buChar char="-"/>
-            </a:pPr>
-            <a:r>
-              <a:rPr lang="nb-NO" dirty="0"/>
-              <a:t>Web </a:t>
-            </a:r>
-            <a:r>
-              <a:rPr lang="nb-NO" dirty="0" err="1"/>
-              <a:t>Apps</a:t>
-            </a:r>
-            <a:r>
-              <a:rPr lang="nb-NO" dirty="0"/>
-              <a:t> demo:</a:t>
-            </a:r>
-          </a:p>
-          <a:p>
-            <a:pPr marL="171450" indent="-171450">
-              <a:buFontTx/>
-              <a:buChar char="-"/>
-            </a:pPr>
             <a:endParaRPr lang="nb-NO" dirty="0"/>
           </a:p>
         </p:txBody>
@@ -1300,7 +1279,7 @@
           <a:p>
             <a:fld id="{180377DB-C4B0-49B2-8838-0F01BA83B7C4}" type="slidenum">
               <a:rPr lang="nb-NO" smtClean="0"/>
-              <a:t>22</a:t>
+              <a:t>20</a:t>
             </a:fld>
             <a:endParaRPr lang="nb-NO"/>
           </a:p>
@@ -1309,7 +1288,7 @@
     </p:spTree>
     <p:extLst>
       <p:ext uri="{BB962C8B-B14F-4D97-AF65-F5344CB8AC3E}">
-        <p14:creationId xmlns:p14="http://schemas.microsoft.com/office/powerpoint/2010/main" val="2965951550"/>
+        <p14:creationId xmlns:p14="http://schemas.microsoft.com/office/powerpoint/2010/main" val="320389312"/>
       </p:ext>
     </p:extLst>
   </p:cSld>
@@ -1363,7 +1342,32 @@
           <a:bodyPr/>
           <a:lstStyle/>
           <a:p>
-            <a:endParaRPr lang="nb-NO" dirty="0"/>
+            <a:pPr marL="171450" indent="-171450">
+              <a:buFontTx/>
+              <a:buChar char="-"/>
+            </a:pPr>
+            <a:r>
+              <a:rPr lang="nb-NO" dirty="0"/>
+              <a:t>Web </a:t>
+            </a:r>
+            <a:r>
+              <a:rPr lang="nb-NO" dirty="0" err="1"/>
+              <a:t>Apps</a:t>
+            </a:r>
+            <a:r>
+              <a:rPr lang="nb-NO" dirty="0"/>
+              <a:t> demo:</a:t>
+            </a:r>
+          </a:p>
+          <a:p>
+            <a:pPr marL="628650" lvl="1" indent="-171450">
+              <a:buFontTx/>
+              <a:buChar char="-"/>
+            </a:pPr>
+            <a:r>
+              <a:rPr lang="nb-NO" dirty="0"/>
+              <a:t>Hvis en webapps.</a:t>
+            </a:r>
           </a:p>
         </p:txBody>
       </p:sp>
@@ -1384,7 +1388,7 @@
           <a:p>
             <a:fld id="{180377DB-C4B0-49B2-8838-0F01BA83B7C4}" type="slidenum">
               <a:rPr lang="nb-NO" smtClean="0"/>
-              <a:t>23</a:t>
+              <a:t>21</a:t>
             </a:fld>
             <a:endParaRPr lang="nb-NO"/>
           </a:p>
@@ -1393,7 +1397,7 @@
     </p:spTree>
     <p:extLst>
       <p:ext uri="{BB962C8B-B14F-4D97-AF65-F5344CB8AC3E}">
-        <p14:creationId xmlns:p14="http://schemas.microsoft.com/office/powerpoint/2010/main" val="546288370"/>
+        <p14:creationId xmlns:p14="http://schemas.microsoft.com/office/powerpoint/2010/main" val="2965951550"/>
       </p:ext>
     </p:extLst>
   </p:cSld>
@@ -1574,7 +1578,7 @@
           <a:p>
             <a:fld id="{180377DB-C4B0-49B2-8838-0F01BA83B7C4}" type="slidenum">
               <a:rPr lang="nb-NO" smtClean="0"/>
-              <a:t>25</a:t>
+              <a:t>23</a:t>
             </a:fld>
             <a:endParaRPr lang="nb-NO"/>
           </a:p>
@@ -1665,7 +1669,7 @@
           <a:p>
             <a:fld id="{180377DB-C4B0-49B2-8838-0F01BA83B7C4}" type="slidenum">
               <a:rPr lang="nb-NO" smtClean="0"/>
-              <a:t>26</a:t>
+              <a:t>24</a:t>
             </a:fld>
             <a:endParaRPr lang="nb-NO"/>
           </a:p>
@@ -1768,7 +1772,7 @@
           <a:p>
             <a:fld id="{180377DB-C4B0-49B2-8838-0F01BA83B7C4}" type="slidenum">
               <a:rPr lang="nb-NO" smtClean="0"/>
-              <a:t>27</a:t>
+              <a:t>25</a:t>
             </a:fld>
             <a:endParaRPr lang="nb-NO"/>
           </a:p>
@@ -1948,7 +1952,7 @@
           <a:p>
             <a:fld id="{180377DB-C4B0-49B2-8838-0F01BA83B7C4}" type="slidenum">
               <a:rPr lang="nb-NO" smtClean="0"/>
-              <a:t>28</a:t>
+              <a:t>26</a:t>
             </a:fld>
             <a:endParaRPr lang="nb-NO"/>
           </a:p>
@@ -1958,6 +1962,191 @@
     <p:extLst>
       <p:ext uri="{BB962C8B-B14F-4D97-AF65-F5344CB8AC3E}">
         <p14:creationId xmlns:p14="http://schemas.microsoft.com/office/powerpoint/2010/main" val="4079900449"/>
+      </p:ext>
+    </p:extLst>
+  </p:cSld>
+  <p:clrMapOvr>
+    <a:masterClrMapping/>
+  </p:clrMapOvr>
+</p:notes>
+</file>
+
+<file path=ppt/notesSlides/notesSlide21.xml><?xml version="1.0" encoding="utf-8"?>
+<p:notes xmlns:a="http://schemas.openxmlformats.org/drawingml/2006/main" xmlns:r="http://schemas.openxmlformats.org/officeDocument/2006/relationships" xmlns:p="http://schemas.openxmlformats.org/presentationml/2006/main">
+  <p:cSld>
+    <p:spTree>
+      <p:nvGrpSpPr>
+        <p:cNvPr id="1" name=""/>
+        <p:cNvGrpSpPr/>
+        <p:nvPr/>
+      </p:nvGrpSpPr>
+      <p:grpSpPr>
+        <a:xfrm>
+          <a:off x="0" y="0"/>
+          <a:ext cx="0" cy="0"/>
+          <a:chOff x="0" y="0"/>
+          <a:chExt cx="0" cy="0"/>
+        </a:xfrm>
+      </p:grpSpPr>
+      <p:sp>
+        <p:nvSpPr>
+          <p:cNvPr id="2" name="Slide Image Placeholder 1"/>
+          <p:cNvSpPr>
+            <a:spLocks noGrp="1" noRot="1" noChangeAspect="1"/>
+          </p:cNvSpPr>
+          <p:nvPr>
+            <p:ph type="sldImg"/>
+          </p:nvPr>
+        </p:nvSpPr>
+        <p:spPr/>
+      </p:sp>
+      <p:sp>
+        <p:nvSpPr>
+          <p:cNvPr id="3" name="Notes Placeholder 2"/>
+          <p:cNvSpPr>
+            <a:spLocks noGrp="1"/>
+          </p:cNvSpPr>
+          <p:nvPr>
+            <p:ph type="body" idx="1"/>
+          </p:nvPr>
+        </p:nvSpPr>
+        <p:spPr/>
+        <p:txBody>
+          <a:bodyPr/>
+          <a:lstStyle/>
+          <a:p>
+            <a:pPr marL="171450" indent="-171450">
+              <a:buFontTx/>
+              <a:buChar char="-"/>
+            </a:pPr>
+            <a:r>
+              <a:rPr lang="nb-NO" dirty="0"/>
+              <a:t>Vis Azure Storage Explorer:</a:t>
+            </a:r>
+          </a:p>
+          <a:p>
+            <a:pPr marL="171450" indent="-171450">
+              <a:buFontTx/>
+              <a:buChar char="-"/>
+            </a:pPr>
+            <a:r>
+              <a:rPr lang="nb-NO" dirty="0"/>
+              <a:t>Vis i portalen.</a:t>
+            </a:r>
+          </a:p>
+        </p:txBody>
+      </p:sp>
+      <p:sp>
+        <p:nvSpPr>
+          <p:cNvPr id="4" name="Slide Number Placeholder 3"/>
+          <p:cNvSpPr>
+            <a:spLocks noGrp="1"/>
+          </p:cNvSpPr>
+          <p:nvPr>
+            <p:ph type="sldNum" sz="quarter" idx="5"/>
+          </p:nvPr>
+        </p:nvSpPr>
+        <p:spPr/>
+        <p:txBody>
+          <a:bodyPr/>
+          <a:lstStyle/>
+          <a:p>
+            <a:fld id="{180377DB-C4B0-49B2-8838-0F01BA83B7C4}" type="slidenum">
+              <a:rPr lang="nb-NO" smtClean="0"/>
+              <a:t>27</a:t>
+            </a:fld>
+            <a:endParaRPr lang="nb-NO"/>
+          </a:p>
+        </p:txBody>
+      </p:sp>
+    </p:spTree>
+    <p:extLst>
+      <p:ext uri="{BB962C8B-B14F-4D97-AF65-F5344CB8AC3E}">
+        <p14:creationId xmlns:p14="http://schemas.microsoft.com/office/powerpoint/2010/main" val="3062831173"/>
+      </p:ext>
+    </p:extLst>
+  </p:cSld>
+  <p:clrMapOvr>
+    <a:masterClrMapping/>
+  </p:clrMapOvr>
+</p:notes>
+</file>
+
+<file path=ppt/notesSlides/notesSlide22.xml><?xml version="1.0" encoding="utf-8"?>
+<p:notes xmlns:a="http://schemas.openxmlformats.org/drawingml/2006/main" xmlns:r="http://schemas.openxmlformats.org/officeDocument/2006/relationships" xmlns:p="http://schemas.openxmlformats.org/presentationml/2006/main">
+  <p:cSld>
+    <p:spTree>
+      <p:nvGrpSpPr>
+        <p:cNvPr id="1" name=""/>
+        <p:cNvGrpSpPr/>
+        <p:nvPr/>
+      </p:nvGrpSpPr>
+      <p:grpSpPr>
+        <a:xfrm>
+          <a:off x="0" y="0"/>
+          <a:ext cx="0" cy="0"/>
+          <a:chOff x="0" y="0"/>
+          <a:chExt cx="0" cy="0"/>
+        </a:xfrm>
+      </p:grpSpPr>
+      <p:sp>
+        <p:nvSpPr>
+          <p:cNvPr id="2" name="Slide Image Placeholder 1"/>
+          <p:cNvSpPr>
+            <a:spLocks noGrp="1" noRot="1" noChangeAspect="1"/>
+          </p:cNvSpPr>
+          <p:nvPr>
+            <p:ph type="sldImg"/>
+          </p:nvPr>
+        </p:nvSpPr>
+        <p:spPr/>
+      </p:sp>
+      <p:sp>
+        <p:nvSpPr>
+          <p:cNvPr id="3" name="Notes Placeholder 2"/>
+          <p:cNvSpPr>
+            <a:spLocks noGrp="1"/>
+          </p:cNvSpPr>
+          <p:nvPr>
+            <p:ph type="body" idx="1"/>
+          </p:nvPr>
+        </p:nvSpPr>
+        <p:spPr/>
+        <p:txBody>
+          <a:bodyPr/>
+          <a:lstStyle/>
+          <a:p>
+            <a:endParaRPr lang="nb-NO" dirty="0"/>
+          </a:p>
+        </p:txBody>
+      </p:sp>
+      <p:sp>
+        <p:nvSpPr>
+          <p:cNvPr id="4" name="Slide Number Placeholder 3"/>
+          <p:cNvSpPr>
+            <a:spLocks noGrp="1"/>
+          </p:cNvSpPr>
+          <p:nvPr>
+            <p:ph type="sldNum" sz="quarter" idx="10"/>
+          </p:nvPr>
+        </p:nvSpPr>
+        <p:spPr/>
+        <p:txBody>
+          <a:bodyPr/>
+          <a:lstStyle/>
+          <a:p>
+            <a:fld id="{180377DB-C4B0-49B2-8838-0F01BA83B7C4}" type="slidenum">
+              <a:rPr lang="nb-NO" smtClean="0"/>
+              <a:t>29</a:t>
+            </a:fld>
+            <a:endParaRPr lang="nb-NO"/>
+          </a:p>
+        </p:txBody>
+      </p:sp>
+    </p:spTree>
+    <p:extLst>
+      <p:ext uri="{BB962C8B-B14F-4D97-AF65-F5344CB8AC3E}">
+        <p14:creationId xmlns:p14="http://schemas.microsoft.com/office/powerpoint/2010/main" val="546288370"/>
       </p:ext>
     </p:extLst>
   </p:cSld>
@@ -2527,6 +2716,28 @@
               <a:t>Pushes ut forandringer hele tiden.</a:t>
             </a:r>
           </a:p>
+          <a:p>
+            <a:endParaRPr lang="nb-NO" dirty="0"/>
+          </a:p>
+          <a:p>
+            <a:endParaRPr lang="nb-NO" dirty="0"/>
+          </a:p>
+          <a:p>
+            <a:r>
+              <a:rPr lang="nb-NO" dirty="0"/>
+              <a:t>Limits tjenester: </a:t>
+            </a:r>
+            <a:r>
+              <a:rPr lang="nb-NO" dirty="0">
+                <a:hlinkClick r:id="rId3"/>
+              </a:rPr>
+              <a:t>https://docs.microsoft.com/en-us/azure/azure-subscription-service-limits</a:t>
+            </a:r>
+            <a:endParaRPr lang="nb-NO" dirty="0"/>
+          </a:p>
+          <a:p>
+            <a:endParaRPr lang="nb-NO" dirty="0"/>
+          </a:p>
         </p:txBody>
       </p:sp>
       <p:sp>
@@ -2751,7 +2962,7 @@
           <a:p>
             <a:fld id="{180377DB-C4B0-49B2-8838-0F01BA83B7C4}" type="slidenum">
               <a:rPr lang="nb-NO" smtClean="0"/>
-              <a:t>13</a:t>
+              <a:t>14</a:t>
             </a:fld>
             <a:endParaRPr lang="nb-NO"/>
           </a:p>
@@ -11948,15 +12159,7 @@
           <a:p>
             <a:r>
               <a:rPr lang="nb-NO" dirty="0"/>
-              <a:t>Architecture </a:t>
-            </a:r>
-            <a:r>
-              <a:rPr lang="nb-NO" dirty="0" err="1"/>
-              <a:t>BluePrints</a:t>
-            </a:r>
-            <a:r>
-              <a:rPr lang="nb-NO" dirty="0"/>
-              <a:t>: </a:t>
+              <a:t>Architecture BluePrints: </a:t>
             </a:r>
             <a:r>
               <a:rPr lang="nb-NO" dirty="0">
@@ -11971,15 +12174,14 @@
           </a:p>
           <a:p>
             <a:r>
-              <a:rPr lang="nb-NO" dirty="0"/>
-              <a:t>Limits tjenester: </a:t>
-            </a:r>
-            <a:r>
               <a:rPr lang="nb-NO" dirty="0">
                 <a:hlinkClick r:id="rId5"/>
               </a:rPr>
-              <a:t>https://docs.microsoft.com/en-us/azure/azure-subscription-service-limits</a:t>
-            </a:r>
+              <a:t>https://azure-overview.com/Home/Index</a:t>
+            </a:r>
+            <a:endParaRPr lang="nb-NO" dirty="0"/>
+          </a:p>
+          <a:p>
             <a:endParaRPr lang="nb-NO" dirty="0"/>
           </a:p>
           <a:p>
@@ -12198,6 +12400,116 @@
 </file>
 
 <file path=ppt/slides/slide12.xml><?xml version="1.0" encoding="utf-8"?>
+<p:sld xmlns:a="http://schemas.openxmlformats.org/drawingml/2006/main" xmlns:r="http://schemas.openxmlformats.org/officeDocument/2006/relationships" xmlns:p="http://schemas.openxmlformats.org/presentationml/2006/main">
+  <p:cSld>
+    <p:spTree>
+      <p:nvGrpSpPr>
+        <p:cNvPr id="1" name=""/>
+        <p:cNvGrpSpPr/>
+        <p:nvPr/>
+      </p:nvGrpSpPr>
+      <p:grpSpPr>
+        <a:xfrm>
+          <a:off x="0" y="0"/>
+          <a:ext cx="0" cy="0"/>
+          <a:chOff x="0" y="0"/>
+          <a:chExt cx="0" cy="0"/>
+        </a:xfrm>
+      </p:grpSpPr>
+      <p:sp>
+        <p:nvSpPr>
+          <p:cNvPr id="2" name="Content Placeholder 1">
+            <a:extLst>
+              <a:ext uri="{FF2B5EF4-FFF2-40B4-BE49-F238E27FC236}">
+                <a16:creationId xmlns:a16="http://schemas.microsoft.com/office/drawing/2014/main" id="{F81EB419-4FF8-40A0-8AA9-4F643B8FE99D}"/>
+              </a:ext>
+            </a:extLst>
+          </p:cNvPr>
+          <p:cNvSpPr>
+            <a:spLocks noGrp="1"/>
+          </p:cNvSpPr>
+          <p:nvPr>
+            <p:ph idx="1"/>
+          </p:nvPr>
+        </p:nvSpPr>
+        <p:spPr/>
+        <p:txBody>
+          <a:bodyPr/>
+          <a:lstStyle/>
+          <a:p>
+            <a:pPr marL="0" indent="0">
+              <a:buNone/>
+            </a:pPr>
+            <a:endParaRPr lang="nb-NO" dirty="0"/>
+          </a:p>
+          <a:p>
+            <a:r>
+              <a:rPr lang="nb-NO" dirty="0"/>
+              <a:t>https://github.com/bouvet/</a:t>
+            </a:r>
+          </a:p>
+          <a:p>
+            <a:r>
+              <a:rPr lang="nb-NO" dirty="0"/>
+              <a:t>Klikk på azure-workshops</a:t>
+            </a:r>
+          </a:p>
+          <a:p>
+            <a:r>
+              <a:rPr lang="nb-NO" dirty="0"/>
+              <a:t>Klikk Workshop_1</a:t>
+            </a:r>
+          </a:p>
+          <a:p>
+            <a:r>
+              <a:rPr lang="nb-NO" dirty="0"/>
+              <a:t>Klikk Leksjon_1</a:t>
+            </a:r>
+          </a:p>
+        </p:txBody>
+      </p:sp>
+      <p:sp>
+        <p:nvSpPr>
+          <p:cNvPr id="3" name="Title 2">
+            <a:extLst>
+              <a:ext uri="{FF2B5EF4-FFF2-40B4-BE49-F238E27FC236}">
+                <a16:creationId xmlns:a16="http://schemas.microsoft.com/office/drawing/2014/main" id="{0096E8AF-1C3A-47EF-B8C2-A833D9C9E19C}"/>
+              </a:ext>
+            </a:extLst>
+          </p:cNvPr>
+          <p:cNvSpPr>
+            <a:spLocks noGrp="1"/>
+          </p:cNvSpPr>
+          <p:nvPr>
+            <p:ph type="title"/>
+          </p:nvPr>
+        </p:nvSpPr>
+        <p:spPr/>
+        <p:txBody>
+          <a:bodyPr/>
+          <a:lstStyle/>
+          <a:p>
+            <a:r>
+              <a:rPr lang="nb-NO" dirty="0"/>
+              <a:t>Leksjon 1</a:t>
+            </a:r>
+          </a:p>
+        </p:txBody>
+      </p:sp>
+    </p:spTree>
+    <p:extLst>
+      <p:ext uri="{BB962C8B-B14F-4D97-AF65-F5344CB8AC3E}">
+        <p14:creationId xmlns:p14="http://schemas.microsoft.com/office/powerpoint/2010/main" val="1310100219"/>
+      </p:ext>
+    </p:extLst>
+  </p:cSld>
+  <p:clrMapOvr>
+    <a:masterClrMapping/>
+  </p:clrMapOvr>
+</p:sld>
+</file>
+
+<file path=ppt/slides/slide13.xml><?xml version="1.0" encoding="utf-8"?>
 <p:sld xmlns:a="http://schemas.openxmlformats.org/drawingml/2006/main" xmlns:r="http://schemas.openxmlformats.org/officeDocument/2006/relationships" xmlns:p="http://schemas.openxmlformats.org/presentationml/2006/main">
   <p:cSld>
     <p:spTree>
@@ -12298,149 +12610,6 @@
 </p:sld>
 </file>
 
-<file path=ppt/slides/slide13.xml><?xml version="1.0" encoding="utf-8"?>
-<p:sld xmlns:a="http://schemas.openxmlformats.org/drawingml/2006/main" xmlns:r="http://schemas.openxmlformats.org/officeDocument/2006/relationships" xmlns:p="http://schemas.openxmlformats.org/presentationml/2006/main">
-  <p:cSld>
-    <p:spTree>
-      <p:nvGrpSpPr>
-        <p:cNvPr id="1" name=""/>
-        <p:cNvGrpSpPr/>
-        <p:nvPr/>
-      </p:nvGrpSpPr>
-      <p:grpSpPr>
-        <a:xfrm>
-          <a:off x="0" y="0"/>
-          <a:ext cx="0" cy="0"/>
-          <a:chOff x="0" y="0"/>
-          <a:chExt cx="0" cy="0"/>
-        </a:xfrm>
-      </p:grpSpPr>
-      <p:sp>
-        <p:nvSpPr>
-          <p:cNvPr id="2" name="Content Placeholder 1">
-            <a:extLst>
-              <a:ext uri="{FF2B5EF4-FFF2-40B4-BE49-F238E27FC236}">
-                <a16:creationId xmlns:a16="http://schemas.microsoft.com/office/drawing/2014/main" id="{48A3E4C6-D04A-4C44-8B2D-BED5E94928CC}"/>
-              </a:ext>
-            </a:extLst>
-          </p:cNvPr>
-          <p:cNvSpPr>
-            <a:spLocks noGrp="1"/>
-          </p:cNvSpPr>
-          <p:nvPr>
-            <p:ph idx="1"/>
-          </p:nvPr>
-        </p:nvSpPr>
-        <p:spPr/>
-        <p:txBody>
-          <a:bodyPr/>
-          <a:lstStyle/>
-          <a:p>
-            <a:r>
-              <a:rPr lang="nb-NO" dirty="0"/>
-              <a:t>Forskjellige tjenester har forskjellig SLA.</a:t>
-            </a:r>
-          </a:p>
-          <a:p>
-            <a:r>
-              <a:rPr lang="nb-NO" dirty="0"/>
-              <a:t>Forskjellige pris-nivåer (tiers) har ofte forskjellig SLA.</a:t>
-            </a:r>
-          </a:p>
-          <a:p>
-            <a:r>
-              <a:rPr lang="nb-NO" dirty="0">
-                <a:hlinkClick r:id="rId3"/>
-              </a:rPr>
-              <a:t>https://azure.microsoft.com/en-us/support/legal/sla/summary/</a:t>
-            </a:r>
-            <a:endParaRPr lang="nb-NO" dirty="0"/>
-          </a:p>
-          <a:p>
-            <a:r>
-              <a:rPr lang="nb-NO" dirty="0"/>
-              <a:t>Eksempel:</a:t>
-            </a:r>
-          </a:p>
-          <a:p>
-            <a:pPr lvl="1"/>
-            <a:r>
-              <a:rPr lang="nb-NO" dirty="0"/>
-              <a:t>99.9% = ~43 minutter per måned  (Azure AD)</a:t>
-            </a:r>
-          </a:p>
-          <a:p>
-            <a:pPr lvl="1"/>
-            <a:r>
-              <a:rPr lang="nb-NO" dirty="0"/>
-              <a:t>99.95% = ~22 minutter per måned  (</a:t>
-            </a:r>
-            <a:r>
-              <a:rPr lang="nb-NO" dirty="0" err="1"/>
-              <a:t>App</a:t>
-            </a:r>
-            <a:r>
-              <a:rPr lang="nb-NO" dirty="0"/>
-              <a:t> Service med 2 instanser)</a:t>
-            </a:r>
-          </a:p>
-          <a:p>
-            <a:pPr lvl="1"/>
-            <a:endParaRPr lang="nb-NO" dirty="0"/>
-          </a:p>
-          <a:p>
-            <a:r>
-              <a:rPr lang="nb-NO" dirty="0" err="1"/>
-              <a:t>Aggregate</a:t>
-            </a:r>
-            <a:r>
-              <a:rPr lang="nb-NO" dirty="0"/>
-              <a:t> SLA: Service1 SLA + Service2 SLA =  </a:t>
-            </a:r>
-          </a:p>
-        </p:txBody>
-      </p:sp>
-      <p:sp>
-        <p:nvSpPr>
-          <p:cNvPr id="3" name="Title 2">
-            <a:extLst>
-              <a:ext uri="{FF2B5EF4-FFF2-40B4-BE49-F238E27FC236}">
-                <a16:creationId xmlns:a16="http://schemas.microsoft.com/office/drawing/2014/main" id="{B233F175-86FF-42F8-B419-44C3D44C1FE3}"/>
-              </a:ext>
-            </a:extLst>
-          </p:cNvPr>
-          <p:cNvSpPr>
-            <a:spLocks noGrp="1"/>
-          </p:cNvSpPr>
-          <p:nvPr>
-            <p:ph type="title"/>
-          </p:nvPr>
-        </p:nvSpPr>
-        <p:spPr/>
-        <p:txBody>
-          <a:bodyPr/>
-          <a:lstStyle/>
-          <a:p>
-            <a:r>
-              <a:rPr lang="nb-NO" dirty="0"/>
-              <a:t>Service Level Agreement (SLA)</a:t>
-            </a:r>
-          </a:p>
-        </p:txBody>
-      </p:sp>
-    </p:spTree>
-    <p:extLst>
-      <p:ext uri="{BB962C8B-B14F-4D97-AF65-F5344CB8AC3E}">
-        <p14:creationId xmlns:p14="http://schemas.microsoft.com/office/powerpoint/2010/main" val="2698391909"/>
-      </p:ext>
-    </p:extLst>
-  </p:cSld>
-  <p:clrMapOvr>
-    <a:masterClrMapping/>
-  </p:clrMapOvr>
-</p:sld>
-</file>
-
 <file path=ppt/slides/slide14.xml><?xml version="1.0" encoding="utf-8"?>
 <p:sld xmlns:a="http://schemas.openxmlformats.org/drawingml/2006/main" xmlns:r="http://schemas.openxmlformats.org/officeDocument/2006/relationships" xmlns:p="http://schemas.openxmlformats.org/presentationml/2006/main">
   <p:cSld>
@@ -12463,7 +12632,7 @@
           <p:cNvPr id="2" name="Content Placeholder 1">
             <a:extLst>
               <a:ext uri="{FF2B5EF4-FFF2-40B4-BE49-F238E27FC236}">
-                <a16:creationId xmlns:a16="http://schemas.microsoft.com/office/drawing/2014/main" id="{2B50B00E-4D8B-48FB-99D9-366288CE819E}"/>
+                <a16:creationId xmlns:a16="http://schemas.microsoft.com/office/drawing/2014/main" id="{48A3E4C6-D04A-4C44-8B2D-BED5E94928CC}"/>
               </a:ext>
             </a:extLst>
           </p:cNvPr>
@@ -12481,85 +12650,64 @@
           <a:p>
             <a:r>
               <a:rPr lang="nb-NO" dirty="0"/>
-              <a:t>Portalen:</a:t>
+              <a:t>Forskjellige tjenester har forskjellig SLA.</a:t>
+            </a:r>
+          </a:p>
+          <a:p>
+            <a:r>
+              <a:rPr lang="nb-NO" dirty="0"/>
+              <a:t>Forskjellige pris-nivåer (tiers) har ofte forskjellig SLA.</a:t>
+            </a:r>
+          </a:p>
+          <a:p>
+            <a:r>
+              <a:rPr lang="nb-NO" dirty="0">
+                <a:hlinkClick r:id="rId3"/>
+              </a:rPr>
+              <a:t>https://azure.microsoft.com/en-us/support/legal/sla/summary/</a:t>
+            </a:r>
+            <a:endParaRPr lang="nb-NO" dirty="0"/>
+          </a:p>
+          <a:p>
+            <a:r>
+              <a:rPr lang="nb-NO" dirty="0"/>
+              <a:t>Eksempel:</a:t>
             </a:r>
           </a:p>
           <a:p>
             <a:pPr lvl="1"/>
             <a:r>
+              <a:rPr lang="nb-NO" dirty="0"/>
+              <a:t>99.9% = ~43 minutter per måned  (Azure AD)</a:t>
+            </a:r>
+          </a:p>
+          <a:p>
+            <a:pPr lvl="1"/>
+            <a:r>
+              <a:rPr lang="nb-NO" dirty="0"/>
+              <a:t>99.95% = ~22 minutter per måned  (</a:t>
+            </a:r>
+            <a:r>
               <a:rPr lang="nb-NO" dirty="0" err="1"/>
-              <a:t>Pek&amp;Klikk</a:t>
-            </a:r>
+              <a:t>App</a:t>
+            </a:r>
+            <a:r>
+              <a:rPr lang="nb-NO" dirty="0"/>
+              <a:t> Service med 2 instanser)</a:t>
+            </a:r>
+          </a:p>
+          <a:p>
+            <a:pPr lvl="1"/>
             <a:endParaRPr lang="nb-NO" dirty="0"/>
           </a:p>
           <a:p>
             <a:r>
               <a:rPr lang="nb-NO" dirty="0" err="1"/>
-              <a:t>Powershell</a:t>
-            </a:r>
-            <a:endParaRPr lang="nb-NO" dirty="0"/>
-          </a:p>
-          <a:p>
-            <a:pPr lvl="1"/>
+              <a:t>Aggregate</a:t>
+            </a:r>
             <a:r>
               <a:rPr lang="nb-NO" dirty="0"/>
-              <a:t>Også tilgjengelig i Azure Shell (portalen)</a:t>
-            </a:r>
-          </a:p>
-          <a:p>
-            <a:r>
-              <a:rPr lang="nb-NO" dirty="0"/>
-              <a:t>Azure CLI</a:t>
-            </a:r>
-          </a:p>
-          <a:p>
-            <a:pPr lvl="1"/>
-            <a:r>
-              <a:rPr lang="nb-NO" dirty="0"/>
-              <a:t>Kommandolinjebasert – Kryss-</a:t>
-            </a:r>
-            <a:r>
-              <a:rPr lang="nb-NO" dirty="0" err="1"/>
-              <a:t>platform</a:t>
-            </a:r>
-            <a:r>
-              <a:rPr lang="nb-NO" dirty="0"/>
-              <a:t>. </a:t>
-            </a:r>
-          </a:p>
-          <a:p>
-            <a:pPr lvl="1"/>
-            <a:r>
-              <a:rPr lang="nb-NO" dirty="0"/>
-              <a:t>Tilgjengelig </a:t>
-            </a:r>
-          </a:p>
-          <a:p>
-            <a:r>
-              <a:rPr lang="nb-NO" dirty="0"/>
-              <a:t>ARM-</a:t>
-            </a:r>
-            <a:r>
-              <a:rPr lang="nb-NO" dirty="0" err="1"/>
-              <a:t>templates</a:t>
-            </a:r>
-            <a:r>
-              <a:rPr lang="nb-NO" dirty="0"/>
-              <a:t> </a:t>
-            </a:r>
-          </a:p>
-          <a:p>
-            <a:pPr lvl="1"/>
-            <a:r>
-              <a:rPr lang="nb-NO" dirty="0"/>
-              <a:t>Deklarativt</a:t>
-            </a:r>
-          </a:p>
-          <a:p>
-            <a:pPr lvl="1"/>
-            <a:r>
-              <a:rPr lang="nb-NO" dirty="0"/>
-              <a:t>Inkrementell</a:t>
+              <a:t> SLA: Service1 SLA + Service2 SLA =  </a:t>
             </a:r>
           </a:p>
         </p:txBody>
@@ -12569,7 +12717,7 @@
           <p:cNvPr id="3" name="Title 2">
             <a:extLst>
               <a:ext uri="{FF2B5EF4-FFF2-40B4-BE49-F238E27FC236}">
-                <a16:creationId xmlns:a16="http://schemas.microsoft.com/office/drawing/2014/main" id="{8AA29BD5-5596-42B5-91B3-8E6E37314DD9}"/>
+                <a16:creationId xmlns:a16="http://schemas.microsoft.com/office/drawing/2014/main" id="{B233F175-86FF-42F8-B419-44C3D44C1FE3}"/>
               </a:ext>
             </a:extLst>
           </p:cNvPr>
@@ -12587,7 +12735,7 @@
           <a:p>
             <a:r>
               <a:rPr lang="nb-NO" dirty="0"/>
-              <a:t>Opprettelse av ressurser i Azure. </a:t>
+              <a:t>Service Level Agreement (SLA)</a:t>
             </a:r>
           </a:p>
         </p:txBody>
@@ -12595,7 +12743,7 @@
     </p:spTree>
     <p:extLst>
       <p:ext uri="{BB962C8B-B14F-4D97-AF65-F5344CB8AC3E}">
-        <p14:creationId xmlns:p14="http://schemas.microsoft.com/office/powerpoint/2010/main" val="2632851856"/>
+        <p14:creationId xmlns:p14="http://schemas.microsoft.com/office/powerpoint/2010/main" val="2698391909"/>
       </p:ext>
     </p:extLst>
   </p:cSld>
@@ -12627,7 +12775,7 @@
           <p:cNvPr id="2" name="Content Placeholder 1">
             <a:extLst>
               <a:ext uri="{FF2B5EF4-FFF2-40B4-BE49-F238E27FC236}">
-                <a16:creationId xmlns:a16="http://schemas.microsoft.com/office/drawing/2014/main" id="{F81EB419-4FF8-40A0-8AA9-4F643B8FE99D}"/>
+                <a16:creationId xmlns:a16="http://schemas.microsoft.com/office/drawing/2014/main" id="{2B50B00E-4D8B-48FB-99D9-366288CE819E}"/>
               </a:ext>
             </a:extLst>
           </p:cNvPr>
@@ -12643,42 +12791,87 @@
           <a:bodyPr/>
           <a:lstStyle/>
           <a:p>
-            <a:pPr marL="0" indent="0">
-              <a:buNone/>
-            </a:pPr>
+            <a:r>
+              <a:rPr lang="nb-NO" dirty="0"/>
+              <a:t>Portalen:</a:t>
+            </a:r>
+          </a:p>
+          <a:p>
+            <a:pPr lvl="1"/>
+            <a:r>
+              <a:rPr lang="nb-NO" dirty="0" err="1"/>
+              <a:t>Pek&amp;Klikk</a:t>
+            </a:r>
             <a:endParaRPr lang="nb-NO" dirty="0"/>
           </a:p>
           <a:p>
-            <a:pPr marL="0" indent="0">
-              <a:buNone/>
-            </a:pPr>
+            <a:r>
+              <a:rPr lang="nb-NO" dirty="0" err="1"/>
+              <a:t>Powershell</a:t>
+            </a:r>
             <a:endParaRPr lang="nb-NO" dirty="0"/>
           </a:p>
           <a:p>
-            <a:pPr marL="0" indent="0">
-              <a:buNone/>
-            </a:pPr>
-            <a:endParaRPr lang="nb-NO" dirty="0"/>
-          </a:p>
-          <a:p>
-            <a:pPr marL="0" indent="0">
-              <a:buNone/>
-            </a:pPr>
+            <a:pPr lvl="1"/>
+            <a:r>
+              <a:rPr lang="nb-NO" dirty="0"/>
+              <a:t>Også tilgjengelig i Azure Shell (portalen)</a:t>
+            </a:r>
+          </a:p>
+          <a:p>
+            <a:r>
+              <a:rPr lang="nb-NO" dirty="0"/>
+              <a:t>Azure CLI</a:t>
+            </a:r>
+          </a:p>
+          <a:p>
+            <a:pPr lvl="1"/>
+            <a:r>
+              <a:rPr lang="nb-NO" dirty="0"/>
+              <a:t>Kommandolinjebasert – Kryss-</a:t>
+            </a:r>
             <a:r>
               <a:rPr lang="nb-NO" dirty="0" err="1"/>
-              <a:t>git</a:t>
+              <a:t>platform</a:t>
+            </a:r>
+            <a:r>
+              <a:rPr lang="nb-NO" dirty="0"/>
+              <a:t>. </a:t>
+            </a:r>
+          </a:p>
+          <a:p>
+            <a:pPr lvl="1"/>
+            <a:r>
+              <a:rPr lang="nb-NO" dirty="0"/>
+              <a:t>Tilgjengelig </a:t>
+            </a:r>
+          </a:p>
+          <a:p>
+            <a:r>
+              <a:rPr lang="nb-NO" dirty="0"/>
+              <a:t>ARM-</a:t>
+            </a:r>
+            <a:r>
+              <a:rPr lang="nb-NO" dirty="0" err="1"/>
+              <a:t>templates</a:t>
             </a:r>
             <a:r>
               <a:rPr lang="nb-NO" dirty="0"/>
               <a:t> </a:t>
             </a:r>
-            <a:r>
-              <a:rPr lang="nb-NO" dirty="0" err="1"/>
-              <a:t>clone</a:t>
-            </a:r>
+          </a:p>
+          <a:p>
+            <a:pPr lvl="1"/>
             <a:r>
               <a:rPr lang="nb-NO" dirty="0"/>
-              <a:t> https://github.com/bouvet/azure-workshops.git</a:t>
+              <a:t>Deklarativt</a:t>
+            </a:r>
+          </a:p>
+          <a:p>
+            <a:pPr lvl="1"/>
+            <a:r>
+              <a:rPr lang="nb-NO" dirty="0"/>
+              <a:t>Inkrementell</a:t>
             </a:r>
           </a:p>
         </p:txBody>
@@ -12688,7 +12881,7 @@
           <p:cNvPr id="3" name="Title 2">
             <a:extLst>
               <a:ext uri="{FF2B5EF4-FFF2-40B4-BE49-F238E27FC236}">
-                <a16:creationId xmlns:a16="http://schemas.microsoft.com/office/drawing/2014/main" id="{0096E8AF-1C3A-47EF-B8C2-A833D9C9E19C}"/>
+                <a16:creationId xmlns:a16="http://schemas.microsoft.com/office/drawing/2014/main" id="{8AA29BD5-5596-42B5-91B3-8E6E37314DD9}"/>
               </a:ext>
             </a:extLst>
           </p:cNvPr>
@@ -12706,15 +12899,7 @@
           <a:p>
             <a:r>
               <a:rPr lang="nb-NO" dirty="0"/>
-              <a:t>Over to </a:t>
-            </a:r>
-            <a:r>
-              <a:rPr lang="nb-NO" dirty="0" err="1"/>
-              <a:t>you</a:t>
-            </a:r>
-            <a:r>
-              <a:rPr lang="nb-NO" dirty="0"/>
-              <a:t>..</a:t>
+              <a:t>Opprettelse av ressurser i Azure. </a:t>
             </a:r>
           </a:p>
         </p:txBody>
@@ -12722,7 +12907,7 @@
     </p:spTree>
     <p:extLst>
       <p:ext uri="{BB962C8B-B14F-4D97-AF65-F5344CB8AC3E}">
-        <p14:creationId xmlns:p14="http://schemas.microsoft.com/office/powerpoint/2010/main" val="1310100219"/>
+        <p14:creationId xmlns:p14="http://schemas.microsoft.com/office/powerpoint/2010/main" val="2632851856"/>
       </p:ext>
     </p:extLst>
   </p:cSld>
@@ -12776,68 +12961,16 @@
           <a:lstStyle/>
           <a:p>
             <a:r>
-              <a:rPr lang="nb-NO" dirty="0" err="1"/>
-              <a:t>App</a:t>
-            </a:r>
-            <a:r>
               <a:rPr lang="nb-NO" dirty="0"/>
-              <a:t> Services: </a:t>
+              <a:t>App Services: </a:t>
             </a:r>
           </a:p>
           <a:p>
             <a:pPr lvl="1"/>
             <a:r>
               <a:rPr lang="nb-NO" dirty="0"/>
-              <a:t>Web </a:t>
-            </a:r>
-            <a:r>
-              <a:rPr lang="nb-NO" dirty="0" err="1"/>
-              <a:t>Apps</a:t>
-            </a:r>
-            <a:endParaRPr lang="nb-NO" dirty="0"/>
-          </a:p>
-          <a:p>
-            <a:pPr lvl="1"/>
-            <a:r>
-              <a:rPr lang="nb-NO" dirty="0"/>
-              <a:t>Web </a:t>
-            </a:r>
-            <a:r>
-              <a:rPr lang="nb-NO" dirty="0" err="1"/>
-              <a:t>Apps</a:t>
-            </a:r>
-            <a:r>
-              <a:rPr lang="nb-NO" dirty="0"/>
-              <a:t> for Containers</a:t>
-            </a:r>
-          </a:p>
-          <a:p>
-            <a:pPr lvl="1"/>
-            <a:r>
-              <a:rPr lang="nb-NO" dirty="0"/>
-              <a:t>API </a:t>
-            </a:r>
-            <a:r>
-              <a:rPr lang="nb-NO" dirty="0" err="1"/>
-              <a:t>Apps</a:t>
-            </a:r>
-            <a:endParaRPr lang="nb-NO" dirty="0"/>
-          </a:p>
-          <a:p>
-            <a:pPr lvl="1"/>
-            <a:r>
-              <a:rPr lang="nb-NO" dirty="0"/>
-              <a:t>Mobile </a:t>
-            </a:r>
-            <a:r>
-              <a:rPr lang="nb-NO" dirty="0" err="1"/>
-              <a:t>Apps</a:t>
-            </a:r>
-            <a:endParaRPr lang="nb-NO" dirty="0"/>
-          </a:p>
-          <a:p>
-            <a:pPr lvl="1"/>
-            <a:endParaRPr lang="nb-NO" dirty="0"/>
+              <a:t>Web Apps, Web Apps for Containers, API Apps, Mobile Apps</a:t>
+            </a:r>
           </a:p>
           <a:p>
             <a:r>
@@ -12848,13 +12981,35 @@
           <a:p>
             <a:r>
               <a:rPr lang="nb-NO" dirty="0"/>
-              <a:t>Skalering / </a:t>
-            </a:r>
-            <a:r>
-              <a:rPr lang="nb-NO" dirty="0" err="1"/>
-              <a:t>Autoskalering</a:t>
-            </a:r>
-            <a:endParaRPr lang="nb-NO" dirty="0"/>
+              <a:t>I praksis: Internet Informasjon Server (webserver) som en tjeneste</a:t>
+            </a:r>
+          </a:p>
+          <a:p>
+            <a:r>
+              <a:rPr lang="nb-NO" dirty="0"/>
+              <a:t>Mange features:</a:t>
+            </a:r>
+          </a:p>
+          <a:p>
+            <a:pPr lvl="1"/>
+            <a:r>
+              <a:rPr lang="nb-NO" dirty="0"/>
+              <a:t>Skalering / Autoskalering</a:t>
+            </a:r>
+          </a:p>
+          <a:p>
+            <a:pPr lvl="1"/>
+            <a:r>
+              <a:rPr lang="nb-NO" dirty="0"/>
+              <a:t>Deployment slots / AB-testing</a:t>
+            </a:r>
+          </a:p>
+          <a:p>
+            <a:pPr lvl="1"/>
+            <a:r>
+              <a:rPr lang="nb-NO" dirty="0"/>
+              <a:t>...</a:t>
+            </a:r>
           </a:p>
         </p:txBody>
       </p:sp>
@@ -12904,7 +13059,7 @@
 </file>
 
 <file path=ppt/slides/slide17.xml><?xml version="1.0" encoding="utf-8"?>
-<p:sld xmlns:a="http://schemas.openxmlformats.org/drawingml/2006/main" xmlns:r="http://schemas.openxmlformats.org/officeDocument/2006/relationships" xmlns:p="http://schemas.openxmlformats.org/presentationml/2006/main">
+<p:sld xmlns:a="http://schemas.openxmlformats.org/drawingml/2006/main" xmlns:r="http://schemas.openxmlformats.org/officeDocument/2006/relationships" xmlns:p="http://schemas.openxmlformats.org/presentationml/2006/main" show="0">
   <p:cSld>
     <p:spTree>
       <p:nvGrpSpPr>
@@ -17767,7 +17922,7 @@
           <p:nvPr/>
         </p:nvPicPr>
         <p:blipFill>
-          <a:blip r:embed="rId2">
+          <a:blip r:embed="rId3">
             <a:duotone>
               <a:prstClr val="black"/>
               <a:schemeClr val="tx2">
@@ -17800,14 +17955,14 @@
           </a:ln>
           <a:extLst>
             <a:ext uri="{909E8E84-426E-40dd-AFC4-6F175D3DCCD1}">
-              <a14:hiddenFill xmlns="" xmlns:a14="http://schemas.microsoft.com/office/drawing/2010/main" xmlns:lc="http://schemas.openxmlformats.org/drawingml/2006/lockedCanvas">
+              <a14:hiddenFill xmlns:lc="http://schemas.openxmlformats.org/drawingml/2006/lockedCanvas" xmlns:a14="http://schemas.microsoft.com/office/drawing/2010/main" xmlns="">
                 <a:solidFill>
                   <a:srgbClr val="FFFFFF"/>
                 </a:solidFill>
               </a14:hiddenFill>
             </a:ext>
             <a:ext uri="{91240B29-F687-4f45-9708-019B960494DF}">
-              <a14:hiddenLine xmlns="" xmlns:a14="http://schemas.microsoft.com/office/drawing/2010/main" xmlns:lc="http://schemas.openxmlformats.org/drawingml/2006/lockedCanvas" w="9525">
+              <a14:hiddenLine xmlns:lc="http://schemas.openxmlformats.org/drawingml/2006/lockedCanvas" xmlns:a14="http://schemas.microsoft.com/office/drawing/2010/main" xmlns="" w="9525">
                 <a:solidFill>
                   <a:srgbClr val="000000"/>
                 </a:solidFill>
@@ -17963,7 +18118,7 @@
           <p:nvPr/>
         </p:nvPicPr>
         <p:blipFill>
-          <a:blip r:embed="rId2">
+          <a:blip r:embed="rId3">
             <a:duotone>
               <a:prstClr val="black"/>
               <a:schemeClr val="tx2">
@@ -17996,14 +18151,14 @@
           </a:ln>
           <a:extLst>
             <a:ext uri="{909E8E84-426E-40dd-AFC4-6F175D3DCCD1}">
-              <a14:hiddenFill xmlns="" xmlns:a14="http://schemas.microsoft.com/office/drawing/2010/main" xmlns:lc="http://schemas.openxmlformats.org/drawingml/2006/lockedCanvas">
+              <a14:hiddenFill xmlns:lc="http://schemas.openxmlformats.org/drawingml/2006/lockedCanvas" xmlns:a14="http://schemas.microsoft.com/office/drawing/2010/main" xmlns="">
                 <a:solidFill>
                   <a:srgbClr val="FFFFFF"/>
                 </a:solidFill>
               </a14:hiddenFill>
             </a:ext>
             <a:ext uri="{91240B29-F687-4f45-9708-019B960494DF}">
-              <a14:hiddenLine xmlns="" xmlns:a14="http://schemas.microsoft.com/office/drawing/2010/main" xmlns:lc="http://schemas.openxmlformats.org/drawingml/2006/lockedCanvas" w="9525">
+              <a14:hiddenLine xmlns:lc="http://schemas.openxmlformats.org/drawingml/2006/lockedCanvas" xmlns:a14="http://schemas.microsoft.com/office/drawing/2010/main" xmlns="" w="9525">
                 <a:solidFill>
                   <a:srgbClr val="000000"/>
                 </a:solidFill>
@@ -18431,7 +18586,7 @@
           <p:nvPr/>
         </p:nvPicPr>
         <p:blipFill>
-          <a:blip r:embed="rId2">
+          <a:blip r:embed="rId3">
             <a:duotone>
               <a:prstClr val="black"/>
               <a:schemeClr val="tx2">
@@ -18464,14 +18619,14 @@
           </a:ln>
           <a:extLst>
             <a:ext uri="{909E8E84-426E-40dd-AFC4-6F175D3DCCD1}">
-              <a14:hiddenFill xmlns="" xmlns:a14="http://schemas.microsoft.com/office/drawing/2010/main" xmlns:lc="http://schemas.openxmlformats.org/drawingml/2006/lockedCanvas">
+              <a14:hiddenFill xmlns:lc="http://schemas.openxmlformats.org/drawingml/2006/lockedCanvas" xmlns:a14="http://schemas.microsoft.com/office/drawing/2010/main" xmlns="">
                 <a:solidFill>
                   <a:srgbClr val="FFFFFF"/>
                 </a:solidFill>
               </a14:hiddenFill>
             </a:ext>
             <a:ext uri="{91240B29-F687-4f45-9708-019B960494DF}">
-              <a14:hiddenLine xmlns="" xmlns:a14="http://schemas.microsoft.com/office/drawing/2010/main" xmlns:lc="http://schemas.openxmlformats.org/drawingml/2006/lockedCanvas" w="9525">
+              <a14:hiddenLine xmlns:lc="http://schemas.openxmlformats.org/drawingml/2006/lockedCanvas" xmlns:a14="http://schemas.microsoft.com/office/drawing/2010/main" xmlns="" w="9525">
                 <a:solidFill>
                   <a:srgbClr val="000000"/>
                 </a:solidFill>
@@ -19151,7 +19306,7 @@
           <p:nvPr/>
         </p:nvPicPr>
         <p:blipFill>
-          <a:blip r:embed="rId3">
+          <a:blip r:embed="rId4">
             <a:extLst>
               <a:ext uri="{28A0092B-C50C-407E-A947-70E740481C1C}">
                 <a14:useLocalDpi xmlns:a14="http://schemas.microsoft.com/office/drawing/2010/main" val="0"/>
@@ -19177,14 +19332,14 @@
           </a:ln>
           <a:extLst>
             <a:ext uri="{909E8E84-426E-40dd-AFC4-6F175D3DCCD1}">
-              <a14:hiddenFill xmlns="" xmlns:a14="http://schemas.microsoft.com/office/drawing/2010/main" xmlns:lc="http://schemas.openxmlformats.org/drawingml/2006/lockedCanvas">
+              <a14:hiddenFill xmlns:lc="http://schemas.openxmlformats.org/drawingml/2006/lockedCanvas" xmlns:a14="http://schemas.microsoft.com/office/drawing/2010/main" xmlns="">
                 <a:solidFill>
                   <a:srgbClr val="FFFFFF"/>
                 </a:solidFill>
               </a14:hiddenFill>
             </a:ext>
             <a:ext uri="{91240B29-F687-4f45-9708-019B960494DF}">
-              <a14:hiddenLine xmlns="" xmlns:a14="http://schemas.microsoft.com/office/drawing/2010/main" xmlns:lc="http://schemas.openxmlformats.org/drawingml/2006/lockedCanvas" w="9525">
+              <a14:hiddenLine xmlns:lc="http://schemas.openxmlformats.org/drawingml/2006/lockedCanvas" xmlns:a14="http://schemas.microsoft.com/office/drawing/2010/main" xmlns="" w="9525">
                 <a:solidFill>
                   <a:srgbClr val="000000"/>
                 </a:solidFill>
@@ -19211,7 +19366,7 @@
           <p:nvPr/>
         </p:nvPicPr>
         <p:blipFill>
-          <a:blip r:embed="rId3">
+          <a:blip r:embed="rId4">
             <a:extLst>
               <a:ext uri="{28A0092B-C50C-407E-A947-70E740481C1C}">
                 <a14:useLocalDpi xmlns:a14="http://schemas.microsoft.com/office/drawing/2010/main" val="0"/>
@@ -19237,14 +19392,14 @@
           </a:ln>
           <a:extLst>
             <a:ext uri="{909E8E84-426E-40dd-AFC4-6F175D3DCCD1}">
-              <a14:hiddenFill xmlns="" xmlns:a14="http://schemas.microsoft.com/office/drawing/2010/main" xmlns:lc="http://schemas.openxmlformats.org/drawingml/2006/lockedCanvas">
+              <a14:hiddenFill xmlns:lc="http://schemas.openxmlformats.org/drawingml/2006/lockedCanvas" xmlns:a14="http://schemas.microsoft.com/office/drawing/2010/main" xmlns="">
                 <a:solidFill>
                   <a:srgbClr val="FFFFFF"/>
                 </a:solidFill>
               </a14:hiddenFill>
             </a:ext>
             <a:ext uri="{91240B29-F687-4f45-9708-019B960494DF}">
-              <a14:hiddenLine xmlns="" xmlns:a14="http://schemas.microsoft.com/office/drawing/2010/main" xmlns:lc="http://schemas.openxmlformats.org/drawingml/2006/lockedCanvas" w="9525">
+              <a14:hiddenLine xmlns:lc="http://schemas.openxmlformats.org/drawingml/2006/lockedCanvas" xmlns:a14="http://schemas.microsoft.com/office/drawing/2010/main" xmlns="" w="9525">
                 <a:solidFill>
                   <a:srgbClr val="000000"/>
                 </a:solidFill>
@@ -19325,22 +19480,14 @@
             <a:pPr lvl="1"/>
             <a:r>
               <a:rPr lang="nb-NO" dirty="0"/>
-              <a:t>Sikker </a:t>
-            </a:r>
-            <a:r>
-              <a:rPr lang="nb-NO" dirty="0" err="1"/>
-              <a:t>sandbox</a:t>
-            </a:r>
+              <a:t>Sikker sandbox («VM») som separeres fra andre App Service Plan.</a:t>
+            </a:r>
+          </a:p>
+          <a:p>
+            <a:pPr lvl="1"/>
             <a:r>
               <a:rPr lang="nb-NO" dirty="0"/>
-              <a:t> som separeres fra andre. </a:t>
-            </a:r>
-          </a:p>
-          <a:p>
-            <a:pPr lvl="1"/>
-            <a:r>
-              <a:rPr lang="nb-NO" dirty="0"/>
-              <a:t>Sikrer et minimum av ressurser</a:t>
+              <a:t>Sikrer et minimum av ressurser.</a:t>
             </a:r>
           </a:p>
           <a:p>
@@ -19761,7 +19908,7 @@
           <p:cNvPr id="2" name="Content Placeholder 1">
             <a:extLst>
               <a:ext uri="{FF2B5EF4-FFF2-40B4-BE49-F238E27FC236}">
-                <a16:creationId xmlns:a16="http://schemas.microsoft.com/office/drawing/2014/main" id="{7D03F87C-38F4-44C8-ADEC-4C9CAB1A9D62}"/>
+                <a16:creationId xmlns:a16="http://schemas.microsoft.com/office/drawing/2014/main" id="{DDB7E498-3C4D-40F4-9886-096A6156A712}"/>
               </a:ext>
             </a:extLst>
           </p:cNvPr>
@@ -19777,6 +19924,7 @@
           <a:bodyPr/>
           <a:lstStyle/>
           <a:p>
+            <a:pPr lvl="1"/>
             <a:endParaRPr lang="nb-NO" dirty="0"/>
           </a:p>
         </p:txBody>
@@ -19786,7 +19934,7 @@
           <p:cNvPr id="3" name="Title 2">
             <a:extLst>
               <a:ext uri="{FF2B5EF4-FFF2-40B4-BE49-F238E27FC236}">
-                <a16:creationId xmlns:a16="http://schemas.microsoft.com/office/drawing/2014/main" id="{CA1A20A2-D44C-4984-9C77-6E47414B095E}"/>
+                <a16:creationId xmlns:a16="http://schemas.microsoft.com/office/drawing/2014/main" id="{FF17F895-AE5B-489F-851C-DF70FA11E094}"/>
               </a:ext>
             </a:extLst>
           </p:cNvPr>
@@ -19803,117 +19951,20 @@
           <a:lstStyle/>
           <a:p>
             <a:r>
-              <a:rPr lang="nb-NO" dirty="0"/>
-              <a:t>Sammenligning – </a:t>
-            </a:r>
-            <a:r>
               <a:rPr lang="nb-NO" dirty="0" err="1"/>
               <a:t>App</a:t>
             </a:r>
             <a:r>
               <a:rPr lang="nb-NO" dirty="0"/>
-              <a:t> Service Plans</a:t>
-            </a:r>
-          </a:p>
-        </p:txBody>
-      </p:sp>
-      <p:sp>
-        <p:nvSpPr>
-          <p:cNvPr id="4" name="Title 4">
-            <a:extLst>
-              <a:ext uri="{FF2B5EF4-FFF2-40B4-BE49-F238E27FC236}">
-                <a16:creationId xmlns:a16="http://schemas.microsoft.com/office/drawing/2014/main" id="{1CFA2441-7CC3-429A-8B08-88E874E03ED1}"/>
-              </a:ext>
-            </a:extLst>
-          </p:cNvPr>
-          <p:cNvSpPr>
-            <a:spLocks noGrp="1"/>
-          </p:cNvSpPr>
-          <p:nvPr/>
-        </p:nvSpPr>
-        <p:spPr>
-          <a:xfrm>
-            <a:off x="151218" y="1086326"/>
-            <a:ext cx="11889564" cy="917575"/>
-          </a:xfrm>
-          <a:prstGeom prst="rect">
-            <a:avLst/>
-          </a:prstGeom>
-        </p:spPr>
-        <p:txBody>
-          <a:bodyPr vert="horz" wrap="square" lIns="146304" tIns="91440" rIns="146304" bIns="91440" rtlCol="0" anchor="t">
-            <a:noAutofit/>
-          </a:bodyPr>
-          <a:lstStyle>
-            <a:lvl1pPr algn="l" defTabSz="932742" rtl="0" eaLnBrk="1" latinLnBrk="0" hangingPunct="1">
-              <a:lnSpc>
-                <a:spcPct val="90000"/>
-              </a:lnSpc>
-              <a:spcBef>
-                <a:spcPct val="0"/>
-              </a:spcBef>
-              <a:buNone/>
-              <a:defRPr lang="en-US" sz="4800" b="0" kern="1200" cap="none" spc="-102" baseline="0" dirty="0" smtClean="0">
-                <a:ln w="3175">
-                  <a:noFill/>
-                </a:ln>
-                <a:gradFill>
-                  <a:gsLst>
-                    <a:gs pos="1250">
-                      <a:schemeClr val="tx1"/>
-                    </a:gs>
-                    <a:gs pos="100000">
-                      <a:schemeClr val="tx1"/>
-                    </a:gs>
-                  </a:gsLst>
-                  <a:lin ang="5400000" scaled="0"/>
-                </a:gradFill>
-                <a:effectLst/>
-                <a:latin typeface="+mj-lt"/>
-                <a:ea typeface="+mn-ea"/>
-                <a:cs typeface="Segoe UI" pitchFamily="34" charset="0"/>
-              </a:defRPr>
-            </a:lvl1pPr>
-          </a:lstStyle>
-          <a:p>
-            <a:endParaRPr lang="en-US" dirty="0"/>
-          </a:p>
-        </p:txBody>
-      </p:sp>
-      <p:pic>
-        <p:nvPicPr>
-          <p:cNvPr id="5" name="table">
-            <a:extLst>
-              <a:ext uri="{FF2B5EF4-FFF2-40B4-BE49-F238E27FC236}">
-                <a16:creationId xmlns:a16="http://schemas.microsoft.com/office/drawing/2014/main" id="{0766ED58-11DF-4C63-9EF6-6C60B06F3158}"/>
-              </a:ext>
-            </a:extLst>
-          </p:cNvPr>
-          <p:cNvPicPr>
-            <a:picLocks noChangeAspect="1"/>
-          </p:cNvPicPr>
-          <p:nvPr/>
-        </p:nvPicPr>
-        <p:blipFill>
-          <a:blip r:embed="rId2"/>
-          <a:stretch>
-            <a:fillRect/>
-          </a:stretch>
-        </p:blipFill>
-        <p:spPr>
-          <a:xfrm>
-            <a:off x="1205248" y="2804954"/>
-            <a:ext cx="9779136" cy="2966720"/>
-          </a:xfrm>
-          <a:prstGeom prst="rect">
-            <a:avLst/>
-          </a:prstGeom>
-        </p:spPr>
-      </p:pic>
+              <a:t> Service Plan - Demo</a:t>
+            </a:r>
+          </a:p>
+        </p:txBody>
+      </p:sp>
     </p:spTree>
     <p:extLst>
       <p:ext uri="{BB962C8B-B14F-4D97-AF65-F5344CB8AC3E}">
-        <p14:creationId xmlns:p14="http://schemas.microsoft.com/office/powerpoint/2010/main" val="1352880328"/>
+        <p14:creationId xmlns:p14="http://schemas.microsoft.com/office/powerpoint/2010/main" val="2537136117"/>
       </p:ext>
     </p:extLst>
   </p:cSld>
@@ -19945,7 +19996,7 @@
           <p:cNvPr id="2" name="Content Placeholder 1">
             <a:extLst>
               <a:ext uri="{FF2B5EF4-FFF2-40B4-BE49-F238E27FC236}">
-                <a16:creationId xmlns:a16="http://schemas.microsoft.com/office/drawing/2014/main" id="{DDB7E498-3C4D-40F4-9886-096A6156A712}"/>
+                <a16:creationId xmlns:a16="http://schemas.microsoft.com/office/drawing/2014/main" id="{895C6091-B1B2-48AE-89DD-B7BCAB05B048}"/>
               </a:ext>
             </a:extLst>
           </p:cNvPr>
@@ -19961,8 +20012,10 @@
           <a:bodyPr/>
           <a:lstStyle/>
           <a:p>
-            <a:pPr lvl="1"/>
-            <a:endParaRPr lang="nb-NO" dirty="0"/>
+            <a:r>
+              <a:rPr lang="nb-NO" dirty="0"/>
+              <a:t>Gå til Leksjon_2</a:t>
+            </a:r>
           </a:p>
         </p:txBody>
       </p:sp>
@@ -19971,7 +20024,7 @@
           <p:cNvPr id="3" name="Title 2">
             <a:extLst>
               <a:ext uri="{FF2B5EF4-FFF2-40B4-BE49-F238E27FC236}">
-                <a16:creationId xmlns:a16="http://schemas.microsoft.com/office/drawing/2014/main" id="{FF17F895-AE5B-489F-851C-DF70FA11E094}"/>
+                <a16:creationId xmlns:a16="http://schemas.microsoft.com/office/drawing/2014/main" id="{4025217D-9654-43CD-86BD-02296206444E}"/>
               </a:ext>
             </a:extLst>
           </p:cNvPr>
@@ -19988,12 +20041,8 @@
           <a:lstStyle/>
           <a:p>
             <a:r>
-              <a:rPr lang="nb-NO" dirty="0" err="1"/>
-              <a:t>App</a:t>
-            </a:r>
-            <a:r>
               <a:rPr lang="nb-NO" dirty="0"/>
-              <a:t> Service Plan - Demo</a:t>
+              <a:t>Leksjon 2: </a:t>
             </a:r>
           </a:p>
         </p:txBody>
@@ -20001,7 +20050,7 @@
     </p:spTree>
     <p:extLst>
       <p:ext uri="{BB962C8B-B14F-4D97-AF65-F5344CB8AC3E}">
-        <p14:creationId xmlns:p14="http://schemas.microsoft.com/office/powerpoint/2010/main" val="2537136117"/>
+        <p14:creationId xmlns:p14="http://schemas.microsoft.com/office/powerpoint/2010/main" val="1289281607"/>
       </p:ext>
     </p:extLst>
   </p:cSld>
@@ -20033,7 +20082,7 @@
           <p:cNvPr id="2" name="Content Placeholder 1">
             <a:extLst>
               <a:ext uri="{FF2B5EF4-FFF2-40B4-BE49-F238E27FC236}">
-                <a16:creationId xmlns:a16="http://schemas.microsoft.com/office/drawing/2014/main" id="{1F79401F-EEF2-4234-884F-6B9F884FA979}"/>
+                <a16:creationId xmlns:a16="http://schemas.microsoft.com/office/drawing/2014/main" id="{D490908C-9173-4AFD-8FE0-364E1E34A7C0}"/>
               </a:ext>
             </a:extLst>
           </p:cNvPr>
@@ -20051,45 +20100,118 @@
           <a:p>
             <a:r>
               <a:rPr lang="nb-NO" dirty="0"/>
-              <a:t>Tjeneste </a:t>
-            </a:r>
-          </a:p>
-          <a:p>
+              <a:t>Azure SQL Database</a:t>
+            </a:r>
+          </a:p>
+          <a:p>
+            <a:pPr lvl="1"/>
             <a:r>
               <a:rPr lang="nb-NO" dirty="0"/>
-              <a:t>Sikker lagring av </a:t>
+              <a:t>SQL Server som tjeneste i skyen (*)</a:t>
+            </a:r>
+          </a:p>
+          <a:p>
+            <a:r>
+              <a:rPr lang="nb-NO" dirty="0"/>
+              <a:t>Cosmos DB</a:t>
+            </a:r>
+          </a:p>
+          <a:p>
+            <a:pPr lvl="1"/>
+            <a:r>
+              <a:rPr lang="nb-NO" dirty="0"/>
+              <a:t>No-SQL-database</a:t>
+            </a:r>
+          </a:p>
+          <a:p>
+            <a:pPr lvl="1"/>
+            <a:r>
+              <a:rPr lang="nb-NO" dirty="0"/>
+              <a:t>Global skalering.</a:t>
+            </a:r>
+          </a:p>
+          <a:p>
+            <a:pPr lvl="1"/>
+            <a:r>
+              <a:rPr lang="nb-NO" dirty="0"/>
+              <a:t>Tilbyr forskjellige </a:t>
             </a:r>
             <a:r>
               <a:rPr lang="nb-NO" dirty="0" err="1"/>
-              <a:t>secrets</a:t>
+              <a:t>APIer</a:t>
             </a:r>
             <a:r>
               <a:rPr lang="nb-NO" dirty="0"/>
-              <a:t> (f.eks. passord) og sertifikater i Azure</a:t>
-            </a:r>
-          </a:p>
-          <a:p>
+              <a:t>: </a:t>
+            </a:r>
+            <a:r>
+              <a:rPr lang="nb-NO" dirty="0" err="1"/>
+              <a:t>DocumentDB</a:t>
+            </a:r>
+            <a:r>
+              <a:rPr lang="nb-NO" dirty="0"/>
+              <a:t> API </a:t>
+            </a:r>
+            <a:r>
+              <a:rPr lang="nb-NO" dirty="0" err="1"/>
+              <a:t>Sql</a:t>
+            </a:r>
+            <a:r>
+              <a:rPr lang="nb-NO" dirty="0"/>
+              <a:t> API, </a:t>
+            </a:r>
+            <a:r>
+              <a:rPr lang="nb-NO" dirty="0" err="1"/>
+              <a:t>Table</a:t>
+            </a:r>
+            <a:r>
+              <a:rPr lang="nb-NO" dirty="0"/>
+              <a:t> Storage API</a:t>
+            </a:r>
+          </a:p>
+          <a:p>
+            <a:r>
+              <a:rPr lang="nb-NO" dirty="0"/>
+              <a:t>Azure Storage</a:t>
+            </a:r>
+          </a:p>
+          <a:p>
+            <a:r>
+              <a:rPr lang="nb-NO" dirty="0" err="1"/>
+              <a:t>MySql</a:t>
+            </a:r>
+            <a:r>
+              <a:rPr lang="nb-NO" dirty="0"/>
+              <a:t>, </a:t>
+            </a:r>
+            <a:r>
+              <a:rPr lang="nb-NO" dirty="0" err="1"/>
+              <a:t>PostgreSQL</a:t>
+            </a:r>
+            <a:r>
+              <a:rPr lang="nb-NO" dirty="0"/>
+              <a:t> ++</a:t>
+            </a:r>
+          </a:p>
+          <a:p>
+            <a:pPr marL="357187" lvl="1" indent="0">
+              <a:buNone/>
+            </a:pPr>
             <a:endParaRPr lang="nb-NO" dirty="0"/>
           </a:p>
           <a:p>
-            <a:endParaRPr lang="nb-NO" dirty="0"/>
-          </a:p>
-          <a:p>
-            <a:endParaRPr lang="nb-NO" dirty="0"/>
-          </a:p>
-          <a:p>
-            <a:endParaRPr lang="nb-NO" dirty="0"/>
-          </a:p>
-          <a:p>
-            <a:endParaRPr lang="nb-NO" dirty="0"/>
-          </a:p>
-          <a:p>
+            <a:r>
+              <a:rPr lang="nb-NO" dirty="0" err="1"/>
+              <a:t>Polyglot</a:t>
+            </a:r>
             <a:r>
               <a:rPr lang="nb-NO" dirty="0"/>
-              <a:t>Demo</a:t>
-            </a:r>
-          </a:p>
-          <a:p>
+              <a:t> </a:t>
+            </a:r>
+            <a:r>
+              <a:rPr lang="nb-NO" dirty="0" err="1"/>
+              <a:t>storage</a:t>
+            </a:r>
             <a:endParaRPr lang="nb-NO" dirty="0"/>
           </a:p>
         </p:txBody>
@@ -20099,7 +20221,7 @@
           <p:cNvPr id="3" name="Title 2">
             <a:extLst>
               <a:ext uri="{FF2B5EF4-FFF2-40B4-BE49-F238E27FC236}">
-                <a16:creationId xmlns:a16="http://schemas.microsoft.com/office/drawing/2014/main" id="{67F3484C-440F-4FA5-8833-85E89A9F8F08}"/>
+                <a16:creationId xmlns:a16="http://schemas.microsoft.com/office/drawing/2014/main" id="{2D643F29-E495-45DA-8818-6E3C14AAC138}"/>
               </a:ext>
             </a:extLst>
           </p:cNvPr>
@@ -20117,20 +20239,15 @@
           <a:p>
             <a:r>
               <a:rPr lang="nb-NO" dirty="0"/>
-              <a:t>Key </a:t>
-            </a:r>
-            <a:r>
-              <a:rPr lang="nb-NO" dirty="0" err="1"/>
-              <a:t>Vault</a:t>
-            </a:r>
-            <a:endParaRPr lang="nb-NO" dirty="0"/>
+              <a:t>Lagring i Azure</a:t>
+            </a:r>
           </a:p>
         </p:txBody>
       </p:sp>
     </p:spTree>
     <p:extLst>
       <p:ext uri="{BB962C8B-B14F-4D97-AF65-F5344CB8AC3E}">
-        <p14:creationId xmlns:p14="http://schemas.microsoft.com/office/powerpoint/2010/main" val="881317300"/>
+        <p14:creationId xmlns:p14="http://schemas.microsoft.com/office/powerpoint/2010/main" val="2592611348"/>
       </p:ext>
     </p:extLst>
   </p:cSld>
@@ -20162,7 +20279,7 @@
           <p:cNvPr id="2" name="Content Placeholder 1">
             <a:extLst>
               <a:ext uri="{FF2B5EF4-FFF2-40B4-BE49-F238E27FC236}">
-                <a16:creationId xmlns:a16="http://schemas.microsoft.com/office/drawing/2014/main" id="{80AA05E5-BB1E-4E59-B3A6-8050741140A1}"/>
+                <a16:creationId xmlns:a16="http://schemas.microsoft.com/office/drawing/2014/main" id="{84881E36-17DD-47AC-9D31-D92677B39250}"/>
               </a:ext>
             </a:extLst>
           </p:cNvPr>
@@ -20178,7 +20295,86 @@
           <a:bodyPr/>
           <a:lstStyle/>
           <a:p>
-            <a:endParaRPr lang="nb-NO"/>
+            <a:r>
+              <a:rPr lang="nb-NO" dirty="0"/>
+              <a:t>En Storage </a:t>
+            </a:r>
+            <a:r>
+              <a:rPr lang="nb-NO" dirty="0" err="1"/>
+              <a:t>Account</a:t>
+            </a:r>
+            <a:r>
+              <a:rPr lang="nb-NO" dirty="0"/>
+              <a:t> kan inneholde</a:t>
+            </a:r>
+          </a:p>
+          <a:p>
+            <a:pPr lvl="1"/>
+            <a:r>
+              <a:rPr lang="nb-NO" dirty="0" err="1"/>
+              <a:t>Tables</a:t>
+            </a:r>
+            <a:endParaRPr lang="nb-NO" dirty="0"/>
+          </a:p>
+          <a:p>
+            <a:pPr lvl="1"/>
+            <a:r>
+              <a:rPr lang="nb-NO" dirty="0" err="1"/>
+              <a:t>Blobs</a:t>
+            </a:r>
+            <a:endParaRPr lang="nb-NO" dirty="0"/>
+          </a:p>
+          <a:p>
+            <a:pPr lvl="1"/>
+            <a:r>
+              <a:rPr lang="nb-NO" dirty="0"/>
+              <a:t>Files		</a:t>
+            </a:r>
+          </a:p>
+          <a:p>
+            <a:pPr lvl="1"/>
+            <a:r>
+              <a:rPr lang="nb-NO" dirty="0"/>
+              <a:t>Queues</a:t>
+            </a:r>
+          </a:p>
+          <a:p>
+            <a:r>
+              <a:rPr lang="nb-NO" dirty="0" err="1"/>
+              <a:t>Backup</a:t>
+            </a:r>
+            <a:endParaRPr lang="nb-NO" dirty="0"/>
+          </a:p>
+          <a:p>
+            <a:pPr lvl="1"/>
+            <a:r>
+              <a:rPr lang="nb-NO" dirty="0"/>
+              <a:t>LRS = Locally redundant zone, Georedundant</a:t>
+            </a:r>
+          </a:p>
+          <a:p>
+            <a:pPr lvl="1"/>
+            <a:r>
+              <a:rPr lang="nb-NO" dirty="0"/>
+              <a:t>Ingen konvensjonell backup </a:t>
+            </a:r>
+          </a:p>
+          <a:p>
+            <a:pPr lvl="2"/>
+            <a:r>
+              <a:rPr lang="nb-NO" dirty="0"/>
+              <a:t>Må </a:t>
+            </a:r>
+          </a:p>
+          <a:p>
+            <a:pPr marL="0" indent="0">
+              <a:buNone/>
+            </a:pPr>
+            <a:endParaRPr lang="nb-NO" dirty="0"/>
+          </a:p>
+          <a:p>
+            <a:pPr lvl="1"/>
+            <a:endParaRPr lang="nb-NO" dirty="0"/>
           </a:p>
         </p:txBody>
       </p:sp>
@@ -20187,7 +20383,7 @@
           <p:cNvPr id="3" name="Title 2">
             <a:extLst>
               <a:ext uri="{FF2B5EF4-FFF2-40B4-BE49-F238E27FC236}">
-                <a16:creationId xmlns:a16="http://schemas.microsoft.com/office/drawing/2014/main" id="{36AE5D29-1F11-4D5C-A83E-B7CDA2A2069C}"/>
+                <a16:creationId xmlns:a16="http://schemas.microsoft.com/office/drawing/2014/main" id="{3A44980B-3341-43C3-A0A1-B3BFA4124E1E}"/>
               </a:ext>
             </a:extLst>
           </p:cNvPr>
@@ -20205,15 +20401,7 @@
           <a:p>
             <a:r>
               <a:rPr lang="nb-NO" dirty="0"/>
-              <a:t>Key </a:t>
-            </a:r>
-            <a:r>
-              <a:rPr lang="nb-NO" dirty="0" err="1"/>
-              <a:t>Vault</a:t>
-            </a:r>
-            <a:r>
-              <a:rPr lang="nb-NO" dirty="0"/>
-              <a:t> Demo</a:t>
+              <a:t>Azure Storage</a:t>
             </a:r>
           </a:p>
         </p:txBody>
@@ -20221,7 +20409,7 @@
     </p:spTree>
     <p:extLst>
       <p:ext uri="{BB962C8B-B14F-4D97-AF65-F5344CB8AC3E}">
-        <p14:creationId xmlns:p14="http://schemas.microsoft.com/office/powerpoint/2010/main" val="607609166"/>
+        <p14:creationId xmlns:p14="http://schemas.microsoft.com/office/powerpoint/2010/main" val="2901878225"/>
       </p:ext>
     </p:extLst>
   </p:cSld>
@@ -20253,7 +20441,7 @@
           <p:cNvPr id="2" name="Content Placeholder 1">
             <a:extLst>
               <a:ext uri="{FF2B5EF4-FFF2-40B4-BE49-F238E27FC236}">
-                <a16:creationId xmlns:a16="http://schemas.microsoft.com/office/drawing/2014/main" id="{D490908C-9173-4AFD-8FE0-364E1E34A7C0}"/>
+                <a16:creationId xmlns:a16="http://schemas.microsoft.com/office/drawing/2014/main" id="{CAB297BF-582A-46FF-8394-92F3E72178C3}"/>
               </a:ext>
             </a:extLst>
           </p:cNvPr>
@@ -20271,118 +20459,104 @@
           <a:p>
             <a:r>
               <a:rPr lang="nb-NO" dirty="0"/>
-              <a:t>Azure SQL Database</a:t>
+              <a:t>Lagrer filer i Containere i en Storage </a:t>
+            </a:r>
+            <a:r>
+              <a:rPr lang="nb-NO" dirty="0" err="1"/>
+              <a:t>account</a:t>
+            </a:r>
+            <a:endParaRPr lang="nb-NO" dirty="0"/>
+          </a:p>
+          <a:p>
+            <a:r>
+              <a:rPr lang="nb-NO" dirty="0"/>
+              <a:t>Virtuell katalogstruktur</a:t>
+            </a:r>
+          </a:p>
+          <a:p>
+            <a:r>
+              <a:rPr lang="nb-NO" dirty="0"/>
+              <a:t>Støtte for SAS-tokens:</a:t>
             </a:r>
           </a:p>
           <a:p>
             <a:pPr lvl="1"/>
             <a:r>
+              <a:rPr lang="nb-NO" dirty="0" err="1"/>
+              <a:t>Shared</a:t>
+            </a:r>
+            <a:r>
               <a:rPr lang="nb-NO" dirty="0"/>
-              <a:t>SQL Server som tjeneste i skyen (*)</a:t>
-            </a:r>
-          </a:p>
-          <a:p>
+              <a:t>-Access </a:t>
+            </a:r>
+            <a:r>
+              <a:rPr lang="nb-NO" dirty="0" err="1"/>
+              <a:t>Signature</a:t>
+            </a:r>
             <a:r>
               <a:rPr lang="nb-NO" dirty="0"/>
-              <a:t>Cosmos DB</a:t>
+              <a:t> – gir </a:t>
             </a:r>
           </a:p>
           <a:p>
             <a:pPr lvl="1"/>
             <a:r>
               <a:rPr lang="nb-NO" dirty="0"/>
-              <a:t>No-SQL-database</a:t>
-            </a:r>
+              <a:t>Eneste måten å dele </a:t>
+            </a:r>
+            <a:r>
+              <a:rPr lang="nb-NO" dirty="0" err="1"/>
+              <a:t>blobs</a:t>
+            </a:r>
+            <a:r>
+              <a:rPr lang="nb-NO" dirty="0"/>
+              <a:t> på uten å gi vekk </a:t>
+            </a:r>
+            <a:r>
+              <a:rPr lang="nb-NO" dirty="0" err="1"/>
+              <a:t>Account-key</a:t>
+            </a:r>
+            <a:r>
+              <a:rPr lang="nb-NO" dirty="0"/>
+              <a:t> eller gjøre de fullt </a:t>
+            </a:r>
+            <a:r>
+              <a:rPr lang="nb-NO" dirty="0" err="1"/>
+              <a:t>public</a:t>
+            </a:r>
+            <a:endParaRPr lang="nb-NO" dirty="0"/>
           </a:p>
           <a:p>
             <a:pPr lvl="1"/>
             <a:r>
               <a:rPr lang="nb-NO" dirty="0"/>
-              <a:t>Global skalering.</a:t>
+              <a:t>Read-Write-</a:t>
+            </a:r>
+            <a:r>
+              <a:rPr lang="nb-NO" dirty="0" err="1"/>
+              <a:t>Delete</a:t>
+            </a:r>
+            <a:r>
+              <a:rPr lang="nb-NO" dirty="0"/>
+              <a:t>-List</a:t>
             </a:r>
           </a:p>
           <a:p>
             <a:pPr lvl="1"/>
             <a:r>
               <a:rPr lang="nb-NO" dirty="0"/>
-              <a:t>Tilbyr forskjellige </a:t>
-            </a:r>
-            <a:r>
-              <a:rPr lang="nb-NO" dirty="0" err="1"/>
-              <a:t>APIer</a:t>
-            </a:r>
+              <a:t>Gyldig fra-til</a:t>
+            </a:r>
+          </a:p>
+          <a:p>
+            <a:pPr lvl="1"/>
             <a:r>
               <a:rPr lang="nb-NO" dirty="0"/>
-              <a:t>: </a:t>
-            </a:r>
-            <a:r>
-              <a:rPr lang="nb-NO" dirty="0" err="1"/>
-              <a:t>DocumentDB</a:t>
-            </a:r>
-            <a:r>
-              <a:rPr lang="nb-NO" dirty="0"/>
-              <a:t> API </a:t>
-            </a:r>
-            <a:r>
-              <a:rPr lang="nb-NO" dirty="0" err="1"/>
-              <a:t>Sql</a:t>
-            </a:r>
-            <a:r>
-              <a:rPr lang="nb-NO" dirty="0"/>
-              <a:t> API, </a:t>
-            </a:r>
-            <a:r>
-              <a:rPr lang="nb-NO" dirty="0" err="1"/>
-              <a:t>Table</a:t>
-            </a:r>
-            <a:r>
-              <a:rPr lang="nb-NO" dirty="0"/>
-              <a:t> Storage API</a:t>
-            </a:r>
-          </a:p>
-          <a:p>
-            <a:r>
-              <a:rPr lang="nb-NO" dirty="0"/>
-              <a:t>Azure Storage</a:t>
-            </a:r>
-          </a:p>
-          <a:p>
-            <a:r>
-              <a:rPr lang="nb-NO" dirty="0" err="1"/>
-              <a:t>MySql</a:t>
-            </a:r>
-            <a:r>
-              <a:rPr lang="nb-NO" dirty="0"/>
-              <a:t>, </a:t>
-            </a:r>
-            <a:r>
-              <a:rPr lang="nb-NO" dirty="0" err="1"/>
-              <a:t>PostgreSQL</a:t>
-            </a:r>
-            <a:r>
-              <a:rPr lang="nb-NO" dirty="0"/>
-              <a:t> ++</a:t>
-            </a:r>
-          </a:p>
-          <a:p>
-            <a:pPr marL="357187" lvl="1" indent="0">
-              <a:buNone/>
-            </a:pPr>
-            <a:endParaRPr lang="nb-NO" dirty="0"/>
-          </a:p>
-          <a:p>
-            <a:r>
-              <a:rPr lang="nb-NO" dirty="0" err="1"/>
-              <a:t>Polyglot</a:t>
-            </a:r>
-            <a:r>
-              <a:rPr lang="nb-NO" dirty="0"/>
-              <a:t> </a:t>
-            </a:r>
-            <a:r>
-              <a:rPr lang="nb-NO" dirty="0" err="1"/>
-              <a:t>storage</a:t>
-            </a:r>
+              <a:t>IP-restriksjoner </a:t>
+            </a:r>
+          </a:p>
+          <a:p>
+            <a:pPr lvl="1"/>
             <a:endParaRPr lang="nb-NO" dirty="0"/>
           </a:p>
         </p:txBody>
@@ -20392,7 +20566,7 @@
           <p:cNvPr id="3" name="Title 2">
             <a:extLst>
               <a:ext uri="{FF2B5EF4-FFF2-40B4-BE49-F238E27FC236}">
-                <a16:creationId xmlns:a16="http://schemas.microsoft.com/office/drawing/2014/main" id="{2D643F29-E495-45DA-8818-6E3C14AAC138}"/>
+                <a16:creationId xmlns:a16="http://schemas.microsoft.com/office/drawing/2014/main" id="{E37AEFC3-3D48-4189-ABC2-65C8CD28CADC}"/>
               </a:ext>
             </a:extLst>
           </p:cNvPr>
@@ -20410,15 +20584,20 @@
           <a:p>
             <a:r>
               <a:rPr lang="nb-NO" dirty="0"/>
-              <a:t>Lagring i Azure</a:t>
-            </a:r>
+              <a:t>Azure </a:t>
+            </a:r>
+            <a:r>
+              <a:rPr lang="nb-NO" dirty="0" err="1"/>
+              <a:t>Blobs</a:t>
+            </a:r>
+            <a:endParaRPr lang="nb-NO" dirty="0"/>
           </a:p>
         </p:txBody>
       </p:sp>
     </p:spTree>
     <p:extLst>
       <p:ext uri="{BB962C8B-B14F-4D97-AF65-F5344CB8AC3E}">
-        <p14:creationId xmlns:p14="http://schemas.microsoft.com/office/powerpoint/2010/main" val="2592611348"/>
+        <p14:creationId xmlns:p14="http://schemas.microsoft.com/office/powerpoint/2010/main" val="508552992"/>
       </p:ext>
     </p:extLst>
   </p:cSld>
@@ -20450,7 +20629,7 @@
           <p:cNvPr id="2" name="Content Placeholder 1">
             <a:extLst>
               <a:ext uri="{FF2B5EF4-FFF2-40B4-BE49-F238E27FC236}">
-                <a16:creationId xmlns:a16="http://schemas.microsoft.com/office/drawing/2014/main" id="{84881E36-17DD-47AC-9D31-D92677B39250}"/>
+                <a16:creationId xmlns:a16="http://schemas.microsoft.com/office/drawing/2014/main" id="{CB3D7126-09B8-439E-9A87-0615A359EEA9}"/>
               </a:ext>
             </a:extLst>
           </p:cNvPr>
@@ -20466,83 +20645,85 @@
           <a:bodyPr/>
           <a:lstStyle/>
           <a:p>
+            <a:endParaRPr lang="nb-NO" dirty="0"/>
+          </a:p>
+          <a:p>
+            <a:r>
+              <a:rPr lang="nb-NO" dirty="0" err="1"/>
+              <a:t>NoSQL</a:t>
+            </a:r>
             <a:r>
               <a:rPr lang="nb-NO" dirty="0"/>
-              <a:t>En Storage </a:t>
+              <a:t>  - No </a:t>
             </a:r>
             <a:r>
               <a:rPr lang="nb-NO" dirty="0" err="1"/>
-              <a:t>Account</a:t>
+              <a:t>Schema</a:t>
             </a:r>
             <a:r>
               <a:rPr lang="nb-NO" dirty="0"/>
-              <a:t> kan inneholde</a:t>
-            </a:r>
-          </a:p>
-          <a:p>
-            <a:pPr lvl="1"/>
+              <a:t>.</a:t>
+            </a:r>
+          </a:p>
+          <a:p>
+            <a:r>
+              <a:rPr lang="nb-NO" dirty="0"/>
+              <a:t>Ingen relasjoner mellom tabellene.</a:t>
+            </a:r>
+          </a:p>
+          <a:p>
             <a:r>
               <a:rPr lang="nb-NO" dirty="0" err="1"/>
-              <a:t>Tables</a:t>
-            </a:r>
-            <a:endParaRPr lang="nb-NO" dirty="0"/>
-          </a:p>
-          <a:p>
-            <a:pPr lvl="1"/>
+              <a:t>PartitionKey</a:t>
+            </a:r>
+            <a:r>
+              <a:rPr lang="nb-NO" dirty="0"/>
+              <a:t> og </a:t>
+            </a:r>
             <a:r>
               <a:rPr lang="nb-NO" dirty="0" err="1"/>
-              <a:t>Blobs</a:t>
-            </a:r>
-            <a:endParaRPr lang="nb-NO" dirty="0"/>
-          </a:p>
-          <a:p>
-            <a:pPr lvl="1"/>
+              <a:t>RowKey</a:t>
+            </a:r>
             <a:r>
               <a:rPr lang="nb-NO" dirty="0"/>
-              <a:t>Files		</a:t>
-            </a:r>
-          </a:p>
-          <a:p>
-            <a:pPr lvl="1"/>
+              <a:t> eneste indekserte kolonner.</a:t>
+            </a:r>
+          </a:p>
+          <a:p>
+            <a:r>
+              <a:rPr lang="nb-NO" dirty="0" err="1"/>
+              <a:t>PartitionKey</a:t>
+            </a:r>
             <a:r>
               <a:rPr lang="nb-NO" dirty="0"/>
-              <a:t>Queues</a:t>
-            </a:r>
-          </a:p>
-          <a:p>
-            <a:r>
-              <a:rPr lang="nb-NO" dirty="0" err="1"/>
-              <a:t>Backup</a:t>
-            </a:r>
-            <a:endParaRPr lang="nb-NO" dirty="0"/>
-          </a:p>
-          <a:p>
-            <a:pPr lvl="1"/>
+              <a:t> viktig for skalering.</a:t>
+            </a:r>
+          </a:p>
+          <a:p>
             <a:r>
               <a:rPr lang="nb-NO" dirty="0"/>
-              <a:t>LRS, GRS</a:t>
-            </a:r>
-          </a:p>
-          <a:p>
-            <a:pPr lvl="1"/>
-            <a:r>
-              <a:rPr lang="nb-NO" dirty="0"/>
-              <a:t>Ingen konvensjonell </a:t>
-            </a:r>
-            <a:r>
-              <a:rPr lang="nb-NO" dirty="0" err="1"/>
-              <a:t>backup</a:t>
-            </a:r>
-            <a:endParaRPr lang="nb-NO" dirty="0"/>
-          </a:p>
-          <a:p>
-            <a:pPr marL="0" indent="0">
+              <a:t>Hvis brukt riktig, veldig kjapt og rimelig.</a:t>
+            </a:r>
+          </a:p>
+          <a:p>
+            <a:pPr marL="357187" lvl="1" indent="0">
               <a:buNone/>
             </a:pPr>
             <a:endParaRPr lang="nb-NO" dirty="0"/>
           </a:p>
           <a:p>
-            <a:pPr lvl="1"/>
+            <a:endParaRPr lang="nb-NO" dirty="0"/>
+          </a:p>
+          <a:p>
+            <a:endParaRPr lang="nb-NO" dirty="0"/>
+          </a:p>
+          <a:p>
+            <a:endParaRPr lang="nb-NO" dirty="0"/>
+          </a:p>
+          <a:p>
+            <a:endParaRPr lang="nb-NO" dirty="0"/>
+          </a:p>
+          <a:p>
             <a:endParaRPr lang="nb-NO" dirty="0"/>
           </a:p>
         </p:txBody>
@@ -20552,7 +20733,7 @@
           <p:cNvPr id="3" name="Title 2">
             <a:extLst>
               <a:ext uri="{FF2B5EF4-FFF2-40B4-BE49-F238E27FC236}">
-                <a16:creationId xmlns:a16="http://schemas.microsoft.com/office/drawing/2014/main" id="{3A44980B-3341-43C3-A0A1-B3BFA4124E1E}"/>
+                <a16:creationId xmlns:a16="http://schemas.microsoft.com/office/drawing/2014/main" id="{D5539BD5-2FC2-4EC3-ABFF-042605F357E3}"/>
               </a:ext>
             </a:extLst>
           </p:cNvPr>
@@ -20570,15 +20751,20 @@
           <a:p>
             <a:r>
               <a:rPr lang="nb-NO" dirty="0"/>
-              <a:t>Azure Storage</a:t>
-            </a:r>
+              <a:t>Azure </a:t>
+            </a:r>
+            <a:r>
+              <a:rPr lang="nb-NO" dirty="0" err="1"/>
+              <a:t>Tables</a:t>
+            </a:r>
+            <a:endParaRPr lang="nb-NO" dirty="0"/>
           </a:p>
         </p:txBody>
       </p:sp>
     </p:spTree>
     <p:extLst>
       <p:ext uri="{BB962C8B-B14F-4D97-AF65-F5344CB8AC3E}">
-        <p14:creationId xmlns:p14="http://schemas.microsoft.com/office/powerpoint/2010/main" val="2901878225"/>
+        <p14:creationId xmlns:p14="http://schemas.microsoft.com/office/powerpoint/2010/main" val="231224547"/>
       </p:ext>
     </p:extLst>
   </p:cSld>
@@ -20610,7 +20796,7 @@
           <p:cNvPr id="2" name="Content Placeholder 1">
             <a:extLst>
               <a:ext uri="{FF2B5EF4-FFF2-40B4-BE49-F238E27FC236}">
-                <a16:creationId xmlns:a16="http://schemas.microsoft.com/office/drawing/2014/main" id="{CAB297BF-582A-46FF-8394-92F3E72178C3}"/>
+                <a16:creationId xmlns:a16="http://schemas.microsoft.com/office/drawing/2014/main" id="{4053DEA3-4405-4C73-BC1B-0B697CA99CD2}"/>
               </a:ext>
             </a:extLst>
           </p:cNvPr>
@@ -20626,110 +20812,7 @@
           <a:bodyPr/>
           <a:lstStyle/>
           <a:p>
-            <a:r>
-              <a:rPr lang="nb-NO" dirty="0"/>
-              <a:t>Lagrer filer i Containere i en Storage </a:t>
-            </a:r>
-            <a:r>
-              <a:rPr lang="nb-NO" dirty="0" err="1"/>
-              <a:t>account</a:t>
-            </a:r>
-            <a:endParaRPr lang="nb-NO" dirty="0"/>
-          </a:p>
-          <a:p>
-            <a:r>
-              <a:rPr lang="nb-NO" dirty="0"/>
-              <a:t>Virtuell katalogstruktur</a:t>
-            </a:r>
-          </a:p>
-          <a:p>
-            <a:endParaRPr lang="nb-NO" dirty="0"/>
-          </a:p>
-          <a:p>
-            <a:r>
-              <a:rPr lang="nb-NO" dirty="0"/>
-              <a:t>Støtte for SAS-tokens:</a:t>
-            </a:r>
-          </a:p>
-          <a:p>
-            <a:pPr lvl="1"/>
-            <a:r>
-              <a:rPr lang="nb-NO" dirty="0" err="1"/>
-              <a:t>Shared</a:t>
-            </a:r>
-            <a:r>
-              <a:rPr lang="nb-NO" dirty="0"/>
-              <a:t>-Access </a:t>
-            </a:r>
-            <a:r>
-              <a:rPr lang="nb-NO" dirty="0" err="1"/>
-              <a:t>Signature</a:t>
-            </a:r>
-            <a:r>
-              <a:rPr lang="nb-NO" dirty="0"/>
-              <a:t> – gir </a:t>
-            </a:r>
-          </a:p>
-          <a:p>
-            <a:pPr lvl="1"/>
-            <a:r>
-              <a:rPr lang="nb-NO" dirty="0"/>
-              <a:t>Eneste måten å dele </a:t>
-            </a:r>
-            <a:r>
-              <a:rPr lang="nb-NO" dirty="0" err="1"/>
-              <a:t>blobs</a:t>
-            </a:r>
-            <a:r>
-              <a:rPr lang="nb-NO" dirty="0"/>
-              <a:t> på uten å gi vekk </a:t>
-            </a:r>
-            <a:r>
-              <a:rPr lang="nb-NO" dirty="0" err="1"/>
-              <a:t>Account-key</a:t>
-            </a:r>
-            <a:r>
-              <a:rPr lang="nb-NO" dirty="0"/>
-              <a:t> eller gjøre de fullt </a:t>
-            </a:r>
-            <a:r>
-              <a:rPr lang="nb-NO" dirty="0" err="1"/>
-              <a:t>public</a:t>
-            </a:r>
-            <a:endParaRPr lang="nb-NO" dirty="0"/>
-          </a:p>
-          <a:p>
-            <a:pPr lvl="1"/>
-            <a:r>
-              <a:rPr lang="nb-NO" dirty="0"/>
-              <a:t>Read-Write-</a:t>
-            </a:r>
-            <a:r>
-              <a:rPr lang="nb-NO" dirty="0" err="1"/>
-              <a:t>Delete</a:t>
-            </a:r>
-            <a:r>
-              <a:rPr lang="nb-NO" dirty="0"/>
-              <a:t>-List</a:t>
-            </a:r>
-          </a:p>
-          <a:p>
-            <a:pPr lvl="1"/>
-            <a:r>
-              <a:rPr lang="nb-NO" dirty="0"/>
-              <a:t>Gyldig fra-til</a:t>
-            </a:r>
-          </a:p>
-          <a:p>
-            <a:pPr lvl="1"/>
-            <a:r>
-              <a:rPr lang="nb-NO" dirty="0"/>
-              <a:t>IP-restriksjoner </a:t>
-            </a:r>
-          </a:p>
-          <a:p>
-            <a:pPr lvl="1"/>
-            <a:endParaRPr lang="nb-NO" dirty="0"/>
+            <a:endParaRPr lang="nb-NO"/>
           </a:p>
         </p:txBody>
       </p:sp>
@@ -20738,7 +20821,7 @@
           <p:cNvPr id="3" name="Title 2">
             <a:extLst>
               <a:ext uri="{FF2B5EF4-FFF2-40B4-BE49-F238E27FC236}">
-                <a16:creationId xmlns:a16="http://schemas.microsoft.com/office/drawing/2014/main" id="{E37AEFC3-3D48-4189-ABC2-65C8CD28CADC}"/>
+                <a16:creationId xmlns:a16="http://schemas.microsoft.com/office/drawing/2014/main" id="{4098D8D6-0722-4559-B467-00605CFF825C}"/>
               </a:ext>
             </a:extLst>
           </p:cNvPr>
@@ -20756,20 +20839,15 @@
           <a:p>
             <a:r>
               <a:rPr lang="nb-NO" dirty="0"/>
-              <a:t>Azure </a:t>
-            </a:r>
-            <a:r>
-              <a:rPr lang="nb-NO" dirty="0" err="1"/>
-              <a:t>Blobs</a:t>
-            </a:r>
-            <a:endParaRPr lang="nb-NO" dirty="0"/>
+              <a:t>Demo Azure Storage</a:t>
+            </a:r>
           </a:p>
         </p:txBody>
       </p:sp>
     </p:spTree>
     <p:extLst>
       <p:ext uri="{BB962C8B-B14F-4D97-AF65-F5344CB8AC3E}">
-        <p14:creationId xmlns:p14="http://schemas.microsoft.com/office/powerpoint/2010/main" val="508552992"/>
+        <p14:creationId xmlns:p14="http://schemas.microsoft.com/office/powerpoint/2010/main" val="4092243870"/>
       </p:ext>
     </p:extLst>
   </p:cSld>
@@ -20801,7 +20879,7 @@
           <p:cNvPr id="2" name="Content Placeholder 1">
             <a:extLst>
               <a:ext uri="{FF2B5EF4-FFF2-40B4-BE49-F238E27FC236}">
-                <a16:creationId xmlns:a16="http://schemas.microsoft.com/office/drawing/2014/main" id="{CB3D7126-09B8-439E-9A87-0615A359EEA9}"/>
+                <a16:creationId xmlns:a16="http://schemas.microsoft.com/office/drawing/2014/main" id="{1ACCC628-5B33-4CC3-B4CB-9CE119D2F784}"/>
               </a:ext>
             </a:extLst>
           </p:cNvPr>
@@ -20817,86 +20895,10 @@
           <a:bodyPr/>
           <a:lstStyle/>
           <a:p>
-            <a:endParaRPr lang="nb-NO" dirty="0"/>
-          </a:p>
-          <a:p>
-            <a:r>
-              <a:rPr lang="nb-NO" dirty="0" err="1"/>
-              <a:t>NoSQL</a:t>
-            </a:r>
             <a:r>
               <a:rPr lang="nb-NO" dirty="0"/>
-              <a:t>  - No </a:t>
-            </a:r>
-            <a:r>
-              <a:rPr lang="nb-NO" dirty="0" err="1"/>
-              <a:t>Schema</a:t>
-            </a:r>
-            <a:r>
-              <a:rPr lang="nb-NO" dirty="0"/>
-              <a:t>.</a:t>
-            </a:r>
-          </a:p>
-          <a:p>
-            <a:r>
-              <a:rPr lang="nb-NO" dirty="0"/>
-              <a:t>Ingen relasjoner mellom tabellene.</a:t>
-            </a:r>
-          </a:p>
-          <a:p>
-            <a:r>
-              <a:rPr lang="nb-NO" dirty="0" err="1"/>
-              <a:t>PartitionKey</a:t>
-            </a:r>
-            <a:r>
-              <a:rPr lang="nb-NO" dirty="0"/>
-              <a:t> og </a:t>
-            </a:r>
-            <a:r>
-              <a:rPr lang="nb-NO" dirty="0" err="1"/>
-              <a:t>RowKey</a:t>
-            </a:r>
-            <a:r>
-              <a:rPr lang="nb-NO" dirty="0"/>
-              <a:t> eneste indekserte kolonner.</a:t>
-            </a:r>
-          </a:p>
-          <a:p>
-            <a:r>
-              <a:rPr lang="nb-NO" dirty="0" err="1"/>
-              <a:t>PartitionKey</a:t>
-            </a:r>
-            <a:r>
-              <a:rPr lang="nb-NO" dirty="0"/>
-              <a:t> viktig for skalering.</a:t>
-            </a:r>
-          </a:p>
-          <a:p>
-            <a:r>
-              <a:rPr lang="nb-NO" dirty="0"/>
-              <a:t>Hvis brukt riktig, veldig kjapt og rimelig.</a:t>
-            </a:r>
-          </a:p>
-          <a:p>
-            <a:pPr marL="357187" lvl="1" indent="0">
-              <a:buNone/>
-            </a:pPr>
-            <a:endParaRPr lang="nb-NO" dirty="0"/>
-          </a:p>
-          <a:p>
-            <a:endParaRPr lang="nb-NO" dirty="0"/>
-          </a:p>
-          <a:p>
-            <a:endParaRPr lang="nb-NO" dirty="0"/>
-          </a:p>
-          <a:p>
-            <a:endParaRPr lang="nb-NO" dirty="0"/>
-          </a:p>
-          <a:p>
-            <a:endParaRPr lang="nb-NO" dirty="0"/>
-          </a:p>
-          <a:p>
-            <a:endParaRPr lang="nb-NO" dirty="0"/>
+              <a:t>Gå til Leksjon_3</a:t>
+            </a:r>
           </a:p>
         </p:txBody>
       </p:sp>
@@ -20905,7 +20907,7 @@
           <p:cNvPr id="3" name="Title 2">
             <a:extLst>
               <a:ext uri="{FF2B5EF4-FFF2-40B4-BE49-F238E27FC236}">
-                <a16:creationId xmlns:a16="http://schemas.microsoft.com/office/drawing/2014/main" id="{D5539BD5-2FC2-4EC3-ABFF-042605F357E3}"/>
+                <a16:creationId xmlns:a16="http://schemas.microsoft.com/office/drawing/2014/main" id="{B3AE7162-F3B9-413F-9750-80A72DA03927}"/>
               </a:ext>
             </a:extLst>
           </p:cNvPr>
@@ -20923,20 +20925,15 @@
           <a:p>
             <a:r>
               <a:rPr lang="nb-NO" dirty="0"/>
-              <a:t>Azure </a:t>
-            </a:r>
-            <a:r>
-              <a:rPr lang="nb-NO" dirty="0" err="1"/>
-              <a:t>Tables</a:t>
-            </a:r>
-            <a:endParaRPr lang="nb-NO" dirty="0"/>
+              <a:t>Leksjon 3 : Azure storage</a:t>
+            </a:r>
           </a:p>
         </p:txBody>
       </p:sp>
     </p:spTree>
     <p:extLst>
       <p:ext uri="{BB962C8B-B14F-4D97-AF65-F5344CB8AC3E}">
-        <p14:creationId xmlns:p14="http://schemas.microsoft.com/office/powerpoint/2010/main" val="231224547"/>
+        <p14:creationId xmlns:p14="http://schemas.microsoft.com/office/powerpoint/2010/main" val="293191911"/>
       </p:ext>
     </p:extLst>
   </p:cSld>
@@ -20968,7 +20965,7 @@
           <p:cNvPr id="2" name="Content Placeholder 1">
             <a:extLst>
               <a:ext uri="{FF2B5EF4-FFF2-40B4-BE49-F238E27FC236}">
-                <a16:creationId xmlns:a16="http://schemas.microsoft.com/office/drawing/2014/main" id="{4053DEA3-4405-4C73-BC1B-0B697CA99CD2}"/>
+                <a16:creationId xmlns:a16="http://schemas.microsoft.com/office/drawing/2014/main" id="{1F79401F-EEF2-4234-884F-6B9F884FA979}"/>
               </a:ext>
             </a:extLst>
           </p:cNvPr>
@@ -20984,7 +20981,48 @@
           <a:bodyPr/>
           <a:lstStyle/>
           <a:p>
-            <a:endParaRPr lang="nb-NO"/>
+            <a:r>
+              <a:rPr lang="nb-NO" dirty="0"/>
+              <a:t>Tjeneste </a:t>
+            </a:r>
+          </a:p>
+          <a:p>
+            <a:r>
+              <a:rPr lang="nb-NO" dirty="0"/>
+              <a:t>Sikker lagring av </a:t>
+            </a:r>
+            <a:r>
+              <a:rPr lang="nb-NO" dirty="0" err="1"/>
+              <a:t>secrets</a:t>
+            </a:r>
+            <a:r>
+              <a:rPr lang="nb-NO" dirty="0"/>
+              <a:t> (f.eks. passord) og sertifikater i Azure</a:t>
+            </a:r>
+          </a:p>
+          <a:p>
+            <a:endParaRPr lang="nb-NO" dirty="0"/>
+          </a:p>
+          <a:p>
+            <a:endParaRPr lang="nb-NO" dirty="0"/>
+          </a:p>
+          <a:p>
+            <a:endParaRPr lang="nb-NO" dirty="0"/>
+          </a:p>
+          <a:p>
+            <a:endParaRPr lang="nb-NO" dirty="0"/>
+          </a:p>
+          <a:p>
+            <a:endParaRPr lang="nb-NO" dirty="0"/>
+          </a:p>
+          <a:p>
+            <a:r>
+              <a:rPr lang="nb-NO" dirty="0"/>
+              <a:t>Demo</a:t>
+            </a:r>
+          </a:p>
+          <a:p>
+            <a:endParaRPr lang="nb-NO" dirty="0"/>
           </a:p>
         </p:txBody>
       </p:sp>
@@ -20993,7 +21031,7 @@
           <p:cNvPr id="3" name="Title 2">
             <a:extLst>
               <a:ext uri="{FF2B5EF4-FFF2-40B4-BE49-F238E27FC236}">
-                <a16:creationId xmlns:a16="http://schemas.microsoft.com/office/drawing/2014/main" id="{4098D8D6-0722-4559-B467-00605CFF825C}"/>
+                <a16:creationId xmlns:a16="http://schemas.microsoft.com/office/drawing/2014/main" id="{67F3484C-440F-4FA5-8833-85E89A9F8F08}"/>
               </a:ext>
             </a:extLst>
           </p:cNvPr>
@@ -21004,22 +21042,32 @@
             <p:ph type="title"/>
           </p:nvPr>
         </p:nvSpPr>
-        <p:spPr/>
+        <p:spPr>
+          <a:xfrm>
+            <a:off x="1234800" y="199525"/>
+            <a:ext cx="10146506" cy="963024"/>
+          </a:xfrm>
+        </p:spPr>
         <p:txBody>
           <a:bodyPr/>
           <a:lstStyle/>
           <a:p>
             <a:r>
               <a:rPr lang="nb-NO" dirty="0"/>
-              <a:t>Demo Azure Storage</a:t>
-            </a:r>
+              <a:t>Key </a:t>
+            </a:r>
+            <a:r>
+              <a:rPr lang="nb-NO" dirty="0" err="1"/>
+              <a:t>Vault</a:t>
+            </a:r>
+            <a:endParaRPr lang="nb-NO" dirty="0"/>
           </a:p>
         </p:txBody>
       </p:sp>
     </p:spTree>
     <p:extLst>
       <p:ext uri="{BB962C8B-B14F-4D97-AF65-F5344CB8AC3E}">
-        <p14:creationId xmlns:p14="http://schemas.microsoft.com/office/powerpoint/2010/main" val="4092243870"/>
+        <p14:creationId xmlns:p14="http://schemas.microsoft.com/office/powerpoint/2010/main" val="881317300"/>
       </p:ext>
     </p:extLst>
   </p:cSld>
@@ -21082,18 +21130,9 @@
           <a:p>
             <a:pPr lvl="1"/>
             <a:r>
-              <a:rPr lang="nb-NO" dirty="0" err="1"/>
-              <a:t>App</a:t>
-            </a:r>
-            <a:r>
               <a:rPr lang="nb-NO" dirty="0"/>
-              <a:t> Service, Azure Storage, Key </a:t>
-            </a:r>
-            <a:r>
-              <a:rPr lang="nb-NO" dirty="0" err="1"/>
-              <a:t>Vault</a:t>
-            </a:r>
-            <a:endParaRPr lang="nb-NO" dirty="0"/>
+              <a:t>App Service, Azure Storage, Bonus: Key Vault</a:t>
+            </a:r>
           </a:p>
           <a:p>
             <a:r>
@@ -21112,7 +21151,20 @@
           <a:p>
             <a:r>
               <a:rPr lang="nb-NO" dirty="0"/>
-              <a:t>Workshop #3…</a:t>
+              <a:t>Workshop #3</a:t>
+            </a:r>
+          </a:p>
+          <a:p>
+            <a:pPr lvl="1"/>
+            <a:r>
+              <a:rPr lang="nb-NO" dirty="0"/>
+              <a:t>TBD (Hot tips: Serverless)</a:t>
+            </a:r>
+          </a:p>
+          <a:p>
+            <a:r>
+              <a:rPr lang="nb-NO" dirty="0"/>
+              <a:t>Workshop #4</a:t>
             </a:r>
           </a:p>
           <a:p>
@@ -21121,6 +21173,9 @@
               <a:rPr lang="nb-NO" dirty="0"/>
               <a:t>TBD</a:t>
             </a:r>
+          </a:p>
+          <a:p>
+            <a:endParaRPr lang="nb-NO" dirty="0"/>
           </a:p>
         </p:txBody>
       </p:sp>
@@ -21160,6 +21215,97 @@
     <p:extLst>
       <p:ext uri="{BB962C8B-B14F-4D97-AF65-F5344CB8AC3E}">
         <p14:creationId xmlns:p14="http://schemas.microsoft.com/office/powerpoint/2010/main" val="667589173"/>
+      </p:ext>
+    </p:extLst>
+  </p:cSld>
+  <p:clrMapOvr>
+    <a:masterClrMapping/>
+  </p:clrMapOvr>
+</p:sld>
+</file>
+
+<file path=ppt/slides/slide30.xml><?xml version="1.0" encoding="utf-8"?>
+<p:sld xmlns:a="http://schemas.openxmlformats.org/drawingml/2006/main" xmlns:r="http://schemas.openxmlformats.org/officeDocument/2006/relationships" xmlns:p="http://schemas.openxmlformats.org/presentationml/2006/main">
+  <p:cSld>
+    <p:spTree>
+      <p:nvGrpSpPr>
+        <p:cNvPr id="1" name=""/>
+        <p:cNvGrpSpPr/>
+        <p:nvPr/>
+      </p:nvGrpSpPr>
+      <p:grpSpPr>
+        <a:xfrm>
+          <a:off x="0" y="0"/>
+          <a:ext cx="0" cy="0"/>
+          <a:chOff x="0" y="0"/>
+          <a:chExt cx="0" cy="0"/>
+        </a:xfrm>
+      </p:grpSpPr>
+      <p:sp>
+        <p:nvSpPr>
+          <p:cNvPr id="2" name="Content Placeholder 1">
+            <a:extLst>
+              <a:ext uri="{FF2B5EF4-FFF2-40B4-BE49-F238E27FC236}">
+                <a16:creationId xmlns:a16="http://schemas.microsoft.com/office/drawing/2014/main" id="{80AA05E5-BB1E-4E59-B3A6-8050741140A1}"/>
+              </a:ext>
+            </a:extLst>
+          </p:cNvPr>
+          <p:cNvSpPr>
+            <a:spLocks noGrp="1"/>
+          </p:cNvSpPr>
+          <p:nvPr>
+            <p:ph idx="1"/>
+          </p:nvPr>
+        </p:nvSpPr>
+        <p:spPr/>
+        <p:txBody>
+          <a:bodyPr/>
+          <a:lstStyle/>
+          <a:p>
+            <a:endParaRPr lang="nb-NO"/>
+          </a:p>
+        </p:txBody>
+      </p:sp>
+      <p:sp>
+        <p:nvSpPr>
+          <p:cNvPr id="3" name="Title 2">
+            <a:extLst>
+              <a:ext uri="{FF2B5EF4-FFF2-40B4-BE49-F238E27FC236}">
+                <a16:creationId xmlns:a16="http://schemas.microsoft.com/office/drawing/2014/main" id="{36AE5D29-1F11-4D5C-A83E-B7CDA2A2069C}"/>
+              </a:ext>
+            </a:extLst>
+          </p:cNvPr>
+          <p:cNvSpPr>
+            <a:spLocks noGrp="1"/>
+          </p:cNvSpPr>
+          <p:nvPr>
+            <p:ph type="title"/>
+          </p:nvPr>
+        </p:nvSpPr>
+        <p:spPr/>
+        <p:txBody>
+          <a:bodyPr/>
+          <a:lstStyle/>
+          <a:p>
+            <a:r>
+              <a:rPr lang="nb-NO" dirty="0"/>
+              <a:t>Key </a:t>
+            </a:r>
+            <a:r>
+              <a:rPr lang="nb-NO" dirty="0" err="1"/>
+              <a:t>Vault</a:t>
+            </a:r>
+            <a:r>
+              <a:rPr lang="nb-NO" dirty="0"/>
+              <a:t> Demo</a:t>
+            </a:r>
+          </a:p>
+        </p:txBody>
+      </p:sp>
+    </p:spTree>
+    <p:extLst>
+      <p:ext uri="{BB962C8B-B14F-4D97-AF65-F5344CB8AC3E}">
+        <p14:creationId xmlns:p14="http://schemas.microsoft.com/office/powerpoint/2010/main" val="607609166"/>
       </p:ext>
     </p:extLst>
   </p:cSld>
@@ -21218,26 +21364,25 @@
           <a:p>
             <a:r>
               <a:rPr lang="nb-NO" dirty="0"/>
-              <a:t>Kostnader</a:t>
-            </a:r>
-          </a:p>
-          <a:p>
-            <a:r>
-              <a:rPr lang="nb-NO" dirty="0" err="1"/>
-              <a:t>App</a:t>
-            </a:r>
-            <a:endParaRPr lang="nb-NO" dirty="0"/>
+              <a:t>Leksjon 1: Kostnader</a:t>
+            </a:r>
           </a:p>
           <a:p>
             <a:r>
               <a:rPr lang="nb-NO" dirty="0"/>
-              <a:t>Leksjon 1 : </a:t>
+              <a:t>Leksjon 2: App Service-tjenesten</a:t>
             </a:r>
           </a:p>
           <a:p>
             <a:r>
               <a:rPr lang="nb-NO" dirty="0"/>
-              <a:t>Leksjon 2 : </a:t>
+              <a:t>Leksjon 3 : Storage tjenesten</a:t>
+            </a:r>
+          </a:p>
+          <a:p>
+            <a:r>
+              <a:rPr lang="nb-NO" dirty="0"/>
+              <a:t>Bonus-leksjon: Key Vault </a:t>
             </a:r>
           </a:p>
         </p:txBody>
@@ -21457,6 +21602,25 @@
             <a:r>
               <a:rPr lang="nb-NO" dirty="0"/>
               <a:t>Sikkerhet</a:t>
+            </a:r>
+          </a:p>
+          <a:p>
+            <a:r>
+              <a:rPr lang="nb-NO" dirty="0"/>
+              <a:t>... Er drift av datasenter en del av </a:t>
+            </a:r>
+          </a:p>
+          <a:p>
+            <a:pPr lvl="1"/>
+            <a:r>
+              <a:rPr lang="nb-NO" dirty="0"/>
+              <a:t>... Hvis ikke, kanskje la Microsoft ta hånd om det.</a:t>
+            </a:r>
+          </a:p>
+          <a:p>
+            <a:r>
+              <a:rPr lang="nb-NO" dirty="0"/>
+              <a:t>...</a:t>
             </a:r>
           </a:p>
           <a:p>
@@ -23496,15 +23660,6 @@
 </file>
 
 <file path=customXml/item1.xml><?xml version="1.0" encoding="utf-8"?>
-<?mso-contentType ?>
-<FormTemplates xmlns="http://schemas.microsoft.com/sharepoint/v3/contenttype/forms">
-  <Display>DocumentLibraryForm</Display>
-  <Edit>DocumentLibraryForm</Edit>
-  <New>DocumentLibraryForm</New>
-</FormTemplates>
-</file>
-
-<file path=customXml/item2.xml><?xml version="1.0" encoding="utf-8"?>
 <ct:contentTypeSchema xmlns:ct="http://schemas.microsoft.com/office/2006/metadata/contentType" xmlns:ma="http://schemas.microsoft.com/office/2006/metadata/properties/metaAttributes" ct:_="" ma:_="" ma:contentTypeName="Document" ma:contentTypeID="0x0101005D3CE5A03C88D04F8FE0CC8617320B29" ma:contentTypeVersion="2" ma:contentTypeDescription="Create a new document." ma:contentTypeScope="" ma:versionID="23c508fadb5761cd27fdc7efc393bb78">
   <xsd:schema xmlns:xsd="http://www.w3.org/2001/XMLSchema" xmlns:xs="http://www.w3.org/2001/XMLSchema" xmlns:p="http://schemas.microsoft.com/office/2006/metadata/properties" xmlns:ns2="323bcd62-7d27-4513-9df1-9bc20f03554b" targetNamespace="http://schemas.microsoft.com/office/2006/metadata/properties" ma:root="true" ma:fieldsID="4120a6a9df7c81c23a4d646d2ccf1355" ns2:_="">
     <xsd:import namespace="323bcd62-7d27-4513-9df1-9bc20f03554b"/>
@@ -23636,6 +23791,15 @@
 </ct:contentTypeSchema>
 </file>
 
+<file path=customXml/item2.xml><?xml version="1.0" encoding="utf-8"?>
+<?mso-contentType ?>
+<FormTemplates xmlns="http://schemas.microsoft.com/sharepoint/v3/contenttype/forms">
+  <Display>DocumentLibraryForm</Display>
+  <Edit>DocumentLibraryForm</Edit>
+  <New>DocumentLibraryForm</New>
+</FormTemplates>
+</file>
+
 <file path=customXml/item3.xml><?xml version="1.0" encoding="utf-8"?>
 <p:properties xmlns:p="http://schemas.microsoft.com/office/2006/metadata/properties" xmlns:xsi="http://www.w3.org/2001/XMLSchema-instance" xmlns:pc="http://schemas.microsoft.com/office/infopath/2007/PartnerControls">
   <documentManagement/>
@@ -23643,14 +23807,6 @@
 </file>
 
 <file path=customXml/itemProps1.xml><?xml version="1.0" encoding="utf-8"?>
-<ds:datastoreItem xmlns:ds="http://schemas.openxmlformats.org/officeDocument/2006/customXml" ds:itemID="{BB82CC63-55FC-4D22-9ED3-DB88AF6228E1}">
-  <ds:schemaRefs>
-    <ds:schemaRef ds:uri="http://schemas.microsoft.com/sharepoint/v3/contenttype/forms"/>
-  </ds:schemaRefs>
-</ds:datastoreItem>
-</file>
-
-<file path=customXml/itemProps2.xml><?xml version="1.0" encoding="utf-8"?>
 <ds:datastoreItem xmlns:ds="http://schemas.openxmlformats.org/officeDocument/2006/customXml" ds:itemID="{0377EA4A-9170-43AD-A052-6EABC948F73F}">
   <ds:schemaRefs>
     <ds:schemaRef ds:uri="http://schemas.microsoft.com/office/2006/metadata/contentType"/>
@@ -23664,6 +23820,14 @@
     <ds:schemaRef ds:uri="http://purl.org/dc/elements/1.1/"/>
     <ds:schemaRef ds:uri="http://purl.org/dc/terms/"/>
     <ds:schemaRef ds:uri="http://schemas.microsoft.com/internal/obd"/>
+  </ds:schemaRefs>
+</ds:datastoreItem>
+</file>
+
+<file path=customXml/itemProps2.xml><?xml version="1.0" encoding="utf-8"?>
+<ds:datastoreItem xmlns:ds="http://schemas.openxmlformats.org/officeDocument/2006/customXml" ds:itemID="{BB82CC63-55FC-4D22-9ED3-DB88AF6228E1}">
+  <ds:schemaRefs>
+    <ds:schemaRef ds:uri="http://schemas.microsoft.com/sharepoint/v3/contenttype/forms"/>
   </ds:schemaRefs>
 </ds:datastoreItem>
 </file>

--- a/Workshop_1/Presentasjon/Azureskolen-Workshop#1.pptx
+++ b/Workshop_1/Presentasjon/Azureskolen-Workshop#1.pptx
@@ -245,7 +245,7 @@
           <a:p>
             <a:fld id="{54C52192-B826-4AE0-9CD6-BEA9467D12B3}" type="datetimeFigureOut">
               <a:rPr lang="nb-NO" smtClean="0"/>
-              <a:t>06.11.2018</a:t>
+              <a:t>20.11.2018</a:t>
             </a:fld>
             <a:endParaRPr lang="nb-NO"/>
           </a:p>
@@ -410,7 +410,7 @@
           <a:p>
             <a:fld id="{2696BCB2-2760-41B1-A1BE-7886EF110FCB}" type="datetimeFigureOut">
               <a:rPr lang="nb-NO" smtClean="0"/>
-              <a:t>06.11.2018</a:t>
+              <a:t>20.11.2018</a:t>
             </a:fld>
             <a:endParaRPr lang="nb-NO"/>
           </a:p>
@@ -17955,14 +17955,14 @@
           </a:ln>
           <a:extLst>
             <a:ext uri="{909E8E84-426E-40dd-AFC4-6F175D3DCCD1}">
-              <a14:hiddenFill xmlns:lc="http://schemas.openxmlformats.org/drawingml/2006/lockedCanvas" xmlns:a14="http://schemas.microsoft.com/office/drawing/2010/main" xmlns="">
+              <a14:hiddenFill xmlns="" xmlns:a14="http://schemas.microsoft.com/office/drawing/2010/main" xmlns:lc="http://schemas.openxmlformats.org/drawingml/2006/lockedCanvas">
                 <a:solidFill>
                   <a:srgbClr val="FFFFFF"/>
                 </a:solidFill>
               </a14:hiddenFill>
             </a:ext>
             <a:ext uri="{91240B29-F687-4f45-9708-019B960494DF}">
-              <a14:hiddenLine xmlns:lc="http://schemas.openxmlformats.org/drawingml/2006/lockedCanvas" xmlns:a14="http://schemas.microsoft.com/office/drawing/2010/main" xmlns="" w="9525">
+              <a14:hiddenLine xmlns="" xmlns:a14="http://schemas.microsoft.com/office/drawing/2010/main" xmlns:lc="http://schemas.openxmlformats.org/drawingml/2006/lockedCanvas" w="9525">
                 <a:solidFill>
                   <a:srgbClr val="000000"/>
                 </a:solidFill>
@@ -18151,14 +18151,14 @@
           </a:ln>
           <a:extLst>
             <a:ext uri="{909E8E84-426E-40dd-AFC4-6F175D3DCCD1}">
-              <a14:hiddenFill xmlns:lc="http://schemas.openxmlformats.org/drawingml/2006/lockedCanvas" xmlns:a14="http://schemas.microsoft.com/office/drawing/2010/main" xmlns="">
+              <a14:hiddenFill xmlns="" xmlns:a14="http://schemas.microsoft.com/office/drawing/2010/main" xmlns:lc="http://schemas.openxmlformats.org/drawingml/2006/lockedCanvas">
                 <a:solidFill>
                   <a:srgbClr val="FFFFFF"/>
                 </a:solidFill>
               </a14:hiddenFill>
             </a:ext>
             <a:ext uri="{91240B29-F687-4f45-9708-019B960494DF}">
-              <a14:hiddenLine xmlns:lc="http://schemas.openxmlformats.org/drawingml/2006/lockedCanvas" xmlns:a14="http://schemas.microsoft.com/office/drawing/2010/main" xmlns="" w="9525">
+              <a14:hiddenLine xmlns="" xmlns:a14="http://schemas.microsoft.com/office/drawing/2010/main" xmlns:lc="http://schemas.openxmlformats.org/drawingml/2006/lockedCanvas" w="9525">
                 <a:solidFill>
                   <a:srgbClr val="000000"/>
                 </a:solidFill>
@@ -18619,14 +18619,14 @@
           </a:ln>
           <a:extLst>
             <a:ext uri="{909E8E84-426E-40dd-AFC4-6F175D3DCCD1}">
-              <a14:hiddenFill xmlns:lc="http://schemas.openxmlformats.org/drawingml/2006/lockedCanvas" xmlns:a14="http://schemas.microsoft.com/office/drawing/2010/main" xmlns="">
+              <a14:hiddenFill xmlns="" xmlns:a14="http://schemas.microsoft.com/office/drawing/2010/main" xmlns:lc="http://schemas.openxmlformats.org/drawingml/2006/lockedCanvas">
                 <a:solidFill>
                   <a:srgbClr val="FFFFFF"/>
                 </a:solidFill>
               </a14:hiddenFill>
             </a:ext>
             <a:ext uri="{91240B29-F687-4f45-9708-019B960494DF}">
-              <a14:hiddenLine xmlns:lc="http://schemas.openxmlformats.org/drawingml/2006/lockedCanvas" xmlns:a14="http://schemas.microsoft.com/office/drawing/2010/main" xmlns="" w="9525">
+              <a14:hiddenLine xmlns="" xmlns:a14="http://schemas.microsoft.com/office/drawing/2010/main" xmlns:lc="http://schemas.openxmlformats.org/drawingml/2006/lockedCanvas" w="9525">
                 <a:solidFill>
                   <a:srgbClr val="000000"/>
                 </a:solidFill>
@@ -19332,14 +19332,14 @@
           </a:ln>
           <a:extLst>
             <a:ext uri="{909E8E84-426E-40dd-AFC4-6F175D3DCCD1}">
-              <a14:hiddenFill xmlns:lc="http://schemas.openxmlformats.org/drawingml/2006/lockedCanvas" xmlns:a14="http://schemas.microsoft.com/office/drawing/2010/main" xmlns="">
+              <a14:hiddenFill xmlns="" xmlns:a14="http://schemas.microsoft.com/office/drawing/2010/main" xmlns:lc="http://schemas.openxmlformats.org/drawingml/2006/lockedCanvas">
                 <a:solidFill>
                   <a:srgbClr val="FFFFFF"/>
                 </a:solidFill>
               </a14:hiddenFill>
             </a:ext>
             <a:ext uri="{91240B29-F687-4f45-9708-019B960494DF}">
-              <a14:hiddenLine xmlns:lc="http://schemas.openxmlformats.org/drawingml/2006/lockedCanvas" xmlns:a14="http://schemas.microsoft.com/office/drawing/2010/main" xmlns="" w="9525">
+              <a14:hiddenLine xmlns="" xmlns:a14="http://schemas.microsoft.com/office/drawing/2010/main" xmlns:lc="http://schemas.openxmlformats.org/drawingml/2006/lockedCanvas" w="9525">
                 <a:solidFill>
                   <a:srgbClr val="000000"/>
                 </a:solidFill>
@@ -19392,14 +19392,14 @@
           </a:ln>
           <a:extLst>
             <a:ext uri="{909E8E84-426E-40dd-AFC4-6F175D3DCCD1}">
-              <a14:hiddenFill xmlns:lc="http://schemas.openxmlformats.org/drawingml/2006/lockedCanvas" xmlns:a14="http://schemas.microsoft.com/office/drawing/2010/main" xmlns="">
+              <a14:hiddenFill xmlns="" xmlns:a14="http://schemas.microsoft.com/office/drawing/2010/main" xmlns:lc="http://schemas.openxmlformats.org/drawingml/2006/lockedCanvas">
                 <a:solidFill>
                   <a:srgbClr val="FFFFFF"/>
                 </a:solidFill>
               </a14:hiddenFill>
             </a:ext>
             <a:ext uri="{91240B29-F687-4f45-9708-019B960494DF}">
-              <a14:hiddenLine xmlns:lc="http://schemas.openxmlformats.org/drawingml/2006/lockedCanvas" xmlns:a14="http://schemas.microsoft.com/office/drawing/2010/main" xmlns="" w="9525">
+              <a14:hiddenLine xmlns="" xmlns:a14="http://schemas.microsoft.com/office/drawing/2010/main" xmlns:lc="http://schemas.openxmlformats.org/drawingml/2006/lockedCanvas" w="9525">
                 <a:solidFill>
                   <a:srgbClr val="000000"/>
                 </a:solidFill>
@@ -20177,27 +20177,15 @@
           </a:p>
           <a:p>
             <a:r>
-              <a:rPr lang="nb-NO" dirty="0" err="1"/>
-              <a:t>MySql</a:t>
-            </a:r>
-            <a:r>
               <a:rPr lang="nb-NO" dirty="0"/>
-              <a:t>, </a:t>
-            </a:r>
-            <a:r>
-              <a:rPr lang="nb-NO" dirty="0" err="1"/>
-              <a:t>PostgreSQL</a:t>
-            </a:r>
+              <a:t>MySql, PostgreSQL ++</a:t>
+            </a:r>
+          </a:p>
+          <a:p>
             <a:r>
               <a:rPr lang="nb-NO" dirty="0"/>
-              <a:t> ++</a:t>
-            </a:r>
-          </a:p>
-          <a:p>
-            <a:pPr marL="357187" lvl="1" indent="0">
-              <a:buNone/>
-            </a:pPr>
-            <a:endParaRPr lang="nb-NO" dirty="0"/>
+              <a:t>Azure Data Lake</a:t>
+            </a:r>
           </a:p>
           <a:p>
             <a:r>
@@ -21607,14 +21595,14 @@
           <a:p>
             <a:r>
               <a:rPr lang="nb-NO" dirty="0"/>
-              <a:t>... Er drift av datasenter en del av </a:t>
+              <a:t>... Er drift av datasenter en del av kjernevirksomheten?</a:t>
             </a:r>
           </a:p>
           <a:p>
             <a:pPr lvl="1"/>
             <a:r>
               <a:rPr lang="nb-NO" dirty="0"/>
-              <a:t>... Hvis ikke, kanskje la Microsoft ta hånd om det.</a:t>
+              <a:t>... Hvis ikke, kanskje la Microsoft ta hånd om det?</a:t>
             </a:r>
           </a:p>
           <a:p>
@@ -23660,6 +23648,15 @@
 </file>
 
 <file path=customXml/item1.xml><?xml version="1.0" encoding="utf-8"?>
+<?mso-contentType ?>
+<FormTemplates xmlns="http://schemas.microsoft.com/sharepoint/v3/contenttype/forms">
+  <Display>DocumentLibraryForm</Display>
+  <Edit>DocumentLibraryForm</Edit>
+  <New>DocumentLibraryForm</New>
+</FormTemplates>
+</file>
+
+<file path=customXml/item2.xml><?xml version="1.0" encoding="utf-8"?>
 <ct:contentTypeSchema xmlns:ct="http://schemas.microsoft.com/office/2006/metadata/contentType" xmlns:ma="http://schemas.microsoft.com/office/2006/metadata/properties/metaAttributes" ct:_="" ma:_="" ma:contentTypeName="Document" ma:contentTypeID="0x0101005D3CE5A03C88D04F8FE0CC8617320B29" ma:contentTypeVersion="2" ma:contentTypeDescription="Create a new document." ma:contentTypeScope="" ma:versionID="23c508fadb5761cd27fdc7efc393bb78">
   <xsd:schema xmlns:xsd="http://www.w3.org/2001/XMLSchema" xmlns:xs="http://www.w3.org/2001/XMLSchema" xmlns:p="http://schemas.microsoft.com/office/2006/metadata/properties" xmlns:ns2="323bcd62-7d27-4513-9df1-9bc20f03554b" targetNamespace="http://schemas.microsoft.com/office/2006/metadata/properties" ma:root="true" ma:fieldsID="4120a6a9df7c81c23a4d646d2ccf1355" ns2:_="">
     <xsd:import namespace="323bcd62-7d27-4513-9df1-9bc20f03554b"/>
@@ -23791,15 +23788,6 @@
 </ct:contentTypeSchema>
 </file>
 
-<file path=customXml/item2.xml><?xml version="1.0" encoding="utf-8"?>
-<?mso-contentType ?>
-<FormTemplates xmlns="http://schemas.microsoft.com/sharepoint/v3/contenttype/forms">
-  <Display>DocumentLibraryForm</Display>
-  <Edit>DocumentLibraryForm</Edit>
-  <New>DocumentLibraryForm</New>
-</FormTemplates>
-</file>
-
 <file path=customXml/item3.xml><?xml version="1.0" encoding="utf-8"?>
 <p:properties xmlns:p="http://schemas.microsoft.com/office/2006/metadata/properties" xmlns:xsi="http://www.w3.org/2001/XMLSchema-instance" xmlns:pc="http://schemas.microsoft.com/office/infopath/2007/PartnerControls">
   <documentManagement/>
@@ -23807,6 +23795,14 @@
 </file>
 
 <file path=customXml/itemProps1.xml><?xml version="1.0" encoding="utf-8"?>
+<ds:datastoreItem xmlns:ds="http://schemas.openxmlformats.org/officeDocument/2006/customXml" ds:itemID="{BB82CC63-55FC-4D22-9ED3-DB88AF6228E1}">
+  <ds:schemaRefs>
+    <ds:schemaRef ds:uri="http://schemas.microsoft.com/sharepoint/v3/contenttype/forms"/>
+  </ds:schemaRefs>
+</ds:datastoreItem>
+</file>
+
+<file path=customXml/itemProps2.xml><?xml version="1.0" encoding="utf-8"?>
 <ds:datastoreItem xmlns:ds="http://schemas.openxmlformats.org/officeDocument/2006/customXml" ds:itemID="{0377EA4A-9170-43AD-A052-6EABC948F73F}">
   <ds:schemaRefs>
     <ds:schemaRef ds:uri="http://schemas.microsoft.com/office/2006/metadata/contentType"/>
@@ -23820,14 +23816,6 @@
     <ds:schemaRef ds:uri="http://purl.org/dc/elements/1.1/"/>
     <ds:schemaRef ds:uri="http://purl.org/dc/terms/"/>
     <ds:schemaRef ds:uri="http://schemas.microsoft.com/internal/obd"/>
-  </ds:schemaRefs>
-</ds:datastoreItem>
-</file>
-
-<file path=customXml/itemProps2.xml><?xml version="1.0" encoding="utf-8"?>
-<ds:datastoreItem xmlns:ds="http://schemas.openxmlformats.org/officeDocument/2006/customXml" ds:itemID="{BB82CC63-55FC-4D22-9ED3-DB88AF6228E1}">
-  <ds:schemaRefs>
-    <ds:schemaRef ds:uri="http://schemas.microsoft.com/sharepoint/v3/contenttype/forms"/>
   </ds:schemaRefs>
 </ds:datastoreItem>
 </file>

--- a/Workshop_1/Presentasjon/Azureskolen-Workshop#1.pptx
+++ b/Workshop_1/Presentasjon/Azureskolen-Workshop#1.pptx
@@ -17955,14 +17955,14 @@
           </a:ln>
           <a:extLst>
             <a:ext uri="{909E8E84-426E-40dd-AFC4-6F175D3DCCD1}">
-              <a14:hiddenFill xmlns="" xmlns:a14="http://schemas.microsoft.com/office/drawing/2010/main" xmlns:lc="http://schemas.openxmlformats.org/drawingml/2006/lockedCanvas">
+              <a14:hiddenFill xmlns:lc="http://schemas.openxmlformats.org/drawingml/2006/lockedCanvas" xmlns:a14="http://schemas.microsoft.com/office/drawing/2010/main" xmlns="">
                 <a:solidFill>
                   <a:srgbClr val="FFFFFF"/>
                 </a:solidFill>
               </a14:hiddenFill>
             </a:ext>
             <a:ext uri="{91240B29-F687-4f45-9708-019B960494DF}">
-              <a14:hiddenLine xmlns="" xmlns:a14="http://schemas.microsoft.com/office/drawing/2010/main" xmlns:lc="http://schemas.openxmlformats.org/drawingml/2006/lockedCanvas" w="9525">
+              <a14:hiddenLine xmlns:lc="http://schemas.openxmlformats.org/drawingml/2006/lockedCanvas" xmlns:a14="http://schemas.microsoft.com/office/drawing/2010/main" xmlns="" w="9525">
                 <a:solidFill>
                   <a:srgbClr val="000000"/>
                 </a:solidFill>
@@ -18151,14 +18151,14 @@
           </a:ln>
           <a:extLst>
             <a:ext uri="{909E8E84-426E-40dd-AFC4-6F175D3DCCD1}">
-              <a14:hiddenFill xmlns="" xmlns:a14="http://schemas.microsoft.com/office/drawing/2010/main" xmlns:lc="http://schemas.openxmlformats.org/drawingml/2006/lockedCanvas">
+              <a14:hiddenFill xmlns:lc="http://schemas.openxmlformats.org/drawingml/2006/lockedCanvas" xmlns:a14="http://schemas.microsoft.com/office/drawing/2010/main" xmlns="">
                 <a:solidFill>
                   <a:srgbClr val="FFFFFF"/>
                 </a:solidFill>
               </a14:hiddenFill>
             </a:ext>
             <a:ext uri="{91240B29-F687-4f45-9708-019B960494DF}">
-              <a14:hiddenLine xmlns="" xmlns:a14="http://schemas.microsoft.com/office/drawing/2010/main" xmlns:lc="http://schemas.openxmlformats.org/drawingml/2006/lockedCanvas" w="9525">
+              <a14:hiddenLine xmlns:lc="http://schemas.openxmlformats.org/drawingml/2006/lockedCanvas" xmlns:a14="http://schemas.microsoft.com/office/drawing/2010/main" xmlns="" w="9525">
                 <a:solidFill>
                   <a:srgbClr val="000000"/>
                 </a:solidFill>
@@ -18619,14 +18619,14 @@
           </a:ln>
           <a:extLst>
             <a:ext uri="{909E8E84-426E-40dd-AFC4-6F175D3DCCD1}">
-              <a14:hiddenFill xmlns="" xmlns:a14="http://schemas.microsoft.com/office/drawing/2010/main" xmlns:lc="http://schemas.openxmlformats.org/drawingml/2006/lockedCanvas">
+              <a14:hiddenFill xmlns:lc="http://schemas.openxmlformats.org/drawingml/2006/lockedCanvas" xmlns:a14="http://schemas.microsoft.com/office/drawing/2010/main" xmlns="">
                 <a:solidFill>
                   <a:srgbClr val="FFFFFF"/>
                 </a:solidFill>
               </a14:hiddenFill>
             </a:ext>
             <a:ext uri="{91240B29-F687-4f45-9708-019B960494DF}">
-              <a14:hiddenLine xmlns="" xmlns:a14="http://schemas.microsoft.com/office/drawing/2010/main" xmlns:lc="http://schemas.openxmlformats.org/drawingml/2006/lockedCanvas" w="9525">
+              <a14:hiddenLine xmlns:lc="http://schemas.openxmlformats.org/drawingml/2006/lockedCanvas" xmlns:a14="http://schemas.microsoft.com/office/drawing/2010/main" xmlns="" w="9525">
                 <a:solidFill>
                   <a:srgbClr val="000000"/>
                 </a:solidFill>
@@ -19332,14 +19332,14 @@
           </a:ln>
           <a:extLst>
             <a:ext uri="{909E8E84-426E-40dd-AFC4-6F175D3DCCD1}">
-              <a14:hiddenFill xmlns="" xmlns:a14="http://schemas.microsoft.com/office/drawing/2010/main" xmlns:lc="http://schemas.openxmlformats.org/drawingml/2006/lockedCanvas">
+              <a14:hiddenFill xmlns:lc="http://schemas.openxmlformats.org/drawingml/2006/lockedCanvas" xmlns:a14="http://schemas.microsoft.com/office/drawing/2010/main" xmlns="">
                 <a:solidFill>
                   <a:srgbClr val="FFFFFF"/>
                 </a:solidFill>
               </a14:hiddenFill>
             </a:ext>
             <a:ext uri="{91240B29-F687-4f45-9708-019B960494DF}">
-              <a14:hiddenLine xmlns="" xmlns:a14="http://schemas.microsoft.com/office/drawing/2010/main" xmlns:lc="http://schemas.openxmlformats.org/drawingml/2006/lockedCanvas" w="9525">
+              <a14:hiddenLine xmlns:lc="http://schemas.openxmlformats.org/drawingml/2006/lockedCanvas" xmlns:a14="http://schemas.microsoft.com/office/drawing/2010/main" xmlns="" w="9525">
                 <a:solidFill>
                   <a:srgbClr val="000000"/>
                 </a:solidFill>
@@ -19392,14 +19392,14 @@
           </a:ln>
           <a:extLst>
             <a:ext uri="{909E8E84-426E-40dd-AFC4-6F175D3DCCD1}">
-              <a14:hiddenFill xmlns="" xmlns:a14="http://schemas.microsoft.com/office/drawing/2010/main" xmlns:lc="http://schemas.openxmlformats.org/drawingml/2006/lockedCanvas">
+              <a14:hiddenFill xmlns:lc="http://schemas.openxmlformats.org/drawingml/2006/lockedCanvas" xmlns:a14="http://schemas.microsoft.com/office/drawing/2010/main" xmlns="">
                 <a:solidFill>
                   <a:srgbClr val="FFFFFF"/>
                 </a:solidFill>
               </a14:hiddenFill>
             </a:ext>
             <a:ext uri="{91240B29-F687-4f45-9708-019B960494DF}">
-              <a14:hiddenLine xmlns="" xmlns:a14="http://schemas.microsoft.com/office/drawing/2010/main" xmlns:lc="http://schemas.openxmlformats.org/drawingml/2006/lockedCanvas" w="9525">
+              <a14:hiddenLine xmlns:lc="http://schemas.openxmlformats.org/drawingml/2006/lockedCanvas" xmlns:a14="http://schemas.microsoft.com/office/drawing/2010/main" xmlns="" w="9525">
                 <a:solidFill>
                   <a:srgbClr val="000000"/>
                 </a:solidFill>
@@ -20007,7 +20007,12 @@
             <p:ph idx="1"/>
           </p:nvPr>
         </p:nvSpPr>
-        <p:spPr/>
+        <p:spPr>
+          <a:xfrm>
+            <a:off x="1234800" y="1813593"/>
+            <a:ext cx="8382613" cy="4351338"/>
+          </a:xfrm>
+        </p:spPr>
         <p:txBody>
           <a:bodyPr/>
           <a:lstStyle/>
@@ -20015,6 +20020,24 @@
             <a:r>
               <a:rPr lang="nb-NO" dirty="0"/>
               <a:t>Gå til Leksjon_2</a:t>
+            </a:r>
+          </a:p>
+          <a:p>
+            <a:endParaRPr lang="nb-NO" dirty="0"/>
+          </a:p>
+          <a:p>
+            <a:r>
+              <a:rPr lang="nb-NO" dirty="0"/>
+              <a:t>For å klone ut koden: </a:t>
+            </a:r>
+          </a:p>
+          <a:p>
+            <a:pPr marL="0" indent="0">
+              <a:buNone/>
+            </a:pPr>
+            <a:r>
+              <a:rPr lang="nb-NO" dirty="0"/>
+              <a:t>     git clone https://github.com/bouvet/azure-workshops.git</a:t>
             </a:r>
           </a:p>
         </p:txBody>
@@ -23648,15 +23671,6 @@
 </file>
 
 <file path=customXml/item1.xml><?xml version="1.0" encoding="utf-8"?>
-<?mso-contentType ?>
-<FormTemplates xmlns="http://schemas.microsoft.com/sharepoint/v3/contenttype/forms">
-  <Display>DocumentLibraryForm</Display>
-  <Edit>DocumentLibraryForm</Edit>
-  <New>DocumentLibraryForm</New>
-</FormTemplates>
-</file>
-
-<file path=customXml/item2.xml><?xml version="1.0" encoding="utf-8"?>
 <ct:contentTypeSchema xmlns:ct="http://schemas.microsoft.com/office/2006/metadata/contentType" xmlns:ma="http://schemas.microsoft.com/office/2006/metadata/properties/metaAttributes" ct:_="" ma:_="" ma:contentTypeName="Document" ma:contentTypeID="0x0101005D3CE5A03C88D04F8FE0CC8617320B29" ma:contentTypeVersion="2" ma:contentTypeDescription="Create a new document." ma:contentTypeScope="" ma:versionID="23c508fadb5761cd27fdc7efc393bb78">
   <xsd:schema xmlns:xsd="http://www.w3.org/2001/XMLSchema" xmlns:xs="http://www.w3.org/2001/XMLSchema" xmlns:p="http://schemas.microsoft.com/office/2006/metadata/properties" xmlns:ns2="323bcd62-7d27-4513-9df1-9bc20f03554b" targetNamespace="http://schemas.microsoft.com/office/2006/metadata/properties" ma:root="true" ma:fieldsID="4120a6a9df7c81c23a4d646d2ccf1355" ns2:_="">
     <xsd:import namespace="323bcd62-7d27-4513-9df1-9bc20f03554b"/>
@@ -23788,6 +23802,15 @@
 </ct:contentTypeSchema>
 </file>
 
+<file path=customXml/item2.xml><?xml version="1.0" encoding="utf-8"?>
+<?mso-contentType ?>
+<FormTemplates xmlns="http://schemas.microsoft.com/sharepoint/v3/contenttype/forms">
+  <Display>DocumentLibraryForm</Display>
+  <Edit>DocumentLibraryForm</Edit>
+  <New>DocumentLibraryForm</New>
+</FormTemplates>
+</file>
+
 <file path=customXml/item3.xml><?xml version="1.0" encoding="utf-8"?>
 <p:properties xmlns:p="http://schemas.microsoft.com/office/2006/metadata/properties" xmlns:xsi="http://www.w3.org/2001/XMLSchema-instance" xmlns:pc="http://schemas.microsoft.com/office/infopath/2007/PartnerControls">
   <documentManagement/>
@@ -23795,14 +23818,6 @@
 </file>
 
 <file path=customXml/itemProps1.xml><?xml version="1.0" encoding="utf-8"?>
-<ds:datastoreItem xmlns:ds="http://schemas.openxmlformats.org/officeDocument/2006/customXml" ds:itemID="{BB82CC63-55FC-4D22-9ED3-DB88AF6228E1}">
-  <ds:schemaRefs>
-    <ds:schemaRef ds:uri="http://schemas.microsoft.com/sharepoint/v3/contenttype/forms"/>
-  </ds:schemaRefs>
-</ds:datastoreItem>
-</file>
-
-<file path=customXml/itemProps2.xml><?xml version="1.0" encoding="utf-8"?>
 <ds:datastoreItem xmlns:ds="http://schemas.openxmlformats.org/officeDocument/2006/customXml" ds:itemID="{0377EA4A-9170-43AD-A052-6EABC948F73F}">
   <ds:schemaRefs>
     <ds:schemaRef ds:uri="http://schemas.microsoft.com/office/2006/metadata/contentType"/>
@@ -23816,6 +23831,14 @@
     <ds:schemaRef ds:uri="http://purl.org/dc/elements/1.1/"/>
     <ds:schemaRef ds:uri="http://purl.org/dc/terms/"/>
     <ds:schemaRef ds:uri="http://schemas.microsoft.com/internal/obd"/>
+  </ds:schemaRefs>
+</ds:datastoreItem>
+</file>
+
+<file path=customXml/itemProps2.xml><?xml version="1.0" encoding="utf-8"?>
+<ds:datastoreItem xmlns:ds="http://schemas.openxmlformats.org/officeDocument/2006/customXml" ds:itemID="{BB82CC63-55FC-4D22-9ED3-DB88AF6228E1}">
+  <ds:schemaRefs>
+    <ds:schemaRef ds:uri="http://schemas.microsoft.com/sharepoint/v3/contenttype/forms"/>
   </ds:schemaRefs>
 </ds:datastoreItem>
 </file>

--- a/Workshop_1/Presentasjon/Azureskolen-Workshop#1.pptx
+++ b/Workshop_1/Presentasjon/Azureskolen-Workshop#1.pptx
@@ -21,8 +21,8 @@
     <p:sldId id="259" r:id="rId12"/>
     <p:sldId id="262" r:id="rId13"/>
     <p:sldId id="261" r:id="rId14"/>
-    <p:sldId id="269" r:id="rId15"/>
-    <p:sldId id="265" r:id="rId16"/>
+    <p:sldId id="265" r:id="rId15"/>
+    <p:sldId id="269" r:id="rId16"/>
     <p:sldId id="266" r:id="rId17"/>
     <p:sldId id="260" r:id="rId18"/>
     <p:sldId id="274" r:id="rId19"/>
@@ -2580,48 +2580,38 @@
           <a:bodyPr/>
           <a:lstStyle/>
           <a:p>
+            <a:r>
+              <a:rPr lang="nb-NO" dirty="0"/>
+              <a:t>Utrolig mange tjenester.</a:t>
+            </a:r>
+          </a:p>
+          <a:p>
+            <a:r>
+              <a:rPr lang="nb-NO" dirty="0"/>
+              <a:t>Pushes ut forandringer hele tiden.</a:t>
+            </a:r>
+          </a:p>
+          <a:p>
             <a:endParaRPr lang="nb-NO" dirty="0"/>
           </a:p>
           <a:p>
             <a:endParaRPr lang="nb-NO" dirty="0"/>
           </a:p>
           <a:p>
+            <a:r>
+              <a:rPr lang="nb-NO" dirty="0"/>
+              <a:t>Limits tjenester: </a:t>
+            </a:r>
+            <a:r>
+              <a:rPr lang="nb-NO" dirty="0">
+                <a:hlinkClick r:id="rId3"/>
+              </a:rPr>
+              <a:t>https://docs.microsoft.com/en-us/azure/azure-subscription-service-limits</a:t>
+            </a:r>
             <a:endParaRPr lang="nb-NO" dirty="0"/>
           </a:p>
           <a:p>
-            <a:r>
-              <a:rPr lang="nb-NO" dirty="0"/>
-              <a:t>RBAC</a:t>
-            </a:r>
-          </a:p>
-          <a:p>
-            <a:r>
-              <a:rPr lang="nb-NO" dirty="0" err="1"/>
-              <a:t>Owner</a:t>
-            </a:r>
-            <a:r>
-              <a:rPr lang="nb-NO" dirty="0"/>
-              <a:t> – Alle rettigheter</a:t>
-            </a:r>
-          </a:p>
-          <a:p>
-            <a:r>
-              <a:rPr lang="nb-NO" dirty="0" err="1"/>
-              <a:t>Contributer</a:t>
-            </a:r>
-            <a:r>
-              <a:rPr lang="nb-NO" dirty="0"/>
-              <a:t> – Alle rettigheter bortsett fra å </a:t>
-            </a:r>
-          </a:p>
-          <a:p>
             <a:endParaRPr lang="nb-NO" dirty="0"/>
-          </a:p>
-          <a:p>
-            <a:r>
-              <a:rPr lang="nb-NO" dirty="0"/>
-              <a:t>- Blir arvet.</a:t>
-            </a:r>
           </a:p>
         </p:txBody>
       </p:sp>
@@ -2632,7 +2622,7 @@
             <a:spLocks noGrp="1"/>
           </p:cNvSpPr>
           <p:nvPr>
-            <p:ph type="sldNum" sz="quarter" idx="5"/>
+            <p:ph type="sldNum" sz="quarter" idx="10"/>
           </p:nvPr>
         </p:nvSpPr>
         <p:spPr/>
@@ -2651,7 +2641,7 @@
     </p:spTree>
     <p:extLst>
       <p:ext uri="{BB962C8B-B14F-4D97-AF65-F5344CB8AC3E}">
-        <p14:creationId xmlns:p14="http://schemas.microsoft.com/office/powerpoint/2010/main" val="390691634"/>
+        <p14:creationId xmlns:p14="http://schemas.microsoft.com/office/powerpoint/2010/main" val="1503755050"/>
       </p:ext>
     </p:extLst>
   </p:cSld>
@@ -2705,38 +2695,48 @@
           <a:bodyPr/>
           <a:lstStyle/>
           <a:p>
+            <a:endParaRPr lang="nb-NO" dirty="0"/>
+          </a:p>
+          <a:p>
+            <a:endParaRPr lang="nb-NO" dirty="0"/>
+          </a:p>
+          <a:p>
+            <a:endParaRPr lang="nb-NO" dirty="0"/>
+          </a:p>
+          <a:p>
             <a:r>
               <a:rPr lang="nb-NO" dirty="0"/>
-              <a:t>Utrolig mange tjenester.</a:t>
-            </a:r>
-          </a:p>
-          <a:p>
+              <a:t>RBAC</a:t>
+            </a:r>
+          </a:p>
+          <a:p>
+            <a:r>
+              <a:rPr lang="nb-NO" dirty="0" err="1"/>
+              <a:t>Owner</a:t>
+            </a:r>
             <a:r>
               <a:rPr lang="nb-NO" dirty="0"/>
-              <a:t>Pushes ut forandringer hele tiden.</a:t>
+              <a:t> – Alle rettigheter</a:t>
+            </a:r>
+          </a:p>
+          <a:p>
+            <a:r>
+              <a:rPr lang="nb-NO" dirty="0" err="1"/>
+              <a:t>Contributer</a:t>
+            </a:r>
+            <a:r>
+              <a:rPr lang="nb-NO" dirty="0"/>
+              <a:t> – Alle rettigheter bortsett fra å </a:t>
             </a:r>
           </a:p>
           <a:p>
             <a:endParaRPr lang="nb-NO" dirty="0"/>
           </a:p>
           <a:p>
-            <a:endParaRPr lang="nb-NO" dirty="0"/>
-          </a:p>
-          <a:p>
             <a:r>
               <a:rPr lang="nb-NO" dirty="0"/>
-              <a:t>Limits tjenester: </a:t>
-            </a:r>
-            <a:r>
-              <a:rPr lang="nb-NO" dirty="0">
-                <a:hlinkClick r:id="rId3"/>
-              </a:rPr>
-              <a:t>https://docs.microsoft.com/en-us/azure/azure-subscription-service-limits</a:t>
-            </a:r>
-            <a:endParaRPr lang="nb-NO" dirty="0"/>
-          </a:p>
-          <a:p>
-            <a:endParaRPr lang="nb-NO" dirty="0"/>
+              <a:t>- Blir arvet.</a:t>
+            </a:r>
           </a:p>
         </p:txBody>
       </p:sp>
@@ -2747,7 +2747,7 @@
             <a:spLocks noGrp="1"/>
           </p:cNvSpPr>
           <p:nvPr>
-            <p:ph type="sldNum" sz="quarter" idx="10"/>
+            <p:ph type="sldNum" sz="quarter" idx="5"/>
           </p:nvPr>
         </p:nvSpPr>
         <p:spPr/>
@@ -2766,7 +2766,7 @@
     </p:spTree>
     <p:extLst>
       <p:ext uri="{BB962C8B-B14F-4D97-AF65-F5344CB8AC3E}">
-        <p14:creationId xmlns:p14="http://schemas.microsoft.com/office/powerpoint/2010/main" val="1503755050"/>
+        <p14:creationId xmlns:p14="http://schemas.microsoft.com/office/powerpoint/2010/main" val="390691634"/>
       </p:ext>
     </p:extLst>
   </p:cSld>
@@ -12129,7 +12129,7 @@
           <p:cNvPr id="2" name="Content Placeholder 1">
             <a:extLst>
               <a:ext uri="{FF2B5EF4-FFF2-40B4-BE49-F238E27FC236}">
-                <a16:creationId xmlns:a16="http://schemas.microsoft.com/office/drawing/2014/main" id="{3C4A37AA-EFA3-487A-A004-AB180106851B}"/>
+                <a16:creationId xmlns:a16="http://schemas.microsoft.com/office/drawing/2014/main" id="{E02D9C6B-D087-4D41-9CDA-F894580EC82F}"/>
               </a:ext>
             </a:extLst>
           </p:cNvPr>
@@ -12145,61 +12145,6 @@
           <a:bodyPr/>
           <a:lstStyle/>
           <a:p>
-            <a:r>
-              <a:rPr lang="nb-NO" dirty="0">
-                <a:hlinkClick r:id="rId3"/>
-              </a:rPr>
-              <a:t>https://azure.microsoft.com/en/services/</a:t>
-            </a:r>
-            <a:endParaRPr lang="nb-NO" dirty="0"/>
-          </a:p>
-          <a:p>
-            <a:endParaRPr lang="nb-NO" dirty="0"/>
-          </a:p>
-          <a:p>
-            <a:r>
-              <a:rPr lang="nb-NO" dirty="0"/>
-              <a:t>Architecture BluePrints: </a:t>
-            </a:r>
-            <a:r>
-              <a:rPr lang="nb-NO" dirty="0">
-                <a:hlinkClick r:id="rId4"/>
-              </a:rPr>
-              <a:t>https://azure.microsoft.com/en-us/solutions/architecture/</a:t>
-            </a:r>
-            <a:endParaRPr lang="nb-NO" dirty="0"/>
-          </a:p>
-          <a:p>
-            <a:endParaRPr lang="nb-NO" dirty="0"/>
-          </a:p>
-          <a:p>
-            <a:r>
-              <a:rPr lang="nb-NO" dirty="0">
-                <a:hlinkClick r:id="rId5"/>
-              </a:rPr>
-              <a:t>https://azure-overview.com/Home/Index</a:t>
-            </a:r>
-            <a:endParaRPr lang="nb-NO" dirty="0"/>
-          </a:p>
-          <a:p>
-            <a:endParaRPr lang="nb-NO" dirty="0"/>
-          </a:p>
-          <a:p>
-            <a:endParaRPr lang="nb-NO" dirty="0"/>
-          </a:p>
-          <a:p>
-            <a:endParaRPr lang="nb-NO" dirty="0"/>
-          </a:p>
-          <a:p>
-            <a:endParaRPr lang="nb-NO" dirty="0"/>
-          </a:p>
-          <a:p>
-            <a:pPr marL="0" indent="0">
-              <a:buNone/>
-            </a:pPr>
-            <a:endParaRPr lang="nb-NO" dirty="0"/>
-          </a:p>
-          <a:p>
             <a:endParaRPr lang="nb-NO" dirty="0"/>
           </a:p>
         </p:txBody>
@@ -12209,7 +12154,7 @@
           <p:cNvPr id="3" name="Title 2">
             <a:extLst>
               <a:ext uri="{FF2B5EF4-FFF2-40B4-BE49-F238E27FC236}">
-                <a16:creationId xmlns:a16="http://schemas.microsoft.com/office/drawing/2014/main" id="{EF651512-0DFA-46A3-9C21-A7FA499D439C}"/>
+                <a16:creationId xmlns:a16="http://schemas.microsoft.com/office/drawing/2014/main" id="{5FD03241-4113-4696-9B74-89A08D77C482}"/>
               </a:ext>
             </a:extLst>
           </p:cNvPr>
@@ -12225,17 +12170,176 @@
           <a:bodyPr/>
           <a:lstStyle/>
           <a:p>
-            <a:r>
-              <a:rPr lang="nb-NO" dirty="0"/>
-              <a:t>Services</a:t>
-            </a:r>
-          </a:p>
-        </p:txBody>
-      </p:sp>
+            <a:endParaRPr lang="nb-NO" dirty="0"/>
+          </a:p>
+        </p:txBody>
+      </p:sp>
+      <p:sp>
+        <p:nvSpPr>
+          <p:cNvPr id="4" name="Rounded Rectangle 2">
+            <a:extLst>
+              <a:ext uri="{FF2B5EF4-FFF2-40B4-BE49-F238E27FC236}">
+                <a16:creationId xmlns:a16="http://schemas.microsoft.com/office/drawing/2014/main" id="{BD5933A1-CABC-48AC-BBE9-DD758D19C0B0}"/>
+              </a:ext>
+            </a:extLst>
+          </p:cNvPr>
+          <p:cNvSpPr/>
+          <p:nvPr/>
+        </p:nvSpPr>
+        <p:spPr bwMode="auto">
+          <a:xfrm>
+            <a:off x="418643" y="1113236"/>
+            <a:ext cx="10757098" cy="5376994"/>
+          </a:xfrm>
+          <a:prstGeom prst="roundRect">
+            <a:avLst>
+              <a:gd name="adj" fmla="val 5315"/>
+            </a:avLst>
+          </a:prstGeom>
+          <a:solidFill>
+            <a:schemeClr val="bg2">
+              <a:lumMod val="25000"/>
+            </a:schemeClr>
+          </a:solidFill>
+          <a:ln>
+            <a:noFill/>
+            <a:headEnd type="none" w="med" len="med"/>
+            <a:tailEnd type="none" w="med" len="med"/>
+          </a:ln>
+        </p:spPr>
+        <p:style>
+          <a:lnRef idx="2">
+            <a:schemeClr val="accent1">
+              <a:shade val="50000"/>
+            </a:schemeClr>
+          </a:lnRef>
+          <a:fillRef idx="1">
+            <a:schemeClr val="accent1"/>
+          </a:fillRef>
+          <a:effectRef idx="0">
+            <a:schemeClr val="accent1"/>
+          </a:effectRef>
+          <a:fontRef idx="minor">
+            <a:schemeClr val="lt1"/>
+          </a:fontRef>
+        </p:style>
+        <p:txBody>
+          <a:bodyPr vert="horz" wrap="square" lIns="0" tIns="45720" rIns="0" bIns="45720" numCol="1" rtlCol="0" anchor="ctr" anchorCtr="0" compatLnSpc="1">
+            <a:prstTxWarp prst="textNoShape">
+              <a:avLst/>
+            </a:prstTxWarp>
+          </a:bodyPr>
+          <a:lstStyle/>
+          <a:p>
+            <a:pPr algn="ctr" defTabSz="914102" fontAlgn="base">
+              <a:spcBef>
+                <a:spcPct val="0"/>
+              </a:spcBef>
+              <a:spcAft>
+                <a:spcPct val="0"/>
+              </a:spcAft>
+            </a:pPr>
+            <a:endParaRPr lang="en-US" sz="1961" dirty="0">
+              <a:gradFill>
+                <a:gsLst>
+                  <a:gs pos="5439">
+                    <a:srgbClr val="F8F8F8"/>
+                  </a:gs>
+                  <a:gs pos="10000">
+                    <a:srgbClr val="F8F8F8"/>
+                  </a:gs>
+                </a:gsLst>
+                <a:lin ang="5400000" scaled="0"/>
+              </a:gradFill>
+            </a:endParaRPr>
+          </a:p>
+        </p:txBody>
+      </p:sp>
+      <p:sp>
+        <p:nvSpPr>
+          <p:cNvPr id="5" name="Title 1">
+            <a:extLst>
+              <a:ext uri="{FF2B5EF4-FFF2-40B4-BE49-F238E27FC236}">
+                <a16:creationId xmlns:a16="http://schemas.microsoft.com/office/drawing/2014/main" id="{79DF61EE-C2D1-4C42-8024-4ADEC2076ED4}"/>
+              </a:ext>
+            </a:extLst>
+          </p:cNvPr>
+          <p:cNvSpPr txBox="1">
+            <a:spLocks/>
+          </p:cNvSpPr>
+          <p:nvPr/>
+        </p:nvSpPr>
+        <p:spPr>
+          <a:xfrm>
+            <a:off x="269240" y="289511"/>
+            <a:ext cx="11655840" cy="899665"/>
+          </a:xfrm>
+          <a:prstGeom prst="rect">
+            <a:avLst/>
+          </a:prstGeom>
+        </p:spPr>
+        <p:txBody>
+          <a:bodyPr vert="horz" lIns="90000" tIns="45720" rIns="91440" bIns="45720" rtlCol="0" anchor="b">
+            <a:noAutofit/>
+          </a:bodyPr>
+          <a:lstStyle>
+            <a:lvl1pPr algn="l" defTabSz="914400" rtl="0" eaLnBrk="1" latinLnBrk="0" hangingPunct="1">
+              <a:lnSpc>
+                <a:spcPct val="90000"/>
+              </a:lnSpc>
+              <a:spcBef>
+                <a:spcPct val="0"/>
+              </a:spcBef>
+              <a:buNone/>
+              <a:defRPr sz="3600" kern="1200">
+                <a:solidFill>
+                  <a:schemeClr val="tx1"/>
+                </a:solidFill>
+                <a:latin typeface="+mj-lt"/>
+                <a:ea typeface="+mj-ea"/>
+                <a:cs typeface="+mj-cs"/>
+              </a:defRPr>
+            </a:lvl1pPr>
+          </a:lstStyle>
+          <a:p>
+            <a:endParaRPr lang="en-US" dirty="0"/>
+          </a:p>
+        </p:txBody>
+      </p:sp>
+      <p:pic>
+        <p:nvPicPr>
+          <p:cNvPr id="6" name="Picture 5">
+            <a:extLst>
+              <a:ext uri="{FF2B5EF4-FFF2-40B4-BE49-F238E27FC236}">
+                <a16:creationId xmlns:a16="http://schemas.microsoft.com/office/drawing/2014/main" id="{CFF836A8-3367-4734-BAC6-EFA117E3D274}"/>
+              </a:ext>
+            </a:extLst>
+          </p:cNvPr>
+          <p:cNvPicPr>
+            <a:picLocks noChangeAspect="1"/>
+          </p:cNvPicPr>
+          <p:nvPr/>
+        </p:nvPicPr>
+        <p:blipFill>
+          <a:blip r:embed="rId3"/>
+          <a:stretch>
+            <a:fillRect/>
+          </a:stretch>
+        </p:blipFill>
+        <p:spPr>
+          <a:xfrm>
+            <a:off x="717451" y="1187938"/>
+            <a:ext cx="10084779" cy="5263247"/>
+          </a:xfrm>
+          <a:prstGeom prst="rect">
+            <a:avLst/>
+          </a:prstGeom>
+        </p:spPr>
+      </p:pic>
     </p:spTree>
     <p:extLst>
       <p:ext uri="{BB962C8B-B14F-4D97-AF65-F5344CB8AC3E}">
-        <p14:creationId xmlns:p14="http://schemas.microsoft.com/office/powerpoint/2010/main" val="1580573269"/>
+        <p14:creationId xmlns:p14="http://schemas.microsoft.com/office/powerpoint/2010/main" val="487288096"/>
       </p:ext>
     </p:extLst>
   </p:cSld>
@@ -12702,12 +12806,8 @@
           </a:p>
           <a:p>
             <a:r>
-              <a:rPr lang="nb-NO" dirty="0" err="1"/>
-              <a:t>Aggregate</a:t>
-            </a:r>
-            <a:r>
               <a:rPr lang="nb-NO" dirty="0"/>
-              <a:t> SLA: Service1 SLA + Service2 SLA =  </a:t>
+              <a:t>Aggregate SLA: Service1 SLA + Service2 SLA </a:t>
             </a:r>
           </a:p>
         </p:txBody>
@@ -17955,14 +18055,14 @@
           </a:ln>
           <a:extLst>
             <a:ext uri="{909E8E84-426E-40dd-AFC4-6F175D3DCCD1}">
-              <a14:hiddenFill xmlns:lc="http://schemas.openxmlformats.org/drawingml/2006/lockedCanvas" xmlns:a14="http://schemas.microsoft.com/office/drawing/2010/main" xmlns="">
+              <a14:hiddenFill xmlns="" xmlns:a14="http://schemas.microsoft.com/office/drawing/2010/main" xmlns:lc="http://schemas.openxmlformats.org/drawingml/2006/lockedCanvas">
                 <a:solidFill>
                   <a:srgbClr val="FFFFFF"/>
                 </a:solidFill>
               </a14:hiddenFill>
             </a:ext>
             <a:ext uri="{91240B29-F687-4f45-9708-019B960494DF}">
-              <a14:hiddenLine xmlns:lc="http://schemas.openxmlformats.org/drawingml/2006/lockedCanvas" xmlns:a14="http://schemas.microsoft.com/office/drawing/2010/main" xmlns="" w="9525">
+              <a14:hiddenLine xmlns="" xmlns:a14="http://schemas.microsoft.com/office/drawing/2010/main" xmlns:lc="http://schemas.openxmlformats.org/drawingml/2006/lockedCanvas" w="9525">
                 <a:solidFill>
                   <a:srgbClr val="000000"/>
                 </a:solidFill>
@@ -18151,14 +18251,14 @@
           </a:ln>
           <a:extLst>
             <a:ext uri="{909E8E84-426E-40dd-AFC4-6F175D3DCCD1}">
-              <a14:hiddenFill xmlns:lc="http://schemas.openxmlformats.org/drawingml/2006/lockedCanvas" xmlns:a14="http://schemas.microsoft.com/office/drawing/2010/main" xmlns="">
+              <a14:hiddenFill xmlns="" xmlns:a14="http://schemas.microsoft.com/office/drawing/2010/main" xmlns:lc="http://schemas.openxmlformats.org/drawingml/2006/lockedCanvas">
                 <a:solidFill>
                   <a:srgbClr val="FFFFFF"/>
                 </a:solidFill>
               </a14:hiddenFill>
             </a:ext>
             <a:ext uri="{91240B29-F687-4f45-9708-019B960494DF}">
-              <a14:hiddenLine xmlns:lc="http://schemas.openxmlformats.org/drawingml/2006/lockedCanvas" xmlns:a14="http://schemas.microsoft.com/office/drawing/2010/main" xmlns="" w="9525">
+              <a14:hiddenLine xmlns="" xmlns:a14="http://schemas.microsoft.com/office/drawing/2010/main" xmlns:lc="http://schemas.openxmlformats.org/drawingml/2006/lockedCanvas" w="9525">
                 <a:solidFill>
                   <a:srgbClr val="000000"/>
                 </a:solidFill>
@@ -18619,14 +18719,14 @@
           </a:ln>
           <a:extLst>
             <a:ext uri="{909E8E84-426E-40dd-AFC4-6F175D3DCCD1}">
-              <a14:hiddenFill xmlns:lc="http://schemas.openxmlformats.org/drawingml/2006/lockedCanvas" xmlns:a14="http://schemas.microsoft.com/office/drawing/2010/main" xmlns="">
+              <a14:hiddenFill xmlns="" xmlns:a14="http://schemas.microsoft.com/office/drawing/2010/main" xmlns:lc="http://schemas.openxmlformats.org/drawingml/2006/lockedCanvas">
                 <a:solidFill>
                   <a:srgbClr val="FFFFFF"/>
                 </a:solidFill>
               </a14:hiddenFill>
             </a:ext>
             <a:ext uri="{91240B29-F687-4f45-9708-019B960494DF}">
-              <a14:hiddenLine xmlns:lc="http://schemas.openxmlformats.org/drawingml/2006/lockedCanvas" xmlns:a14="http://schemas.microsoft.com/office/drawing/2010/main" xmlns="" w="9525">
+              <a14:hiddenLine xmlns="" xmlns:a14="http://schemas.microsoft.com/office/drawing/2010/main" xmlns:lc="http://schemas.openxmlformats.org/drawingml/2006/lockedCanvas" w="9525">
                 <a:solidFill>
                   <a:srgbClr val="000000"/>
                 </a:solidFill>
@@ -19332,14 +19432,14 @@
           </a:ln>
           <a:extLst>
             <a:ext uri="{909E8E84-426E-40dd-AFC4-6F175D3DCCD1}">
-              <a14:hiddenFill xmlns:lc="http://schemas.openxmlformats.org/drawingml/2006/lockedCanvas" xmlns:a14="http://schemas.microsoft.com/office/drawing/2010/main" xmlns="">
+              <a14:hiddenFill xmlns="" xmlns:a14="http://schemas.microsoft.com/office/drawing/2010/main" xmlns:lc="http://schemas.openxmlformats.org/drawingml/2006/lockedCanvas">
                 <a:solidFill>
                   <a:srgbClr val="FFFFFF"/>
                 </a:solidFill>
               </a14:hiddenFill>
             </a:ext>
             <a:ext uri="{91240B29-F687-4f45-9708-019B960494DF}">
-              <a14:hiddenLine xmlns:lc="http://schemas.openxmlformats.org/drawingml/2006/lockedCanvas" xmlns:a14="http://schemas.microsoft.com/office/drawing/2010/main" xmlns="" w="9525">
+              <a14:hiddenLine xmlns="" xmlns:a14="http://schemas.microsoft.com/office/drawing/2010/main" xmlns:lc="http://schemas.openxmlformats.org/drawingml/2006/lockedCanvas" w="9525">
                 <a:solidFill>
                   <a:srgbClr val="000000"/>
                 </a:solidFill>
@@ -19392,14 +19492,14 @@
           </a:ln>
           <a:extLst>
             <a:ext uri="{909E8E84-426E-40dd-AFC4-6F175D3DCCD1}">
-              <a14:hiddenFill xmlns:lc="http://schemas.openxmlformats.org/drawingml/2006/lockedCanvas" xmlns:a14="http://schemas.microsoft.com/office/drawing/2010/main" xmlns="">
+              <a14:hiddenFill xmlns="" xmlns:a14="http://schemas.microsoft.com/office/drawing/2010/main" xmlns:lc="http://schemas.openxmlformats.org/drawingml/2006/lockedCanvas">
                 <a:solidFill>
                   <a:srgbClr val="FFFFFF"/>
                 </a:solidFill>
               </a14:hiddenFill>
             </a:ext>
             <a:ext uri="{91240B29-F687-4f45-9708-019B960494DF}">
-              <a14:hiddenLine xmlns:lc="http://schemas.openxmlformats.org/drawingml/2006/lockedCanvas" xmlns:a14="http://schemas.microsoft.com/office/drawing/2010/main" xmlns="" w="9525">
+              <a14:hiddenLine xmlns="" xmlns:a14="http://schemas.microsoft.com/office/drawing/2010/main" xmlns:lc="http://schemas.openxmlformats.org/drawingml/2006/lockedCanvas" w="9525">
                 <a:solidFill>
                   <a:srgbClr val="000000"/>
                 </a:solidFill>
@@ -21919,7 +22019,7 @@
           <p:cNvPr id="2" name="Content Placeholder 1">
             <a:extLst>
               <a:ext uri="{FF2B5EF4-FFF2-40B4-BE49-F238E27FC236}">
-                <a16:creationId xmlns:a16="http://schemas.microsoft.com/office/drawing/2014/main" id="{E02D9C6B-D087-4D41-9CDA-F894580EC82F}"/>
+                <a16:creationId xmlns:a16="http://schemas.microsoft.com/office/drawing/2014/main" id="{3C4A37AA-EFA3-487A-A004-AB180106851B}"/>
               </a:ext>
             </a:extLst>
           </p:cNvPr>
@@ -21935,6 +22035,61 @@
           <a:bodyPr/>
           <a:lstStyle/>
           <a:p>
+            <a:r>
+              <a:rPr lang="nb-NO" dirty="0">
+                <a:hlinkClick r:id="rId3"/>
+              </a:rPr>
+              <a:t>https://azure.microsoft.com/en/services/</a:t>
+            </a:r>
+            <a:endParaRPr lang="nb-NO" dirty="0"/>
+          </a:p>
+          <a:p>
+            <a:endParaRPr lang="nb-NO" dirty="0"/>
+          </a:p>
+          <a:p>
+            <a:r>
+              <a:rPr lang="nb-NO" dirty="0"/>
+              <a:t>Architecture BluePrints: </a:t>
+            </a:r>
+            <a:r>
+              <a:rPr lang="nb-NO" dirty="0">
+                <a:hlinkClick r:id="rId4"/>
+              </a:rPr>
+              <a:t>https://azure.microsoft.com/en-us/solutions/architecture/</a:t>
+            </a:r>
+            <a:endParaRPr lang="nb-NO" dirty="0"/>
+          </a:p>
+          <a:p>
+            <a:endParaRPr lang="nb-NO" dirty="0"/>
+          </a:p>
+          <a:p>
+            <a:r>
+              <a:rPr lang="nb-NO" dirty="0">
+                <a:hlinkClick r:id="rId5"/>
+              </a:rPr>
+              <a:t>https://azure-overview.com/Home/Index</a:t>
+            </a:r>
+            <a:endParaRPr lang="nb-NO" dirty="0"/>
+          </a:p>
+          <a:p>
+            <a:endParaRPr lang="nb-NO" dirty="0"/>
+          </a:p>
+          <a:p>
+            <a:endParaRPr lang="nb-NO" dirty="0"/>
+          </a:p>
+          <a:p>
+            <a:endParaRPr lang="nb-NO" dirty="0"/>
+          </a:p>
+          <a:p>
+            <a:endParaRPr lang="nb-NO" dirty="0"/>
+          </a:p>
+          <a:p>
+            <a:pPr marL="0" indent="0">
+              <a:buNone/>
+            </a:pPr>
+            <a:endParaRPr lang="nb-NO" dirty="0"/>
+          </a:p>
+          <a:p>
             <a:endParaRPr lang="nb-NO" dirty="0"/>
           </a:p>
         </p:txBody>
@@ -21944,7 +22099,7 @@
           <p:cNvPr id="3" name="Title 2">
             <a:extLst>
               <a:ext uri="{FF2B5EF4-FFF2-40B4-BE49-F238E27FC236}">
-                <a16:creationId xmlns:a16="http://schemas.microsoft.com/office/drawing/2014/main" id="{5FD03241-4113-4696-9B74-89A08D77C482}"/>
+                <a16:creationId xmlns:a16="http://schemas.microsoft.com/office/drawing/2014/main" id="{EF651512-0DFA-46A3-9C21-A7FA499D439C}"/>
               </a:ext>
             </a:extLst>
           </p:cNvPr>
@@ -21960,176 +22115,17 @@
           <a:bodyPr/>
           <a:lstStyle/>
           <a:p>
-            <a:endParaRPr lang="nb-NO" dirty="0"/>
-          </a:p>
-        </p:txBody>
-      </p:sp>
-      <p:sp>
-        <p:nvSpPr>
-          <p:cNvPr id="4" name="Rounded Rectangle 2">
-            <a:extLst>
-              <a:ext uri="{FF2B5EF4-FFF2-40B4-BE49-F238E27FC236}">
-                <a16:creationId xmlns:a16="http://schemas.microsoft.com/office/drawing/2014/main" id="{BD5933A1-CABC-48AC-BBE9-DD758D19C0B0}"/>
-              </a:ext>
-            </a:extLst>
-          </p:cNvPr>
-          <p:cNvSpPr/>
-          <p:nvPr/>
-        </p:nvSpPr>
-        <p:spPr bwMode="auto">
-          <a:xfrm>
-            <a:off x="418643" y="1113236"/>
-            <a:ext cx="10757098" cy="5376994"/>
-          </a:xfrm>
-          <a:prstGeom prst="roundRect">
-            <a:avLst>
-              <a:gd name="adj" fmla="val 5315"/>
-            </a:avLst>
-          </a:prstGeom>
-          <a:solidFill>
-            <a:schemeClr val="bg2">
-              <a:lumMod val="25000"/>
-            </a:schemeClr>
-          </a:solidFill>
-          <a:ln>
-            <a:noFill/>
-            <a:headEnd type="none" w="med" len="med"/>
-            <a:tailEnd type="none" w="med" len="med"/>
-          </a:ln>
-        </p:spPr>
-        <p:style>
-          <a:lnRef idx="2">
-            <a:schemeClr val="accent1">
-              <a:shade val="50000"/>
-            </a:schemeClr>
-          </a:lnRef>
-          <a:fillRef idx="1">
-            <a:schemeClr val="accent1"/>
-          </a:fillRef>
-          <a:effectRef idx="0">
-            <a:schemeClr val="accent1"/>
-          </a:effectRef>
-          <a:fontRef idx="minor">
-            <a:schemeClr val="lt1"/>
-          </a:fontRef>
-        </p:style>
-        <p:txBody>
-          <a:bodyPr vert="horz" wrap="square" lIns="0" tIns="45720" rIns="0" bIns="45720" numCol="1" rtlCol="0" anchor="ctr" anchorCtr="0" compatLnSpc="1">
-            <a:prstTxWarp prst="textNoShape">
-              <a:avLst/>
-            </a:prstTxWarp>
-          </a:bodyPr>
-          <a:lstStyle/>
-          <a:p>
-            <a:pPr algn="ctr" defTabSz="914102" fontAlgn="base">
-              <a:spcBef>
-                <a:spcPct val="0"/>
-              </a:spcBef>
-              <a:spcAft>
-                <a:spcPct val="0"/>
-              </a:spcAft>
-            </a:pPr>
-            <a:endParaRPr lang="en-US" sz="1961" dirty="0">
-              <a:gradFill>
-                <a:gsLst>
-                  <a:gs pos="5439">
-                    <a:srgbClr val="F8F8F8"/>
-                  </a:gs>
-                  <a:gs pos="10000">
-                    <a:srgbClr val="F8F8F8"/>
-                  </a:gs>
-                </a:gsLst>
-                <a:lin ang="5400000" scaled="0"/>
-              </a:gradFill>
-            </a:endParaRPr>
-          </a:p>
-        </p:txBody>
-      </p:sp>
-      <p:sp>
-        <p:nvSpPr>
-          <p:cNvPr id="5" name="Title 1">
-            <a:extLst>
-              <a:ext uri="{FF2B5EF4-FFF2-40B4-BE49-F238E27FC236}">
-                <a16:creationId xmlns:a16="http://schemas.microsoft.com/office/drawing/2014/main" id="{79DF61EE-C2D1-4C42-8024-4ADEC2076ED4}"/>
-              </a:ext>
-            </a:extLst>
-          </p:cNvPr>
-          <p:cNvSpPr txBox="1">
-            <a:spLocks/>
-          </p:cNvSpPr>
-          <p:nvPr/>
-        </p:nvSpPr>
-        <p:spPr>
-          <a:xfrm>
-            <a:off x="269240" y="289511"/>
-            <a:ext cx="11655840" cy="899665"/>
-          </a:xfrm>
-          <a:prstGeom prst="rect">
-            <a:avLst/>
-          </a:prstGeom>
-        </p:spPr>
-        <p:txBody>
-          <a:bodyPr vert="horz" lIns="90000" tIns="45720" rIns="91440" bIns="45720" rtlCol="0" anchor="b">
-            <a:noAutofit/>
-          </a:bodyPr>
-          <a:lstStyle>
-            <a:lvl1pPr algn="l" defTabSz="914400" rtl="0" eaLnBrk="1" latinLnBrk="0" hangingPunct="1">
-              <a:lnSpc>
-                <a:spcPct val="90000"/>
-              </a:lnSpc>
-              <a:spcBef>
-                <a:spcPct val="0"/>
-              </a:spcBef>
-              <a:buNone/>
-              <a:defRPr sz="3600" kern="1200">
-                <a:solidFill>
-                  <a:schemeClr val="tx1"/>
-                </a:solidFill>
-                <a:latin typeface="+mj-lt"/>
-                <a:ea typeface="+mj-ea"/>
-                <a:cs typeface="+mj-cs"/>
-              </a:defRPr>
-            </a:lvl1pPr>
-          </a:lstStyle>
-          <a:p>
-            <a:endParaRPr lang="en-US" dirty="0"/>
-          </a:p>
-        </p:txBody>
-      </p:sp>
-      <p:pic>
-        <p:nvPicPr>
-          <p:cNvPr id="6" name="Picture 5">
-            <a:extLst>
-              <a:ext uri="{FF2B5EF4-FFF2-40B4-BE49-F238E27FC236}">
-                <a16:creationId xmlns:a16="http://schemas.microsoft.com/office/drawing/2014/main" id="{CFF836A8-3367-4734-BAC6-EFA117E3D274}"/>
-              </a:ext>
-            </a:extLst>
-          </p:cNvPr>
-          <p:cNvPicPr>
-            <a:picLocks noChangeAspect="1"/>
-          </p:cNvPicPr>
-          <p:nvPr/>
-        </p:nvPicPr>
-        <p:blipFill>
-          <a:blip r:embed="rId3"/>
-          <a:stretch>
-            <a:fillRect/>
-          </a:stretch>
-        </p:blipFill>
-        <p:spPr>
-          <a:xfrm>
-            <a:off x="717451" y="1187938"/>
-            <a:ext cx="10084779" cy="5263247"/>
-          </a:xfrm>
-          <a:prstGeom prst="rect">
-            <a:avLst/>
-          </a:prstGeom>
-        </p:spPr>
-      </p:pic>
+            <a:r>
+              <a:rPr lang="nb-NO" dirty="0"/>
+              <a:t>Services</a:t>
+            </a:r>
+          </a:p>
+        </p:txBody>
+      </p:sp>
     </p:spTree>
     <p:extLst>
       <p:ext uri="{BB962C8B-B14F-4D97-AF65-F5344CB8AC3E}">
-        <p14:creationId xmlns:p14="http://schemas.microsoft.com/office/powerpoint/2010/main" val="487288096"/>
+        <p14:creationId xmlns:p14="http://schemas.microsoft.com/office/powerpoint/2010/main" val="1580573269"/>
       </p:ext>
     </p:extLst>
   </p:cSld>
@@ -23671,6 +23667,15 @@
 </file>
 
 <file path=customXml/item1.xml><?xml version="1.0" encoding="utf-8"?>
+<?mso-contentType ?>
+<FormTemplates xmlns="http://schemas.microsoft.com/sharepoint/v3/contenttype/forms">
+  <Display>DocumentLibraryForm</Display>
+  <Edit>DocumentLibraryForm</Edit>
+  <New>DocumentLibraryForm</New>
+</FormTemplates>
+</file>
+
+<file path=customXml/item2.xml><?xml version="1.0" encoding="utf-8"?>
 <ct:contentTypeSchema xmlns:ct="http://schemas.microsoft.com/office/2006/metadata/contentType" xmlns:ma="http://schemas.microsoft.com/office/2006/metadata/properties/metaAttributes" ct:_="" ma:_="" ma:contentTypeName="Document" ma:contentTypeID="0x0101005D3CE5A03C88D04F8FE0CC8617320B29" ma:contentTypeVersion="2" ma:contentTypeDescription="Create a new document." ma:contentTypeScope="" ma:versionID="23c508fadb5761cd27fdc7efc393bb78">
   <xsd:schema xmlns:xsd="http://www.w3.org/2001/XMLSchema" xmlns:xs="http://www.w3.org/2001/XMLSchema" xmlns:p="http://schemas.microsoft.com/office/2006/metadata/properties" xmlns:ns2="323bcd62-7d27-4513-9df1-9bc20f03554b" targetNamespace="http://schemas.microsoft.com/office/2006/metadata/properties" ma:root="true" ma:fieldsID="4120a6a9df7c81c23a4d646d2ccf1355" ns2:_="">
     <xsd:import namespace="323bcd62-7d27-4513-9df1-9bc20f03554b"/>
@@ -23802,15 +23807,6 @@
 </ct:contentTypeSchema>
 </file>
 
-<file path=customXml/item2.xml><?xml version="1.0" encoding="utf-8"?>
-<?mso-contentType ?>
-<FormTemplates xmlns="http://schemas.microsoft.com/sharepoint/v3/contenttype/forms">
-  <Display>DocumentLibraryForm</Display>
-  <Edit>DocumentLibraryForm</Edit>
-  <New>DocumentLibraryForm</New>
-</FormTemplates>
-</file>
-
 <file path=customXml/item3.xml><?xml version="1.0" encoding="utf-8"?>
 <p:properties xmlns:p="http://schemas.microsoft.com/office/2006/metadata/properties" xmlns:xsi="http://www.w3.org/2001/XMLSchema-instance" xmlns:pc="http://schemas.microsoft.com/office/infopath/2007/PartnerControls">
   <documentManagement/>
@@ -23818,6 +23814,14 @@
 </file>
 
 <file path=customXml/itemProps1.xml><?xml version="1.0" encoding="utf-8"?>
+<ds:datastoreItem xmlns:ds="http://schemas.openxmlformats.org/officeDocument/2006/customXml" ds:itemID="{BB82CC63-55FC-4D22-9ED3-DB88AF6228E1}">
+  <ds:schemaRefs>
+    <ds:schemaRef ds:uri="http://schemas.microsoft.com/sharepoint/v3/contenttype/forms"/>
+  </ds:schemaRefs>
+</ds:datastoreItem>
+</file>
+
+<file path=customXml/itemProps2.xml><?xml version="1.0" encoding="utf-8"?>
 <ds:datastoreItem xmlns:ds="http://schemas.openxmlformats.org/officeDocument/2006/customXml" ds:itemID="{0377EA4A-9170-43AD-A052-6EABC948F73F}">
   <ds:schemaRefs>
     <ds:schemaRef ds:uri="http://schemas.microsoft.com/office/2006/metadata/contentType"/>
@@ -23831,14 +23835,6 @@
     <ds:schemaRef ds:uri="http://purl.org/dc/elements/1.1/"/>
     <ds:schemaRef ds:uri="http://purl.org/dc/terms/"/>
     <ds:schemaRef ds:uri="http://schemas.microsoft.com/internal/obd"/>
-  </ds:schemaRefs>
-</ds:datastoreItem>
-</file>
-
-<file path=customXml/itemProps2.xml><?xml version="1.0" encoding="utf-8"?>
-<ds:datastoreItem xmlns:ds="http://schemas.openxmlformats.org/officeDocument/2006/customXml" ds:itemID="{BB82CC63-55FC-4D22-9ED3-DB88AF6228E1}">
-  <ds:schemaRefs>
-    <ds:schemaRef ds:uri="http://schemas.microsoft.com/sharepoint/v3/contenttype/forms"/>
   </ds:schemaRefs>
 </ds:datastoreItem>
 </file>

--- a/Workshop_1/Presentasjon/Azureskolen-Workshop#1.pptx
+++ b/Workshop_1/Presentasjon/Azureskolen-Workshop#1.pptx
@@ -245,7 +245,7 @@
           <a:p>
             <a:fld id="{54C52192-B826-4AE0-9CD6-BEA9467D12B3}" type="datetimeFigureOut">
               <a:rPr lang="nb-NO" smtClean="0"/>
-              <a:t>20.11.2018</a:t>
+              <a:t>15.01.2019</a:t>
             </a:fld>
             <a:endParaRPr lang="nb-NO"/>
           </a:p>
@@ -410,7 +410,7 @@
           <a:p>
             <a:fld id="{2696BCB2-2760-41B1-A1BE-7886EF110FCB}" type="datetimeFigureOut">
               <a:rPr lang="nb-NO" smtClean="0"/>
-              <a:t>20.11.2018</a:t>
+              <a:t>15.01.2019</a:t>
             </a:fld>
             <a:endParaRPr lang="nb-NO"/>
           </a:p>
@@ -18055,14 +18055,14 @@
           </a:ln>
           <a:extLst>
             <a:ext uri="{909E8E84-426E-40dd-AFC4-6F175D3DCCD1}">
-              <a14:hiddenFill xmlns="" xmlns:a14="http://schemas.microsoft.com/office/drawing/2010/main" xmlns:lc="http://schemas.openxmlformats.org/drawingml/2006/lockedCanvas">
+              <a14:hiddenFill xmlns:lc="http://schemas.openxmlformats.org/drawingml/2006/lockedCanvas" xmlns:a14="http://schemas.microsoft.com/office/drawing/2010/main" xmlns="">
                 <a:solidFill>
                   <a:srgbClr val="FFFFFF"/>
                 </a:solidFill>
               </a14:hiddenFill>
             </a:ext>
             <a:ext uri="{91240B29-F687-4f45-9708-019B960494DF}">
-              <a14:hiddenLine xmlns="" xmlns:a14="http://schemas.microsoft.com/office/drawing/2010/main" xmlns:lc="http://schemas.openxmlformats.org/drawingml/2006/lockedCanvas" w="9525">
+              <a14:hiddenLine xmlns:lc="http://schemas.openxmlformats.org/drawingml/2006/lockedCanvas" xmlns:a14="http://schemas.microsoft.com/office/drawing/2010/main" xmlns="" w="9525">
                 <a:solidFill>
                   <a:srgbClr val="000000"/>
                 </a:solidFill>
@@ -18251,14 +18251,14 @@
           </a:ln>
           <a:extLst>
             <a:ext uri="{909E8E84-426E-40dd-AFC4-6F175D3DCCD1}">
-              <a14:hiddenFill xmlns="" xmlns:a14="http://schemas.microsoft.com/office/drawing/2010/main" xmlns:lc="http://schemas.openxmlformats.org/drawingml/2006/lockedCanvas">
+              <a14:hiddenFill xmlns:lc="http://schemas.openxmlformats.org/drawingml/2006/lockedCanvas" xmlns:a14="http://schemas.microsoft.com/office/drawing/2010/main" xmlns="">
                 <a:solidFill>
                   <a:srgbClr val="FFFFFF"/>
                 </a:solidFill>
               </a14:hiddenFill>
             </a:ext>
             <a:ext uri="{91240B29-F687-4f45-9708-019B960494DF}">
-              <a14:hiddenLine xmlns="" xmlns:a14="http://schemas.microsoft.com/office/drawing/2010/main" xmlns:lc="http://schemas.openxmlformats.org/drawingml/2006/lockedCanvas" w="9525">
+              <a14:hiddenLine xmlns:lc="http://schemas.openxmlformats.org/drawingml/2006/lockedCanvas" xmlns:a14="http://schemas.microsoft.com/office/drawing/2010/main" xmlns="" w="9525">
                 <a:solidFill>
                   <a:srgbClr val="000000"/>
                 </a:solidFill>
@@ -18719,14 +18719,14 @@
           </a:ln>
           <a:extLst>
             <a:ext uri="{909E8E84-426E-40dd-AFC4-6F175D3DCCD1}">
-              <a14:hiddenFill xmlns="" xmlns:a14="http://schemas.microsoft.com/office/drawing/2010/main" xmlns:lc="http://schemas.openxmlformats.org/drawingml/2006/lockedCanvas">
+              <a14:hiddenFill xmlns:lc="http://schemas.openxmlformats.org/drawingml/2006/lockedCanvas" xmlns:a14="http://schemas.microsoft.com/office/drawing/2010/main" xmlns="">
                 <a:solidFill>
                   <a:srgbClr val="FFFFFF"/>
                 </a:solidFill>
               </a14:hiddenFill>
             </a:ext>
             <a:ext uri="{91240B29-F687-4f45-9708-019B960494DF}">
-              <a14:hiddenLine xmlns="" xmlns:a14="http://schemas.microsoft.com/office/drawing/2010/main" xmlns:lc="http://schemas.openxmlformats.org/drawingml/2006/lockedCanvas" w="9525">
+              <a14:hiddenLine xmlns:lc="http://schemas.openxmlformats.org/drawingml/2006/lockedCanvas" xmlns:a14="http://schemas.microsoft.com/office/drawing/2010/main" xmlns="" w="9525">
                 <a:solidFill>
                   <a:srgbClr val="000000"/>
                 </a:solidFill>
@@ -19432,14 +19432,14 @@
           </a:ln>
           <a:extLst>
             <a:ext uri="{909E8E84-426E-40dd-AFC4-6F175D3DCCD1}">
-              <a14:hiddenFill xmlns="" xmlns:a14="http://schemas.microsoft.com/office/drawing/2010/main" xmlns:lc="http://schemas.openxmlformats.org/drawingml/2006/lockedCanvas">
+              <a14:hiddenFill xmlns:lc="http://schemas.openxmlformats.org/drawingml/2006/lockedCanvas" xmlns:a14="http://schemas.microsoft.com/office/drawing/2010/main" xmlns="">
                 <a:solidFill>
                   <a:srgbClr val="FFFFFF"/>
                 </a:solidFill>
               </a14:hiddenFill>
             </a:ext>
             <a:ext uri="{91240B29-F687-4f45-9708-019B960494DF}">
-              <a14:hiddenLine xmlns="" xmlns:a14="http://schemas.microsoft.com/office/drawing/2010/main" xmlns:lc="http://schemas.openxmlformats.org/drawingml/2006/lockedCanvas" w="9525">
+              <a14:hiddenLine xmlns:lc="http://schemas.openxmlformats.org/drawingml/2006/lockedCanvas" xmlns:a14="http://schemas.microsoft.com/office/drawing/2010/main" xmlns="" w="9525">
                 <a:solidFill>
                   <a:srgbClr val="000000"/>
                 </a:solidFill>
@@ -19492,14 +19492,14 @@
           </a:ln>
           <a:extLst>
             <a:ext uri="{909E8E84-426E-40dd-AFC4-6F175D3DCCD1}">
-              <a14:hiddenFill xmlns="" xmlns:a14="http://schemas.microsoft.com/office/drawing/2010/main" xmlns:lc="http://schemas.openxmlformats.org/drawingml/2006/lockedCanvas">
+              <a14:hiddenFill xmlns:lc="http://schemas.openxmlformats.org/drawingml/2006/lockedCanvas" xmlns:a14="http://schemas.microsoft.com/office/drawing/2010/main" xmlns="">
                 <a:solidFill>
                   <a:srgbClr val="FFFFFF"/>
                 </a:solidFill>
               </a14:hiddenFill>
             </a:ext>
             <a:ext uri="{91240B29-F687-4f45-9708-019B960494DF}">
-              <a14:hiddenLine xmlns="" xmlns:a14="http://schemas.microsoft.com/office/drawing/2010/main" xmlns:lc="http://schemas.openxmlformats.org/drawingml/2006/lockedCanvas" w="9525">
+              <a14:hiddenLine xmlns:lc="http://schemas.openxmlformats.org/drawingml/2006/lockedCanvas" xmlns:a14="http://schemas.microsoft.com/office/drawing/2010/main" xmlns="" w="9525">
                 <a:solidFill>
                   <a:srgbClr val="000000"/>
                 </a:solidFill>
@@ -20460,7 +20460,7 @@
             <a:pPr lvl="1"/>
             <a:r>
               <a:rPr lang="nb-NO" dirty="0"/>
-              <a:t>LRS = Locally redundant zone, Georedundant</a:t>
+              <a:t>LRS = Locally redundant zone, 3 zoner</a:t>
             </a:r>
           </a:p>
           <a:p>
@@ -20471,11 +20471,10 @@
             </a:r>
           </a:p>
           <a:p>
-            <a:pPr lvl="2"/>
-            <a:r>
-              <a:rPr lang="nb-NO" dirty="0"/>
-              <a:t>Må </a:t>
-            </a:r>
+            <a:pPr marL="628650" lvl="2" indent="0">
+              <a:buNone/>
+            </a:pPr>
+            <a:endParaRPr lang="nb-NO" dirty="0"/>
           </a:p>
           <a:p>
             <a:pPr marL="0" indent="0">
@@ -20593,20 +20592,8 @@
           <a:p>
             <a:pPr lvl="1"/>
             <a:r>
-              <a:rPr lang="nb-NO" dirty="0" err="1"/>
-              <a:t>Shared</a:t>
-            </a:r>
-            <a:r>
               <a:rPr lang="nb-NO" dirty="0"/>
-              <a:t>-Access </a:t>
-            </a:r>
-            <a:r>
-              <a:rPr lang="nb-NO" dirty="0" err="1"/>
-              <a:t>Signature</a:t>
-            </a:r>
-            <a:r>
-              <a:rPr lang="nb-NO" dirty="0"/>
-              <a:t> – gir </a:t>
+              <a:t>Shared-Access Signature </a:t>
             </a:r>
           </a:p>
           <a:p>
@@ -20641,15 +20628,7 @@
             <a:pPr lvl="1"/>
             <a:r>
               <a:rPr lang="nb-NO" dirty="0"/>
-              <a:t>Read-Write-</a:t>
-            </a:r>
-            <a:r>
-              <a:rPr lang="nb-NO" dirty="0" err="1"/>
-              <a:t>Delete</a:t>
-            </a:r>
-            <a:r>
-              <a:rPr lang="nb-NO" dirty="0"/>
-              <a:t>-List</a:t>
+              <a:t>Rettigheter (read, write, list)</a:t>
             </a:r>
           </a:p>
           <a:p>
@@ -20814,6 +20793,12 @@
             <a:r>
               <a:rPr lang="nb-NO" dirty="0"/>
               <a:t>Hvis brukt riktig, veldig kjapt og rimelig.</a:t>
+            </a:r>
+          </a:p>
+          <a:p>
+            <a:r>
+              <a:rPr lang="nb-NO" dirty="0"/>
+              <a:t>Støtter også SAS-tokens</a:t>
             </a:r>
           </a:p>
           <a:p>
@@ -21718,14 +21703,7 @@
           <a:p>
             <a:r>
               <a:rPr lang="nb-NO" dirty="0"/>
-              <a:t>... Er drift av datasenter en del av kjernevirksomheten?</a:t>
-            </a:r>
-          </a:p>
-          <a:p>
-            <a:pPr lvl="1"/>
-            <a:r>
-              <a:rPr lang="nb-NO" dirty="0"/>
-              <a:t>... Hvis ikke, kanskje la Microsoft ta hånd om det?</a:t>
+              <a:t>Nye features</a:t>
             </a:r>
           </a:p>
           <a:p>
@@ -21739,6 +21717,9 @@
             <a:endParaRPr lang="nb-NO" dirty="0"/>
           </a:p>
           <a:p>
+            <a:pPr marL="0" indent="0">
+              <a:buNone/>
+            </a:pPr>
             <a:endParaRPr lang="nb-NO" dirty="0"/>
           </a:p>
         </p:txBody>
@@ -23667,15 +23648,6 @@
 </file>
 
 <file path=customXml/item1.xml><?xml version="1.0" encoding="utf-8"?>
-<?mso-contentType ?>
-<FormTemplates xmlns="http://schemas.microsoft.com/sharepoint/v3/contenttype/forms">
-  <Display>DocumentLibraryForm</Display>
-  <Edit>DocumentLibraryForm</Edit>
-  <New>DocumentLibraryForm</New>
-</FormTemplates>
-</file>
-
-<file path=customXml/item2.xml><?xml version="1.0" encoding="utf-8"?>
 <ct:contentTypeSchema xmlns:ct="http://schemas.microsoft.com/office/2006/metadata/contentType" xmlns:ma="http://schemas.microsoft.com/office/2006/metadata/properties/metaAttributes" ct:_="" ma:_="" ma:contentTypeName="Document" ma:contentTypeID="0x0101005D3CE5A03C88D04F8FE0CC8617320B29" ma:contentTypeVersion="2" ma:contentTypeDescription="Create a new document." ma:contentTypeScope="" ma:versionID="23c508fadb5761cd27fdc7efc393bb78">
   <xsd:schema xmlns:xsd="http://www.w3.org/2001/XMLSchema" xmlns:xs="http://www.w3.org/2001/XMLSchema" xmlns:p="http://schemas.microsoft.com/office/2006/metadata/properties" xmlns:ns2="323bcd62-7d27-4513-9df1-9bc20f03554b" targetNamespace="http://schemas.microsoft.com/office/2006/metadata/properties" ma:root="true" ma:fieldsID="4120a6a9df7c81c23a4d646d2ccf1355" ns2:_="">
     <xsd:import namespace="323bcd62-7d27-4513-9df1-9bc20f03554b"/>
@@ -23807,6 +23779,15 @@
 </ct:contentTypeSchema>
 </file>
 
+<file path=customXml/item2.xml><?xml version="1.0" encoding="utf-8"?>
+<?mso-contentType ?>
+<FormTemplates xmlns="http://schemas.microsoft.com/sharepoint/v3/contenttype/forms">
+  <Display>DocumentLibraryForm</Display>
+  <Edit>DocumentLibraryForm</Edit>
+  <New>DocumentLibraryForm</New>
+</FormTemplates>
+</file>
+
 <file path=customXml/item3.xml><?xml version="1.0" encoding="utf-8"?>
 <p:properties xmlns:p="http://schemas.microsoft.com/office/2006/metadata/properties" xmlns:xsi="http://www.w3.org/2001/XMLSchema-instance" xmlns:pc="http://schemas.microsoft.com/office/infopath/2007/PartnerControls">
   <documentManagement/>
@@ -23814,14 +23795,6 @@
 </file>
 
 <file path=customXml/itemProps1.xml><?xml version="1.0" encoding="utf-8"?>
-<ds:datastoreItem xmlns:ds="http://schemas.openxmlformats.org/officeDocument/2006/customXml" ds:itemID="{BB82CC63-55FC-4D22-9ED3-DB88AF6228E1}">
-  <ds:schemaRefs>
-    <ds:schemaRef ds:uri="http://schemas.microsoft.com/sharepoint/v3/contenttype/forms"/>
-  </ds:schemaRefs>
-</ds:datastoreItem>
-</file>
-
-<file path=customXml/itemProps2.xml><?xml version="1.0" encoding="utf-8"?>
 <ds:datastoreItem xmlns:ds="http://schemas.openxmlformats.org/officeDocument/2006/customXml" ds:itemID="{0377EA4A-9170-43AD-A052-6EABC948F73F}">
   <ds:schemaRefs>
     <ds:schemaRef ds:uri="http://schemas.microsoft.com/office/2006/metadata/contentType"/>
@@ -23835,6 +23808,14 @@
     <ds:schemaRef ds:uri="http://purl.org/dc/elements/1.1/"/>
     <ds:schemaRef ds:uri="http://purl.org/dc/terms/"/>
     <ds:schemaRef ds:uri="http://schemas.microsoft.com/internal/obd"/>
+  </ds:schemaRefs>
+</ds:datastoreItem>
+</file>
+
+<file path=customXml/itemProps2.xml><?xml version="1.0" encoding="utf-8"?>
+<ds:datastoreItem xmlns:ds="http://schemas.openxmlformats.org/officeDocument/2006/customXml" ds:itemID="{BB82CC63-55FC-4D22-9ED3-DB88AF6228E1}">
+  <ds:schemaRefs>
+    <ds:schemaRef ds:uri="http://schemas.microsoft.com/sharepoint/v3/contenttype/forms"/>
   </ds:schemaRefs>
 </ds:datastoreItem>
 </file>

--- a/Workshop_1/Presentasjon/Azureskolen-Workshop#1.pptx
+++ b/Workshop_1/Presentasjon/Azureskolen-Workshop#1.pptx
@@ -7,10 +7,10 @@
     <p:sldMasterId id="2147483705" r:id="rId6"/>
   </p:sldMasterIdLst>
   <p:notesMasterIdLst>
-    <p:notesMasterId r:id="rId37"/>
+    <p:notesMasterId r:id="rId39"/>
   </p:notesMasterIdLst>
   <p:handoutMasterIdLst>
-    <p:handoutMasterId r:id="rId38"/>
+    <p:handoutMasterId r:id="rId40"/>
   </p:handoutMasterIdLst>
   <p:sldIdLst>
     <p:sldId id="256" r:id="rId7"/>
@@ -39,10 +39,12 @@
     <p:sldId id="268" r:id="rId30"/>
     <p:sldId id="281" r:id="rId31"/>
     <p:sldId id="282" r:id="rId32"/>
-    <p:sldId id="286" r:id="rId33"/>
-    <p:sldId id="288" r:id="rId34"/>
-    <p:sldId id="277" r:id="rId35"/>
-    <p:sldId id="279" r:id="rId36"/>
+    <p:sldId id="290" r:id="rId33"/>
+    <p:sldId id="291" r:id="rId34"/>
+    <p:sldId id="286" r:id="rId35"/>
+    <p:sldId id="288" r:id="rId36"/>
+    <p:sldId id="277" r:id="rId37"/>
+    <p:sldId id="279" r:id="rId38"/>
   </p:sldIdLst>
   <p:sldSz cx="12192000" cy="6858000"/>
   <p:notesSz cx="6858000" cy="9144000"/>
@@ -245,7 +247,7 @@
           <a:p>
             <a:fld id="{54C52192-B826-4AE0-9CD6-BEA9467D12B3}" type="datetimeFigureOut">
               <a:rPr lang="nb-NO" smtClean="0"/>
-              <a:t>15.01.2019</a:t>
+              <a:t>19.09.2019</a:t>
             </a:fld>
             <a:endParaRPr lang="nb-NO"/>
           </a:p>
@@ -410,7 +412,7 @@
           <a:p>
             <a:fld id="{2696BCB2-2760-41B1-A1BE-7886EF110FCB}" type="datetimeFigureOut">
               <a:rPr lang="nb-NO" smtClean="0"/>
-              <a:t>15.01.2019</a:t>
+              <a:t>19.09.2019</a:t>
             </a:fld>
             <a:endParaRPr lang="nb-NO"/>
           </a:p>
@@ -807,35 +809,16 @@
           <a:lstStyle/>
           <a:p>
             <a:r>
-              <a:rPr lang="nb-NO" dirty="0"/>
-              <a:t>En del ting er ikke tilgjengelig i portalen.</a:t>
+              <a:rPr lang="nb-NO" dirty="0" err="1"/>
+              <a:t>Azure</a:t>
+            </a:r>
+            <a:r>
+              <a:rPr lang="nb-NO" dirty="0"/>
+              <a:t>, det går vel aldri ned, de har jo så mange servere og datasentre. </a:t>
             </a:r>
           </a:p>
           <a:p>
             <a:endParaRPr lang="nb-NO" dirty="0"/>
-          </a:p>
-          <a:p>
-            <a:r>
-              <a:rPr lang="nb-NO" dirty="0"/>
-              <a:t>Finnes også.</a:t>
-            </a:r>
-          </a:p>
-          <a:p>
-            <a:endParaRPr lang="nb-NO" dirty="0"/>
-          </a:p>
-          <a:p>
-            <a:r>
-              <a:rPr lang="nb-NO" dirty="0"/>
-              <a:t>ARM </a:t>
-            </a:r>
-            <a:r>
-              <a:rPr lang="nb-NO" dirty="0" err="1"/>
-              <a:t>templates</a:t>
-            </a:r>
-            <a:r>
-              <a:rPr lang="nb-NO" dirty="0"/>
-              <a:t>. Egner seg veldig godt.</a:t>
-            </a:r>
           </a:p>
         </p:txBody>
       </p:sp>
@@ -846,7 +829,7 @@
             <a:spLocks noGrp="1"/>
           </p:cNvSpPr>
           <p:nvPr>
-            <p:ph type="sldNum" sz="quarter" idx="10"/>
+            <p:ph type="sldNum" sz="quarter" idx="5"/>
           </p:nvPr>
         </p:nvSpPr>
         <p:spPr/>
@@ -856,7 +839,7 @@
           <a:p>
             <a:fld id="{180377DB-C4B0-49B2-8838-0F01BA83B7C4}" type="slidenum">
               <a:rPr lang="nb-NO" smtClean="0"/>
-              <a:t>15</a:t>
+              <a:t>13</a:t>
             </a:fld>
             <a:endParaRPr lang="nb-NO"/>
           </a:p>
@@ -865,7 +848,7 @@
     </p:spTree>
     <p:extLst>
       <p:ext uri="{BB962C8B-B14F-4D97-AF65-F5344CB8AC3E}">
-        <p14:creationId xmlns:p14="http://schemas.microsoft.com/office/powerpoint/2010/main" val="2784505969"/>
+        <p14:creationId xmlns:p14="http://schemas.microsoft.com/office/powerpoint/2010/main" val="4199443273"/>
       </p:ext>
     </p:extLst>
   </p:cSld>
@@ -919,7 +902,41 @@
           <a:bodyPr/>
           <a:lstStyle/>
           <a:p>
-            <a:endParaRPr lang="nb-NO" dirty="0"/>
+            <a:pPr marL="0" marR="0" lvl="0" indent="0" algn="l" defTabSz="914400" rtl="0" eaLnBrk="1" fontAlgn="auto" latinLnBrk="0" hangingPunct="1">
+              <a:lnSpc>
+                <a:spcPct val="100000"/>
+              </a:lnSpc>
+              <a:spcBef>
+                <a:spcPts val="0"/>
+              </a:spcBef>
+              <a:spcAft>
+                <a:spcPts val="0"/>
+              </a:spcAft>
+              <a:buClrTx/>
+              <a:buSzTx/>
+              <a:buFontTx/>
+              <a:buNone/>
+              <a:tabLst/>
+              <a:defRPr/>
+            </a:pPr>
+            <a:r>
+              <a:rPr lang="nb-NO" dirty="0"/>
+              <a:t>Gir kun tilbake </a:t>
+            </a:r>
+            <a:r>
+              <a:rPr lang="nb-NO" dirty="0" err="1"/>
+              <a:t>credits</a:t>
+            </a:r>
+            <a:r>
+              <a:rPr lang="nb-NO" dirty="0"/>
+              <a:t> – ikke hva det faktiske tapet har blitt påført. 4</a:t>
+            </a:r>
+          </a:p>
+          <a:p>
+            <a:r>
+              <a:rPr lang="nb-NO" dirty="0"/>
+              <a:t>Ingen automatikk i at man får tilbake. Må </a:t>
+            </a:r>
           </a:p>
         </p:txBody>
       </p:sp>
@@ -940,7 +957,7 @@
           <a:p>
             <a:fld id="{180377DB-C4B0-49B2-8838-0F01BA83B7C4}" type="slidenum">
               <a:rPr lang="nb-NO" smtClean="0"/>
-              <a:t>16</a:t>
+              <a:t>14</a:t>
             </a:fld>
             <a:endParaRPr lang="nb-NO"/>
           </a:p>
@@ -949,7 +966,7 @@
     </p:spTree>
     <p:extLst>
       <p:ext uri="{BB962C8B-B14F-4D97-AF65-F5344CB8AC3E}">
-        <p14:creationId xmlns:p14="http://schemas.microsoft.com/office/powerpoint/2010/main" val="2086251713"/>
+        <p14:creationId xmlns:p14="http://schemas.microsoft.com/office/powerpoint/2010/main" val="187737371"/>
       </p:ext>
     </p:extLst>
   </p:cSld>
@@ -1003,7 +1020,43 @@
           <a:bodyPr/>
           <a:lstStyle/>
           <a:p>
+            <a:r>
+              <a:rPr lang="nb-NO" dirty="0"/>
+              <a:t>En del ting er ikke tilgjengelig i portalen, men </a:t>
+            </a:r>
+            <a:r>
+              <a:rPr lang="nb-NO" dirty="0" err="1"/>
+              <a:t>powershell</a:t>
+            </a:r>
+            <a:r>
+              <a:rPr lang="nb-NO" dirty="0"/>
+              <a:t> og </a:t>
+            </a:r>
+            <a:r>
+              <a:rPr lang="nb-NO" dirty="0" err="1"/>
+              <a:t>Azure</a:t>
+            </a:r>
+            <a:r>
+              <a:rPr lang="nb-NO" dirty="0"/>
+              <a:t> CLI skal ha de samme mulighetene</a:t>
+            </a:r>
+          </a:p>
+          <a:p>
             <a:endParaRPr lang="nb-NO" dirty="0"/>
+          </a:p>
+          <a:p>
+            <a:r>
+              <a:rPr lang="nb-NO" dirty="0"/>
+              <a:t>ARM </a:t>
+            </a:r>
+            <a:r>
+              <a:rPr lang="nb-NO" dirty="0" err="1"/>
+              <a:t>templates</a:t>
+            </a:r>
+            <a:r>
+              <a:rPr lang="nb-NO" dirty="0"/>
+              <a:t>. Egner seg veldig godt.</a:t>
+            </a:r>
           </a:p>
         </p:txBody>
       </p:sp>
@@ -1024,7 +1077,7 @@
           <a:p>
             <a:fld id="{180377DB-C4B0-49B2-8838-0F01BA83B7C4}" type="slidenum">
               <a:rPr lang="nb-NO" smtClean="0"/>
-              <a:t>17</a:t>
+              <a:t>15</a:t>
             </a:fld>
             <a:endParaRPr lang="nb-NO"/>
           </a:p>
@@ -1033,7 +1086,7 @@
     </p:spTree>
     <p:extLst>
       <p:ext uri="{BB962C8B-B14F-4D97-AF65-F5344CB8AC3E}">
-        <p14:creationId xmlns:p14="http://schemas.microsoft.com/office/powerpoint/2010/main" val="1458791178"/>
+        <p14:creationId xmlns:p14="http://schemas.microsoft.com/office/powerpoint/2010/main" val="2784505969"/>
       </p:ext>
     </p:extLst>
   </p:cSld>
@@ -1087,10 +1140,7 @@
           <a:bodyPr/>
           <a:lstStyle/>
           <a:p>
-            <a:r>
-              <a:rPr lang="nb-NO" dirty="0"/>
-              <a:t>App Service</a:t>
-            </a:r>
+            <a:endParaRPr lang="nb-NO" dirty="0"/>
           </a:p>
         </p:txBody>
       </p:sp>
@@ -1101,7 +1151,7 @@
             <a:spLocks noGrp="1"/>
           </p:cNvSpPr>
           <p:nvPr>
-            <p:ph type="sldNum" sz="quarter" idx="5"/>
+            <p:ph type="sldNum" sz="quarter" idx="10"/>
           </p:nvPr>
         </p:nvSpPr>
         <p:spPr/>
@@ -1111,7 +1161,7 @@
           <a:p>
             <a:fld id="{180377DB-C4B0-49B2-8838-0F01BA83B7C4}" type="slidenum">
               <a:rPr lang="nb-NO" smtClean="0"/>
-              <a:t>18</a:t>
+              <a:t>16</a:t>
             </a:fld>
             <a:endParaRPr lang="nb-NO"/>
           </a:p>
@@ -1120,7 +1170,7 @@
     </p:spTree>
     <p:extLst>
       <p:ext uri="{BB962C8B-B14F-4D97-AF65-F5344CB8AC3E}">
-        <p14:creationId xmlns:p14="http://schemas.microsoft.com/office/powerpoint/2010/main" val="169622214"/>
+        <p14:creationId xmlns:p14="http://schemas.microsoft.com/office/powerpoint/2010/main" val="2086251713"/>
       </p:ext>
     </p:extLst>
   </p:cSld>
@@ -1195,7 +1245,7 @@
           <a:p>
             <a:fld id="{180377DB-C4B0-49B2-8838-0F01BA83B7C4}" type="slidenum">
               <a:rPr lang="nb-NO" smtClean="0"/>
-              <a:t>19</a:t>
+              <a:t>17</a:t>
             </a:fld>
             <a:endParaRPr lang="nb-NO"/>
           </a:p>
@@ -1204,7 +1254,7 @@
     </p:spTree>
     <p:extLst>
       <p:ext uri="{BB962C8B-B14F-4D97-AF65-F5344CB8AC3E}">
-        <p14:creationId xmlns:p14="http://schemas.microsoft.com/office/powerpoint/2010/main" val="561151925"/>
+        <p14:creationId xmlns:p14="http://schemas.microsoft.com/office/powerpoint/2010/main" val="1458791178"/>
       </p:ext>
     </p:extLst>
   </p:cSld>
@@ -1258,7 +1308,32 @@
           <a:bodyPr/>
           <a:lstStyle/>
           <a:p>
-            <a:endParaRPr lang="nb-NO" dirty="0"/>
+            <a:r>
+              <a:rPr lang="nb-NO" dirty="0"/>
+              <a:t>App Service</a:t>
+            </a:r>
+          </a:p>
+          <a:p>
+            <a:r>
+              <a:rPr lang="nb-NO" dirty="0"/>
+              <a:t>Kan ikke ha </a:t>
+            </a:r>
+            <a:r>
+              <a:rPr lang="nb-NO" dirty="0" err="1"/>
+              <a:t>windows</a:t>
+            </a:r>
+            <a:r>
+              <a:rPr lang="nb-NO" dirty="0"/>
+              <a:t> og </a:t>
+            </a:r>
+            <a:r>
+              <a:rPr lang="nb-NO" dirty="0" err="1"/>
+              <a:t>linux</a:t>
+            </a:r>
+            <a:r>
+              <a:rPr lang="nb-NO" dirty="0"/>
+              <a:t> på samme App Service plan</a:t>
+            </a:r>
           </a:p>
         </p:txBody>
       </p:sp>
@@ -1269,7 +1344,7 @@
             <a:spLocks noGrp="1"/>
           </p:cNvSpPr>
           <p:nvPr>
-            <p:ph type="sldNum" sz="quarter" idx="10"/>
+            <p:ph type="sldNum" sz="quarter" idx="5"/>
           </p:nvPr>
         </p:nvSpPr>
         <p:spPr/>
@@ -1279,7 +1354,7 @@
           <a:p>
             <a:fld id="{180377DB-C4B0-49B2-8838-0F01BA83B7C4}" type="slidenum">
               <a:rPr lang="nb-NO" smtClean="0"/>
-              <a:t>20</a:t>
+              <a:t>18</a:t>
             </a:fld>
             <a:endParaRPr lang="nb-NO"/>
           </a:p>
@@ -1288,7 +1363,7 @@
     </p:spTree>
     <p:extLst>
       <p:ext uri="{BB962C8B-B14F-4D97-AF65-F5344CB8AC3E}">
-        <p14:creationId xmlns:p14="http://schemas.microsoft.com/office/powerpoint/2010/main" val="320389312"/>
+        <p14:creationId xmlns:p14="http://schemas.microsoft.com/office/powerpoint/2010/main" val="169622214"/>
       </p:ext>
     </p:extLst>
   </p:cSld>
@@ -1342,31 +1417,17 @@
           <a:bodyPr/>
           <a:lstStyle/>
           <a:p>
-            <a:pPr marL="171450" indent="-171450">
-              <a:buFontTx/>
-              <a:buChar char="-"/>
-            </a:pPr>
-            <a:r>
-              <a:rPr lang="nb-NO" dirty="0"/>
-              <a:t>Web </a:t>
+            <a:r>
+              <a:rPr lang="nb-NO" dirty="0"/>
+              <a:t>Litt sære ting kan kjøres med App Service for containere (</a:t>
             </a:r>
             <a:r>
               <a:rPr lang="nb-NO" dirty="0" err="1"/>
-              <a:t>Apps</a:t>
-            </a:r>
-            <a:r>
-              <a:rPr lang="nb-NO" dirty="0"/>
-              <a:t> demo:</a:t>
-            </a:r>
-          </a:p>
-          <a:p>
-            <a:pPr marL="628650" lvl="1" indent="-171450">
-              <a:buFontTx/>
-              <a:buChar char="-"/>
-            </a:pPr>
-            <a:r>
-              <a:rPr lang="nb-NO" dirty="0"/>
-              <a:t>Hvis en webapps.</a:t>
+              <a:t>docker</a:t>
+            </a:r>
+            <a:r>
+              <a:rPr lang="nb-NO" dirty="0"/>
+              <a:t> images), begrenset hva som finnes, men kan passe for noe</a:t>
             </a:r>
           </a:p>
         </p:txBody>
@@ -1388,7 +1449,7 @@
           <a:p>
             <a:fld id="{180377DB-C4B0-49B2-8838-0F01BA83B7C4}" type="slidenum">
               <a:rPr lang="nb-NO" smtClean="0"/>
-              <a:t>21</a:t>
+              <a:t>19</a:t>
             </a:fld>
             <a:endParaRPr lang="nb-NO"/>
           </a:p>
@@ -1397,7 +1458,7 @@
     </p:spTree>
     <p:extLst>
       <p:ext uri="{BB962C8B-B14F-4D97-AF65-F5344CB8AC3E}">
-        <p14:creationId xmlns:p14="http://schemas.microsoft.com/office/powerpoint/2010/main" val="2965951550"/>
+        <p14:creationId xmlns:p14="http://schemas.microsoft.com/office/powerpoint/2010/main" val="561151925"/>
       </p:ext>
     </p:extLst>
   </p:cSld>
@@ -1452,111 +1513,12 @@
           <a:lstStyle/>
           <a:p>
             <a:r>
-              <a:rPr lang="nb-NO" dirty="0"/>
-              <a:t>Fullt mulig å installere</a:t>
-            </a:r>
-          </a:p>
-          <a:p>
-            <a:r>
-              <a:rPr lang="nb-NO" dirty="0"/>
-              <a:t>Azure SQL Database</a:t>
-            </a:r>
-          </a:p>
-          <a:p>
-            <a:pPr marL="171450" indent="-171450">
-              <a:buFontTx/>
-              <a:buChar char="-"/>
-            </a:pPr>
-            <a:r>
-              <a:rPr lang="nb-NO" dirty="0"/>
-              <a:t>Tjeneste: Alt inkludert  </a:t>
-            </a:r>
-          </a:p>
-          <a:p>
-            <a:pPr marL="171450" indent="-171450">
-              <a:buFontTx/>
-              <a:buChar char="-"/>
-            </a:pPr>
-            <a:r>
-              <a:rPr lang="nb-NO" dirty="0"/>
-              <a:t>Ytelse måles i DTU (Data Transfer Units)</a:t>
-            </a:r>
-          </a:p>
-          <a:p>
-            <a:pPr marL="171450" indent="-171450">
-              <a:buFontTx/>
-              <a:buChar char="-"/>
-            </a:pPr>
-            <a:r>
-              <a:rPr lang="nb-NO" dirty="0"/>
-              <a:t>Mangler noen </a:t>
-            </a:r>
-            <a:r>
               <a:rPr lang="nb-NO" dirty="0" err="1"/>
-              <a:t>features</a:t>
-            </a:r>
-            <a:r>
-              <a:rPr lang="nb-NO" dirty="0"/>
-              <a:t> fra vanlig.</a:t>
-            </a:r>
-          </a:p>
-          <a:p>
-            <a:pPr marL="171450" indent="-171450">
-              <a:buFontTx/>
-              <a:buChar char="-"/>
-            </a:pPr>
-            <a:r>
-              <a:rPr lang="nb-NO" dirty="0"/>
-              <a:t>Man kan også kjøre opp en vm og </a:t>
-            </a:r>
-            <a:r>
-              <a:rPr lang="nb-NO" dirty="0" err="1"/>
-              <a:t>instllaere</a:t>
-            </a:r>
-            <a:r>
-              <a:rPr lang="nb-NO" dirty="0"/>
-              <a:t> </a:t>
-            </a:r>
-            <a:r>
-              <a:rPr lang="nb-NO" dirty="0" err="1"/>
-              <a:t>sql</a:t>
-            </a:r>
-            <a:r>
-              <a:rPr lang="nb-NO" dirty="0"/>
-              <a:t> server. Men da må man ha egen lisens, og man må.</a:t>
-            </a:r>
-          </a:p>
-          <a:p>
-            <a:pPr marL="171450" indent="-171450">
-              <a:buFontTx/>
-              <a:buChar char="-"/>
-            </a:pPr>
-            <a:endParaRPr lang="nb-NO" dirty="0"/>
-          </a:p>
-          <a:p>
-            <a:r>
-              <a:rPr lang="nb-NO" dirty="0"/>
-              <a:t>Cosmos DB:</a:t>
-            </a:r>
-          </a:p>
-          <a:p>
-            <a:pPr marL="171450" indent="-171450">
-              <a:buFontTx/>
-              <a:buChar char="-"/>
-            </a:pPr>
-            <a:r>
-              <a:rPr lang="nb-NO" dirty="0"/>
-              <a:t>Mult</a:t>
-            </a:r>
-          </a:p>
-          <a:p>
-            <a:pPr marL="0" indent="0">
-              <a:buFontTx/>
-              <a:buNone/>
-            </a:pPr>
-            <a:r>
-              <a:rPr lang="nb-NO" dirty="0"/>
-              <a:t>- Satses mye på av </a:t>
+              <a:t>Slots</a:t>
+            </a:r>
+            <a:r>
+              <a:rPr lang="nb-NO" dirty="0"/>
+              <a:t> er fint å bruke for eksempel til Production og Staging, så de ligger på samme og kan enkelt og raskt endre fra en til den andre og tilbake igjen</a:t>
             </a:r>
           </a:p>
         </p:txBody>
@@ -1578,7 +1540,7 @@
           <a:p>
             <a:fld id="{180377DB-C4B0-49B2-8838-0F01BA83B7C4}" type="slidenum">
               <a:rPr lang="nb-NO" smtClean="0"/>
-              <a:t>23</a:t>
+              <a:t>20</a:t>
             </a:fld>
             <a:endParaRPr lang="nb-NO"/>
           </a:p>
@@ -1587,7 +1549,7 @@
     </p:spTree>
     <p:extLst>
       <p:ext uri="{BB962C8B-B14F-4D97-AF65-F5344CB8AC3E}">
-        <p14:creationId xmlns:p14="http://schemas.microsoft.com/office/powerpoint/2010/main" val="2766437490"/>
+        <p14:creationId xmlns:p14="http://schemas.microsoft.com/office/powerpoint/2010/main" val="320389312"/>
       </p:ext>
     </p:extLst>
   </p:cSld>
@@ -1641,13 +1603,31 @@
           <a:bodyPr/>
           <a:lstStyle/>
           <a:p>
+            <a:pPr marL="171450" indent="-171450">
+              <a:buFontTx/>
+              <a:buChar char="-"/>
+            </a:pPr>
+            <a:r>
+              <a:rPr lang="nb-NO" dirty="0"/>
+              <a:t>Web </a:t>
+            </a:r>
             <a:r>
               <a:rPr lang="nb-NO" dirty="0" err="1"/>
-              <a:t>Blobs</a:t>
-            </a:r>
-            <a:r>
-              <a:rPr lang="nb-NO" dirty="0"/>
-              <a:t>- virtuell katalogstruktur</a:t>
+              <a:t>Apps</a:t>
+            </a:r>
+            <a:r>
+              <a:rPr lang="nb-NO" dirty="0"/>
+              <a:t> demo:</a:t>
+            </a:r>
+          </a:p>
+          <a:p>
+            <a:pPr marL="628650" lvl="1" indent="-171450">
+              <a:buFontTx/>
+              <a:buChar char="-"/>
+            </a:pPr>
+            <a:r>
+              <a:rPr lang="nb-NO" dirty="0"/>
+              <a:t>Hvis en webapps.</a:t>
             </a:r>
           </a:p>
         </p:txBody>
@@ -1669,7 +1649,7 @@
           <a:p>
             <a:fld id="{180377DB-C4B0-49B2-8838-0F01BA83B7C4}" type="slidenum">
               <a:rPr lang="nb-NO" smtClean="0"/>
-              <a:t>24</a:t>
+              <a:t>21</a:t>
             </a:fld>
             <a:endParaRPr lang="nb-NO"/>
           </a:p>
@@ -1678,7 +1658,7 @@
     </p:spTree>
     <p:extLst>
       <p:ext uri="{BB962C8B-B14F-4D97-AF65-F5344CB8AC3E}">
-        <p14:creationId xmlns:p14="http://schemas.microsoft.com/office/powerpoint/2010/main" val="2113116676"/>
+        <p14:creationId xmlns:p14="http://schemas.microsoft.com/office/powerpoint/2010/main" val="2965951550"/>
       </p:ext>
     </p:extLst>
   </p:cSld>
@@ -1734,11 +1714,65 @@
           <a:p>
             <a:r>
               <a:rPr lang="nb-NO" dirty="0"/>
-              <a:t>SAS-tokens: Key-</a:t>
+              <a:t>Fullt mulig å installere</a:t>
+            </a:r>
+          </a:p>
+          <a:p>
+            <a:r>
+              <a:rPr lang="nb-NO" dirty="0"/>
+              <a:t>Azure SQL Database</a:t>
+            </a:r>
+          </a:p>
+          <a:p>
+            <a:pPr marL="171450" indent="-171450">
+              <a:buFontTx/>
+              <a:buChar char="-"/>
+            </a:pPr>
+            <a:r>
+              <a:rPr lang="nb-NO" dirty="0"/>
+              <a:t>Tjeneste: Alt inkludert  </a:t>
+            </a:r>
+          </a:p>
+          <a:p>
+            <a:pPr marL="171450" indent="-171450">
+              <a:buFontTx/>
+              <a:buChar char="-"/>
+            </a:pPr>
+            <a:r>
+              <a:rPr lang="nb-NO" dirty="0"/>
+              <a:t>Ytelse måles i DTU (Data Transfer Units)</a:t>
+            </a:r>
+          </a:p>
+          <a:p>
+            <a:pPr marL="171450" indent="-171450">
+              <a:buFontTx/>
+              <a:buChar char="-"/>
+            </a:pPr>
+            <a:r>
+              <a:rPr lang="nb-NO" dirty="0"/>
+              <a:t>Mangler noen </a:t>
             </a:r>
             <a:r>
               <a:rPr lang="nb-NO" dirty="0" err="1"/>
-              <a:t>Valet</a:t>
+              <a:t>features</a:t>
+            </a:r>
+            <a:r>
+              <a:rPr lang="nb-NO" dirty="0"/>
+              <a:t> fra vanlig.</a:t>
+            </a:r>
+          </a:p>
+          <a:p>
+            <a:pPr marL="171450" indent="-171450">
+              <a:buFontTx/>
+              <a:buChar char="-"/>
+            </a:pPr>
+            <a:r>
+              <a:rPr lang="nb-NO" dirty="0"/>
+              <a:t>Man kan også kjøre opp en vm og </a:t>
+            </a:r>
+            <a:r>
+              <a:rPr lang="nb-NO" dirty="0" err="1"/>
+              <a:t>instllaere</a:t>
             </a:r>
             <a:r>
               <a:rPr lang="nb-NO" dirty="0"/>
@@ -1746,11 +1780,73 @@
             </a:r>
             <a:r>
               <a:rPr lang="nb-NO" dirty="0" err="1"/>
-              <a:t>pattern</a:t>
-            </a:r>
-            <a:r>
-              <a:rPr lang="nb-NO" dirty="0"/>
-              <a:t>.</a:t>
+              <a:t>sql</a:t>
+            </a:r>
+            <a:r>
+              <a:rPr lang="nb-NO" dirty="0"/>
+              <a:t> server. Men da må man ha egen lisens, og man må.</a:t>
+            </a:r>
+          </a:p>
+          <a:p>
+            <a:pPr marL="171450" indent="-171450">
+              <a:buFontTx/>
+              <a:buChar char="-"/>
+            </a:pPr>
+            <a:endParaRPr lang="nb-NO" dirty="0"/>
+          </a:p>
+          <a:p>
+            <a:r>
+              <a:rPr lang="nb-NO" dirty="0"/>
+              <a:t>Cosmos DB:</a:t>
+            </a:r>
+          </a:p>
+          <a:p>
+            <a:pPr marL="171450" indent="-171450">
+              <a:buFontTx/>
+              <a:buChar char="-"/>
+            </a:pPr>
+            <a:r>
+              <a:rPr lang="nb-NO" dirty="0"/>
+              <a:t>Mult</a:t>
+            </a:r>
+          </a:p>
+          <a:p>
+            <a:pPr marL="171450" indent="-171450">
+              <a:buFontTx/>
+              <a:buChar char="-"/>
+            </a:pPr>
+            <a:r>
+              <a:rPr lang="nb-NO" dirty="0"/>
+              <a:t>Satses mye på av </a:t>
+            </a:r>
+          </a:p>
+          <a:p>
+            <a:pPr marL="171450" indent="-171450">
+              <a:buFontTx/>
+              <a:buChar char="-"/>
+            </a:pPr>
+            <a:endParaRPr lang="nb-NO" dirty="0"/>
+          </a:p>
+          <a:p>
+            <a:pPr marL="0" indent="0">
+              <a:buFontTx/>
+              <a:buNone/>
+            </a:pPr>
+            <a:r>
+              <a:rPr lang="nb-NO" dirty="0" err="1"/>
+              <a:t>Polyglot</a:t>
+            </a:r>
+            <a:r>
+              <a:rPr lang="nb-NO" dirty="0"/>
+              <a:t> er flere forskjellige lagringstyper brukes for samme applikasjon / tjeneste, et eksempel er SQL Database og </a:t>
+            </a:r>
+            <a:r>
+              <a:rPr lang="nb-NO" dirty="0" err="1"/>
+              <a:t>Azure</a:t>
+            </a:r>
+            <a:r>
+              <a:rPr lang="nb-NO" dirty="0"/>
+              <a:t> Storage</a:t>
             </a:r>
           </a:p>
         </p:txBody>
@@ -1772,7 +1868,7 @@
           <a:p>
             <a:fld id="{180377DB-C4B0-49B2-8838-0F01BA83B7C4}" type="slidenum">
               <a:rPr lang="nb-NO" smtClean="0"/>
-              <a:t>25</a:t>
+              <a:t>23</a:t>
             </a:fld>
             <a:endParaRPr lang="nb-NO"/>
           </a:p>
@@ -1781,7 +1877,7 @@
     </p:spTree>
     <p:extLst>
       <p:ext uri="{BB962C8B-B14F-4D97-AF65-F5344CB8AC3E}">
-        <p14:creationId xmlns:p14="http://schemas.microsoft.com/office/powerpoint/2010/main" val="2379882642"/>
+        <p14:creationId xmlns:p14="http://schemas.microsoft.com/office/powerpoint/2010/main" val="2766437490"/>
       </p:ext>
     </p:extLst>
   </p:cSld>
@@ -1923,12 +2019,78 @@
           <a:lstStyle/>
           <a:p>
             <a:r>
-              <a:rPr lang="nb-NO" dirty="0"/>
-              <a:t>Eksempel: haveibeenpwd.com fra Troy Hunt blir brukt til dette:</a:t>
-            </a:r>
-          </a:p>
-          <a:p>
+              <a:rPr lang="nb-NO" dirty="0" err="1"/>
+              <a:t>Blobs</a:t>
+            </a:r>
+            <a:r>
+              <a:rPr lang="nb-NO" dirty="0"/>
+              <a:t>- virtuell katalogstruktur</a:t>
+            </a:r>
+          </a:p>
+          <a:p>
+            <a:r>
+              <a:rPr lang="nb-NO" dirty="0" err="1"/>
+              <a:t>Tables</a:t>
+            </a:r>
+            <a:r>
+              <a:rPr lang="nb-NO" dirty="0"/>
+              <a:t> – en tabell lagringsmulighet som bruker </a:t>
+            </a:r>
+            <a:r>
+              <a:rPr lang="nb-NO" dirty="0" err="1"/>
+              <a:t>partitionkey</a:t>
+            </a:r>
+            <a:r>
+              <a:rPr lang="nb-NO" dirty="0"/>
+              <a:t> og </a:t>
+            </a:r>
+            <a:r>
+              <a:rPr lang="nb-NO" dirty="0" err="1"/>
+              <a:t>rowkey</a:t>
+            </a:r>
+            <a:r>
+              <a:rPr lang="nb-NO" dirty="0"/>
+              <a:t> for å lokalisere objektene. Kan reflektere klassene dine hvis du arver fra </a:t>
+            </a:r>
+            <a:r>
+              <a:rPr lang="nb-NO" dirty="0" err="1"/>
+              <a:t>ITableEntity</a:t>
+            </a:r>
             <a:endParaRPr lang="nb-NO" dirty="0"/>
+          </a:p>
+          <a:p>
+            <a:r>
+              <a:rPr lang="nb-NO" dirty="0"/>
+              <a:t>Files – </a:t>
+            </a:r>
+            <a:r>
+              <a:rPr lang="nb-NO" dirty="0" err="1"/>
+              <a:t>Fileshare</a:t>
+            </a:r>
+            <a:r>
+              <a:rPr lang="nb-NO" dirty="0"/>
+              <a:t> (disk du kan koble til over nettet)</a:t>
+            </a:r>
+          </a:p>
+          <a:p>
+            <a:r>
+              <a:rPr lang="nb-NO" dirty="0"/>
+              <a:t>Queues – kø meldinger, her plukker man fra toppen og gjør noe basert på det. En lur løsning for å hindre flaskehalser ved mye trafikk</a:t>
+            </a:r>
+          </a:p>
+          <a:p>
+            <a:r>
+              <a:rPr lang="nb-NO" dirty="0"/>
+              <a:t>GRS – </a:t>
+            </a:r>
+            <a:r>
+              <a:rPr lang="nb-NO" dirty="0" err="1"/>
+              <a:t>geo</a:t>
+            </a:r>
+            <a:r>
+              <a:rPr lang="nb-NO" dirty="0"/>
+              <a:t> redundant</a:t>
+            </a:r>
           </a:p>
           <a:p>
             <a:endParaRPr lang="nb-NO" dirty="0"/>
@@ -1952,7 +2114,7 @@
           <a:p>
             <a:fld id="{180377DB-C4B0-49B2-8838-0F01BA83B7C4}" type="slidenum">
               <a:rPr lang="nb-NO" smtClean="0"/>
-              <a:t>26</a:t>
+              <a:t>24</a:t>
             </a:fld>
             <a:endParaRPr lang="nb-NO"/>
           </a:p>
@@ -1961,7 +2123,7 @@
     </p:spTree>
     <p:extLst>
       <p:ext uri="{BB962C8B-B14F-4D97-AF65-F5344CB8AC3E}">
-        <p14:creationId xmlns:p14="http://schemas.microsoft.com/office/powerpoint/2010/main" val="4079900449"/>
+        <p14:creationId xmlns:p14="http://schemas.microsoft.com/office/powerpoint/2010/main" val="2113116676"/>
       </p:ext>
     </p:extLst>
   </p:cSld>
@@ -2015,24 +2177,39 @@
           <a:bodyPr/>
           <a:lstStyle/>
           <a:p>
-            <a:pPr marL="171450" indent="-171450">
-              <a:buFontTx/>
-              <a:buChar char="-"/>
-            </a:pPr>
-            <a:r>
-              <a:rPr lang="nb-NO" dirty="0"/>
-              <a:t>Vis Azure Storage Explorer:</a:t>
-            </a:r>
-          </a:p>
-          <a:p>
-            <a:pPr marL="171450" indent="-171450">
-              <a:buFontTx/>
-              <a:buChar char="-"/>
-            </a:pPr>
-            <a:r>
-              <a:rPr lang="nb-NO" dirty="0"/>
-              <a:t>Vis i portalen.</a:t>
-            </a:r>
+            <a:r>
+              <a:rPr lang="nb-NO" dirty="0"/>
+              <a:t>SAS-tokens: Key-</a:t>
+            </a:r>
+            <a:r>
+              <a:rPr lang="nb-NO" dirty="0" err="1"/>
+              <a:t>Valet</a:t>
+            </a:r>
+            <a:r>
+              <a:rPr lang="nb-NO" dirty="0"/>
+              <a:t> </a:t>
+            </a:r>
+            <a:r>
+              <a:rPr lang="nb-NO" dirty="0" err="1"/>
+              <a:t>pattern</a:t>
+            </a:r>
+            <a:r>
+              <a:rPr lang="nb-NO" dirty="0"/>
+              <a:t>, kan lages </a:t>
+            </a:r>
+            <a:r>
+              <a:rPr lang="nb-NO" dirty="0" err="1"/>
+              <a:t>programatisk</a:t>
+            </a:r>
+            <a:r>
+              <a:rPr lang="nb-NO" dirty="0"/>
+              <a:t> i </a:t>
+            </a:r>
+            <a:r>
+              <a:rPr lang="nb-NO" dirty="0" err="1"/>
+              <a:t>APIer</a:t>
+            </a:r>
+            <a:endParaRPr lang="nb-NO" dirty="0"/>
           </a:p>
         </p:txBody>
       </p:sp>
@@ -2043,7 +2220,7 @@
             <a:spLocks noGrp="1"/>
           </p:cNvSpPr>
           <p:nvPr>
-            <p:ph type="sldNum" sz="quarter" idx="5"/>
+            <p:ph type="sldNum" sz="quarter" idx="10"/>
           </p:nvPr>
         </p:nvSpPr>
         <p:spPr/>
@@ -2053,7 +2230,7 @@
           <a:p>
             <a:fld id="{180377DB-C4B0-49B2-8838-0F01BA83B7C4}" type="slidenum">
               <a:rPr lang="nb-NO" smtClean="0"/>
-              <a:t>27</a:t>
+              <a:t>25</a:t>
             </a:fld>
             <a:endParaRPr lang="nb-NO"/>
           </a:p>
@@ -2062,7 +2239,7 @@
     </p:spTree>
     <p:extLst>
       <p:ext uri="{BB962C8B-B14F-4D97-AF65-F5344CB8AC3E}">
-        <p14:creationId xmlns:p14="http://schemas.microsoft.com/office/powerpoint/2010/main" val="3062831173"/>
+        <p14:creationId xmlns:p14="http://schemas.microsoft.com/office/powerpoint/2010/main" val="2379882642"/>
       </p:ext>
     </p:extLst>
   </p:cSld>
@@ -2116,6 +2293,63 @@
           <a:bodyPr/>
           <a:lstStyle/>
           <a:p>
+            <a:r>
+              <a:rPr lang="nb-NO" dirty="0"/>
+              <a:t>Eksempel: haveibeenpwd.com fra Troy Hunt blir brukt til dette:</a:t>
+            </a:r>
+          </a:p>
+          <a:p>
+            <a:pPr marL="0" marR="0" lvl="0" indent="0" algn="l" defTabSz="914400" rtl="0" eaLnBrk="1" fontAlgn="auto" latinLnBrk="0" hangingPunct="1">
+              <a:lnSpc>
+                <a:spcPct val="100000"/>
+              </a:lnSpc>
+              <a:spcBef>
+                <a:spcPts val="0"/>
+              </a:spcBef>
+              <a:spcAft>
+                <a:spcPts val="0"/>
+              </a:spcAft>
+              <a:buClrTx/>
+              <a:buSzTx/>
+              <a:buFontTx/>
+              <a:buNone/>
+              <a:tabLst/>
+              <a:defRPr/>
+            </a:pPr>
+            <a:r>
+              <a:rPr lang="nb-NO" dirty="0" err="1"/>
+              <a:t>Tables</a:t>
+            </a:r>
+            <a:r>
+              <a:rPr lang="nb-NO" dirty="0"/>
+              <a:t> – en tabell lagringsmulighet som bruker </a:t>
+            </a:r>
+            <a:r>
+              <a:rPr lang="nb-NO" dirty="0" err="1"/>
+              <a:t>partitionkey</a:t>
+            </a:r>
+            <a:r>
+              <a:rPr lang="nb-NO" dirty="0"/>
+              <a:t> og </a:t>
+            </a:r>
+            <a:r>
+              <a:rPr lang="nb-NO" dirty="0" err="1"/>
+              <a:t>rowkey</a:t>
+            </a:r>
+            <a:r>
+              <a:rPr lang="nb-NO" dirty="0"/>
+              <a:t> for å lokalisere objektene. Kan reflektere klassene dine hvis du arver fra </a:t>
+            </a:r>
+            <a:r>
+              <a:rPr lang="nb-NO" dirty="0" err="1"/>
+              <a:t>ITableEntity</a:t>
+            </a:r>
+            <a:endParaRPr lang="nb-NO" dirty="0"/>
+          </a:p>
+          <a:p>
+            <a:endParaRPr lang="nb-NO" dirty="0"/>
+          </a:p>
+          <a:p>
             <a:endParaRPr lang="nb-NO" dirty="0"/>
           </a:p>
         </p:txBody>
@@ -2137,7 +2371,394 @@
           <a:p>
             <a:fld id="{180377DB-C4B0-49B2-8838-0F01BA83B7C4}" type="slidenum">
               <a:rPr lang="nb-NO" smtClean="0"/>
+              <a:t>26</a:t>
+            </a:fld>
+            <a:endParaRPr lang="nb-NO"/>
+          </a:p>
+        </p:txBody>
+      </p:sp>
+    </p:spTree>
+    <p:extLst>
+      <p:ext uri="{BB962C8B-B14F-4D97-AF65-F5344CB8AC3E}">
+        <p14:creationId xmlns:p14="http://schemas.microsoft.com/office/powerpoint/2010/main" val="4079900449"/>
+      </p:ext>
+    </p:extLst>
+  </p:cSld>
+  <p:clrMapOvr>
+    <a:masterClrMapping/>
+  </p:clrMapOvr>
+</p:notes>
+</file>
+
+<file path=ppt/notesSlides/notesSlide23.xml><?xml version="1.0" encoding="utf-8"?>
+<p:notes xmlns:a="http://schemas.openxmlformats.org/drawingml/2006/main" xmlns:r="http://schemas.openxmlformats.org/officeDocument/2006/relationships" xmlns:p="http://schemas.openxmlformats.org/presentationml/2006/main">
+  <p:cSld>
+    <p:spTree>
+      <p:nvGrpSpPr>
+        <p:cNvPr id="1" name=""/>
+        <p:cNvGrpSpPr/>
+        <p:nvPr/>
+      </p:nvGrpSpPr>
+      <p:grpSpPr>
+        <a:xfrm>
+          <a:off x="0" y="0"/>
+          <a:ext cx="0" cy="0"/>
+          <a:chOff x="0" y="0"/>
+          <a:chExt cx="0" cy="0"/>
+        </a:xfrm>
+      </p:grpSpPr>
+      <p:sp>
+        <p:nvSpPr>
+          <p:cNvPr id="2" name="Slide Image Placeholder 1"/>
+          <p:cNvSpPr>
+            <a:spLocks noGrp="1" noRot="1" noChangeAspect="1"/>
+          </p:cNvSpPr>
+          <p:nvPr>
+            <p:ph type="sldImg"/>
+          </p:nvPr>
+        </p:nvSpPr>
+        <p:spPr/>
+      </p:sp>
+      <p:sp>
+        <p:nvSpPr>
+          <p:cNvPr id="3" name="Notes Placeholder 2"/>
+          <p:cNvSpPr>
+            <a:spLocks noGrp="1"/>
+          </p:cNvSpPr>
+          <p:nvPr>
+            <p:ph type="body" idx="1"/>
+          </p:nvPr>
+        </p:nvSpPr>
+        <p:spPr/>
+        <p:txBody>
+          <a:bodyPr/>
+          <a:lstStyle/>
+          <a:p>
+            <a:r>
+              <a:rPr lang="nb-NO" dirty="0"/>
+              <a:t>Flyttingen blir enklere å gjøre siden mange systemer bruker en eller annen </a:t>
+            </a:r>
+            <a:r>
+              <a:rPr lang="nb-NO" dirty="0" err="1"/>
+              <a:t>fileshare</a:t>
+            </a:r>
+            <a:r>
+              <a:rPr lang="nb-NO" dirty="0"/>
+              <a:t> for lagring av data.</a:t>
+            </a:r>
+          </a:p>
+        </p:txBody>
+      </p:sp>
+      <p:sp>
+        <p:nvSpPr>
+          <p:cNvPr id="4" name="Slide Number Placeholder 3"/>
+          <p:cNvSpPr>
+            <a:spLocks noGrp="1"/>
+          </p:cNvSpPr>
+          <p:nvPr>
+            <p:ph type="sldNum" sz="quarter" idx="5"/>
+          </p:nvPr>
+        </p:nvSpPr>
+        <p:spPr/>
+        <p:txBody>
+          <a:bodyPr/>
+          <a:lstStyle/>
+          <a:p>
+            <a:fld id="{180377DB-C4B0-49B2-8838-0F01BA83B7C4}" type="slidenum">
+              <a:rPr lang="nb-NO" smtClean="0"/>
+              <a:t>27</a:t>
+            </a:fld>
+            <a:endParaRPr lang="nb-NO"/>
+          </a:p>
+        </p:txBody>
+      </p:sp>
+    </p:spTree>
+    <p:extLst>
+      <p:ext uri="{BB962C8B-B14F-4D97-AF65-F5344CB8AC3E}">
+        <p14:creationId xmlns:p14="http://schemas.microsoft.com/office/powerpoint/2010/main" val="4076212063"/>
+      </p:ext>
+    </p:extLst>
+  </p:cSld>
+  <p:clrMapOvr>
+    <a:masterClrMapping/>
+  </p:clrMapOvr>
+</p:notes>
+</file>
+
+<file path=ppt/notesSlides/notesSlide24.xml><?xml version="1.0" encoding="utf-8"?>
+<p:notes xmlns:a="http://schemas.openxmlformats.org/drawingml/2006/main" xmlns:r="http://schemas.openxmlformats.org/officeDocument/2006/relationships" xmlns:p="http://schemas.openxmlformats.org/presentationml/2006/main">
+  <p:cSld>
+    <p:spTree>
+      <p:nvGrpSpPr>
+        <p:cNvPr id="1" name=""/>
+        <p:cNvGrpSpPr/>
+        <p:nvPr/>
+      </p:nvGrpSpPr>
+      <p:grpSpPr>
+        <a:xfrm>
+          <a:off x="0" y="0"/>
+          <a:ext cx="0" cy="0"/>
+          <a:chOff x="0" y="0"/>
+          <a:chExt cx="0" cy="0"/>
+        </a:xfrm>
+      </p:grpSpPr>
+      <p:sp>
+        <p:nvSpPr>
+          <p:cNvPr id="2" name="Slide Image Placeholder 1"/>
+          <p:cNvSpPr>
+            <a:spLocks noGrp="1" noRot="1" noChangeAspect="1"/>
+          </p:cNvSpPr>
+          <p:nvPr>
+            <p:ph type="sldImg"/>
+          </p:nvPr>
+        </p:nvSpPr>
+        <p:spPr/>
+      </p:sp>
+      <p:sp>
+        <p:nvSpPr>
+          <p:cNvPr id="3" name="Notes Placeholder 2"/>
+          <p:cNvSpPr>
+            <a:spLocks noGrp="1"/>
+          </p:cNvSpPr>
+          <p:nvPr>
+            <p:ph type="body" idx="1"/>
+          </p:nvPr>
+        </p:nvSpPr>
+        <p:spPr/>
+        <p:txBody>
+          <a:bodyPr/>
+          <a:lstStyle/>
+          <a:p>
+            <a:pPr marL="0" marR="0" lvl="0" indent="0" algn="l" defTabSz="914400" rtl="0" eaLnBrk="1" fontAlgn="auto" latinLnBrk="0" hangingPunct="1">
+              <a:lnSpc>
+                <a:spcPct val="100000"/>
+              </a:lnSpc>
+              <a:spcBef>
+                <a:spcPts val="0"/>
+              </a:spcBef>
+              <a:spcAft>
+                <a:spcPts val="0"/>
+              </a:spcAft>
+              <a:buClrTx/>
+              <a:buSzTx/>
+              <a:buFontTx/>
+              <a:buNone/>
+              <a:tabLst/>
+              <a:defRPr/>
+            </a:pPr>
+            <a:r>
+              <a:rPr lang="nb-NO" dirty="0"/>
+              <a:t>Queues – kø meldinger, her plukker man fra toppen og gjør noe basert på det. En lur løsning for å hindre flaskehalser ved mye trafikk</a:t>
+            </a:r>
+          </a:p>
+          <a:p>
+            <a:endParaRPr lang="nb-NO" dirty="0"/>
+          </a:p>
+        </p:txBody>
+      </p:sp>
+      <p:sp>
+        <p:nvSpPr>
+          <p:cNvPr id="4" name="Slide Number Placeholder 3"/>
+          <p:cNvSpPr>
+            <a:spLocks noGrp="1"/>
+          </p:cNvSpPr>
+          <p:nvPr>
+            <p:ph type="sldNum" sz="quarter" idx="5"/>
+          </p:nvPr>
+        </p:nvSpPr>
+        <p:spPr/>
+        <p:txBody>
+          <a:bodyPr/>
+          <a:lstStyle/>
+          <a:p>
+            <a:fld id="{180377DB-C4B0-49B2-8838-0F01BA83B7C4}" type="slidenum">
+              <a:rPr lang="nb-NO" smtClean="0"/>
+              <a:t>28</a:t>
+            </a:fld>
+            <a:endParaRPr lang="nb-NO"/>
+          </a:p>
+        </p:txBody>
+      </p:sp>
+    </p:spTree>
+    <p:extLst>
+      <p:ext uri="{BB962C8B-B14F-4D97-AF65-F5344CB8AC3E}">
+        <p14:creationId xmlns:p14="http://schemas.microsoft.com/office/powerpoint/2010/main" val="560557626"/>
+      </p:ext>
+    </p:extLst>
+  </p:cSld>
+  <p:clrMapOvr>
+    <a:masterClrMapping/>
+  </p:clrMapOvr>
+</p:notes>
+</file>
+
+<file path=ppt/notesSlides/notesSlide25.xml><?xml version="1.0" encoding="utf-8"?>
+<p:notes xmlns:a="http://schemas.openxmlformats.org/drawingml/2006/main" xmlns:r="http://schemas.openxmlformats.org/officeDocument/2006/relationships" xmlns:p="http://schemas.openxmlformats.org/presentationml/2006/main">
+  <p:cSld>
+    <p:spTree>
+      <p:nvGrpSpPr>
+        <p:cNvPr id="1" name=""/>
+        <p:cNvGrpSpPr/>
+        <p:nvPr/>
+      </p:nvGrpSpPr>
+      <p:grpSpPr>
+        <a:xfrm>
+          <a:off x="0" y="0"/>
+          <a:ext cx="0" cy="0"/>
+          <a:chOff x="0" y="0"/>
+          <a:chExt cx="0" cy="0"/>
+        </a:xfrm>
+      </p:grpSpPr>
+      <p:sp>
+        <p:nvSpPr>
+          <p:cNvPr id="2" name="Slide Image Placeholder 1"/>
+          <p:cNvSpPr>
+            <a:spLocks noGrp="1" noRot="1" noChangeAspect="1"/>
+          </p:cNvSpPr>
+          <p:nvPr>
+            <p:ph type="sldImg"/>
+          </p:nvPr>
+        </p:nvSpPr>
+        <p:spPr/>
+      </p:sp>
+      <p:sp>
+        <p:nvSpPr>
+          <p:cNvPr id="3" name="Notes Placeholder 2"/>
+          <p:cNvSpPr>
+            <a:spLocks noGrp="1"/>
+          </p:cNvSpPr>
+          <p:nvPr>
+            <p:ph type="body" idx="1"/>
+          </p:nvPr>
+        </p:nvSpPr>
+        <p:spPr/>
+        <p:txBody>
+          <a:bodyPr/>
+          <a:lstStyle/>
+          <a:p>
+            <a:pPr marL="171450" indent="-171450">
+              <a:buFontTx/>
+              <a:buChar char="-"/>
+            </a:pPr>
+            <a:r>
+              <a:rPr lang="nb-NO" dirty="0"/>
+              <a:t>Vis Azure Storage Explorer:</a:t>
+            </a:r>
+          </a:p>
+          <a:p>
+            <a:pPr marL="171450" indent="-171450">
+              <a:buFontTx/>
+              <a:buChar char="-"/>
+            </a:pPr>
+            <a:r>
+              <a:rPr lang="nb-NO" dirty="0"/>
+              <a:t>Vis i portalen.</a:t>
+            </a:r>
+          </a:p>
+        </p:txBody>
+      </p:sp>
+      <p:sp>
+        <p:nvSpPr>
+          <p:cNvPr id="4" name="Slide Number Placeholder 3"/>
+          <p:cNvSpPr>
+            <a:spLocks noGrp="1"/>
+          </p:cNvSpPr>
+          <p:nvPr>
+            <p:ph type="sldNum" sz="quarter" idx="5"/>
+          </p:nvPr>
+        </p:nvSpPr>
+        <p:spPr/>
+        <p:txBody>
+          <a:bodyPr/>
+          <a:lstStyle/>
+          <a:p>
+            <a:fld id="{180377DB-C4B0-49B2-8838-0F01BA83B7C4}" type="slidenum">
+              <a:rPr lang="nb-NO" smtClean="0"/>
               <a:t>29</a:t>
+            </a:fld>
+            <a:endParaRPr lang="nb-NO"/>
+          </a:p>
+        </p:txBody>
+      </p:sp>
+    </p:spTree>
+    <p:extLst>
+      <p:ext uri="{BB962C8B-B14F-4D97-AF65-F5344CB8AC3E}">
+        <p14:creationId xmlns:p14="http://schemas.microsoft.com/office/powerpoint/2010/main" val="3062831173"/>
+      </p:ext>
+    </p:extLst>
+  </p:cSld>
+  <p:clrMapOvr>
+    <a:masterClrMapping/>
+  </p:clrMapOvr>
+</p:notes>
+</file>
+
+<file path=ppt/notesSlides/notesSlide26.xml><?xml version="1.0" encoding="utf-8"?>
+<p:notes xmlns:a="http://schemas.openxmlformats.org/drawingml/2006/main" xmlns:r="http://schemas.openxmlformats.org/officeDocument/2006/relationships" xmlns:p="http://schemas.openxmlformats.org/presentationml/2006/main">
+  <p:cSld>
+    <p:spTree>
+      <p:nvGrpSpPr>
+        <p:cNvPr id="1" name=""/>
+        <p:cNvGrpSpPr/>
+        <p:nvPr/>
+      </p:nvGrpSpPr>
+      <p:grpSpPr>
+        <a:xfrm>
+          <a:off x="0" y="0"/>
+          <a:ext cx="0" cy="0"/>
+          <a:chOff x="0" y="0"/>
+          <a:chExt cx="0" cy="0"/>
+        </a:xfrm>
+      </p:grpSpPr>
+      <p:sp>
+        <p:nvSpPr>
+          <p:cNvPr id="2" name="Slide Image Placeholder 1"/>
+          <p:cNvSpPr>
+            <a:spLocks noGrp="1" noRot="1" noChangeAspect="1"/>
+          </p:cNvSpPr>
+          <p:nvPr>
+            <p:ph type="sldImg"/>
+          </p:nvPr>
+        </p:nvSpPr>
+        <p:spPr/>
+      </p:sp>
+      <p:sp>
+        <p:nvSpPr>
+          <p:cNvPr id="3" name="Notes Placeholder 2"/>
+          <p:cNvSpPr>
+            <a:spLocks noGrp="1"/>
+          </p:cNvSpPr>
+          <p:nvPr>
+            <p:ph type="body" idx="1"/>
+          </p:nvPr>
+        </p:nvSpPr>
+        <p:spPr/>
+        <p:txBody>
+          <a:bodyPr/>
+          <a:lstStyle/>
+          <a:p>
+            <a:endParaRPr lang="nb-NO" dirty="0"/>
+          </a:p>
+        </p:txBody>
+      </p:sp>
+      <p:sp>
+        <p:nvSpPr>
+          <p:cNvPr id="4" name="Slide Number Placeholder 3"/>
+          <p:cNvSpPr>
+            <a:spLocks noGrp="1"/>
+          </p:cNvSpPr>
+          <p:nvPr>
+            <p:ph type="sldNum" sz="quarter" idx="10"/>
+          </p:nvPr>
+        </p:nvSpPr>
+        <p:spPr/>
+        <p:txBody>
+          <a:bodyPr/>
+          <a:lstStyle/>
+          <a:p>
+            <a:fld id="{180377DB-C4B0-49B2-8838-0F01BA83B7C4}" type="slidenum">
+              <a:rPr lang="nb-NO" smtClean="0"/>
+              <a:t>31</a:t>
             </a:fld>
             <a:endParaRPr lang="nb-NO"/>
           </a:p>
@@ -2200,7 +2821,16 @@
           <a:bodyPr/>
           <a:lstStyle/>
           <a:p>
-            <a:endParaRPr lang="nb-NO" dirty="0"/>
+            <a:r>
+              <a:rPr lang="nb-NO" dirty="0"/>
+              <a:t>Servere, masse servere, plassert rundt i verden. De har flere regioner serverne er plassert i.</a:t>
+            </a:r>
+          </a:p>
+          <a:p>
+            <a:r>
+              <a:rPr lang="nb-NO" dirty="0"/>
+              <a:t>Datavarehus med sikkerhet. </a:t>
+            </a:r>
           </a:p>
         </p:txBody>
       </p:sp>
@@ -2284,68 +2914,55 @@
           <a:bodyPr/>
           <a:lstStyle/>
           <a:p>
-            <a:pPr marL="171450" indent="-171450">
-              <a:buFontTx/>
-              <a:buChar char="-"/>
-            </a:pPr>
-            <a:r>
-              <a:rPr lang="nb-NO" dirty="0"/>
-              <a:t>Avhenger hvor mye </a:t>
-            </a:r>
-          </a:p>
-          <a:p>
-            <a:pPr marL="171450" indent="-171450">
-              <a:buFontTx/>
-              <a:buChar char="-"/>
-            </a:pPr>
-            <a:endParaRPr lang="nb-NO" dirty="0"/>
-          </a:p>
-          <a:p>
-            <a:pPr marL="171450" indent="-171450">
-              <a:buFontTx/>
-              <a:buChar char="-"/>
-            </a:pPr>
-            <a:r>
-              <a:rPr lang="nb-NO" dirty="0"/>
-              <a:t>Eksempler:</a:t>
-            </a:r>
-          </a:p>
-          <a:p>
-            <a:pPr marL="171450" indent="-171450">
-              <a:buFontTx/>
-              <a:buChar char="-"/>
-            </a:pPr>
-            <a:r>
-              <a:rPr lang="nb-NO" dirty="0"/>
-              <a:t>SAAS: Office 365</a:t>
-            </a:r>
-          </a:p>
-          <a:p>
-            <a:pPr marL="171450" indent="-171450">
-              <a:buFontTx/>
-              <a:buChar char="-"/>
-            </a:pPr>
-            <a:r>
-              <a:rPr lang="nb-NO" dirty="0"/>
-              <a:t>PAAS: Azure Web Sites</a:t>
-            </a:r>
-          </a:p>
-          <a:p>
-            <a:pPr marL="171450" indent="-171450">
-              <a:buFontTx/>
-              <a:buChar char="-"/>
-            </a:pPr>
-            <a:r>
-              <a:rPr lang="nb-NO" dirty="0"/>
-              <a:t>IAAS: </a:t>
+            <a:r>
+              <a:rPr lang="nb-NO" dirty="0"/>
+              <a:t>Servere kan du jo ha selv, så hvorfor skal du bruke penger på en skyløsning når du kan ha servere stående på et rom.</a:t>
+            </a:r>
+          </a:p>
+          <a:p>
+            <a:r>
+              <a:rPr lang="nb-NO" dirty="0"/>
+              <a:t>Kostnad: Serveren, vedlikehold, oppgradering, strømforbruk, lønn til de som drifter hvis du har interne team for drift,.</a:t>
+            </a:r>
+          </a:p>
+          <a:p>
+            <a:r>
+              <a:rPr lang="nb-NO" dirty="0"/>
+              <a:t>Enklere Dynamisk skalering.</a:t>
+            </a:r>
+          </a:p>
+          <a:p>
+            <a:r>
+              <a:rPr lang="nb-NO" dirty="0"/>
+              <a:t>Egne fiberlinjer ut og inn av datavarehusene. Opp og ned med servicer som kan </a:t>
             </a:r>
             <a:r>
               <a:rPr lang="nb-NO" dirty="0" err="1"/>
-              <a:t>VM’er</a:t>
+              <a:t>helautomatiseres</a:t>
             </a:r>
             <a:r>
               <a:rPr lang="nb-NO" dirty="0"/>
               <a:t>.</a:t>
+            </a:r>
+          </a:p>
+          <a:p>
+            <a:r>
+              <a:rPr lang="nb-NO" dirty="0"/>
+              <a:t>Sikkerhet, mange lag med sikkerhet. Fra personell, gjerder, </a:t>
+            </a:r>
+            <a:r>
+              <a:rPr lang="nb-NO" dirty="0" err="1"/>
+              <a:t>firewalls</a:t>
+            </a:r>
+            <a:r>
+              <a:rPr lang="nb-NO" dirty="0"/>
+              <a:t>, sikkerhet på serverne osv. </a:t>
+            </a:r>
+          </a:p>
+          <a:p>
+            <a:r>
+              <a:rPr lang="nb-NO" dirty="0"/>
+              <a:t>Kontinuerlige oppdateringer på services og nye kommer hele tiden</a:t>
             </a:r>
           </a:p>
         </p:txBody>
@@ -2357,7 +2974,7 @@
             <a:spLocks noGrp="1"/>
           </p:cNvSpPr>
           <p:nvPr>
-            <p:ph type="sldNum" sz="quarter" idx="10"/>
+            <p:ph type="sldNum" sz="quarter" idx="5"/>
           </p:nvPr>
         </p:nvSpPr>
         <p:spPr/>
@@ -2367,7 +2984,7 @@
           <a:p>
             <a:fld id="{180377DB-C4B0-49B2-8838-0F01BA83B7C4}" type="slidenum">
               <a:rPr lang="nb-NO" smtClean="0"/>
-              <a:t>7</a:t>
+              <a:t>6</a:t>
             </a:fld>
             <a:endParaRPr lang="nb-NO"/>
           </a:p>
@@ -2376,7 +2993,7 @@
     </p:spTree>
     <p:extLst>
       <p:ext uri="{BB962C8B-B14F-4D97-AF65-F5344CB8AC3E}">
-        <p14:creationId xmlns:p14="http://schemas.microsoft.com/office/powerpoint/2010/main" val="1832301372"/>
+        <p14:creationId xmlns:p14="http://schemas.microsoft.com/office/powerpoint/2010/main" val="131220501"/>
       </p:ext>
     </p:extLst>
   </p:cSld>
@@ -2430,73 +3047,69 @@
           <a:bodyPr/>
           <a:lstStyle/>
           <a:p>
-            <a:pPr marL="171450" marR="0" lvl="0" indent="-171450" algn="l" defTabSz="914400" rtl="0" eaLnBrk="1" fontAlgn="auto" latinLnBrk="0" hangingPunct="1">
-              <a:lnSpc>
-                <a:spcPct val="100000"/>
-              </a:lnSpc>
-              <a:spcBef>
-                <a:spcPts val="0"/>
-              </a:spcBef>
-              <a:spcAft>
-                <a:spcPts val="0"/>
-              </a:spcAft>
-              <a:buClrTx/>
-              <a:buSzTx/>
+            <a:pPr marL="171450" indent="-171450">
               <a:buFontTx/>
               <a:buChar char="-"/>
-              <a:tabLst/>
-              <a:defRPr/>
             </a:pPr>
             <a:r>
               <a:rPr lang="nb-NO" dirty="0"/>
-              <a:t>West Europe (Nederland) eller North Europe (Irland) mest aktuelle for oss, snart Norge.</a:t>
-            </a:r>
-          </a:p>
-          <a:p>
-            <a:pPr marL="171450" marR="0" lvl="0" indent="-171450" algn="l" defTabSz="914400" rtl="0" eaLnBrk="1" fontAlgn="auto" latinLnBrk="0" hangingPunct="1">
-              <a:lnSpc>
-                <a:spcPct val="100000"/>
-              </a:lnSpc>
-              <a:spcBef>
-                <a:spcPts val="0"/>
-              </a:spcBef>
-              <a:spcAft>
-                <a:spcPts val="0"/>
-              </a:spcAft>
-              <a:buClrTx/>
-              <a:buSzTx/>
+              <a:t>Avhenger hvor mye </a:t>
+            </a:r>
+          </a:p>
+          <a:p>
+            <a:pPr marL="171450" indent="-171450">
               <a:buFontTx/>
               <a:buChar char="-"/>
-              <a:tabLst/>
-              <a:defRPr/>
             </a:pPr>
             <a:endParaRPr lang="nb-NO" dirty="0"/>
           </a:p>
           <a:p>
-            <a:pPr marL="171450" marR="0" lvl="0" indent="-171450" algn="l" defTabSz="914400" rtl="0" eaLnBrk="1" fontAlgn="auto" latinLnBrk="0" hangingPunct="1">
-              <a:lnSpc>
-                <a:spcPct val="100000"/>
-              </a:lnSpc>
-              <a:spcBef>
-                <a:spcPts val="0"/>
-              </a:spcBef>
-              <a:spcAft>
-                <a:spcPts val="0"/>
-              </a:spcAft>
-              <a:buClrTx/>
-              <a:buSzTx/>
+            <a:pPr marL="171450" indent="-171450">
               <a:buFontTx/>
               <a:buChar char="-"/>
-              <a:tabLst/>
-              <a:defRPr/>
             </a:pPr>
             <a:r>
               <a:rPr lang="nb-NO" dirty="0"/>
-              <a:t>Speedtest: </a:t>
-            </a:r>
-          </a:p>
-          <a:p>
-            <a:endParaRPr lang="nb-NO" dirty="0"/>
+              <a:t>Eksempler:</a:t>
+            </a:r>
+          </a:p>
+          <a:p>
+            <a:pPr marL="171450" indent="-171450">
+              <a:buFontTx/>
+              <a:buChar char="-"/>
+            </a:pPr>
+            <a:r>
+              <a:rPr lang="nb-NO" dirty="0"/>
+              <a:t>SAAS: Office 365</a:t>
+            </a:r>
+          </a:p>
+          <a:p>
+            <a:pPr marL="171450" indent="-171450">
+              <a:buFontTx/>
+              <a:buChar char="-"/>
+            </a:pPr>
+            <a:r>
+              <a:rPr lang="nb-NO" dirty="0"/>
+              <a:t>PAAS: Azure Web Sites</a:t>
+            </a:r>
+          </a:p>
+          <a:p>
+            <a:pPr marL="171450" indent="-171450">
+              <a:buFontTx/>
+              <a:buChar char="-"/>
+            </a:pPr>
+            <a:r>
+              <a:rPr lang="nb-NO" dirty="0"/>
+              <a:t>IAAS: </a:t>
+            </a:r>
+            <a:r>
+              <a:rPr lang="nb-NO" dirty="0" err="1"/>
+              <a:t>VM’er</a:t>
+            </a:r>
+            <a:r>
+              <a:rPr lang="nb-NO" dirty="0"/>
+              <a:t>.</a:t>
+            </a:r>
           </a:p>
         </p:txBody>
       </p:sp>
@@ -2517,7 +3130,7 @@
           <a:p>
             <a:fld id="{180377DB-C4B0-49B2-8838-0F01BA83B7C4}" type="slidenum">
               <a:rPr lang="nb-NO" smtClean="0"/>
-              <a:t>8</a:t>
+              <a:t>7</a:t>
             </a:fld>
             <a:endParaRPr lang="nb-NO"/>
           </a:p>
@@ -2526,7 +3139,7 @@
     </p:spTree>
     <p:extLst>
       <p:ext uri="{BB962C8B-B14F-4D97-AF65-F5344CB8AC3E}">
-        <p14:creationId xmlns:p14="http://schemas.microsoft.com/office/powerpoint/2010/main" val="2700718377"/>
+        <p14:creationId xmlns:p14="http://schemas.microsoft.com/office/powerpoint/2010/main" val="1832301372"/>
       </p:ext>
     </p:extLst>
   </p:cSld>
@@ -2580,35 +3193,93 @@
           <a:bodyPr/>
           <a:lstStyle/>
           <a:p>
-            <a:r>
-              <a:rPr lang="nb-NO" dirty="0"/>
-              <a:t>Utrolig mange tjenester.</a:t>
-            </a:r>
-          </a:p>
-          <a:p>
-            <a:r>
-              <a:rPr lang="nb-NO" dirty="0"/>
-              <a:t>Pushes ut forandringer hele tiden.</a:t>
-            </a:r>
-          </a:p>
-          <a:p>
+            <a:pPr marL="171450" marR="0" lvl="0" indent="-171450" algn="l" defTabSz="914400" rtl="0" eaLnBrk="1" fontAlgn="auto" latinLnBrk="0" hangingPunct="1">
+              <a:lnSpc>
+                <a:spcPct val="100000"/>
+              </a:lnSpc>
+              <a:spcBef>
+                <a:spcPts val="0"/>
+              </a:spcBef>
+              <a:spcAft>
+                <a:spcPts val="0"/>
+              </a:spcAft>
+              <a:buClrTx/>
+              <a:buSzTx/>
+              <a:buFontTx/>
+              <a:buChar char="-"/>
+              <a:tabLst/>
+              <a:defRPr/>
+            </a:pPr>
+            <a:r>
+              <a:rPr lang="nb-NO" dirty="0"/>
+              <a:t>West Europe (Nederland) eller North Europe (Irland) mest aktuelle for oss, snart Norge.</a:t>
+            </a:r>
+          </a:p>
+          <a:p>
+            <a:pPr marL="0" marR="0" lvl="0" indent="0" algn="l" defTabSz="914400" rtl="0" eaLnBrk="1" fontAlgn="auto" latinLnBrk="0" hangingPunct="1">
+              <a:lnSpc>
+                <a:spcPct val="100000"/>
+              </a:lnSpc>
+              <a:spcBef>
+                <a:spcPts val="0"/>
+              </a:spcBef>
+              <a:spcAft>
+                <a:spcPts val="0"/>
+              </a:spcAft>
+              <a:buClrTx/>
+              <a:buSzTx/>
+              <a:buFontTx/>
+              <a:buNone/>
+              <a:tabLst/>
+              <a:defRPr/>
+            </a:pPr>
+            <a:r>
+              <a:rPr lang="nb-NO" dirty="0"/>
+              <a:t>  To nye i Norge som driftsettes mot slutten av 2019, </a:t>
+            </a:r>
+          </a:p>
+          <a:p>
+            <a:pPr marL="171450" marR="0" lvl="0" indent="-171450" algn="l" defTabSz="914400" rtl="0" eaLnBrk="1" fontAlgn="auto" latinLnBrk="0" hangingPunct="1">
+              <a:lnSpc>
+                <a:spcPct val="100000"/>
+              </a:lnSpc>
+              <a:spcBef>
+                <a:spcPts val="0"/>
+              </a:spcBef>
+              <a:spcAft>
+                <a:spcPts val="0"/>
+              </a:spcAft>
+              <a:buClrTx/>
+              <a:buSzTx/>
+              <a:buFontTx/>
+              <a:buChar char="-"/>
+              <a:tabLst/>
+              <a:defRPr/>
+            </a:pPr>
             <a:endParaRPr lang="nb-NO" dirty="0"/>
           </a:p>
           <a:p>
-            <a:endParaRPr lang="nb-NO" dirty="0"/>
-          </a:p>
-          <a:p>
-            <a:r>
-              <a:rPr lang="nb-NO" dirty="0"/>
-              <a:t>Limits tjenester: </a:t>
-            </a:r>
-            <a:r>
-              <a:rPr lang="nb-NO" dirty="0">
-                <a:hlinkClick r:id="rId3"/>
-              </a:rPr>
-              <a:t>https://docs.microsoft.com/en-us/azure/azure-subscription-service-limits</a:t>
-            </a:r>
-            <a:endParaRPr lang="nb-NO" dirty="0"/>
+            <a:pPr marL="171450" marR="0" lvl="0" indent="-171450" algn="l" defTabSz="914400" rtl="0" eaLnBrk="1" fontAlgn="auto" latinLnBrk="0" hangingPunct="1">
+              <a:lnSpc>
+                <a:spcPct val="100000"/>
+              </a:lnSpc>
+              <a:spcBef>
+                <a:spcPts val="0"/>
+              </a:spcBef>
+              <a:spcAft>
+                <a:spcPts val="0"/>
+              </a:spcAft>
+              <a:buClrTx/>
+              <a:buSzTx/>
+              <a:buFontTx/>
+              <a:buChar char="-"/>
+              <a:tabLst/>
+              <a:defRPr/>
+            </a:pPr>
+            <a:r>
+              <a:rPr lang="nb-NO" dirty="0"/>
+              <a:t>Speedtest: </a:t>
+            </a:r>
           </a:p>
           <a:p>
             <a:endParaRPr lang="nb-NO" dirty="0"/>
@@ -2632,7 +3303,7 @@
           <a:p>
             <a:fld id="{180377DB-C4B0-49B2-8838-0F01BA83B7C4}" type="slidenum">
               <a:rPr lang="nb-NO" smtClean="0"/>
-              <a:t>9</a:t>
+              <a:t>8</a:t>
             </a:fld>
             <a:endParaRPr lang="nb-NO"/>
           </a:p>
@@ -2641,7 +3312,7 @@
     </p:spTree>
     <p:extLst>
       <p:ext uri="{BB962C8B-B14F-4D97-AF65-F5344CB8AC3E}">
-        <p14:creationId xmlns:p14="http://schemas.microsoft.com/office/powerpoint/2010/main" val="1503755050"/>
+        <p14:creationId xmlns:p14="http://schemas.microsoft.com/office/powerpoint/2010/main" val="2700718377"/>
       </p:ext>
     </p:extLst>
   </p:cSld>
@@ -2695,48 +3366,38 @@
           <a:bodyPr/>
           <a:lstStyle/>
           <a:p>
+            <a:r>
+              <a:rPr lang="nb-NO" dirty="0"/>
+              <a:t>Utrolig mange tjenester.</a:t>
+            </a:r>
+          </a:p>
+          <a:p>
+            <a:r>
+              <a:rPr lang="nb-NO" dirty="0"/>
+              <a:t>Pushes ut forandringer hele tiden.</a:t>
+            </a:r>
+          </a:p>
+          <a:p>
             <a:endParaRPr lang="nb-NO" dirty="0"/>
           </a:p>
           <a:p>
             <a:endParaRPr lang="nb-NO" dirty="0"/>
           </a:p>
           <a:p>
+            <a:r>
+              <a:rPr lang="nb-NO" dirty="0"/>
+              <a:t>Limits tjenester: </a:t>
+            </a:r>
+            <a:r>
+              <a:rPr lang="nb-NO" dirty="0">
+                <a:hlinkClick r:id="rId3"/>
+              </a:rPr>
+              <a:t>https://docs.microsoft.com/en-us/azure/azure-subscription-service-limits</a:t>
+            </a:r>
             <a:endParaRPr lang="nb-NO" dirty="0"/>
           </a:p>
           <a:p>
-            <a:r>
-              <a:rPr lang="nb-NO" dirty="0"/>
-              <a:t>RBAC</a:t>
-            </a:r>
-          </a:p>
-          <a:p>
-            <a:r>
-              <a:rPr lang="nb-NO" dirty="0" err="1"/>
-              <a:t>Owner</a:t>
-            </a:r>
-            <a:r>
-              <a:rPr lang="nb-NO" dirty="0"/>
-              <a:t> – Alle rettigheter</a:t>
-            </a:r>
-          </a:p>
-          <a:p>
-            <a:r>
-              <a:rPr lang="nb-NO" dirty="0" err="1"/>
-              <a:t>Contributer</a:t>
-            </a:r>
-            <a:r>
-              <a:rPr lang="nb-NO" dirty="0"/>
-              <a:t> – Alle rettigheter bortsett fra å </a:t>
-            </a:r>
-          </a:p>
-          <a:p>
             <a:endParaRPr lang="nb-NO" dirty="0"/>
-          </a:p>
-          <a:p>
-            <a:r>
-              <a:rPr lang="nb-NO" dirty="0"/>
-              <a:t>- Blir arvet.</a:t>
-            </a:r>
           </a:p>
         </p:txBody>
       </p:sp>
@@ -2747,7 +3408,7 @@
             <a:spLocks noGrp="1"/>
           </p:cNvSpPr>
           <p:nvPr>
-            <p:ph type="sldNum" sz="quarter" idx="5"/>
+            <p:ph type="sldNum" sz="quarter" idx="10"/>
           </p:nvPr>
         </p:nvSpPr>
         <p:spPr/>
@@ -2757,7 +3418,7 @@
           <a:p>
             <a:fld id="{180377DB-C4B0-49B2-8838-0F01BA83B7C4}" type="slidenum">
               <a:rPr lang="nb-NO" smtClean="0"/>
-              <a:t>10</a:t>
+              <a:t>9</a:t>
             </a:fld>
             <a:endParaRPr lang="nb-NO"/>
           </a:p>
@@ -2766,7 +3427,7 @@
     </p:spTree>
     <p:extLst>
       <p:ext uri="{BB962C8B-B14F-4D97-AF65-F5344CB8AC3E}">
-        <p14:creationId xmlns:p14="http://schemas.microsoft.com/office/powerpoint/2010/main" val="390691634"/>
+        <p14:creationId xmlns:p14="http://schemas.microsoft.com/office/powerpoint/2010/main" val="1503755050"/>
       </p:ext>
     </p:extLst>
   </p:cSld>
@@ -2820,9 +3481,47 @@
           <a:bodyPr/>
           <a:lstStyle/>
           <a:p>
-            <a:r>
-              <a:rPr lang="nb-NO" dirty="0"/>
-              <a:t>Tjenester som man </a:t>
+            <a:endParaRPr lang="nb-NO" dirty="0"/>
+          </a:p>
+          <a:p>
+            <a:endParaRPr lang="nb-NO" dirty="0"/>
+          </a:p>
+          <a:p>
+            <a:endParaRPr lang="nb-NO" dirty="0"/>
+          </a:p>
+          <a:p>
+            <a:r>
+              <a:rPr lang="nb-NO" dirty="0"/>
+              <a:t>RBAC</a:t>
+            </a:r>
+          </a:p>
+          <a:p>
+            <a:r>
+              <a:rPr lang="nb-NO" dirty="0" err="1"/>
+              <a:t>Owner</a:t>
+            </a:r>
+            <a:r>
+              <a:rPr lang="nb-NO" dirty="0"/>
+              <a:t> – Alle rettigheter</a:t>
+            </a:r>
+          </a:p>
+          <a:p>
+            <a:r>
+              <a:rPr lang="nb-NO" dirty="0" err="1"/>
+              <a:t>Contributer</a:t>
+            </a:r>
+            <a:r>
+              <a:rPr lang="nb-NO" dirty="0"/>
+              <a:t> – Alle rettigheter bortsett fra å </a:t>
+            </a:r>
+          </a:p>
+          <a:p>
+            <a:endParaRPr lang="nb-NO" dirty="0"/>
+          </a:p>
+          <a:p>
+            <a:r>
+              <a:rPr lang="nb-NO" dirty="0"/>
+              <a:t>- Blir arvet.</a:t>
             </a:r>
           </a:p>
         </p:txBody>
@@ -2834,7 +3533,7 @@
             <a:spLocks noGrp="1"/>
           </p:cNvSpPr>
           <p:nvPr>
-            <p:ph type="sldNum" sz="quarter" idx="10"/>
+            <p:ph type="sldNum" sz="quarter" idx="5"/>
           </p:nvPr>
         </p:nvSpPr>
         <p:spPr/>
@@ -2844,7 +3543,7 @@
           <a:p>
             <a:fld id="{180377DB-C4B0-49B2-8838-0F01BA83B7C4}" type="slidenum">
               <a:rPr lang="nb-NO" smtClean="0"/>
-              <a:t>11</a:t>
+              <a:t>10</a:t>
             </a:fld>
             <a:endParaRPr lang="nb-NO"/>
           </a:p>
@@ -2853,7 +3552,7 @@
     </p:spTree>
     <p:extLst>
       <p:ext uri="{BB962C8B-B14F-4D97-AF65-F5344CB8AC3E}">
-        <p14:creationId xmlns:p14="http://schemas.microsoft.com/office/powerpoint/2010/main" val="3649837909"/>
+        <p14:creationId xmlns:p14="http://schemas.microsoft.com/office/powerpoint/2010/main" val="390691634"/>
       </p:ext>
     </p:extLst>
   </p:cSld>
@@ -2907,40 +3606,49 @@
           <a:bodyPr/>
           <a:lstStyle/>
           <a:p>
-            <a:pPr marL="0" marR="0" lvl="0" indent="0" algn="l" defTabSz="914400" rtl="0" eaLnBrk="1" fontAlgn="auto" latinLnBrk="0" hangingPunct="1">
-              <a:lnSpc>
-                <a:spcPct val="100000"/>
-              </a:lnSpc>
-              <a:spcBef>
-                <a:spcPts val="0"/>
-              </a:spcBef>
-              <a:spcAft>
-                <a:spcPts val="0"/>
-              </a:spcAft>
-              <a:buClrTx/>
-              <a:buSzTx/>
-              <a:buFontTx/>
-              <a:buNone/>
-              <a:tabLst/>
-              <a:defRPr/>
-            </a:pPr>
-            <a:r>
-              <a:rPr lang="nb-NO" dirty="0"/>
-              <a:t>Gir kun tilbake </a:t>
-            </a:r>
+            <a:r>
+              <a:rPr lang="nb-NO" dirty="0"/>
+              <a:t>Man kan også velge å bruke en del gratistjenester ved siden av tjenesten for å forbedre den. </a:t>
+            </a:r>
+          </a:p>
+          <a:p>
             <a:r>
               <a:rPr lang="nb-NO" dirty="0" err="1"/>
-              <a:t>credits</a:t>
-            </a:r>
-            <a:r>
-              <a:rPr lang="nb-NO" dirty="0"/>
-              <a:t> – ikke hva det faktiske tapet har blitt påført. 4</a:t>
-            </a:r>
-          </a:p>
-          <a:p>
-            <a:r>
-              <a:rPr lang="nb-NO" dirty="0"/>
-              <a:t>Ingen automatikk i at man får tilbake. Må </a:t>
+              <a:t>Azure</a:t>
+            </a:r>
+            <a:r>
+              <a:rPr lang="nb-NO" dirty="0"/>
+              <a:t> Monitor og </a:t>
+            </a:r>
+            <a:r>
+              <a:rPr lang="nb-NO" dirty="0" err="1"/>
+              <a:t>Azure</a:t>
+            </a:r>
+            <a:r>
+              <a:rPr lang="nb-NO" dirty="0"/>
+              <a:t> Advisor er noe av det man kan ta i bruk. Advisor vil gi deg tips til forbedringer og overvåker alle tjenester ved hjelp av AI.</a:t>
+            </a:r>
+          </a:p>
+          <a:p>
+            <a:r>
+              <a:rPr lang="nb-NO" dirty="0"/>
+              <a:t>Monitor gir deg mulighet for </a:t>
+            </a:r>
+            <a:r>
+              <a:rPr lang="nb-NO" dirty="0" err="1"/>
+              <a:t>monitorering</a:t>
+            </a:r>
+            <a:r>
+              <a:rPr lang="nb-NO" dirty="0"/>
+              <a:t> av </a:t>
+            </a:r>
+            <a:r>
+              <a:rPr lang="nb-NO" dirty="0" err="1"/>
+              <a:t>Vmer</a:t>
+            </a:r>
+            <a:r>
+              <a:rPr lang="nb-NO" dirty="0"/>
+              <a:t>, nettverk og du kan lage spørringer på dataene den</a:t>
             </a:r>
           </a:p>
         </p:txBody>
@@ -2962,7 +3670,7 @@
           <a:p>
             <a:fld id="{180377DB-C4B0-49B2-8838-0F01BA83B7C4}" type="slidenum">
               <a:rPr lang="nb-NO" smtClean="0"/>
-              <a:t>14</a:t>
+              <a:t>11</a:t>
             </a:fld>
             <a:endParaRPr lang="nb-NO"/>
           </a:p>
@@ -2971,7 +3679,7 @@
     </p:spTree>
     <p:extLst>
       <p:ext uri="{BB962C8B-B14F-4D97-AF65-F5344CB8AC3E}">
-        <p14:creationId xmlns:p14="http://schemas.microsoft.com/office/powerpoint/2010/main" val="187737371"/>
+        <p14:creationId xmlns:p14="http://schemas.microsoft.com/office/powerpoint/2010/main" val="3649837909"/>
       </p:ext>
     </p:extLst>
   </p:cSld>
@@ -6824,7 +7532,7 @@
   <p:transition spd="slow">
     <p:push dir="u"/>
   </p:transition>
-  <p:extLst mod="1">
+  <p:extLst>
     <p:ext uri="{DCECCB84-F9BA-43D5-87BE-67443E8EF086}">
       <p15:sldGuideLst xmlns:p15="http://schemas.microsoft.com/office/powerpoint/2012/main">
         <p15:guide id="1" orient="horz" pos="1139">
@@ -7127,7 +7835,7 @@
   <p:transition spd="slow">
     <p:push dir="u"/>
   </p:transition>
-  <p:extLst mod="1">
+  <p:extLst>
     <p:ext uri="{DCECCB84-F9BA-43D5-87BE-67443E8EF086}">
       <p15:sldGuideLst xmlns:p15="http://schemas.microsoft.com/office/powerpoint/2012/main">
         <p15:guide id="1" orient="horz" pos="1139">
@@ -7315,7 +8023,7 @@
   <p:transition spd="slow">
     <p:push dir="u"/>
   </p:transition>
-  <p:extLst mod="1">
+  <p:extLst>
     <p:ext uri="{DCECCB84-F9BA-43D5-87BE-67443E8EF086}">
       <p15:sldGuideLst xmlns:p15="http://schemas.microsoft.com/office/powerpoint/2012/main">
         <p15:guide id="1" orient="horz" pos="1139">
@@ -7820,7 +8528,7 @@
   <p:transition spd="slow">
     <p:push dir="u"/>
   </p:transition>
-  <p:extLst mod="1">
+  <p:extLst>
     <p:ext uri="{DCECCB84-F9BA-43D5-87BE-67443E8EF086}">
       <p15:sldGuideLst xmlns:p15="http://schemas.microsoft.com/office/powerpoint/2012/main">
         <p15:guide id="1" orient="horz" pos="1139">
@@ -8073,7 +8781,7 @@
   <p:transition spd="slow">
     <p:push dir="u"/>
   </p:transition>
-  <p:extLst mod="1">
+  <p:extLst>
     <p:ext uri="{DCECCB84-F9BA-43D5-87BE-67443E8EF086}">
       <p15:sldGuideLst xmlns:p15="http://schemas.microsoft.com/office/powerpoint/2012/main">
         <p15:guide id="1" orient="horz" pos="1139">
@@ -11435,7 +12143,7 @@
       </a:lvl9pPr>
     </p:otherStyle>
   </p:txStyles>
-  <p:extLst mod="1">
+  <p:extLst>
     <p:ext uri="{27BBF7A9-308A-43DC-89C8-2F10F3537804}">
       <p15:sldGuideLst xmlns:p15="http://schemas.microsoft.com/office/powerpoint/2012/main">
         <p15:guide id="1" orient="horz" pos="2160" userDrawn="1">
@@ -12389,15 +13097,6 @@
           <a:p>
             <a:r>
               <a:rPr lang="nb-NO" dirty="0"/>
-              <a:t>Hva betaler man for?</a:t>
-            </a:r>
-          </a:p>
-          <a:p>
-            <a:endParaRPr lang="nb-NO" dirty="0"/>
-          </a:p>
-          <a:p>
-            <a:r>
-              <a:rPr lang="nb-NO" dirty="0"/>
               <a:t>Inkludert i prisen:</a:t>
             </a:r>
           </a:p>
@@ -12438,6 +13137,13 @@
             <a:r>
               <a:rPr lang="nb-NO" dirty="0"/>
               <a:t>Strøm</a:t>
+            </a:r>
+          </a:p>
+          <a:p>
+            <a:pPr lvl="1"/>
+            <a:r>
+              <a:rPr lang="nb-NO" dirty="0"/>
+              <a:t>Sikkerhet</a:t>
             </a:r>
           </a:p>
           <a:p>
@@ -12647,7 +13353,7 @@
           </p:nvPr>
         </p:nvPicPr>
         <p:blipFill>
-          <a:blip r:embed="rId2">
+          <a:blip r:embed="rId3">
             <a:extLst>
               <a:ext uri="{28A0092B-C50C-407E-A947-70E740481C1C}">
                 <a14:useLocalDpi xmlns:a14="http://schemas.microsoft.com/office/drawing/2010/main" val="0"/>
@@ -18055,14 +18761,14 @@
           </a:ln>
           <a:extLst>
             <a:ext uri="{909E8E84-426E-40dd-AFC4-6F175D3DCCD1}">
-              <a14:hiddenFill xmlns:lc="http://schemas.openxmlformats.org/drawingml/2006/lockedCanvas" xmlns:a14="http://schemas.microsoft.com/office/drawing/2010/main" xmlns="">
+              <a14:hiddenFill xmlns="" xmlns:a14="http://schemas.microsoft.com/office/drawing/2010/main" xmlns:lc="http://schemas.openxmlformats.org/drawingml/2006/lockedCanvas">
                 <a:solidFill>
                   <a:srgbClr val="FFFFFF"/>
                 </a:solidFill>
               </a14:hiddenFill>
             </a:ext>
             <a:ext uri="{91240B29-F687-4f45-9708-019B960494DF}">
-              <a14:hiddenLine xmlns:lc="http://schemas.openxmlformats.org/drawingml/2006/lockedCanvas" xmlns:a14="http://schemas.microsoft.com/office/drawing/2010/main" xmlns="" w="9525">
+              <a14:hiddenLine xmlns="" xmlns:a14="http://schemas.microsoft.com/office/drawing/2010/main" xmlns:lc="http://schemas.openxmlformats.org/drawingml/2006/lockedCanvas" w="9525">
                 <a:solidFill>
                   <a:srgbClr val="000000"/>
                 </a:solidFill>
@@ -18251,14 +18957,14 @@
           </a:ln>
           <a:extLst>
             <a:ext uri="{909E8E84-426E-40dd-AFC4-6F175D3DCCD1}">
-              <a14:hiddenFill xmlns:lc="http://schemas.openxmlformats.org/drawingml/2006/lockedCanvas" xmlns:a14="http://schemas.microsoft.com/office/drawing/2010/main" xmlns="">
+              <a14:hiddenFill xmlns="" xmlns:a14="http://schemas.microsoft.com/office/drawing/2010/main" xmlns:lc="http://schemas.openxmlformats.org/drawingml/2006/lockedCanvas">
                 <a:solidFill>
                   <a:srgbClr val="FFFFFF"/>
                 </a:solidFill>
               </a14:hiddenFill>
             </a:ext>
             <a:ext uri="{91240B29-F687-4f45-9708-019B960494DF}">
-              <a14:hiddenLine xmlns:lc="http://schemas.openxmlformats.org/drawingml/2006/lockedCanvas" xmlns:a14="http://schemas.microsoft.com/office/drawing/2010/main" xmlns="" w="9525">
+              <a14:hiddenLine xmlns="" xmlns:a14="http://schemas.microsoft.com/office/drawing/2010/main" xmlns:lc="http://schemas.openxmlformats.org/drawingml/2006/lockedCanvas" w="9525">
                 <a:solidFill>
                   <a:srgbClr val="000000"/>
                 </a:solidFill>
@@ -18719,14 +19425,14 @@
           </a:ln>
           <a:extLst>
             <a:ext uri="{909E8E84-426E-40dd-AFC4-6F175D3DCCD1}">
-              <a14:hiddenFill xmlns:lc="http://schemas.openxmlformats.org/drawingml/2006/lockedCanvas" xmlns:a14="http://schemas.microsoft.com/office/drawing/2010/main" xmlns="">
+              <a14:hiddenFill xmlns="" xmlns:a14="http://schemas.microsoft.com/office/drawing/2010/main" xmlns:lc="http://schemas.openxmlformats.org/drawingml/2006/lockedCanvas">
                 <a:solidFill>
                   <a:srgbClr val="FFFFFF"/>
                 </a:solidFill>
               </a14:hiddenFill>
             </a:ext>
             <a:ext uri="{91240B29-F687-4f45-9708-019B960494DF}">
-              <a14:hiddenLine xmlns:lc="http://schemas.openxmlformats.org/drawingml/2006/lockedCanvas" xmlns:a14="http://schemas.microsoft.com/office/drawing/2010/main" xmlns="" w="9525">
+              <a14:hiddenLine xmlns="" xmlns:a14="http://schemas.microsoft.com/office/drawing/2010/main" xmlns:lc="http://schemas.openxmlformats.org/drawingml/2006/lockedCanvas" w="9525">
                 <a:solidFill>
                   <a:srgbClr val="000000"/>
                 </a:solidFill>
@@ -19432,14 +20138,14 @@
           </a:ln>
           <a:extLst>
             <a:ext uri="{909E8E84-426E-40dd-AFC4-6F175D3DCCD1}">
-              <a14:hiddenFill xmlns:lc="http://schemas.openxmlformats.org/drawingml/2006/lockedCanvas" xmlns:a14="http://schemas.microsoft.com/office/drawing/2010/main" xmlns="">
+              <a14:hiddenFill xmlns="" xmlns:a14="http://schemas.microsoft.com/office/drawing/2010/main" xmlns:lc="http://schemas.openxmlformats.org/drawingml/2006/lockedCanvas">
                 <a:solidFill>
                   <a:srgbClr val="FFFFFF"/>
                 </a:solidFill>
               </a14:hiddenFill>
             </a:ext>
             <a:ext uri="{91240B29-F687-4f45-9708-019B960494DF}">
-              <a14:hiddenLine xmlns:lc="http://schemas.openxmlformats.org/drawingml/2006/lockedCanvas" xmlns:a14="http://schemas.microsoft.com/office/drawing/2010/main" xmlns="" w="9525">
+              <a14:hiddenLine xmlns="" xmlns:a14="http://schemas.microsoft.com/office/drawing/2010/main" xmlns:lc="http://schemas.openxmlformats.org/drawingml/2006/lockedCanvas" w="9525">
                 <a:solidFill>
                   <a:srgbClr val="000000"/>
                 </a:solidFill>
@@ -19492,14 +20198,14 @@
           </a:ln>
           <a:extLst>
             <a:ext uri="{909E8E84-426E-40dd-AFC4-6F175D3DCCD1}">
-              <a14:hiddenFill xmlns:lc="http://schemas.openxmlformats.org/drawingml/2006/lockedCanvas" xmlns:a14="http://schemas.microsoft.com/office/drawing/2010/main" xmlns="">
+              <a14:hiddenFill xmlns="" xmlns:a14="http://schemas.microsoft.com/office/drawing/2010/main" xmlns:lc="http://schemas.openxmlformats.org/drawingml/2006/lockedCanvas">
                 <a:solidFill>
                   <a:srgbClr val="FFFFFF"/>
                 </a:solidFill>
               </a14:hiddenFill>
             </a:ext>
             <a:ext uri="{91240B29-F687-4f45-9708-019B960494DF}">
-              <a14:hiddenLine xmlns:lc="http://schemas.openxmlformats.org/drawingml/2006/lockedCanvas" xmlns:a14="http://schemas.microsoft.com/office/drawing/2010/main" xmlns="" w="9525">
+              <a14:hiddenLine xmlns="" xmlns:a14="http://schemas.microsoft.com/office/drawing/2010/main" xmlns:lc="http://schemas.openxmlformats.org/drawingml/2006/lockedCanvas" w="9525">
                 <a:solidFill>
                   <a:srgbClr val="000000"/>
                 </a:solidFill>
@@ -19885,8 +20591,13 @@
             <a:pPr lvl="1"/>
             <a:r>
               <a:rPr lang="nb-NO" dirty="0"/>
-              <a:t>.NET</a:t>
-            </a:r>
+              <a:t>.NET / .NET </a:t>
+            </a:r>
+            <a:r>
+              <a:rPr lang="nb-NO" dirty="0" err="1"/>
+              <a:t>Core</a:t>
+            </a:r>
+            <a:endParaRPr lang="nb-NO" dirty="0"/>
           </a:p>
           <a:p>
             <a:pPr lvl="1"/>
@@ -19913,7 +20624,14 @@
             <a:pPr lvl="1"/>
             <a:r>
               <a:rPr lang="nb-NO" dirty="0"/>
-              <a:t>…</a:t>
+              <a:t>PHP</a:t>
+            </a:r>
+          </a:p>
+          <a:p>
+            <a:pPr lvl="1"/>
+            <a:r>
+              <a:rPr lang="nb-NO" dirty="0"/>
+              <a:t>Ruby</a:t>
             </a:r>
           </a:p>
           <a:p>
@@ -19987,7 +20705,7 @@
 </file>
 
 <file path=ppt/slides/slide21.xml><?xml version="1.0" encoding="utf-8"?>
-<p:sld xmlns:a="http://schemas.openxmlformats.org/drawingml/2006/main" xmlns:r="http://schemas.openxmlformats.org/officeDocument/2006/relationships" xmlns:p="http://schemas.openxmlformats.org/presentationml/2006/main">
+<p:sld xmlns:a="http://schemas.openxmlformats.org/drawingml/2006/main" xmlns:r="http://schemas.openxmlformats.org/officeDocument/2006/relationships" xmlns:p="http://schemas.openxmlformats.org/presentationml/2006/main" show="0">
   <p:cSld>
     <p:spTree>
       <p:nvGrpSpPr>
@@ -20673,14 +21391,21 @@
           <a:lstStyle/>
           <a:p>
             <a:r>
-              <a:rPr lang="nb-NO" dirty="0"/>
-              <a:t>Azure </a:t>
-            </a:r>
-            <a:r>
               <a:rPr lang="nb-NO" dirty="0" err="1"/>
-              <a:t>Blobs</a:t>
-            </a:r>
-            <a:endParaRPr lang="nb-NO" dirty="0"/>
+              <a:t>Azure</a:t>
+            </a:r>
+            <a:r>
+              <a:rPr lang="nb-NO" dirty="0"/>
+              <a:t> </a:t>
+            </a:r>
+            <a:r>
+              <a:rPr lang="nb-NO" dirty="0" err="1"/>
+              <a:t>Blob</a:t>
+            </a:r>
+            <a:r>
+              <a:rPr lang="nb-NO" dirty="0"/>
+              <a:t> Storage</a:t>
+            </a:r>
           </a:p>
         </p:txBody>
       </p:sp>
@@ -20846,14 +21571,21 @@
           <a:lstStyle/>
           <a:p>
             <a:r>
-              <a:rPr lang="nb-NO" dirty="0"/>
-              <a:t>Azure </a:t>
-            </a:r>
-            <a:r>
               <a:rPr lang="nb-NO" dirty="0" err="1"/>
-              <a:t>Tables</a:t>
-            </a:r>
-            <a:endParaRPr lang="nb-NO" dirty="0"/>
+              <a:t>Azure</a:t>
+            </a:r>
+            <a:r>
+              <a:rPr lang="nb-NO" dirty="0"/>
+              <a:t> </a:t>
+            </a:r>
+            <a:r>
+              <a:rPr lang="nb-NO" dirty="0" err="1"/>
+              <a:t>Table</a:t>
+            </a:r>
+            <a:r>
+              <a:rPr lang="nb-NO" dirty="0"/>
+              <a:t> Storage</a:t>
+            </a:r>
           </a:p>
         </p:txBody>
       </p:sp>
@@ -20892,7 +21624,7 @@
           <p:cNvPr id="2" name="Content Placeholder 1">
             <a:extLst>
               <a:ext uri="{FF2B5EF4-FFF2-40B4-BE49-F238E27FC236}">
-                <a16:creationId xmlns:a16="http://schemas.microsoft.com/office/drawing/2014/main" id="{4053DEA3-4405-4C73-BC1B-0B697CA99CD2}"/>
+                <a16:creationId xmlns:a16="http://schemas.microsoft.com/office/drawing/2014/main" id="{1A478B76-0BD5-4833-8AAC-C97C2BD223E4}"/>
               </a:ext>
             </a:extLst>
           </p:cNvPr>
@@ -20903,12 +21635,65 @@
             <p:ph idx="1"/>
           </p:nvPr>
         </p:nvSpPr>
-        <p:spPr/>
+        <p:spPr>
+          <a:xfrm>
+            <a:off x="1234800" y="1861625"/>
+            <a:ext cx="8382613" cy="4351338"/>
+          </a:xfrm>
+        </p:spPr>
         <p:txBody>
           <a:bodyPr/>
           <a:lstStyle/>
           <a:p>
-            <a:endParaRPr lang="nb-NO"/>
+            <a:r>
+              <a:rPr lang="nb-NO" dirty="0"/>
+              <a:t>«Disker» du kan koble til over nettet (også utenfor </a:t>
+            </a:r>
+            <a:r>
+              <a:rPr lang="nb-NO" dirty="0" err="1"/>
+              <a:t>Azure</a:t>
+            </a:r>
+            <a:r>
+              <a:rPr lang="nb-NO" dirty="0"/>
+              <a:t>)</a:t>
+            </a:r>
+          </a:p>
+          <a:p>
+            <a:r>
+              <a:rPr lang="nb-NO" dirty="0"/>
+              <a:t>Støtter SMB3 protokollen</a:t>
+            </a:r>
+          </a:p>
+          <a:p>
+            <a:r>
+              <a:rPr lang="nb-NO" dirty="0"/>
+              <a:t>Skal gjøre det enklere å flytte </a:t>
+            </a:r>
+            <a:r>
+              <a:rPr lang="nb-NO" dirty="0" err="1"/>
+              <a:t>on</a:t>
+            </a:r>
+            <a:r>
+              <a:rPr lang="nb-NO" dirty="0"/>
+              <a:t> </a:t>
+            </a:r>
+            <a:r>
+              <a:rPr lang="nb-NO" dirty="0" err="1"/>
+              <a:t>premise</a:t>
+            </a:r>
+            <a:r>
+              <a:rPr lang="nb-NO" dirty="0"/>
+              <a:t> applikasjoner til skyen</a:t>
+            </a:r>
+          </a:p>
+          <a:p>
+            <a:r>
+              <a:rPr lang="nb-NO" dirty="0"/>
+              <a:t>Støtter kryptering</a:t>
+            </a:r>
+          </a:p>
+          <a:p>
+            <a:endParaRPr lang="nb-NO" dirty="0"/>
           </a:p>
         </p:txBody>
       </p:sp>
@@ -20917,7 +21702,7 @@
           <p:cNvPr id="3" name="Title 2">
             <a:extLst>
               <a:ext uri="{FF2B5EF4-FFF2-40B4-BE49-F238E27FC236}">
-                <a16:creationId xmlns:a16="http://schemas.microsoft.com/office/drawing/2014/main" id="{4098D8D6-0722-4559-B467-00605CFF825C}"/>
+                <a16:creationId xmlns:a16="http://schemas.microsoft.com/office/drawing/2014/main" id="{37F99E34-9D69-4E41-BD68-FA4E4A148DA1}"/>
               </a:ext>
             </a:extLst>
           </p:cNvPr>
@@ -20934,8 +21719,12 @@
           <a:lstStyle/>
           <a:p>
             <a:r>
-              <a:rPr lang="nb-NO" dirty="0"/>
-              <a:t>Demo Azure Storage</a:t>
+              <a:rPr lang="nb-NO" dirty="0" err="1"/>
+              <a:t>Azure</a:t>
+            </a:r>
+            <a:r>
+              <a:rPr lang="nb-NO" dirty="0"/>
+              <a:t> File Storage</a:t>
             </a:r>
           </a:p>
         </p:txBody>
@@ -20943,7 +21732,7 @@
     </p:spTree>
     <p:extLst>
       <p:ext uri="{BB962C8B-B14F-4D97-AF65-F5344CB8AC3E}">
-        <p14:creationId xmlns:p14="http://schemas.microsoft.com/office/powerpoint/2010/main" val="4092243870"/>
+        <p14:creationId xmlns:p14="http://schemas.microsoft.com/office/powerpoint/2010/main" val="3480449456"/>
       </p:ext>
     </p:extLst>
   </p:cSld>
@@ -20975,7 +21764,7 @@
           <p:cNvPr id="2" name="Content Placeholder 1">
             <a:extLst>
               <a:ext uri="{FF2B5EF4-FFF2-40B4-BE49-F238E27FC236}">
-                <a16:creationId xmlns:a16="http://schemas.microsoft.com/office/drawing/2014/main" id="{1ACCC628-5B33-4CC3-B4CB-9CE119D2F784}"/>
+                <a16:creationId xmlns:a16="http://schemas.microsoft.com/office/drawing/2014/main" id="{5E2FB546-C887-443A-BE33-4F99E6C5B06D}"/>
               </a:ext>
             </a:extLst>
           </p:cNvPr>
@@ -20993,7 +21782,36 @@
           <a:p>
             <a:r>
               <a:rPr lang="nb-NO" dirty="0"/>
-              <a:t>Gå til Leksjon_3</a:t>
+              <a:t>Meldingssystem</a:t>
+            </a:r>
+          </a:p>
+          <a:p>
+            <a:r>
+              <a:rPr lang="nb-NO" dirty="0"/>
+              <a:t>First in first </a:t>
+            </a:r>
+            <a:r>
+              <a:rPr lang="nb-NO" dirty="0" err="1"/>
+              <a:t>out</a:t>
+            </a:r>
+            <a:endParaRPr lang="nb-NO" dirty="0"/>
+          </a:p>
+          <a:p>
+            <a:r>
+              <a:rPr lang="nb-NO" dirty="0"/>
+              <a:t>Kort lagringstid (7 dager)</a:t>
+            </a:r>
+          </a:p>
+          <a:p>
+            <a:r>
+              <a:rPr lang="nb-NO" dirty="0"/>
+              <a:t>Kan bidra til å holde applikasjonen løst koblet</a:t>
+            </a:r>
+          </a:p>
+          <a:p>
+            <a:r>
+              <a:rPr lang="nb-NO" dirty="0"/>
+              <a:t>Kan gjøre det enklere å lage å håndtere endringer i arbeidsmengde for applikasjonen</a:t>
             </a:r>
           </a:p>
         </p:txBody>
@@ -21003,7 +21821,7 @@
           <p:cNvPr id="3" name="Title 2">
             <a:extLst>
               <a:ext uri="{FF2B5EF4-FFF2-40B4-BE49-F238E27FC236}">
-                <a16:creationId xmlns:a16="http://schemas.microsoft.com/office/drawing/2014/main" id="{B3AE7162-F3B9-413F-9750-80A72DA03927}"/>
+                <a16:creationId xmlns:a16="http://schemas.microsoft.com/office/drawing/2014/main" id="{5AB76710-6416-42D2-A4F5-4944B2714FEC}"/>
               </a:ext>
             </a:extLst>
           </p:cNvPr>
@@ -21020,8 +21838,12 @@
           <a:lstStyle/>
           <a:p>
             <a:r>
-              <a:rPr lang="nb-NO" dirty="0"/>
-              <a:t>Leksjon 3 : Azure storage</a:t>
+              <a:rPr lang="nb-NO" dirty="0" err="1"/>
+              <a:t>Azure</a:t>
+            </a:r>
+            <a:r>
+              <a:rPr lang="nb-NO" dirty="0"/>
+              <a:t> Queue Storage</a:t>
             </a:r>
           </a:p>
         </p:txBody>
@@ -21029,7 +21851,7 @@
     </p:spTree>
     <p:extLst>
       <p:ext uri="{BB962C8B-B14F-4D97-AF65-F5344CB8AC3E}">
-        <p14:creationId xmlns:p14="http://schemas.microsoft.com/office/powerpoint/2010/main" val="293191911"/>
+        <p14:creationId xmlns:p14="http://schemas.microsoft.com/office/powerpoint/2010/main" val="3941253125"/>
       </p:ext>
     </p:extLst>
   </p:cSld>
@@ -21061,7 +21883,7 @@
           <p:cNvPr id="2" name="Content Placeholder 1">
             <a:extLst>
               <a:ext uri="{FF2B5EF4-FFF2-40B4-BE49-F238E27FC236}">
-                <a16:creationId xmlns:a16="http://schemas.microsoft.com/office/drawing/2014/main" id="{1F79401F-EEF2-4234-884F-6B9F884FA979}"/>
+                <a16:creationId xmlns:a16="http://schemas.microsoft.com/office/drawing/2014/main" id="{4053DEA3-4405-4C73-BC1B-0B697CA99CD2}"/>
               </a:ext>
             </a:extLst>
           </p:cNvPr>
@@ -21077,48 +21899,7 @@
           <a:bodyPr/>
           <a:lstStyle/>
           <a:p>
-            <a:r>
-              <a:rPr lang="nb-NO" dirty="0"/>
-              <a:t>Tjeneste </a:t>
-            </a:r>
-          </a:p>
-          <a:p>
-            <a:r>
-              <a:rPr lang="nb-NO" dirty="0"/>
-              <a:t>Sikker lagring av </a:t>
-            </a:r>
-            <a:r>
-              <a:rPr lang="nb-NO" dirty="0" err="1"/>
-              <a:t>secrets</a:t>
-            </a:r>
-            <a:r>
-              <a:rPr lang="nb-NO" dirty="0"/>
-              <a:t> (f.eks. passord) og sertifikater i Azure</a:t>
-            </a:r>
-          </a:p>
-          <a:p>
-            <a:endParaRPr lang="nb-NO" dirty="0"/>
-          </a:p>
-          <a:p>
-            <a:endParaRPr lang="nb-NO" dirty="0"/>
-          </a:p>
-          <a:p>
-            <a:endParaRPr lang="nb-NO" dirty="0"/>
-          </a:p>
-          <a:p>
-            <a:endParaRPr lang="nb-NO" dirty="0"/>
-          </a:p>
-          <a:p>
-            <a:endParaRPr lang="nb-NO" dirty="0"/>
-          </a:p>
-          <a:p>
-            <a:r>
-              <a:rPr lang="nb-NO" dirty="0"/>
-              <a:t>Demo</a:t>
-            </a:r>
-          </a:p>
-          <a:p>
-            <a:endParaRPr lang="nb-NO" dirty="0"/>
+            <a:endParaRPr lang="nb-NO"/>
           </a:p>
         </p:txBody>
       </p:sp>
@@ -21127,7 +21908,7 @@
           <p:cNvPr id="3" name="Title 2">
             <a:extLst>
               <a:ext uri="{FF2B5EF4-FFF2-40B4-BE49-F238E27FC236}">
-                <a16:creationId xmlns:a16="http://schemas.microsoft.com/office/drawing/2014/main" id="{67F3484C-440F-4FA5-8833-85E89A9F8F08}"/>
+                <a16:creationId xmlns:a16="http://schemas.microsoft.com/office/drawing/2014/main" id="{4098D8D6-0722-4559-B467-00605CFF825C}"/>
               </a:ext>
             </a:extLst>
           </p:cNvPr>
@@ -21138,32 +21919,22 @@
             <p:ph type="title"/>
           </p:nvPr>
         </p:nvSpPr>
-        <p:spPr>
-          <a:xfrm>
-            <a:off x="1234800" y="199525"/>
-            <a:ext cx="10146506" cy="963024"/>
-          </a:xfrm>
-        </p:spPr>
+        <p:spPr/>
         <p:txBody>
           <a:bodyPr/>
           <a:lstStyle/>
           <a:p>
             <a:r>
               <a:rPr lang="nb-NO" dirty="0"/>
-              <a:t>Key </a:t>
-            </a:r>
-            <a:r>
-              <a:rPr lang="nb-NO" dirty="0" err="1"/>
-              <a:t>Vault</a:t>
-            </a:r>
-            <a:endParaRPr lang="nb-NO" dirty="0"/>
+              <a:t>Demo Azure Storage</a:t>
+            </a:r>
           </a:p>
         </p:txBody>
       </p:sp>
     </p:spTree>
     <p:extLst>
       <p:ext uri="{BB962C8B-B14F-4D97-AF65-F5344CB8AC3E}">
-        <p14:creationId xmlns:p14="http://schemas.microsoft.com/office/powerpoint/2010/main" val="881317300"/>
+        <p14:creationId xmlns:p14="http://schemas.microsoft.com/office/powerpoint/2010/main" val="4092243870"/>
       </p:ext>
     </p:extLst>
   </p:cSld>
@@ -21321,6 +22092,226 @@
 </file>
 
 <file path=ppt/slides/slide30.xml><?xml version="1.0" encoding="utf-8"?>
+<p:sld xmlns:a="http://schemas.openxmlformats.org/drawingml/2006/main" xmlns:r="http://schemas.openxmlformats.org/officeDocument/2006/relationships" xmlns:p="http://schemas.openxmlformats.org/presentationml/2006/main">
+  <p:cSld>
+    <p:spTree>
+      <p:nvGrpSpPr>
+        <p:cNvPr id="1" name=""/>
+        <p:cNvGrpSpPr/>
+        <p:nvPr/>
+      </p:nvGrpSpPr>
+      <p:grpSpPr>
+        <a:xfrm>
+          <a:off x="0" y="0"/>
+          <a:ext cx="0" cy="0"/>
+          <a:chOff x="0" y="0"/>
+          <a:chExt cx="0" cy="0"/>
+        </a:xfrm>
+      </p:grpSpPr>
+      <p:sp>
+        <p:nvSpPr>
+          <p:cNvPr id="2" name="Content Placeholder 1">
+            <a:extLst>
+              <a:ext uri="{FF2B5EF4-FFF2-40B4-BE49-F238E27FC236}">
+                <a16:creationId xmlns:a16="http://schemas.microsoft.com/office/drawing/2014/main" id="{1ACCC628-5B33-4CC3-B4CB-9CE119D2F784}"/>
+              </a:ext>
+            </a:extLst>
+          </p:cNvPr>
+          <p:cNvSpPr>
+            <a:spLocks noGrp="1"/>
+          </p:cNvSpPr>
+          <p:nvPr>
+            <p:ph idx="1"/>
+          </p:nvPr>
+        </p:nvSpPr>
+        <p:spPr/>
+        <p:txBody>
+          <a:bodyPr/>
+          <a:lstStyle/>
+          <a:p>
+            <a:r>
+              <a:rPr lang="nb-NO" dirty="0"/>
+              <a:t>Gå til Leksjon_3</a:t>
+            </a:r>
+          </a:p>
+        </p:txBody>
+      </p:sp>
+      <p:sp>
+        <p:nvSpPr>
+          <p:cNvPr id="3" name="Title 2">
+            <a:extLst>
+              <a:ext uri="{FF2B5EF4-FFF2-40B4-BE49-F238E27FC236}">
+                <a16:creationId xmlns:a16="http://schemas.microsoft.com/office/drawing/2014/main" id="{B3AE7162-F3B9-413F-9750-80A72DA03927}"/>
+              </a:ext>
+            </a:extLst>
+          </p:cNvPr>
+          <p:cNvSpPr>
+            <a:spLocks noGrp="1"/>
+          </p:cNvSpPr>
+          <p:nvPr>
+            <p:ph type="title"/>
+          </p:nvPr>
+        </p:nvSpPr>
+        <p:spPr/>
+        <p:txBody>
+          <a:bodyPr/>
+          <a:lstStyle/>
+          <a:p>
+            <a:r>
+              <a:rPr lang="nb-NO" dirty="0"/>
+              <a:t>Leksjon 3 : Azure storage</a:t>
+            </a:r>
+          </a:p>
+        </p:txBody>
+      </p:sp>
+    </p:spTree>
+    <p:extLst>
+      <p:ext uri="{BB962C8B-B14F-4D97-AF65-F5344CB8AC3E}">
+        <p14:creationId xmlns:p14="http://schemas.microsoft.com/office/powerpoint/2010/main" val="293191911"/>
+      </p:ext>
+    </p:extLst>
+  </p:cSld>
+  <p:clrMapOvr>
+    <a:masterClrMapping/>
+  </p:clrMapOvr>
+</p:sld>
+</file>
+
+<file path=ppt/slides/slide31.xml><?xml version="1.0" encoding="utf-8"?>
+<p:sld xmlns:a="http://schemas.openxmlformats.org/drawingml/2006/main" xmlns:r="http://schemas.openxmlformats.org/officeDocument/2006/relationships" xmlns:p="http://schemas.openxmlformats.org/presentationml/2006/main">
+  <p:cSld>
+    <p:spTree>
+      <p:nvGrpSpPr>
+        <p:cNvPr id="1" name=""/>
+        <p:cNvGrpSpPr/>
+        <p:nvPr/>
+      </p:nvGrpSpPr>
+      <p:grpSpPr>
+        <a:xfrm>
+          <a:off x="0" y="0"/>
+          <a:ext cx="0" cy="0"/>
+          <a:chOff x="0" y="0"/>
+          <a:chExt cx="0" cy="0"/>
+        </a:xfrm>
+      </p:grpSpPr>
+      <p:sp>
+        <p:nvSpPr>
+          <p:cNvPr id="2" name="Content Placeholder 1">
+            <a:extLst>
+              <a:ext uri="{FF2B5EF4-FFF2-40B4-BE49-F238E27FC236}">
+                <a16:creationId xmlns:a16="http://schemas.microsoft.com/office/drawing/2014/main" id="{1F79401F-EEF2-4234-884F-6B9F884FA979}"/>
+              </a:ext>
+            </a:extLst>
+          </p:cNvPr>
+          <p:cNvSpPr>
+            <a:spLocks noGrp="1"/>
+          </p:cNvSpPr>
+          <p:nvPr>
+            <p:ph idx="1"/>
+          </p:nvPr>
+        </p:nvSpPr>
+        <p:spPr/>
+        <p:txBody>
+          <a:bodyPr/>
+          <a:lstStyle/>
+          <a:p>
+            <a:r>
+              <a:rPr lang="nb-NO" dirty="0"/>
+              <a:t>Tjeneste </a:t>
+            </a:r>
+          </a:p>
+          <a:p>
+            <a:r>
+              <a:rPr lang="nb-NO" dirty="0"/>
+              <a:t>Sikker lagring av </a:t>
+            </a:r>
+            <a:r>
+              <a:rPr lang="nb-NO" dirty="0" err="1"/>
+              <a:t>secrets</a:t>
+            </a:r>
+            <a:r>
+              <a:rPr lang="nb-NO" dirty="0"/>
+              <a:t> (f.eks. passord) og sertifikater i Azure</a:t>
+            </a:r>
+          </a:p>
+          <a:p>
+            <a:endParaRPr lang="nb-NO" dirty="0"/>
+          </a:p>
+          <a:p>
+            <a:endParaRPr lang="nb-NO" dirty="0"/>
+          </a:p>
+          <a:p>
+            <a:endParaRPr lang="nb-NO" dirty="0"/>
+          </a:p>
+          <a:p>
+            <a:endParaRPr lang="nb-NO" dirty="0"/>
+          </a:p>
+          <a:p>
+            <a:endParaRPr lang="nb-NO" dirty="0"/>
+          </a:p>
+          <a:p>
+            <a:r>
+              <a:rPr lang="nb-NO" dirty="0"/>
+              <a:t>Demo</a:t>
+            </a:r>
+          </a:p>
+          <a:p>
+            <a:endParaRPr lang="nb-NO" dirty="0"/>
+          </a:p>
+        </p:txBody>
+      </p:sp>
+      <p:sp>
+        <p:nvSpPr>
+          <p:cNvPr id="3" name="Title 2">
+            <a:extLst>
+              <a:ext uri="{FF2B5EF4-FFF2-40B4-BE49-F238E27FC236}">
+                <a16:creationId xmlns:a16="http://schemas.microsoft.com/office/drawing/2014/main" id="{67F3484C-440F-4FA5-8833-85E89A9F8F08}"/>
+              </a:ext>
+            </a:extLst>
+          </p:cNvPr>
+          <p:cNvSpPr>
+            <a:spLocks noGrp="1"/>
+          </p:cNvSpPr>
+          <p:nvPr>
+            <p:ph type="title"/>
+          </p:nvPr>
+        </p:nvSpPr>
+        <p:spPr>
+          <a:xfrm>
+            <a:off x="1234800" y="199525"/>
+            <a:ext cx="10146506" cy="963024"/>
+          </a:xfrm>
+        </p:spPr>
+        <p:txBody>
+          <a:bodyPr/>
+          <a:lstStyle/>
+          <a:p>
+            <a:r>
+              <a:rPr lang="nb-NO" dirty="0"/>
+              <a:t>Key </a:t>
+            </a:r>
+            <a:r>
+              <a:rPr lang="nb-NO" dirty="0" err="1"/>
+              <a:t>Vault</a:t>
+            </a:r>
+            <a:endParaRPr lang="nb-NO" dirty="0"/>
+          </a:p>
+        </p:txBody>
+      </p:sp>
+    </p:spTree>
+    <p:extLst>
+      <p:ext uri="{BB962C8B-B14F-4D97-AF65-F5344CB8AC3E}">
+        <p14:creationId xmlns:p14="http://schemas.microsoft.com/office/powerpoint/2010/main" val="881317300"/>
+      </p:ext>
+    </p:extLst>
+  </p:cSld>
+  <p:clrMapOvr>
+    <a:masterClrMapping/>
+  </p:clrMapOvr>
+</p:sld>
+</file>
+
+<file path=ppt/slides/slide32.xml><?xml version="1.0" encoding="utf-8"?>
 <p:sld xmlns:a="http://schemas.openxmlformats.org/drawingml/2006/main" xmlns:r="http://schemas.openxmlformats.org/officeDocument/2006/relationships" xmlns:p="http://schemas.openxmlformats.org/presentationml/2006/main">
   <p:cSld>
     <p:spTree>
@@ -21598,8 +22589,12 @@
           <a:lstStyle/>
           <a:p>
             <a:r>
-              <a:rPr lang="nb-NO" dirty="0"/>
+              <a:rPr lang="nb-NO" dirty="0" err="1"/>
               <a:t>Azure</a:t>
+            </a:r>
+            <a:r>
+              <a:rPr lang="nb-NO" dirty="0"/>
+              <a:t> – hva er det egentlig?</a:t>
             </a:r>
           </a:p>
         </p:txBody>
@@ -21703,17 +22698,12 @@
           <a:p>
             <a:r>
               <a:rPr lang="nb-NO" dirty="0"/>
-              <a:t>Nye features</a:t>
-            </a:r>
-          </a:p>
-          <a:p>
-            <a:r>
-              <a:rPr lang="nb-NO" dirty="0"/>
-              <a:t>...</a:t>
-            </a:r>
-          </a:p>
-          <a:p>
-            <a:pPr lvl="1"/>
+              <a:t>Nye </a:t>
+            </a:r>
+            <a:r>
+              <a:rPr lang="nb-NO" dirty="0" err="1"/>
+              <a:t>features</a:t>
+            </a:r>
             <a:endParaRPr lang="nb-NO" dirty="0"/>
           </a:p>
           <a:p>
@@ -23648,6 +24638,15 @@
 </file>
 
 <file path=customXml/item1.xml><?xml version="1.0" encoding="utf-8"?>
+<?mso-contentType ?>
+<FormTemplates xmlns="http://schemas.microsoft.com/sharepoint/v3/contenttype/forms">
+  <Display>DocumentLibraryForm</Display>
+  <Edit>DocumentLibraryForm</Edit>
+  <New>DocumentLibraryForm</New>
+</FormTemplates>
+</file>
+
+<file path=customXml/item2.xml><?xml version="1.0" encoding="utf-8"?>
 <ct:contentTypeSchema xmlns:ct="http://schemas.microsoft.com/office/2006/metadata/contentType" xmlns:ma="http://schemas.microsoft.com/office/2006/metadata/properties/metaAttributes" ct:_="" ma:_="" ma:contentTypeName="Document" ma:contentTypeID="0x0101005D3CE5A03C88D04F8FE0CC8617320B29" ma:contentTypeVersion="2" ma:contentTypeDescription="Create a new document." ma:contentTypeScope="" ma:versionID="23c508fadb5761cd27fdc7efc393bb78">
   <xsd:schema xmlns:xsd="http://www.w3.org/2001/XMLSchema" xmlns:xs="http://www.w3.org/2001/XMLSchema" xmlns:p="http://schemas.microsoft.com/office/2006/metadata/properties" xmlns:ns2="323bcd62-7d27-4513-9df1-9bc20f03554b" targetNamespace="http://schemas.microsoft.com/office/2006/metadata/properties" ma:root="true" ma:fieldsID="4120a6a9df7c81c23a4d646d2ccf1355" ns2:_="">
     <xsd:import namespace="323bcd62-7d27-4513-9df1-9bc20f03554b"/>
@@ -23779,15 +24778,6 @@
 </ct:contentTypeSchema>
 </file>
 
-<file path=customXml/item2.xml><?xml version="1.0" encoding="utf-8"?>
-<?mso-contentType ?>
-<FormTemplates xmlns="http://schemas.microsoft.com/sharepoint/v3/contenttype/forms">
-  <Display>DocumentLibraryForm</Display>
-  <Edit>DocumentLibraryForm</Edit>
-  <New>DocumentLibraryForm</New>
-</FormTemplates>
-</file>
-
 <file path=customXml/item3.xml><?xml version="1.0" encoding="utf-8"?>
 <p:properties xmlns:p="http://schemas.microsoft.com/office/2006/metadata/properties" xmlns:xsi="http://www.w3.org/2001/XMLSchema-instance" xmlns:pc="http://schemas.microsoft.com/office/infopath/2007/PartnerControls">
   <documentManagement/>
@@ -23795,6 +24785,14 @@
 </file>
 
 <file path=customXml/itemProps1.xml><?xml version="1.0" encoding="utf-8"?>
+<ds:datastoreItem xmlns:ds="http://schemas.openxmlformats.org/officeDocument/2006/customXml" ds:itemID="{BB82CC63-55FC-4D22-9ED3-DB88AF6228E1}">
+  <ds:schemaRefs>
+    <ds:schemaRef ds:uri="http://schemas.microsoft.com/sharepoint/v3/contenttype/forms"/>
+  </ds:schemaRefs>
+</ds:datastoreItem>
+</file>
+
+<file path=customXml/itemProps2.xml><?xml version="1.0" encoding="utf-8"?>
 <ds:datastoreItem xmlns:ds="http://schemas.openxmlformats.org/officeDocument/2006/customXml" ds:itemID="{0377EA4A-9170-43AD-A052-6EABC948F73F}">
   <ds:schemaRefs>
     <ds:schemaRef ds:uri="http://schemas.microsoft.com/office/2006/metadata/contentType"/>
@@ -23808,14 +24806,6 @@
     <ds:schemaRef ds:uri="http://purl.org/dc/elements/1.1/"/>
     <ds:schemaRef ds:uri="http://purl.org/dc/terms/"/>
     <ds:schemaRef ds:uri="http://schemas.microsoft.com/internal/obd"/>
-  </ds:schemaRefs>
-</ds:datastoreItem>
-</file>
-
-<file path=customXml/itemProps2.xml><?xml version="1.0" encoding="utf-8"?>
-<ds:datastoreItem xmlns:ds="http://schemas.openxmlformats.org/officeDocument/2006/customXml" ds:itemID="{BB82CC63-55FC-4D22-9ED3-DB88AF6228E1}">
-  <ds:schemaRefs>
-    <ds:schemaRef ds:uri="http://schemas.microsoft.com/sharepoint/v3/contenttype/forms"/>
   </ds:schemaRefs>
 </ds:datastoreItem>
 </file>

--- a/Workshop_1/Presentasjon/Azureskolen-Workshop#1.pptx
+++ b/Workshop_1/Presentasjon/Azureskolen-Workshop#1.pptx
@@ -247,7 +247,7 @@
           <a:p>
             <a:fld id="{54C52192-B826-4AE0-9CD6-BEA9467D12B3}" type="datetimeFigureOut">
               <a:rPr lang="nb-NO" smtClean="0"/>
-              <a:t>19.09.2019</a:t>
+              <a:t>11.02.2020</a:t>
             </a:fld>
             <a:endParaRPr lang="nb-NO"/>
           </a:p>
@@ -412,7 +412,7 @@
           <a:p>
             <a:fld id="{2696BCB2-2760-41B1-A1BE-7886EF110FCB}" type="datetimeFigureOut">
               <a:rPr lang="nb-NO" smtClean="0"/>
-              <a:t>19.09.2019</a:t>
+              <a:t>11.02.2020</a:t>
             </a:fld>
             <a:endParaRPr lang="nb-NO"/>
           </a:p>
@@ -1931,10 +1931,7 @@
           <a:bodyPr/>
           <a:lstStyle/>
           <a:p>
-            <a:r>
-              <a:rPr lang="nb-NO" dirty="0"/>
-              <a:t>Foreløpig agenda - </a:t>
-            </a:r>
+            <a:endParaRPr lang="nb-NO" dirty="0"/>
           </a:p>
         </p:txBody>
       </p:sp>
@@ -21963,91 +21960,6 @@
       </p:grpSpPr>
       <p:sp>
         <p:nvSpPr>
-          <p:cNvPr id="5" name="Content Placeholder 4">
-            <a:extLst>
-              <a:ext uri="{FF2B5EF4-FFF2-40B4-BE49-F238E27FC236}">
-                <a16:creationId xmlns:a16="http://schemas.microsoft.com/office/drawing/2014/main" id="{4955DD50-67FE-4D7E-9392-9BA3C3C1D560}"/>
-              </a:ext>
-            </a:extLst>
-          </p:cNvPr>
-          <p:cNvSpPr>
-            <a:spLocks noGrp="1"/>
-          </p:cNvSpPr>
-          <p:nvPr>
-            <p:ph idx="1"/>
-          </p:nvPr>
-        </p:nvSpPr>
-        <p:spPr/>
-        <p:txBody>
-          <a:bodyPr/>
-          <a:lstStyle/>
-          <a:p>
-            <a:r>
-              <a:rPr lang="nb-NO" b="1" dirty="0"/>
-              <a:t>Workshop #1</a:t>
-            </a:r>
-          </a:p>
-          <a:p>
-            <a:pPr lvl="1"/>
-            <a:r>
-              <a:rPr lang="nb-NO" dirty="0"/>
-              <a:t>Introduksjon Azure</a:t>
-            </a:r>
-          </a:p>
-          <a:p>
-            <a:pPr lvl="1"/>
-            <a:r>
-              <a:rPr lang="nb-NO" dirty="0"/>
-              <a:t>App Service, Azure Storage, Bonus: Key Vault</a:t>
-            </a:r>
-          </a:p>
-          <a:p>
-            <a:r>
-              <a:rPr lang="nb-NO" dirty="0"/>
-              <a:t>Workshop #2</a:t>
-            </a:r>
-          </a:p>
-          <a:p>
-            <a:pPr lvl="1"/>
-            <a:r>
-              <a:rPr lang="nb-NO" dirty="0" err="1"/>
-              <a:t>DevOps</a:t>
-            </a:r>
-            <a:endParaRPr lang="nb-NO" dirty="0"/>
-          </a:p>
-          <a:p>
-            <a:r>
-              <a:rPr lang="nb-NO" dirty="0"/>
-              <a:t>Workshop #3</a:t>
-            </a:r>
-          </a:p>
-          <a:p>
-            <a:pPr lvl="1"/>
-            <a:r>
-              <a:rPr lang="nb-NO" dirty="0"/>
-              <a:t>TBD (Hot tips: Serverless)</a:t>
-            </a:r>
-          </a:p>
-          <a:p>
-            <a:r>
-              <a:rPr lang="nb-NO" dirty="0"/>
-              <a:t>Workshop #4</a:t>
-            </a:r>
-          </a:p>
-          <a:p>
-            <a:pPr lvl="1"/>
-            <a:r>
-              <a:rPr lang="nb-NO" dirty="0"/>
-              <a:t>TBD</a:t>
-            </a:r>
-          </a:p>
-          <a:p>
-            <a:endParaRPr lang="nb-NO" dirty="0"/>
-          </a:p>
-        </p:txBody>
-      </p:sp>
-      <p:sp>
-        <p:nvSpPr>
           <p:cNvPr id="4" name="Title 3">
             <a:extLst>
               <a:ext uri="{FF2B5EF4-FFF2-40B4-BE49-F238E27FC236}">
@@ -22074,6 +21986,222 @@
             <a:r>
               <a:rPr lang="nb-NO" dirty="0"/>
               <a:t> Workshop – Foreløpig plan</a:t>
+            </a:r>
+          </a:p>
+        </p:txBody>
+      </p:sp>
+      <p:sp>
+        <p:nvSpPr>
+          <p:cNvPr id="2" name="Content Placeholder 1">
+            <a:extLst>
+              <a:ext uri="{FF2B5EF4-FFF2-40B4-BE49-F238E27FC236}">
+                <a16:creationId xmlns:a16="http://schemas.microsoft.com/office/drawing/2014/main" id="{49BE38AA-87B0-4838-BE71-9193F9BED242}"/>
+              </a:ext>
+            </a:extLst>
+          </p:cNvPr>
+          <p:cNvSpPr>
+            <a:spLocks noGrp="1"/>
+          </p:cNvSpPr>
+          <p:nvPr>
+            <p:ph idx="1"/>
+          </p:nvPr>
+        </p:nvSpPr>
+        <p:spPr/>
+        <p:txBody>
+          <a:bodyPr/>
+          <a:lstStyle/>
+          <a:p>
+            <a:r>
+              <a:rPr lang="nb-NO" sz="2200" dirty="0"/>
+              <a:t>Workshop #1</a:t>
+            </a:r>
+          </a:p>
+          <a:p>
+            <a:pPr lvl="1"/>
+            <a:r>
+              <a:rPr lang="en-US" sz="1800" dirty="0"/>
+              <a:t>Azure basics</a:t>
+            </a:r>
+          </a:p>
+          <a:p>
+            <a:pPr lvl="1"/>
+            <a:r>
+              <a:rPr lang="en-US" sz="1800" dirty="0"/>
+              <a:t>App Services</a:t>
+            </a:r>
+          </a:p>
+          <a:p>
+            <a:pPr lvl="1"/>
+            <a:r>
+              <a:rPr lang="en-US" sz="1800" dirty="0"/>
+              <a:t>Key Vault</a:t>
+            </a:r>
+          </a:p>
+          <a:p>
+            <a:pPr lvl="1"/>
+            <a:r>
+              <a:rPr lang="en-US" sz="1800" dirty="0"/>
+              <a:t>Storage</a:t>
+            </a:r>
+          </a:p>
+          <a:p>
+            <a:r>
+              <a:rPr lang="nb-NO" sz="2200" dirty="0"/>
+              <a:t>Workshop #2</a:t>
+            </a:r>
+          </a:p>
+          <a:p>
+            <a:pPr lvl="1"/>
+            <a:r>
+              <a:rPr lang="nb-NO" sz="1800" dirty="0" err="1"/>
+              <a:t>Azure</a:t>
+            </a:r>
+            <a:r>
+              <a:rPr lang="nb-NO" sz="1800" dirty="0"/>
+              <a:t> </a:t>
+            </a:r>
+            <a:r>
+              <a:rPr lang="nb-NO" sz="1800" dirty="0" err="1"/>
+              <a:t>DevOps</a:t>
+            </a:r>
+            <a:endParaRPr lang="nb-NO" sz="1800" dirty="0"/>
+          </a:p>
+          <a:p>
+            <a:pPr lvl="2"/>
+            <a:r>
+              <a:rPr lang="nb-NO" dirty="0" err="1"/>
+              <a:t>Continuous</a:t>
+            </a:r>
+            <a:r>
+              <a:rPr lang="nb-NO" dirty="0"/>
+              <a:t> Delivery pipeline</a:t>
+            </a:r>
+          </a:p>
+          <a:p>
+            <a:pPr lvl="1"/>
+            <a:r>
+              <a:rPr lang="nb-NO" sz="1800" dirty="0"/>
+              <a:t>ARM-</a:t>
+            </a:r>
+            <a:r>
+              <a:rPr lang="nb-NO" sz="1800" dirty="0" err="1"/>
+              <a:t>templates</a:t>
+            </a:r>
+            <a:r>
+              <a:rPr lang="nb-NO" sz="1800" dirty="0"/>
+              <a:t> / </a:t>
+            </a:r>
+            <a:r>
+              <a:rPr lang="nb-NO" sz="1800" dirty="0" err="1"/>
+              <a:t>Infrastructure</a:t>
+            </a:r>
+            <a:r>
+              <a:rPr lang="nb-NO" sz="1800" dirty="0"/>
+              <a:t> as Code</a:t>
+            </a:r>
+          </a:p>
+          <a:p>
+            <a:pPr lvl="1"/>
+            <a:r>
+              <a:rPr lang="nb-NO" sz="1800" dirty="0"/>
+              <a:t>Application Insights</a:t>
+            </a:r>
+          </a:p>
+          <a:p>
+            <a:endParaRPr lang="nb-NO" dirty="0"/>
+          </a:p>
+        </p:txBody>
+      </p:sp>
+      <p:sp>
+        <p:nvSpPr>
+          <p:cNvPr id="3" name="Content Placeholder 2">
+            <a:extLst>
+              <a:ext uri="{FF2B5EF4-FFF2-40B4-BE49-F238E27FC236}">
+                <a16:creationId xmlns:a16="http://schemas.microsoft.com/office/drawing/2014/main" id="{174F88C6-B6DB-4212-9E7A-23B4621F093A}"/>
+              </a:ext>
+            </a:extLst>
+          </p:cNvPr>
+          <p:cNvSpPr>
+            <a:spLocks noGrp="1"/>
+          </p:cNvSpPr>
+          <p:nvPr>
+            <p:ph idx="13"/>
+          </p:nvPr>
+        </p:nvSpPr>
+        <p:spPr/>
+        <p:txBody>
+          <a:bodyPr/>
+          <a:lstStyle/>
+          <a:p>
+            <a:r>
+              <a:rPr lang="nb-NO" sz="2200" b="1" dirty="0"/>
+              <a:t>Workshop #3</a:t>
+            </a:r>
+          </a:p>
+          <a:p>
+            <a:pPr lvl="1"/>
+            <a:r>
+              <a:rPr lang="nb-NO" sz="1800" dirty="0"/>
+              <a:t>Introduksjon til </a:t>
+            </a:r>
+            <a:r>
+              <a:rPr lang="nb-NO" sz="1800" dirty="0" err="1"/>
+              <a:t>sikkerthet</a:t>
+            </a:r>
+            <a:r>
+              <a:rPr lang="nb-NO" sz="1800" dirty="0"/>
+              <a:t> i </a:t>
+            </a:r>
+            <a:r>
+              <a:rPr lang="nb-NO" sz="1800" dirty="0" err="1"/>
+              <a:t>Azure</a:t>
+            </a:r>
+            <a:endParaRPr lang="nb-NO" sz="1800" dirty="0"/>
+          </a:p>
+          <a:p>
+            <a:pPr lvl="1"/>
+            <a:r>
+              <a:rPr lang="nb-NO" sz="1800" dirty="0" err="1"/>
+              <a:t>Azure</a:t>
+            </a:r>
+            <a:r>
+              <a:rPr lang="nb-NO" sz="1800" dirty="0"/>
+              <a:t> Active Directory - autentisering.</a:t>
+            </a:r>
+          </a:p>
+          <a:p>
+            <a:pPr lvl="1"/>
+            <a:r>
+              <a:rPr lang="nb-NO" sz="1800" dirty="0"/>
+              <a:t>SAS-tokens i </a:t>
+            </a:r>
+            <a:r>
+              <a:rPr lang="nb-NO" sz="1800" dirty="0" err="1"/>
+              <a:t>Azure</a:t>
+            </a:r>
+            <a:r>
+              <a:rPr lang="nb-NO" sz="1800" dirty="0"/>
+              <a:t> Storage</a:t>
+            </a:r>
+          </a:p>
+          <a:p>
+            <a:pPr lvl="1"/>
+            <a:r>
+              <a:rPr lang="nb-NO" sz="1800" dirty="0"/>
+              <a:t>Introduksjon til infrastruktur-sikkerhet</a:t>
+            </a:r>
+          </a:p>
+          <a:p>
+            <a:r>
+              <a:rPr lang="nb-NO" sz="2200" dirty="0"/>
+              <a:t>Workshop #4</a:t>
+            </a:r>
+          </a:p>
+          <a:p>
+            <a:pPr lvl="1"/>
+            <a:r>
+              <a:rPr lang="nb-NO" sz="1800" dirty="0"/>
+              <a:t>TBD</a:t>
             </a:r>
           </a:p>
         </p:txBody>
@@ -22349,7 +22477,14 @@
           <a:bodyPr/>
           <a:lstStyle/>
           <a:p>
-            <a:endParaRPr lang="nb-NO"/>
+            <a:r>
+              <a:rPr lang="nb-NO" dirty="0"/>
+              <a:t>Gå til </a:t>
+            </a:r>
+            <a:r>
+              <a:rPr lang="nb-NO"/>
+              <a:t>bonus leksjonen</a:t>
+            </a:r>
           </a:p>
         </p:txBody>
       </p:sp>
@@ -22375,17 +22510,14 @@
           <a:lstStyle/>
           <a:p>
             <a:r>
-              <a:rPr lang="nb-NO" dirty="0"/>
-              <a:t>Key </a:t>
+              <a:rPr lang="nb-NO"/>
+              <a:t>Bonus Leksjon: Key </a:t>
             </a:r>
             <a:r>
               <a:rPr lang="nb-NO" dirty="0" err="1"/>
               <a:t>Vault</a:t>
             </a:r>
-            <a:r>
-              <a:rPr lang="nb-NO" dirty="0"/>
-              <a:t> Demo</a:t>
-            </a:r>
+            <a:endParaRPr lang="nb-NO" dirty="0"/>
           </a:p>
         </p:txBody>
       </p:sp>
@@ -22922,7 +23054,7 @@
           <a:p>
             <a:r>
               <a:rPr lang="nb-NO" dirty="0"/>
-              <a:t>West/North Europe – Snart 2 i Norge (øst + vest)</a:t>
+              <a:t>West/North Norway</a:t>
             </a:r>
           </a:p>
         </p:txBody>
@@ -24638,15 +24770,6 @@
 </file>
 
 <file path=customXml/item1.xml><?xml version="1.0" encoding="utf-8"?>
-<?mso-contentType ?>
-<FormTemplates xmlns="http://schemas.microsoft.com/sharepoint/v3/contenttype/forms">
-  <Display>DocumentLibraryForm</Display>
-  <Edit>DocumentLibraryForm</Edit>
-  <New>DocumentLibraryForm</New>
-</FormTemplates>
-</file>
-
-<file path=customXml/item2.xml><?xml version="1.0" encoding="utf-8"?>
 <ct:contentTypeSchema xmlns:ct="http://schemas.microsoft.com/office/2006/metadata/contentType" xmlns:ma="http://schemas.microsoft.com/office/2006/metadata/properties/metaAttributes" ct:_="" ma:_="" ma:contentTypeName="Document" ma:contentTypeID="0x0101005D3CE5A03C88D04F8FE0CC8617320B29" ma:contentTypeVersion="2" ma:contentTypeDescription="Create a new document." ma:contentTypeScope="" ma:versionID="23c508fadb5761cd27fdc7efc393bb78">
   <xsd:schema xmlns:xsd="http://www.w3.org/2001/XMLSchema" xmlns:xs="http://www.w3.org/2001/XMLSchema" xmlns:p="http://schemas.microsoft.com/office/2006/metadata/properties" xmlns:ns2="323bcd62-7d27-4513-9df1-9bc20f03554b" targetNamespace="http://schemas.microsoft.com/office/2006/metadata/properties" ma:root="true" ma:fieldsID="4120a6a9df7c81c23a4d646d2ccf1355" ns2:_="">
     <xsd:import namespace="323bcd62-7d27-4513-9df1-9bc20f03554b"/>
@@ -24778,21 +24901,22 @@
 </ct:contentTypeSchema>
 </file>
 
-<file path=customXml/item3.xml><?xml version="1.0" encoding="utf-8"?>
+<file path=customXml/item2.xml><?xml version="1.0" encoding="utf-8"?>
 <p:properties xmlns:p="http://schemas.microsoft.com/office/2006/metadata/properties" xmlns:xsi="http://www.w3.org/2001/XMLSchema-instance" xmlns:pc="http://schemas.microsoft.com/office/infopath/2007/PartnerControls">
   <documentManagement/>
 </p:properties>
 </file>
 
-<file path=customXml/itemProps1.xml><?xml version="1.0" encoding="utf-8"?>
-<ds:datastoreItem xmlns:ds="http://schemas.openxmlformats.org/officeDocument/2006/customXml" ds:itemID="{BB82CC63-55FC-4D22-9ED3-DB88AF6228E1}">
-  <ds:schemaRefs>
-    <ds:schemaRef ds:uri="http://schemas.microsoft.com/sharepoint/v3/contenttype/forms"/>
-  </ds:schemaRefs>
-</ds:datastoreItem>
+<file path=customXml/item3.xml><?xml version="1.0" encoding="utf-8"?>
+<?mso-contentType ?>
+<FormTemplates xmlns="http://schemas.microsoft.com/sharepoint/v3/contenttype/forms">
+  <Display>DocumentLibraryForm</Display>
+  <Edit>DocumentLibraryForm</Edit>
+  <New>DocumentLibraryForm</New>
+</FormTemplates>
 </file>
 
-<file path=customXml/itemProps2.xml><?xml version="1.0" encoding="utf-8"?>
+<file path=customXml/itemProps1.xml><?xml version="1.0" encoding="utf-8"?>
 <ds:datastoreItem xmlns:ds="http://schemas.openxmlformats.org/officeDocument/2006/customXml" ds:itemID="{0377EA4A-9170-43AD-A052-6EABC948F73F}">
   <ds:schemaRefs>
     <ds:schemaRef ds:uri="http://schemas.microsoft.com/office/2006/metadata/contentType"/>
@@ -24810,7 +24934,7 @@
 </ds:datastoreItem>
 </file>
 
-<file path=customXml/itemProps3.xml><?xml version="1.0" encoding="utf-8"?>
+<file path=customXml/itemProps2.xml><?xml version="1.0" encoding="utf-8"?>
 <ds:datastoreItem xmlns:ds="http://schemas.openxmlformats.org/officeDocument/2006/customXml" ds:itemID="{9D2CB842-18D5-4EEF-9009-B0CAFCE7AC3E}">
   <ds:schemaRefs>
     <ds:schemaRef ds:uri="http://schemas.microsoft.com/office/2006/metadata/properties"/>
@@ -24824,4 +24948,12 @@
     <ds:schemaRef ds:uri="http://www.w3.org/XML/1998/namespace"/>
   </ds:schemaRefs>
 </ds:datastoreItem>
+</file>
+
+<file path=customXml/itemProps3.xml><?xml version="1.0" encoding="utf-8"?>
+<ds:datastoreItem xmlns:ds="http://schemas.openxmlformats.org/officeDocument/2006/customXml" ds:itemID="{BB82CC63-55FC-4D22-9ED3-DB88AF6228E1}">
+  <ds:schemaRefs>
+    <ds:schemaRef ds:uri="http://schemas.microsoft.com/sharepoint/v3/contenttype/forms"/>
+  </ds:schemaRefs>
+</ds:datastoreItem>
 </file>
--- a/Workshop_1/Presentasjon/Azureskolen-Workshop#1.pptx
+++ b/Workshop_1/Presentasjon/Azureskolen-Workshop#1.pptx
@@ -258,7 +258,7 @@
           <a:p>
             <a:fld id="{54C52192-B826-4AE0-9CD6-BEA9467D12B3}" type="datetimeFigureOut">
               <a:rPr lang="nb-NO" smtClean="0"/>
-              <a:t>03.06.2021</a:t>
+              <a:t>11.08.2022</a:t>
             </a:fld>
             <a:endParaRPr lang="nb-NO"/>
           </a:p>
@@ -423,7 +423,7 @@
           <a:p>
             <a:fld id="{2696BCB2-2760-41B1-A1BE-7886EF110FCB}" type="datetimeFigureOut">
               <a:rPr lang="nb-NO" smtClean="0"/>
-              <a:t>03.06.2021</a:t>
+              <a:t>11.08.2022</a:t>
             </a:fld>
             <a:endParaRPr lang="nb-NO"/>
           </a:p>
@@ -1552,47 +1552,47 @@
               <a:defRPr/>
             </a:pPr>
             <a:r>
-              <a:rPr lang="nb-NO"/>
+              <a:rPr lang="nb-NO" dirty="0"/>
               <a:t>Alt dette er egentlig beskrevet i </a:t>
             </a:r>
             <a:r>
-              <a:rPr lang="nb-NO" err="1"/>
+              <a:rPr lang="nb-NO" dirty="0" err="1"/>
               <a:t>SLAen</a:t>
             </a:r>
             <a:r>
-              <a:rPr lang="nb-NO"/>
+              <a:rPr lang="nb-NO" dirty="0"/>
               <a:t>. Dette er i all hovedsak en kontrakt mellom </a:t>
             </a:r>
             <a:r>
-              <a:rPr lang="nb-NO" err="1"/>
+              <a:rPr lang="nb-NO" dirty="0" err="1"/>
               <a:t>Azure</a:t>
             </a:r>
             <a:r>
-              <a:rPr lang="nb-NO"/>
+              <a:rPr lang="nb-NO" dirty="0"/>
               <a:t> og deg som kunde. Hvor </a:t>
             </a:r>
             <a:r>
-              <a:rPr lang="nb-NO" err="1"/>
+              <a:rPr lang="nb-NO" dirty="0" err="1"/>
               <a:t>Azure</a:t>
             </a:r>
             <a:r>
-              <a:rPr lang="nb-NO"/>
+              <a:rPr lang="nb-NO" dirty="0"/>
               <a:t> beskriver alt det de lover ifb. Med tjenesten. Om servicen din har </a:t>
             </a:r>
             <a:r>
-              <a:rPr lang="nb-NO" err="1"/>
+              <a:rPr lang="nb-NO" dirty="0" err="1"/>
               <a:t>retention</a:t>
             </a:r>
             <a:r>
-              <a:rPr lang="nb-NO"/>
+              <a:rPr lang="nb-NO" dirty="0"/>
               <a:t> f.eks. eller hvor lang </a:t>
             </a:r>
             <a:r>
-              <a:rPr lang="nb-NO" err="1"/>
+              <a:rPr lang="nb-NO" dirty="0" err="1"/>
               <a:t>maximum</a:t>
             </a:r>
             <a:r>
-              <a:rPr lang="nb-NO"/>
+              <a:rPr lang="nb-NO" dirty="0"/>
               <a:t> nedetid er. Hva du har krav på. Uten at jeg har nilest disse, så tror jeg også det sikkert står noe om hva du kan bruke deres tjenester til. F.eks. terrorfinansiering, hvitvasking, osv.</a:t>
             </a:r>
           </a:p>
@@ -1614,7 +1614,7 @@
               <a:tabLst/>
               <a:defRPr/>
             </a:pPr>
-            <a:endParaRPr lang="nb-NO"/>
+            <a:endParaRPr lang="nb-NO" dirty="0"/>
           </a:p>
           <a:p>
             <a:pPr marL="0" marR="0" lvl="0" indent="0" algn="l" defTabSz="914400" rtl="0" eaLnBrk="1" fontAlgn="auto" latinLnBrk="0" hangingPunct="1">
@@ -1635,23 +1635,23 @@
               <a:defRPr/>
             </a:pPr>
             <a:r>
-              <a:rPr lang="nb-NO"/>
+              <a:rPr lang="nb-NO" dirty="0"/>
               <a:t>Et eksempel er </a:t>
             </a:r>
             <a:r>
-              <a:rPr lang="nb-NO" err="1"/>
+              <a:rPr lang="nb-NO" dirty="0" err="1"/>
               <a:t>Azure</a:t>
             </a:r>
             <a:r>
-              <a:rPr lang="nb-NO"/>
+              <a:rPr lang="nb-NO" dirty="0"/>
               <a:t> AD og App service. I </a:t>
             </a:r>
             <a:r>
-              <a:rPr lang="nb-NO" err="1"/>
+              <a:rPr lang="nb-NO" dirty="0" err="1"/>
               <a:t>SLAen</a:t>
             </a:r>
             <a:r>
-              <a:rPr lang="nb-NO"/>
+              <a:rPr lang="nb-NO" dirty="0"/>
               <a:t> så lover de 99.9 og 99.95% oppetid på de servicene, dvs. de har lov til å ha 43 og 22min nedetid ila. måneden for hver av de tjenestene. </a:t>
             </a:r>
           </a:p>
@@ -1673,7 +1673,7 @@
               <a:tabLst/>
               <a:defRPr/>
             </a:pPr>
-            <a:endParaRPr lang="nb-NO"/>
+            <a:endParaRPr lang="nb-NO" dirty="0"/>
           </a:p>
           <a:p>
             <a:pPr marL="0" marR="0" lvl="0" indent="0" algn="l" defTabSz="914400" rtl="0" eaLnBrk="1" fontAlgn="auto" latinLnBrk="0" hangingPunct="1">
@@ -1694,21 +1694,21 @@
               <a:defRPr/>
             </a:pPr>
             <a:r>
-              <a:rPr lang="nb-NO"/>
+              <a:rPr lang="nb-NO" dirty="0"/>
               <a:t>Gir kun tilbake </a:t>
             </a:r>
             <a:r>
-              <a:rPr lang="nb-NO" err="1"/>
+              <a:rPr lang="nb-NO" dirty="0" err="1"/>
               <a:t>credits</a:t>
             </a:r>
             <a:r>
-              <a:rPr lang="nb-NO"/>
+              <a:rPr lang="nb-NO" dirty="0"/>
               <a:t> – ikke hva det faktiske tapet har blitt påført.</a:t>
             </a:r>
           </a:p>
           <a:p>
             <a:r>
-              <a:rPr lang="nb-NO"/>
+              <a:rPr lang="nb-NO" dirty="0"/>
               <a:t>Ingen automatikk i at man får tilbake, må be om det.</a:t>
             </a:r>
           </a:p>
@@ -8087,19 +8087,25 @@
               <a:defRPr/>
             </a:pPr>
             <a:r>
-              <a:rPr lang="nb-NO">
+              <a:rPr lang="nb-NO" dirty="0" err="1">
                 <a:cs typeface="Calibri" panose="020F0502020204030204"/>
               </a:rPr>
-              <a:t>Azure har </a:t>
-            </a:r>
-            <a:r>
-              <a:rPr lang="nb-NO" err="1">
+              <a:t>Azure</a:t>
+            </a:r>
+            <a:r>
+              <a:rPr lang="nb-NO" dirty="0">
+                <a:cs typeface="Calibri" panose="020F0502020204030204"/>
+              </a:rPr>
+              <a:t> har </a:t>
+            </a:r>
+            <a:r>
+              <a:rPr lang="nb-NO" dirty="0" err="1">
                 <a:cs typeface="Calibri" panose="020F0502020204030204"/>
               </a:rPr>
               <a:t>datasantre</a:t>
             </a:r>
             <a:r>
-              <a:rPr lang="nb-NO">
+              <a:rPr lang="nb-NO" dirty="0">
                 <a:cs typeface="Calibri" panose="020F0502020204030204"/>
               </a:rPr>
               <a:t> i hele 57 regioner, av disse 57 regionene forholder vi oss for det meste til datasentrene i</a:t>
@@ -8110,7 +8116,7 @@
               <a:defRPr/>
             </a:pPr>
             <a:r>
-              <a:rPr lang="nb-NO">
+              <a:rPr lang="nb-NO" dirty="0">
                 <a:cs typeface="Calibri" panose="020F0502020204030204"/>
               </a:rPr>
               <a:t>- West Europe (Nederland)</a:t>
@@ -8121,7 +8127,7 @@
               <a:defRPr/>
             </a:pPr>
             <a:r>
-              <a:rPr lang="nb-NO">
+              <a:rPr lang="nb-NO" dirty="0">
                 <a:cs typeface="Calibri" panose="020F0502020204030204"/>
               </a:rPr>
               <a:t>- North Europe (Irland)</a:t>
@@ -8131,7 +8137,7 @@
             <a:pPr>
               <a:defRPr/>
             </a:pPr>
-            <a:endParaRPr lang="nb-NO">
+            <a:endParaRPr lang="nb-NO" dirty="0">
               <a:cs typeface="Calibri" panose="020F0502020204030204"/>
             </a:endParaRPr>
           </a:p>
@@ -8140,19 +8146,19 @@
               <a:defRPr/>
             </a:pPr>
             <a:r>
-              <a:rPr lang="nb-NO">
+              <a:rPr lang="nb-NO" dirty="0">
                 <a:cs typeface="Calibri" panose="020F0502020204030204"/>
               </a:rPr>
               <a:t>Men i slutten av 2019 ble det </a:t>
             </a:r>
             <a:r>
-              <a:rPr lang="nb-NO" err="1">
+              <a:rPr lang="nb-NO" dirty="0" err="1">
                 <a:cs typeface="Calibri" panose="020F0502020204030204"/>
               </a:rPr>
               <a:t>driftsatt</a:t>
             </a:r>
             <a:r>
-              <a:rPr lang="nb-NO">
+              <a:rPr lang="nb-NO" dirty="0">
                 <a:cs typeface="Calibri" panose="020F0502020204030204"/>
               </a:rPr>
               <a:t> to datasentre i Norge.</a:t>
@@ -8162,7 +8168,7 @@
             <a:pPr>
               <a:defRPr/>
             </a:pPr>
-            <a:endParaRPr lang="nb-NO">
+            <a:endParaRPr lang="nb-NO" dirty="0">
               <a:cs typeface="Calibri" panose="020F0502020204030204"/>
             </a:endParaRPr>
           </a:p>
@@ -8171,7 +8177,7 @@
               <a:defRPr/>
             </a:pPr>
             <a:r>
-              <a:rPr lang="nb-NO">
+              <a:rPr lang="nb-NO" dirty="0">
                 <a:cs typeface="Calibri" panose="020F0502020204030204"/>
               </a:rPr>
               <a:t>- Norway East som ligger i Oslo</a:t>
@@ -8182,7 +8188,7 @@
               <a:defRPr/>
             </a:pPr>
             <a:r>
-              <a:rPr lang="nb-NO">
+              <a:rPr lang="nb-NO" dirty="0">
                 <a:cs typeface="Calibri" panose="020F0502020204030204"/>
               </a:rPr>
               <a:t>- Norway West som ligger i Stavanger</a:t>
@@ -8192,7 +8198,7 @@
             <a:pPr>
               <a:defRPr/>
             </a:pPr>
-            <a:endParaRPr lang="nb-NO">
+            <a:endParaRPr lang="nb-NO" dirty="0">
               <a:cs typeface="Calibri" panose="020F0502020204030204"/>
             </a:endParaRPr>
           </a:p>
@@ -8201,17 +8207,29 @@
               <a:defRPr/>
             </a:pPr>
             <a:r>
-              <a:rPr lang="nb-NO">
+              <a:rPr lang="nb-NO" dirty="0">
                 <a:cs typeface="Calibri" panose="020F0502020204030204"/>
               </a:rPr>
-              <a:t>Dette setter Azure i en unik posisjon, da de er den eneste av de tre store skyleverandørende som har etablert datasentre i Norge. </a:t>
+              <a:t>Dette setter </a:t>
+            </a:r>
+            <a:r>
+              <a:rPr lang="nb-NO" dirty="0" err="1">
+                <a:cs typeface="Calibri" panose="020F0502020204030204"/>
+              </a:rPr>
+              <a:t>Azure</a:t>
+            </a:r>
+            <a:r>
+              <a:rPr lang="nb-NO" dirty="0">
+                <a:cs typeface="Calibri" panose="020F0502020204030204"/>
+              </a:rPr>
+              <a:t> i en unik posisjon, da de er den eneste av de tre store skyleverandørende som har etablert datasentre i Norge. </a:t>
             </a:r>
           </a:p>
           <a:p>
             <a:pPr>
               <a:defRPr/>
             </a:pPr>
-            <a:endParaRPr lang="nb-NO">
+            <a:endParaRPr lang="nb-NO" dirty="0">
               <a:cs typeface="Calibri" panose="020F0502020204030204"/>
             </a:endParaRPr>
           </a:p>
@@ -8220,10 +8238,18 @@
               <a:defRPr/>
             </a:pPr>
             <a:r>
-              <a:rPr lang="nb-NO"/>
-              <a:t>Noe av grunnen til disse to nye datasentrene er for at Azure skal kunne hjelpe kundene til å oppfylle norske personvernregler.</a:t>
-            </a:r>
-            <a:endParaRPr lang="nb-NO">
+              <a:rPr lang="nb-NO" dirty="0"/>
+              <a:t>Noe av grunnen til disse to nye datasentrene er for at </a:t>
+            </a:r>
+            <a:r>
+              <a:rPr lang="nb-NO" dirty="0" err="1"/>
+              <a:t>Azure</a:t>
+            </a:r>
+            <a:r>
+              <a:rPr lang="nb-NO" dirty="0"/>
+              <a:t> skal kunne hjelpe kundene til å oppfylle norske personvernregler.</a:t>
+            </a:r>
+            <a:endParaRPr lang="nb-NO" dirty="0">
               <a:cs typeface="Calibri" panose="020F0502020204030204"/>
             </a:endParaRPr>
           </a:p>
@@ -8231,7 +8257,7 @@
             <a:pPr>
               <a:defRPr/>
             </a:pPr>
-            <a:endParaRPr lang="nb-NO">
+            <a:endParaRPr lang="nb-NO" dirty="0">
               <a:cs typeface="Calibri" panose="020F0502020204030204"/>
             </a:endParaRPr>
           </a:p>
@@ -8240,17 +8266,29 @@
               <a:defRPr/>
             </a:pPr>
             <a:r>
-              <a:rPr lang="nb-NO">
+              <a:rPr lang="nb-NO" dirty="0">
                 <a:cs typeface="Calibri" panose="020F0502020204030204"/>
               </a:rPr>
-              <a:t>Og det ser ut som at det virker. Norges største bank sa i 2019 at de kom til å migrere mange av sine tjenester til skyen i Azure.</a:t>
+              <a:t>Og det ser ut som at det virker. Norges største bank sa i 2019 at de kom til å migrere mange av sine tjenester til skyen i </a:t>
+            </a:r>
+            <a:r>
+              <a:rPr lang="nb-NO" dirty="0" err="1">
+                <a:cs typeface="Calibri" panose="020F0502020204030204"/>
+              </a:rPr>
+              <a:t>Azure</a:t>
+            </a:r>
+            <a:r>
+              <a:rPr lang="nb-NO" dirty="0">
+                <a:cs typeface="Calibri" panose="020F0502020204030204"/>
+              </a:rPr>
+              <a:t>.</a:t>
             </a:r>
           </a:p>
           <a:p>
             <a:pPr>
               <a:defRPr/>
             </a:pPr>
-            <a:endParaRPr lang="nb-NO">
+            <a:endParaRPr lang="nb-NO" dirty="0">
               <a:cs typeface="Calibri" panose="020F0502020204030204"/>
             </a:endParaRPr>
           </a:p>
@@ -8259,7 +8297,7 @@
               <a:defRPr/>
             </a:pPr>
             <a:r>
-              <a:rPr lang="nb-NO">
+              <a:rPr lang="nb-NO" dirty="0">
                 <a:cs typeface="Calibri" panose="020F0502020204030204"/>
               </a:rPr>
               <a:t>Når man skal velge hvilken region man ønsker å hoste sine tjenester på er det viktig å ha to ting i bakhode</a:t>
@@ -8269,7 +8307,7 @@
             <a:pPr>
               <a:defRPr/>
             </a:pPr>
-            <a:endParaRPr lang="nb-NO">
+            <a:endParaRPr lang="nb-NO" dirty="0">
               <a:cs typeface="Calibri" panose="020F0502020204030204"/>
             </a:endParaRPr>
           </a:p>
@@ -8278,7 +8316,7 @@
               <a:defRPr/>
             </a:pPr>
             <a:r>
-              <a:rPr lang="nb-NO">
+              <a:rPr lang="nb-NO" dirty="0">
                 <a:cs typeface="Calibri" panose="020F0502020204030204"/>
               </a:rPr>
               <a:t>Tilgjengelighet av tjeneste og hastighet.</a:t>
@@ -8288,7 +8326,7 @@
             <a:pPr>
               <a:defRPr/>
             </a:pPr>
-            <a:endParaRPr lang="nb-NO">
+            <a:endParaRPr lang="nb-NO" dirty="0">
               <a:cs typeface="Calibri" panose="020F0502020204030204"/>
             </a:endParaRPr>
           </a:p>
@@ -8297,10 +8335,22 @@
               <a:defRPr/>
             </a:pPr>
             <a:r>
-              <a:rPr lang="nb-NO">
+              <a:rPr lang="nb-NO" dirty="0">
                 <a:cs typeface="Calibri" panose="020F0502020204030204"/>
               </a:rPr>
-              <a:t>Mange av Azure sine tjenester er regionbasert, det vil si at de ikke er tilgjengelig i alle de 57 datasentrene i verden.</a:t>
+              <a:t>Mange av </a:t>
+            </a:r>
+            <a:r>
+              <a:rPr lang="nb-NO" dirty="0" err="1">
+                <a:cs typeface="Calibri" panose="020F0502020204030204"/>
+              </a:rPr>
+              <a:t>Azure</a:t>
+            </a:r>
+            <a:r>
+              <a:rPr lang="nb-NO" dirty="0">
+                <a:cs typeface="Calibri" panose="020F0502020204030204"/>
+              </a:rPr>
+              <a:t> sine tjenester er regionbasert, det vil si at de ikke er tilgjengelig i alle de 57 datasentrene i verden.</a:t>
             </a:r>
           </a:p>
           <a:p>
@@ -8308,7 +8358,7 @@
               <a:defRPr/>
             </a:pPr>
             <a:r>
-              <a:rPr lang="nb-NO">
+              <a:rPr lang="nb-NO" dirty="0">
                 <a:cs typeface="Calibri" panose="020F0502020204030204"/>
               </a:rPr>
               <a:t> </a:t>
@@ -8319,17 +8369,29 @@
               <a:defRPr/>
             </a:pPr>
             <a:r>
-              <a:rPr lang="nb-NO">
+              <a:rPr lang="nb-NO" dirty="0">
                 <a:cs typeface="Calibri" panose="020F0502020204030204"/>
               </a:rPr>
-              <a:t>Spesielt for de to nye datasentrene i Norge,. ikke alle tjenestene som Azure tilbyr er tilgjengelig fra alle datasentrene, så det er viktig å undersøker dette. Samtidig kan man undersøke hast</a:t>
+              <a:t>Spesielt for de to nye datasentrene i Norge,. ikke alle tjenestene som </a:t>
+            </a:r>
+            <a:r>
+              <a:rPr lang="nb-NO" dirty="0" err="1">
+                <a:cs typeface="Calibri" panose="020F0502020204030204"/>
+              </a:rPr>
+              <a:t>Azure</a:t>
+            </a:r>
+            <a:r>
+              <a:rPr lang="nb-NO" dirty="0">
+                <a:cs typeface="Calibri" panose="020F0502020204030204"/>
+              </a:rPr>
+              <a:t> tilbyr er tilgjengelig fra alle datasentrene, så det er viktig å undersøker dette. Samtidig kan man undersøke hast</a:t>
             </a:r>
           </a:p>
           <a:p>
             <a:pPr>
               <a:defRPr/>
             </a:pPr>
-            <a:endParaRPr lang="nb-NO">
+            <a:endParaRPr lang="nb-NO" dirty="0">
               <a:cs typeface="Calibri" panose="020F0502020204030204"/>
             </a:endParaRPr>
           </a:p>
@@ -8337,7 +8399,7 @@
             <a:pPr>
               <a:defRPr/>
             </a:pPr>
-            <a:endParaRPr lang="nb-NO">
+            <a:endParaRPr lang="nb-NO" dirty="0">
               <a:cs typeface="Calibri" panose="020F0502020204030204"/>
             </a:endParaRPr>
           </a:p>
@@ -8347,7 +8409,7 @@
               <a:buChar char="-"/>
               <a:defRPr/>
             </a:pPr>
-            <a:endParaRPr lang="nb-NO"/>
+            <a:endParaRPr lang="nb-NO" dirty="0"/>
           </a:p>
           <a:p>
             <a:pPr marL="171450" marR="0" lvl="0" indent="-171450" algn="l" defTabSz="914400" rtl="0" eaLnBrk="1" fontAlgn="auto" latinLnBrk="0" hangingPunct="1">
@@ -8368,19 +8430,19 @@
               <a:defRPr/>
             </a:pPr>
             <a:r>
-              <a:rPr lang="nb-NO"/>
+              <a:rPr lang="nb-NO" dirty="0"/>
               <a:t>Speedtest: </a:t>
             </a:r>
           </a:p>
           <a:p>
-            <a:endParaRPr lang="nb-NO"/>
-          </a:p>
-          <a:p>
-            <a:endParaRPr lang="nb-NO"/>
-          </a:p>
-          <a:p>
-            <a:r>
-              <a:rPr lang="nb-NO"/>
+            <a:endParaRPr lang="nb-NO" dirty="0"/>
+          </a:p>
+          <a:p>
+            <a:endParaRPr lang="nb-NO" dirty="0"/>
+          </a:p>
+          <a:p>
+            <a:r>
+              <a:rPr lang="nb-NO" dirty="0"/>
               <a:t>Hvorfor har ikke alle regionene alle tjenestene tilgjengelig?</a:t>
             </a:r>
           </a:p>
@@ -23861,14 +23923,14 @@
           </a:ln>
           <a:extLst>
             <a:ext uri="{909E8E84-426E-40dd-AFC4-6F175D3DCCD1}">
-              <a14:hiddenFill xmlns="" xmlns:lc="http://schemas.openxmlformats.org/drawingml/2006/lockedCanvas" xmlns:a14="http://schemas.microsoft.com/office/drawing/2010/main">
+              <a14:hiddenFill xmlns:a14="http://schemas.microsoft.com/office/drawing/2010/main" xmlns:lc="http://schemas.openxmlformats.org/drawingml/2006/lockedCanvas" xmlns="">
                 <a:solidFill>
                   <a:srgbClr val="FFFFFF"/>
                 </a:solidFill>
               </a14:hiddenFill>
             </a:ext>
             <a:ext uri="{91240B29-F687-4f45-9708-019B960494DF}">
-              <a14:hiddenLine xmlns="" xmlns:lc="http://schemas.openxmlformats.org/drawingml/2006/lockedCanvas" xmlns:a14="http://schemas.microsoft.com/office/drawing/2010/main" w="9525">
+              <a14:hiddenLine xmlns:a14="http://schemas.microsoft.com/office/drawing/2010/main" xmlns:lc="http://schemas.openxmlformats.org/drawingml/2006/lockedCanvas" xmlns="" w="9525">
                 <a:solidFill>
                   <a:srgbClr val="000000"/>
                 </a:solidFill>
@@ -24057,14 +24119,14 @@
           </a:ln>
           <a:extLst>
             <a:ext uri="{909E8E84-426E-40dd-AFC4-6F175D3DCCD1}">
-              <a14:hiddenFill xmlns="" xmlns:lc="http://schemas.openxmlformats.org/drawingml/2006/lockedCanvas" xmlns:a14="http://schemas.microsoft.com/office/drawing/2010/main">
+              <a14:hiddenFill xmlns:a14="http://schemas.microsoft.com/office/drawing/2010/main" xmlns:lc="http://schemas.openxmlformats.org/drawingml/2006/lockedCanvas" xmlns="">
                 <a:solidFill>
                   <a:srgbClr val="FFFFFF"/>
                 </a:solidFill>
               </a14:hiddenFill>
             </a:ext>
             <a:ext uri="{91240B29-F687-4f45-9708-019B960494DF}">
-              <a14:hiddenLine xmlns="" xmlns:lc="http://schemas.openxmlformats.org/drawingml/2006/lockedCanvas" xmlns:a14="http://schemas.microsoft.com/office/drawing/2010/main" w="9525">
+              <a14:hiddenLine xmlns:a14="http://schemas.microsoft.com/office/drawing/2010/main" xmlns:lc="http://schemas.openxmlformats.org/drawingml/2006/lockedCanvas" xmlns="" w="9525">
                 <a:solidFill>
                   <a:srgbClr val="000000"/>
                 </a:solidFill>
@@ -24525,14 +24587,14 @@
           </a:ln>
           <a:extLst>
             <a:ext uri="{909E8E84-426E-40dd-AFC4-6F175D3DCCD1}">
-              <a14:hiddenFill xmlns="" xmlns:lc="http://schemas.openxmlformats.org/drawingml/2006/lockedCanvas" xmlns:a14="http://schemas.microsoft.com/office/drawing/2010/main">
+              <a14:hiddenFill xmlns:a14="http://schemas.microsoft.com/office/drawing/2010/main" xmlns:lc="http://schemas.openxmlformats.org/drawingml/2006/lockedCanvas" xmlns="">
                 <a:solidFill>
                   <a:srgbClr val="FFFFFF"/>
                 </a:solidFill>
               </a14:hiddenFill>
             </a:ext>
             <a:ext uri="{91240B29-F687-4f45-9708-019B960494DF}">
-              <a14:hiddenLine xmlns="" xmlns:lc="http://schemas.openxmlformats.org/drawingml/2006/lockedCanvas" xmlns:a14="http://schemas.microsoft.com/office/drawing/2010/main" w="9525">
+              <a14:hiddenLine xmlns:a14="http://schemas.microsoft.com/office/drawing/2010/main" xmlns:lc="http://schemas.openxmlformats.org/drawingml/2006/lockedCanvas" xmlns="" w="9525">
                 <a:solidFill>
                   <a:srgbClr val="000000"/>
                 </a:solidFill>
@@ -25238,14 +25300,14 @@
           </a:ln>
           <a:extLst>
             <a:ext uri="{909E8E84-426E-40dd-AFC4-6F175D3DCCD1}">
-              <a14:hiddenFill xmlns="" xmlns:lc="http://schemas.openxmlformats.org/drawingml/2006/lockedCanvas" xmlns:a14="http://schemas.microsoft.com/office/drawing/2010/main">
+              <a14:hiddenFill xmlns:a14="http://schemas.microsoft.com/office/drawing/2010/main" xmlns:lc="http://schemas.openxmlformats.org/drawingml/2006/lockedCanvas" xmlns="">
                 <a:solidFill>
                   <a:srgbClr val="FFFFFF"/>
                 </a:solidFill>
               </a14:hiddenFill>
             </a:ext>
             <a:ext uri="{91240B29-F687-4f45-9708-019B960494DF}">
-              <a14:hiddenLine xmlns="" xmlns:lc="http://schemas.openxmlformats.org/drawingml/2006/lockedCanvas" xmlns:a14="http://schemas.microsoft.com/office/drawing/2010/main" w="9525">
+              <a14:hiddenLine xmlns:a14="http://schemas.microsoft.com/office/drawing/2010/main" xmlns:lc="http://schemas.openxmlformats.org/drawingml/2006/lockedCanvas" xmlns="" w="9525">
                 <a:solidFill>
                   <a:srgbClr val="000000"/>
                 </a:solidFill>
@@ -25298,14 +25360,14 @@
           </a:ln>
           <a:extLst>
             <a:ext uri="{909E8E84-426E-40dd-AFC4-6F175D3DCCD1}">
-              <a14:hiddenFill xmlns="" xmlns:lc="http://schemas.openxmlformats.org/drawingml/2006/lockedCanvas" xmlns:a14="http://schemas.microsoft.com/office/drawing/2010/main">
+              <a14:hiddenFill xmlns:a14="http://schemas.microsoft.com/office/drawing/2010/main" xmlns:lc="http://schemas.openxmlformats.org/drawingml/2006/lockedCanvas" xmlns="">
                 <a:solidFill>
                   <a:srgbClr val="FFFFFF"/>
                 </a:solidFill>
               </a14:hiddenFill>
             </a:ext>
             <a:ext uri="{91240B29-F687-4f45-9708-019B960494DF}">
-              <a14:hiddenLine xmlns="" xmlns:lc="http://schemas.openxmlformats.org/drawingml/2006/lockedCanvas" xmlns:a14="http://schemas.microsoft.com/office/drawing/2010/main" w="9525">
+              <a14:hiddenLine xmlns:a14="http://schemas.microsoft.com/office/drawing/2010/main" xmlns:lc="http://schemas.openxmlformats.org/drawingml/2006/lockedCanvas" xmlns="" w="9525">
                 <a:solidFill>
                   <a:srgbClr val="000000"/>
                 </a:solidFill>
@@ -25846,16 +25908,16 @@
           <a:lstStyle/>
           <a:p>
             <a:r>
-              <a:rPr lang="nb-NO"/>
+              <a:rPr lang="nb-NO" dirty="0"/>
               <a:t>Gå til Leksjon_2</a:t>
             </a:r>
           </a:p>
           <a:p>
-            <a:endParaRPr lang="nb-NO"/>
-          </a:p>
-          <a:p>
-            <a:r>
-              <a:rPr lang="nb-NO"/>
+            <a:endParaRPr lang="nb-NO" dirty="0"/>
+          </a:p>
+          <a:p>
+            <a:r>
+              <a:rPr lang="nb-NO" dirty="0"/>
               <a:t>For å klone ut koden: </a:t>
             </a:r>
           </a:p>
@@ -25864,8 +25926,24 @@
               <a:buNone/>
             </a:pPr>
             <a:r>
-              <a:rPr lang="nb-NO"/>
-              <a:t>     git clone https://github.com/bouvet/azure-workshops.git</a:t>
+              <a:rPr lang="nb-NO" dirty="0"/>
+              <a:t>     </a:t>
+            </a:r>
+            <a:r>
+              <a:rPr lang="nb-NO" dirty="0" err="1"/>
+              <a:t>git</a:t>
+            </a:r>
+            <a:r>
+              <a:rPr lang="nb-NO" dirty="0"/>
+              <a:t> </a:t>
+            </a:r>
+            <a:r>
+              <a:rPr lang="nb-NO" dirty="0" err="1"/>
+              <a:t>clone</a:t>
+            </a:r>
+            <a:r>
+              <a:rPr lang="nb-NO" dirty="0"/>
+              <a:t> https://github.com/bouvet/azure-workshops.git</a:t>
             </a:r>
           </a:p>
         </p:txBody>
@@ -26987,12 +27065,12 @@
           <a:lstStyle/>
           <a:p>
             <a:r>
-              <a:rPr lang="nb-NO" err="1"/>
+              <a:rPr lang="nb-NO" dirty="0" err="1"/>
               <a:t>Azureskolen</a:t>
             </a:r>
             <a:r>
-              <a:rPr lang="nb-NO"/>
-              <a:t> Workshop – Foreløpig plan</a:t>
+              <a:rPr lang="nb-NO" dirty="0"/>
+              <a:t> Workshop</a:t>
             </a:r>
           </a:p>
         </p:txBody>
@@ -27019,103 +27097,103 @@
           <a:lstStyle/>
           <a:p>
             <a:r>
-              <a:rPr lang="nb-NO" sz="2200"/>
+              <a:rPr lang="nb-NO" sz="2200" dirty="0"/>
               <a:t>Workshop #1</a:t>
             </a:r>
           </a:p>
           <a:p>
             <a:pPr lvl="1"/>
             <a:r>
-              <a:rPr lang="en-US" sz="1800"/>
+              <a:rPr lang="en-US" sz="1800" dirty="0"/>
               <a:t>Azure basics</a:t>
             </a:r>
           </a:p>
           <a:p>
             <a:pPr lvl="1"/>
             <a:r>
-              <a:rPr lang="en-US" sz="1800"/>
+              <a:rPr lang="en-US" sz="1800" dirty="0"/>
               <a:t>App Services</a:t>
             </a:r>
           </a:p>
           <a:p>
             <a:pPr lvl="1"/>
             <a:r>
-              <a:rPr lang="en-US" sz="1800"/>
+              <a:rPr lang="en-US" sz="1800" dirty="0"/>
               <a:t>Key Vault</a:t>
             </a:r>
           </a:p>
           <a:p>
             <a:pPr lvl="1"/>
             <a:r>
-              <a:rPr lang="en-US" sz="1800"/>
+              <a:rPr lang="en-US" sz="1800" dirty="0"/>
               <a:t>Storage</a:t>
             </a:r>
           </a:p>
           <a:p>
             <a:r>
-              <a:rPr lang="nb-NO" sz="2200"/>
+              <a:rPr lang="nb-NO" sz="2200" dirty="0"/>
               <a:t>Workshop #2</a:t>
             </a:r>
           </a:p>
           <a:p>
             <a:pPr lvl="1"/>
             <a:r>
-              <a:rPr lang="nb-NO" sz="1800" err="1"/>
+              <a:rPr lang="nb-NO" sz="1800" dirty="0" err="1"/>
               <a:t>Azure</a:t>
             </a:r>
             <a:r>
-              <a:rPr lang="nb-NO" sz="1800"/>
+              <a:rPr lang="nb-NO" sz="1800" dirty="0"/>
               <a:t> </a:t>
             </a:r>
             <a:r>
-              <a:rPr lang="nb-NO" sz="1800" err="1"/>
+              <a:rPr lang="nb-NO" sz="1800" dirty="0" err="1"/>
               <a:t>DevOps</a:t>
             </a:r>
-            <a:endParaRPr lang="nb-NO" sz="1800"/>
+            <a:endParaRPr lang="nb-NO" sz="1800" dirty="0"/>
           </a:p>
           <a:p>
             <a:pPr lvl="2"/>
             <a:r>
-              <a:rPr lang="nb-NO" err="1"/>
+              <a:rPr lang="nb-NO" dirty="0" err="1"/>
               <a:t>Continuous</a:t>
             </a:r>
             <a:r>
-              <a:rPr lang="nb-NO"/>
+              <a:rPr lang="nb-NO" dirty="0"/>
               <a:t> Delivery pipeline</a:t>
             </a:r>
           </a:p>
           <a:p>
             <a:pPr lvl="1"/>
             <a:r>
-              <a:rPr lang="nb-NO" sz="1800"/>
+              <a:rPr lang="nb-NO" sz="1800" dirty="0"/>
               <a:t>ARM-</a:t>
             </a:r>
             <a:r>
-              <a:rPr lang="nb-NO" sz="1800" err="1"/>
+              <a:rPr lang="nb-NO" sz="1800" dirty="0" err="1"/>
               <a:t>templates</a:t>
             </a:r>
             <a:r>
-              <a:rPr lang="nb-NO" sz="1800"/>
+              <a:rPr lang="nb-NO" sz="1800" dirty="0"/>
               <a:t> / </a:t>
             </a:r>
             <a:r>
-              <a:rPr lang="nb-NO" sz="1800" err="1"/>
+              <a:rPr lang="nb-NO" sz="1800" dirty="0" err="1"/>
               <a:t>Infrastructure</a:t>
             </a:r>
             <a:r>
-              <a:rPr lang="nb-NO" sz="1800"/>
+              <a:rPr lang="nb-NO" sz="1800" dirty="0"/>
               <a:t> as Code</a:t>
             </a:r>
           </a:p>
           <a:p>
             <a:pPr lvl="1"/>
             <a:r>
-              <a:rPr lang="nb-NO" sz="1800"/>
+              <a:rPr lang="nb-NO" sz="1800" dirty="0"/>
               <a:t>Application Insights</a:t>
             </a:r>
           </a:p>
           <a:p>
-            <a:endParaRPr lang="nb-NO"/>
+            <a:endParaRPr lang="nb-NO" dirty="0"/>
           </a:p>
         </p:txBody>
       </p:sp>
@@ -27141,74 +27219,101 @@
           <a:lstStyle/>
           <a:p>
             <a:r>
-              <a:rPr lang="nb-NO" sz="2200" b="1"/>
-              <a:t>Workshop #3</a:t>
+              <a:rPr lang="nb-NO" sz="2200" dirty="0"/>
+              <a:t>Workshop</a:t>
+            </a:r>
+            <a:r>
+              <a:rPr lang="nb-NO" sz="2200" b="1" dirty="0"/>
+              <a:t> #3</a:t>
             </a:r>
           </a:p>
           <a:p>
             <a:pPr lvl="1"/>
             <a:r>
-              <a:rPr lang="nb-NO" sz="1800"/>
-              <a:t>Introduksjon til </a:t>
-            </a:r>
-            <a:r>
-              <a:rPr lang="nb-NO" sz="1800" err="1"/>
-              <a:t>sikkerthet</a:t>
-            </a:r>
-            <a:r>
-              <a:rPr lang="nb-NO" sz="1800"/>
-              <a:t> i </a:t>
-            </a:r>
-            <a:r>
-              <a:rPr lang="nb-NO" sz="1800" err="1"/>
+              <a:rPr lang="nb-NO" sz="1800" dirty="0"/>
+              <a:t>Introduksjon til sikkerhet i </a:t>
+            </a:r>
+            <a:r>
+              <a:rPr lang="nb-NO" sz="1800" dirty="0" err="1"/>
               <a:t>Azure</a:t>
             </a:r>
-            <a:endParaRPr lang="nb-NO" sz="1800"/>
+            <a:endParaRPr lang="nb-NO" sz="1800" dirty="0"/>
           </a:p>
           <a:p>
             <a:pPr lvl="1"/>
             <a:r>
-              <a:rPr lang="nb-NO" sz="1800" err="1"/>
+              <a:rPr lang="nb-NO" sz="1800" dirty="0" err="1"/>
               <a:t>Azure</a:t>
             </a:r>
             <a:r>
-              <a:rPr lang="nb-NO" sz="1800"/>
+              <a:rPr lang="nb-NO" sz="1800" dirty="0"/>
               <a:t> Active Directory - autentisering.</a:t>
             </a:r>
           </a:p>
           <a:p>
             <a:pPr lvl="1"/>
             <a:r>
-              <a:rPr lang="nb-NO" sz="1800"/>
+              <a:rPr lang="nb-NO" sz="1800" dirty="0"/>
               <a:t>SAS-tokens i </a:t>
             </a:r>
             <a:r>
-              <a:rPr lang="nb-NO" sz="1800" err="1"/>
+              <a:rPr lang="nb-NO" sz="1800" dirty="0" err="1"/>
               <a:t>Azure</a:t>
             </a:r>
             <a:r>
-              <a:rPr lang="nb-NO" sz="1800"/>
+              <a:rPr lang="nb-NO" sz="1800" dirty="0"/>
               <a:t> Storage</a:t>
             </a:r>
           </a:p>
           <a:p>
             <a:pPr lvl="1"/>
             <a:r>
-              <a:rPr lang="nb-NO" sz="1800"/>
+              <a:rPr lang="nb-NO" sz="1800" dirty="0"/>
               <a:t>Introduksjon til infrastruktur-sikkerhet</a:t>
             </a:r>
           </a:p>
           <a:p>
             <a:r>
-              <a:rPr lang="nb-NO" sz="2200"/>
+              <a:rPr lang="nb-NO" sz="2200" dirty="0"/>
               <a:t>Workshop #4</a:t>
             </a:r>
           </a:p>
           <a:p>
             <a:pPr lvl="1"/>
             <a:r>
-              <a:rPr lang="nb-NO" sz="1800"/>
-              <a:t>TBD</a:t>
+              <a:rPr lang="nb-NO" sz="1800" dirty="0"/>
+              <a:t>Skyarkitektur</a:t>
+            </a:r>
+          </a:p>
+          <a:p>
+            <a:pPr lvl="1"/>
+            <a:r>
+              <a:rPr lang="nb-NO" sz="1800" dirty="0" err="1"/>
+              <a:t>Serverless</a:t>
+            </a:r>
+            <a:r>
+              <a:rPr lang="nb-NO" sz="1800" dirty="0"/>
+              <a:t> og </a:t>
+            </a:r>
+            <a:r>
+              <a:rPr lang="nb-NO" sz="1800" dirty="0" err="1"/>
+              <a:t>Azure</a:t>
+            </a:r>
+            <a:r>
+              <a:rPr lang="nb-NO" sz="1800" dirty="0"/>
+              <a:t> </a:t>
+            </a:r>
+            <a:r>
+              <a:rPr lang="nb-NO" sz="1800" dirty="0" err="1"/>
+              <a:t>Functions</a:t>
+            </a:r>
+            <a:endParaRPr lang="nb-NO" sz="1800" dirty="0"/>
+          </a:p>
+          <a:p>
+            <a:pPr lvl="2"/>
+            <a:r>
+              <a:rPr lang="nb-NO" sz="1600" dirty="0"/>
+              <a:t>Triggers</a:t>
             </a:r>
           </a:p>
         </p:txBody>
@@ -34636,73 +34741,67 @@
           </a:bodyPr>
           <a:lstStyle/>
           <a:p>
-            <a:endParaRPr lang="nb-NO"/>
-          </a:p>
-          <a:p>
-            <a:r>
-              <a:rPr lang="nb-NO"/>
-              <a:t>Antall regioner: 57</a:t>
-            </a:r>
-            <a:endParaRPr lang="nb-NO">
+            <a:endParaRPr lang="nb-NO" dirty="0"/>
+          </a:p>
+          <a:p>
+            <a:r>
+              <a:rPr lang="nb-NO" dirty="0"/>
+              <a:t>Over 60 regioner, og flere </a:t>
+            </a:r>
+            <a:endParaRPr lang="nb-NO" dirty="0">
               <a:cs typeface="Calibri"/>
             </a:endParaRPr>
           </a:p>
           <a:p>
             <a:r>
-              <a:rPr lang="nb-NO">
+              <a:rPr lang="nb-NO" dirty="0">
                 <a:cs typeface="Calibri"/>
               </a:rPr>
-              <a:t>Oversikt: </a:t>
-            </a:r>
-            <a:r>
-              <a:rPr lang="nb-NO">
+              <a:t>Oversikt: </a:t>
+            </a:r>
+            <a:r>
+              <a:rPr lang="nb-NO" dirty="0">
                 <a:cs typeface="Calibri"/>
-                <a:hlinkClick r:id="rId3">
-                  <a:extLst>
-                    <a:ext uri="{A12FA001-AC4F-418D-AE19-62706E023703}">
-                      <ahyp:hlinkClr xmlns:ahyp="http://schemas.microsoft.com/office/drawing/2018/hyperlinkcolor" val="tx"/>
-                    </a:ext>
-                  </a:extLst>
-                </a:hlinkClick>
-              </a:rPr>
-              <a:t>https</a:t>
-            </a:r>
-            <a:r>
-              <a:rPr lang="nb-NO">
                 <a:hlinkClick r:id="rId3"/>
               </a:rPr>
-              <a:t>://azure.microsoft.com/en/global-infrastructure/regions/</a:t>
-            </a:r>
-            <a:endParaRPr lang="nb-NO"/>
-          </a:p>
-          <a:p>
-            <a:r>
-              <a:rPr lang="nb-NO"/>
+              <a:t>https://azure.microsoft.com/en/global-infrastructure</a:t>
+            </a:r>
+            <a:r>
+              <a:rPr lang="nb-NO" dirty="0">
+                <a:cs typeface="Calibri"/>
+              </a:rPr>
+              <a:t>  </a:t>
+            </a:r>
+            <a:endParaRPr lang="nb-NO" dirty="0"/>
+          </a:p>
+          <a:p>
+            <a:r>
+              <a:rPr lang="nb-NO" dirty="0"/>
               <a:t>Speedtest: </a:t>
             </a:r>
             <a:r>
-              <a:rPr lang="nb-NO">
+              <a:rPr lang="nb-NO" dirty="0">
                 <a:hlinkClick r:id="rId4"/>
               </a:rPr>
               <a:t>http://www.azurespeed.com/</a:t>
             </a:r>
-            <a:endParaRPr lang="nb-NO"/>
-          </a:p>
-          <a:p>
-            <a:r>
-              <a:rPr lang="nb-NO"/>
+            <a:endParaRPr lang="nb-NO" dirty="0"/>
+          </a:p>
+          <a:p>
+            <a:r>
+              <a:rPr lang="nb-NO" dirty="0"/>
               <a:t>West/North Norway</a:t>
             </a:r>
           </a:p>
           <a:p>
             <a:r>
-              <a:rPr lang="nb-NO">
+              <a:rPr lang="nb-NO" dirty="0">
                 <a:cs typeface="Calibri"/>
               </a:rPr>
               <a:t>Tilgjengelige tjenester i Norge: </a:t>
             </a:r>
             <a:r>
-              <a:rPr lang="nb-NO">
+              <a:rPr lang="nb-NO" dirty="0">
                 <a:ea typeface="+mn-lt"/>
                 <a:cs typeface="+mn-lt"/>
                 <a:hlinkClick r:id="rId5"/>
@@ -34711,7 +34810,7 @@
             </a:r>
           </a:p>
           <a:p>
-            <a:endParaRPr lang="nb-NO">
+            <a:endParaRPr lang="nb-NO" dirty="0">
               <a:ea typeface="+mn-lt"/>
               <a:cs typeface="+mn-lt"/>
             </a:endParaRPr>
@@ -36291,18 +36390,18 @@
 </file>
 
 <file path=customXml/item1.xml><?xml version="1.0" encoding="utf-8"?>
+<p:properties xmlns:p="http://schemas.microsoft.com/office/2006/metadata/properties" xmlns:xsi="http://www.w3.org/2001/XMLSchema-instance" xmlns:pc="http://schemas.microsoft.com/office/infopath/2007/PartnerControls">
+  <documentManagement/>
+</p:properties>
+</file>
+
+<file path=customXml/item2.xml><?xml version="1.0" encoding="utf-8"?>
 <?mso-contentType ?>
 <FormTemplates xmlns="http://schemas.microsoft.com/sharepoint/v3/contenttype/forms">
   <Display>DocumentLibraryForm</Display>
   <Edit>DocumentLibraryForm</Edit>
   <New>DocumentLibraryForm</New>
 </FormTemplates>
-</file>
-
-<file path=customXml/item2.xml><?xml version="1.0" encoding="utf-8"?>
-<p:properties xmlns:p="http://schemas.microsoft.com/office/2006/metadata/properties" xmlns:xsi="http://www.w3.org/2001/XMLSchema-instance" xmlns:pc="http://schemas.microsoft.com/office/infopath/2007/PartnerControls">
-  <documentManagement/>
-</p:properties>
 </file>
 
 <file path=customXml/item3.xml><?xml version="1.0" encoding="utf-8"?>
@@ -36515,14 +36614,6 @@
 </file>
 
 <file path=customXml/itemProps1.xml><?xml version="1.0" encoding="utf-8"?>
-<ds:datastoreItem xmlns:ds="http://schemas.openxmlformats.org/officeDocument/2006/customXml" ds:itemID="{BB82CC63-55FC-4D22-9ED3-DB88AF6228E1}">
-  <ds:schemaRefs>
-    <ds:schemaRef ds:uri="http://schemas.microsoft.com/sharepoint/v3/contenttype/forms"/>
-  </ds:schemaRefs>
-</ds:datastoreItem>
-</file>
-
-<file path=customXml/itemProps2.xml><?xml version="1.0" encoding="utf-8"?>
 <ds:datastoreItem xmlns:ds="http://schemas.openxmlformats.org/officeDocument/2006/customXml" ds:itemID="{9D2CB842-18D5-4EEF-9009-B0CAFCE7AC3E}">
   <ds:schemaRefs>
     <ds:schemaRef ds:uri="7ba49632-979e-4ee1-aefd-7896aa63ba9e"/>
@@ -36535,6 +36626,14 @@
     <ds:schemaRef ds:uri="http://schemas.microsoft.com/office/infopath/2007/PartnerControls"/>
     <ds:schemaRef ds:uri="http://schemas.openxmlformats.org/package/2006/metadata/core-properties"/>
     <ds:schemaRef ds:uri="http://www.w3.org/XML/1998/namespace"/>
+  </ds:schemaRefs>
+</ds:datastoreItem>
+</file>
+
+<file path=customXml/itemProps2.xml><?xml version="1.0" encoding="utf-8"?>
+<ds:datastoreItem xmlns:ds="http://schemas.openxmlformats.org/officeDocument/2006/customXml" ds:itemID="{BB82CC63-55FC-4D22-9ED3-DB88AF6228E1}">
+  <ds:schemaRefs>
+    <ds:schemaRef ds:uri="http://schemas.microsoft.com/sharepoint/v3/contenttype/forms"/>
   </ds:schemaRefs>
 </ds:datastoreItem>
 </file>

--- a/Workshop_1/Presentasjon/Azureskolen-Workshop#1.pptx
+++ b/Workshop_1/Presentasjon/Azureskolen-Workshop#1.pptx
@@ -258,7 +258,7 @@
           <a:p>
             <a:fld id="{54C52192-B826-4AE0-9CD6-BEA9467D12B3}" type="datetimeFigureOut">
               <a:rPr lang="nb-NO" smtClean="0"/>
-              <a:t>11.08.2022</a:t>
+              <a:t>02.09.2022</a:t>
             </a:fld>
             <a:endParaRPr lang="nb-NO"/>
           </a:p>
@@ -423,7 +423,7 @@
           <a:p>
             <a:fld id="{2696BCB2-2760-41B1-A1BE-7886EF110FCB}" type="datetimeFigureOut">
               <a:rPr lang="nb-NO" smtClean="0"/>
-              <a:t>11.08.2022</a:t>
+              <a:t>02.09.2022</a:t>
             </a:fld>
             <a:endParaRPr lang="nb-NO"/>
           </a:p>
@@ -820,70 +820,70 @@
           <a:lstStyle/>
           <a:p>
             <a:r>
-              <a:rPr lang="nb-NO"/>
+              <a:rPr lang="nb-NO" dirty="0"/>
               <a:t>Nå har vi snakket en del om Servicer. Også er det kanskje litt vanskelig å </a:t>
             </a:r>
             <a:r>
-              <a:rPr lang="nb-NO" err="1"/>
+              <a:rPr lang="nb-NO" dirty="0" err="1"/>
               <a:t>graspe</a:t>
             </a:r>
             <a:r>
-              <a:rPr lang="nb-NO"/>
+              <a:rPr lang="nb-NO" dirty="0"/>
               <a:t> </a:t>
             </a:r>
             <a:r>
-              <a:rPr lang="nb-NO" err="1"/>
+              <a:rPr lang="nb-NO" dirty="0" err="1"/>
               <a:t>heelt</a:t>
             </a:r>
             <a:r>
-              <a:rPr lang="nb-NO"/>
+              <a:rPr lang="nb-NO" dirty="0"/>
               <a:t> hva det er. </a:t>
             </a:r>
           </a:p>
           <a:p>
             <a:r>
-              <a:rPr lang="nb-NO"/>
+              <a:rPr lang="nb-NO" dirty="0"/>
               <a:t>Så la meg gjøre et lite forsøk, men hvis dere derimot er 100% fortrolig med servicer så skrik ut, så går vi litt raskere frem, evt. Skrik ut om det motsatte så prøver vi å forklare på en annen måte.</a:t>
             </a:r>
           </a:p>
           <a:p>
-            <a:endParaRPr lang="nb-NO"/>
-          </a:p>
-          <a:p>
-            <a:r>
-              <a:rPr lang="nb-NO"/>
+            <a:endParaRPr lang="nb-NO" dirty="0"/>
+          </a:p>
+          <a:p>
+            <a:r>
+              <a:rPr lang="nb-NO" dirty="0"/>
               <a:t>Servicer, eller </a:t>
             </a:r>
             <a:r>
-              <a:rPr lang="nb-NO" err="1"/>
+              <a:rPr lang="nb-NO" dirty="0" err="1"/>
               <a:t>tjenster</a:t>
             </a:r>
             <a:r>
-              <a:rPr lang="nb-NO"/>
+              <a:rPr lang="nb-NO" dirty="0"/>
               <a:t> på norsk, er i all hovedsak deler av applikasjonen din som du slipper å gjøre noe med selv fordi noen andre har gjort det for deg. Bildet her viser et utsnitt av de mange servicene som </a:t>
             </a:r>
             <a:r>
-              <a:rPr lang="nb-NO" err="1"/>
+              <a:rPr lang="nb-NO" dirty="0" err="1"/>
               <a:t>Azure</a:t>
             </a:r>
             <a:r>
-              <a:rPr lang="nb-NO"/>
+              <a:rPr lang="nb-NO" dirty="0"/>
               <a:t> tilbyr innen for disse ulike kategoriene. Hvor mye av din applikasjon, </a:t>
             </a:r>
             <a:r>
-              <a:rPr lang="nb-NO" err="1"/>
+              <a:rPr lang="nb-NO" dirty="0" err="1"/>
               <a:t>azure</a:t>
             </a:r>
             <a:r>
-              <a:rPr lang="nb-NO"/>
+              <a:rPr lang="nb-NO" dirty="0"/>
               <a:t> servicen utgjør avhenger litt av hvilke(n) service du velger. Og her kommer dette med </a:t>
             </a:r>
             <a:r>
-              <a:rPr lang="nb-NO" err="1"/>
+              <a:rPr lang="nb-NO" dirty="0" err="1"/>
               <a:t>Infrastructure</a:t>
             </a:r>
             <a:r>
-              <a:rPr lang="nb-NO"/>
+              <a:rPr lang="nb-NO" dirty="0"/>
               <a:t>, Plattform og Software som en service.</a:t>
             </a:r>
           </a:p>
@@ -1268,60 +1268,54 @@
           <a:bodyPr/>
           <a:lstStyle/>
           <a:p>
-            <a:r>
-              <a:rPr lang="nb-NO"/>
-              <a:t>Når alt kommer til stykket, så</a:t>
-            </a:r>
-          </a:p>
-          <a:p>
-            <a:endParaRPr lang="nb-NO"/>
-          </a:p>
-          <a:p>
-            <a:endParaRPr lang="nb-NO"/>
-          </a:p>
-          <a:p>
-            <a:r>
-              <a:rPr lang="nb-NO"/>
+            <a:endParaRPr lang="nb-NO" dirty="0"/>
+          </a:p>
+          <a:p>
+            <a:endParaRPr lang="nb-NO" dirty="0"/>
+          </a:p>
+          <a:p>
+            <a:r>
+              <a:rPr lang="nb-NO" dirty="0"/>
               <a:t>Man kan også velge å bruke en del gratistjenester ved siden av tjenesten for å forbedre den. </a:t>
             </a:r>
           </a:p>
           <a:p>
             <a:r>
-              <a:rPr lang="nb-NO" err="1"/>
+              <a:rPr lang="nb-NO" dirty="0" err="1"/>
               <a:t>Azure</a:t>
             </a:r>
             <a:r>
-              <a:rPr lang="nb-NO"/>
+              <a:rPr lang="nb-NO" dirty="0"/>
               <a:t> Monitor og </a:t>
             </a:r>
             <a:r>
-              <a:rPr lang="nb-NO" err="1"/>
+              <a:rPr lang="nb-NO" dirty="0" err="1"/>
               <a:t>Azure</a:t>
             </a:r>
             <a:r>
-              <a:rPr lang="nb-NO"/>
+              <a:rPr lang="nb-NO" dirty="0"/>
               <a:t> Advisor er noe av det man kan ta i bruk. Advisor vil gi deg tips til forbedringer og overvåker alle tjenester ved hjelp av AI.</a:t>
             </a:r>
           </a:p>
           <a:p>
             <a:r>
-              <a:rPr lang="nb-NO"/>
+              <a:rPr lang="nb-NO" dirty="0"/>
               <a:t>Monitor gir deg mulighet for </a:t>
             </a:r>
             <a:r>
-              <a:rPr lang="nb-NO" err="1"/>
+              <a:rPr lang="nb-NO" dirty="0" err="1"/>
               <a:t>monitorering</a:t>
             </a:r>
             <a:r>
-              <a:rPr lang="nb-NO"/>
+              <a:rPr lang="nb-NO" dirty="0"/>
               <a:t> av </a:t>
             </a:r>
             <a:r>
-              <a:rPr lang="nb-NO" err="1"/>
+              <a:rPr lang="nb-NO" dirty="0" err="1"/>
               <a:t>Vmer</a:t>
             </a:r>
             <a:r>
-              <a:rPr lang="nb-NO"/>
+              <a:rPr lang="nb-NO" dirty="0"/>
               <a:t>, nettverk og du kan lage spørringer på dataene den</a:t>
             </a:r>
           </a:p>
@@ -2667,12 +2661,18 @@
           <a:lstStyle/>
           <a:p>
             <a:r>
-              <a:rPr lang="nb-NO" err="1"/>
+              <a:rPr lang="nb-NO" dirty="0" err="1"/>
               <a:t>Slots</a:t>
             </a:r>
             <a:r>
-              <a:rPr lang="nb-NO"/>
+              <a:rPr lang="nb-NO" dirty="0"/>
               <a:t> er fint å bruke for eksempel til Production og Staging, så de ligger på samme og kan enkelt og raskt endre fra en til den andre og tilbake igjen</a:t>
+            </a:r>
+          </a:p>
+          <a:p>
+            <a:r>
+              <a:rPr lang="nb-NO" dirty="0"/>
+              <a:t>Bør ikke brukes til å kjøre flere miljøer i samme web app, ingen isolasjon mellom miljøer.</a:t>
             </a:r>
           </a:p>
         </p:txBody>
@@ -2762,16 +2762,8 @@
               <a:buChar char="-"/>
             </a:pPr>
             <a:r>
-              <a:rPr lang="nb-NO"/>
-              <a:t>Web </a:t>
-            </a:r>
-            <a:r>
-              <a:rPr lang="nb-NO" err="1"/>
-              <a:t>Apps</a:t>
-            </a:r>
-            <a:r>
-              <a:rPr lang="nb-NO"/>
-              <a:t> demo:</a:t>
+              <a:rPr lang="nb-NO" dirty="0"/>
+              <a:t>Web Apps demo:</a:t>
             </a:r>
           </a:p>
           <a:p>
@@ -2780,8 +2772,16 @@
               <a:buChar char="-"/>
             </a:pPr>
             <a:r>
-              <a:rPr lang="nb-NO"/>
-              <a:t>Hvis en webapps.</a:t>
+              <a:rPr lang="nb-NO" dirty="0"/>
+              <a:t>Hvis en </a:t>
+            </a:r>
+            <a:r>
+              <a:rPr lang="nb-NO" dirty="0" err="1"/>
+              <a:t>webapps</a:t>
+            </a:r>
+            <a:r>
+              <a:rPr lang="nb-NO" dirty="0"/>
+              <a:t>.</a:t>
             </a:r>
           </a:p>
         </p:txBody>
@@ -3354,121 +3354,145 @@
           <a:lstStyle/>
           <a:p>
             <a:r>
-              <a:rPr lang="nb-NO"/>
+              <a:rPr lang="nb-NO" dirty="0"/>
               <a:t>Ja som </a:t>
             </a:r>
             <a:r>
-              <a:rPr lang="nb-NO" err="1"/>
+              <a:rPr lang="nb-NO" dirty="0" err="1"/>
               <a:t>Sharukh</a:t>
             </a:r>
             <a:r>
-              <a:rPr lang="nb-NO"/>
-              <a:t> nevnte, skal vi i dag snakke litt om en av Azure sine </a:t>
-            </a:r>
-            <a:r>
-              <a:rPr lang="nb-NO" err="1"/>
+              <a:rPr lang="nb-NO" dirty="0"/>
+              <a:t> nevnte, skal vi i dag snakke litt om en av </a:t>
+            </a:r>
+            <a:r>
+              <a:rPr lang="nb-NO" dirty="0" err="1"/>
+              <a:t>Azure</a:t>
+            </a:r>
+            <a:r>
+              <a:rPr lang="nb-NO" dirty="0"/>
+              <a:t> sine </a:t>
+            </a:r>
+            <a:r>
+              <a:rPr lang="nb-NO" dirty="0" err="1"/>
               <a:t>lagringsstjenester</a:t>
             </a:r>
             <a:r>
-              <a:rPr lang="nb-NO"/>
+              <a:rPr lang="nb-NO" dirty="0"/>
               <a:t>. Mer </a:t>
             </a:r>
             <a:r>
-              <a:rPr lang="nb-NO" err="1"/>
+              <a:rPr lang="nb-NO" dirty="0" err="1"/>
               <a:t>nøyaktiv</a:t>
             </a:r>
             <a:r>
-              <a:rPr lang="nb-NO"/>
-              <a:t> Azure Storage </a:t>
-            </a:r>
-            <a:r>
-              <a:rPr lang="nb-NO" err="1"/>
+              <a:rPr lang="nb-NO" dirty="0"/>
+              <a:t> </a:t>
+            </a:r>
+            <a:r>
+              <a:rPr lang="nb-NO" dirty="0" err="1"/>
+              <a:t>Azure</a:t>
+            </a:r>
+            <a:r>
+              <a:rPr lang="nb-NO" dirty="0"/>
+              <a:t> Storage </a:t>
+            </a:r>
+            <a:r>
+              <a:rPr lang="nb-NO" dirty="0" err="1"/>
               <a:t>Account</a:t>
             </a:r>
             <a:r>
-              <a:rPr lang="nb-NO"/>
+              <a:rPr lang="nb-NO" dirty="0"/>
               <a:t>.</a:t>
             </a:r>
           </a:p>
           <a:p>
-            <a:endParaRPr lang="nb-NO"/>
-          </a:p>
-          <a:p>
-            <a:r>
-              <a:rPr lang="nb-NO"/>
+            <a:endParaRPr lang="nb-NO" dirty="0"/>
+          </a:p>
+          <a:p>
+            <a:r>
+              <a:rPr lang="nb-NO" dirty="0"/>
               <a:t>I løpet av </a:t>
             </a:r>
             <a:r>
-              <a:rPr lang="nb-NO" err="1"/>
+              <a:rPr lang="nb-NO" dirty="0" err="1"/>
               <a:t>workshoppen</a:t>
             </a:r>
             <a:r>
-              <a:rPr lang="nb-NO"/>
+              <a:rPr lang="nb-NO" dirty="0"/>
               <a:t> skal samtlige her ha fått satt opp en Storage </a:t>
             </a:r>
             <a:r>
-              <a:rPr lang="nb-NO" err="1"/>
+              <a:rPr lang="nb-NO" dirty="0" err="1"/>
               <a:t>Account</a:t>
             </a:r>
             <a:r>
-              <a:rPr lang="nb-NO"/>
+              <a:rPr lang="nb-NO" dirty="0"/>
               <a:t>, og tatt i bruk </a:t>
             </a:r>
             <a:r>
-              <a:rPr lang="nb-NO" err="1"/>
+              <a:rPr lang="nb-NO" dirty="0" err="1"/>
               <a:t>Blob</a:t>
             </a:r>
             <a:r>
-              <a:rPr lang="nb-NO"/>
+              <a:rPr lang="nb-NO" dirty="0"/>
               <a:t> Storage tjenesten. Denne skal så kodes inn i </a:t>
             </a:r>
             <a:r>
-              <a:rPr lang="nb-NO" err="1"/>
+              <a:rPr lang="nb-NO" dirty="0" err="1"/>
               <a:t>katteopplasteren</a:t>
             </a:r>
             <a:r>
-              <a:rPr lang="nb-NO"/>
-              <a:t> fra forrige workshop, slik at vi får muligheten til å laste opp bilder. Vi skal også ta i bruk av Azure </a:t>
-            </a:r>
-            <a:r>
-              <a:rPr lang="nb-NO" err="1"/>
+              <a:rPr lang="nb-NO" dirty="0"/>
+              <a:t> fra forrige workshop, slik at vi får muligheten til å laste opp bilder. Vi skal også ta i bruk av </a:t>
+            </a:r>
+            <a:r>
+              <a:rPr lang="nb-NO" dirty="0" err="1"/>
+              <a:t>Azure</a:t>
+            </a:r>
+            <a:r>
+              <a:rPr lang="nb-NO" dirty="0"/>
+              <a:t> </a:t>
+            </a:r>
+            <a:r>
+              <a:rPr lang="nb-NO" dirty="0" err="1"/>
               <a:t>Keyvault</a:t>
             </a:r>
             <a:r>
-              <a:rPr lang="nb-NO"/>
+              <a:rPr lang="nb-NO" dirty="0"/>
               <a:t> for å ikke ha noen </a:t>
             </a:r>
             <a:r>
-              <a:rPr lang="nb-NO" err="1"/>
+              <a:rPr lang="nb-NO" dirty="0" err="1"/>
               <a:t>hemmlige</a:t>
             </a:r>
             <a:r>
-              <a:rPr lang="nb-NO"/>
+              <a:rPr lang="nb-NO" dirty="0"/>
               <a:t> nøkler i </a:t>
             </a:r>
             <a:r>
-              <a:rPr lang="nb-NO" err="1"/>
+              <a:rPr lang="nb-NO" dirty="0" err="1"/>
               <a:t>plaintekst</a:t>
             </a:r>
             <a:r>
-              <a:rPr lang="nb-NO"/>
+              <a:rPr lang="nb-NO" dirty="0"/>
               <a:t> i koden vår.</a:t>
             </a:r>
           </a:p>
           <a:p>
-            <a:endParaRPr lang="nb-NO"/>
-          </a:p>
-          <a:p>
-            <a:r>
-              <a:rPr lang="nb-NO"/>
+            <a:endParaRPr lang="nb-NO" dirty="0"/>
+          </a:p>
+          <a:p>
+            <a:r>
+              <a:rPr lang="nb-NO" dirty="0"/>
               <a:t>En Storage </a:t>
             </a:r>
             <a:r>
-              <a:rPr lang="nb-NO" err="1"/>
+              <a:rPr lang="nb-NO" dirty="0" err="1"/>
               <a:t>Account</a:t>
             </a:r>
             <a:r>
-              <a:rPr lang="nb-NO"/>
+              <a:rPr lang="nb-NO" dirty="0"/>
               <a:t> tilbyr </a:t>
             </a:r>
           </a:p>
@@ -3478,15 +3502,15 @@
               <a:buChar char="•"/>
             </a:pPr>
             <a:r>
-              <a:rPr lang="nb-NO"/>
+              <a:rPr lang="nb-NO" dirty="0"/>
               <a:t>Et filsystem i skyen. (</a:t>
             </a:r>
             <a:r>
-              <a:rPr lang="nb-NO" err="1"/>
+              <a:rPr lang="nb-NO" dirty="0" err="1"/>
               <a:t>f.eks</a:t>
             </a:r>
             <a:r>
-              <a:rPr lang="nb-NO"/>
+              <a:rPr lang="nb-NO" dirty="0"/>
               <a:t> en disk du kan koble til over nettet)</a:t>
             </a:r>
           </a:p>
@@ -3496,15 +3520,15 @@
               <a:buChar char="•"/>
             </a:pPr>
             <a:r>
-              <a:rPr lang="nb-NO"/>
+              <a:rPr lang="nb-NO" dirty="0"/>
               <a:t>En </a:t>
             </a:r>
             <a:r>
-              <a:rPr lang="nb-NO" err="1"/>
+              <a:rPr lang="nb-NO" dirty="0" err="1"/>
               <a:t>køtjeneste</a:t>
             </a:r>
             <a:r>
-              <a:rPr lang="nb-NO"/>
+              <a:rPr lang="nb-NO" dirty="0"/>
               <a:t>, (Implementeres ofte inn i eksisterende løsninger for å hindre flaskehalser ved mye trafikk.)</a:t>
             </a:r>
           </a:p>
@@ -3514,15 +3538,15 @@
               <a:buChar char="•"/>
             </a:pPr>
             <a:r>
-              <a:rPr lang="nb-NO"/>
+              <a:rPr lang="nb-NO" dirty="0"/>
               <a:t>En tabell lagring (et sted for å lagre </a:t>
             </a:r>
             <a:r>
-              <a:rPr lang="nb-NO" err="1"/>
+              <a:rPr lang="nb-NO" dirty="0" err="1"/>
               <a:t>semi</a:t>
             </a:r>
             <a:r>
-              <a:rPr lang="nb-NO"/>
+              <a:rPr lang="nb-NO" dirty="0"/>
               <a:t> strukturert data)</a:t>
             </a:r>
           </a:p>
@@ -3532,40 +3556,40 @@
               <a:buChar char="•"/>
             </a:pPr>
             <a:r>
-              <a:rPr lang="nb-NO"/>
+              <a:rPr lang="nb-NO" dirty="0"/>
               <a:t>Og lagring av data objekter (Virtuell katalogstruktur)</a:t>
             </a:r>
           </a:p>
           <a:p>
-            <a:endParaRPr lang="nb-NO"/>
-          </a:p>
-          <a:p>
-            <a:r>
-              <a:rPr lang="nb-NO"/>
+            <a:endParaRPr lang="nb-NO" dirty="0"/>
+          </a:p>
+          <a:p>
+            <a:r>
+              <a:rPr lang="nb-NO" dirty="0"/>
               <a:t>Vi skal gå nærmere inn på disse fire tjenestene som er tilgjengelig fra en Storage </a:t>
             </a:r>
             <a:r>
-              <a:rPr lang="nb-NO" err="1"/>
+              <a:rPr lang="nb-NO" dirty="0" err="1"/>
               <a:t>Account</a:t>
             </a:r>
             <a:r>
-              <a:rPr lang="nb-NO"/>
+              <a:rPr lang="nb-NO" dirty="0"/>
               <a:t>, i løpet av de neste </a:t>
             </a:r>
             <a:r>
-              <a:rPr lang="nb-NO" err="1"/>
+              <a:rPr lang="nb-NO" dirty="0" err="1"/>
               <a:t>slidene</a:t>
             </a:r>
             <a:r>
-              <a:rPr lang="nb-NO"/>
+              <a:rPr lang="nb-NO" dirty="0"/>
               <a:t>.</a:t>
             </a:r>
           </a:p>
           <a:p>
-            <a:endParaRPr lang="nb-NO"/>
-          </a:p>
-          <a:p>
-            <a:endParaRPr lang="nb-NO"/>
+            <a:endParaRPr lang="nb-NO" dirty="0"/>
+          </a:p>
+          <a:p>
+            <a:endParaRPr lang="nb-NO" dirty="0"/>
           </a:p>
           <a:p>
             <a:pPr marL="171450" indent="-171450">
@@ -3573,7 +3597,7 @@
               <a:buChar char="•"/>
             </a:pPr>
             <a:r>
-              <a:rPr lang="nb-NO"/>
+              <a:rPr lang="nb-NO" dirty="0"/>
               <a:t>Tjenesten er holdbar, Microsoft håndterer all maskinvarefeil. </a:t>
             </a:r>
           </a:p>
@@ -3582,7 +3606,7 @@
               <a:buFont typeface="Arial" panose="020B0604020202020204" pitchFamily="34" charset="0"/>
               <a:buChar char="•"/>
             </a:pPr>
-            <a:endParaRPr lang="nb-NO"/>
+            <a:endParaRPr lang="nb-NO" dirty="0"/>
           </a:p>
           <a:p>
             <a:pPr marL="171450" indent="-171450">
@@ -3590,23 +3614,23 @@
               <a:buChar char="•"/>
             </a:pPr>
             <a:r>
-              <a:rPr lang="nb-NO"/>
+              <a:rPr lang="nb-NO" dirty="0"/>
               <a:t>Den er sikker, siden all dataen er kryptert, typ BitLocker </a:t>
             </a:r>
             <a:r>
-              <a:rPr lang="nb-NO" err="1"/>
+              <a:rPr lang="nb-NO" dirty="0" err="1"/>
               <a:t>krpytering</a:t>
             </a:r>
             <a:r>
-              <a:rPr lang="nb-NO"/>
+              <a:rPr lang="nb-NO" dirty="0"/>
               <a:t> på Windows (256-bit AES kryptering). Denne krypteringen er påslått by </a:t>
             </a:r>
             <a:r>
-              <a:rPr lang="nb-NO" err="1"/>
+              <a:rPr lang="nb-NO" dirty="0" err="1"/>
               <a:t>default</a:t>
             </a:r>
             <a:r>
-              <a:rPr lang="nb-NO"/>
+              <a:rPr lang="nb-NO" dirty="0"/>
               <a:t>, og det er ikke mulig å deaktivere denne. </a:t>
             </a:r>
           </a:p>
@@ -3615,7 +3639,7 @@
               <a:buFont typeface="Arial" panose="020B0604020202020204" pitchFamily="34" charset="0"/>
               <a:buChar char="•"/>
             </a:pPr>
-            <a:endParaRPr lang="nb-NO"/>
+            <a:endParaRPr lang="nb-NO" dirty="0"/>
           </a:p>
           <a:p>
             <a:pPr marL="171450" indent="-171450">
@@ -3623,15 +3647,15 @@
               <a:buChar char="•"/>
             </a:pPr>
             <a:r>
-              <a:rPr lang="nb-NO"/>
+              <a:rPr lang="nb-NO" dirty="0"/>
               <a:t>Den er skalerbar siden den kan håndtere opp til </a:t>
             </a:r>
             <a:r>
-              <a:rPr lang="nb-NO" err="1"/>
+              <a:rPr lang="nb-NO" dirty="0" err="1"/>
               <a:t>petabytes</a:t>
             </a:r>
             <a:r>
-              <a:rPr lang="nb-NO"/>
+              <a:rPr lang="nb-NO" dirty="0"/>
               <a:t> av data </a:t>
             </a:r>
           </a:p>
@@ -3640,7 +3664,7 @@
               <a:buFont typeface="Arial" panose="020B0604020202020204" pitchFamily="34" charset="0"/>
               <a:buChar char="•"/>
             </a:pPr>
-            <a:endParaRPr lang="nb-NO"/>
+            <a:endParaRPr lang="nb-NO" dirty="0"/>
           </a:p>
           <a:p>
             <a:pPr marL="171450" indent="-171450">
@@ -3648,15 +3672,15 @@
               <a:buChar char="•"/>
             </a:pPr>
             <a:r>
-              <a:rPr lang="nb-NO"/>
+              <a:rPr lang="nb-NO" dirty="0"/>
               <a:t>Sist men ikke minst så er tjenesten tilgjengelig.  Man har muligheten til å ha en kopi av dataen sin på et datasenter i </a:t>
             </a:r>
             <a:r>
-              <a:rPr lang="nb-NO" err="1"/>
+              <a:rPr lang="nb-NO" dirty="0" err="1"/>
               <a:t>samma</a:t>
             </a:r>
             <a:r>
-              <a:rPr lang="nb-NO"/>
+              <a:rPr lang="nb-NO" dirty="0"/>
               <a:t> region, eller på tvers av regioner osv. Dette er litt avhengig av virksomhetens krav til redundans av dataen.  Når man skal bestemme seg for hvilket redundansalternativ som er best, bør man vurdere avveiningen mellom lavere kostnader og høyere tilgjengelighet. </a:t>
             </a:r>
           </a:p>
@@ -3666,15 +3690,15 @@
               <a:buChar char="•"/>
             </a:pPr>
             <a:r>
-              <a:rPr lang="nb-NO"/>
+              <a:rPr lang="nb-NO" dirty="0"/>
               <a:t>Vi skal ikke gå så mye inn på detalj vedrørende redundans av dataen lagret i Storage </a:t>
             </a:r>
             <a:r>
-              <a:rPr lang="nb-NO" err="1"/>
+              <a:rPr lang="nb-NO" dirty="0" err="1"/>
               <a:t>accounten</a:t>
             </a:r>
             <a:r>
-              <a:rPr lang="nb-NO"/>
+              <a:rPr lang="nb-NO" dirty="0"/>
               <a:t>, men det er verdt å nevne at Microsoft har veldig god informasjon om dette, og hvilke avveiningen man bør ta på deres sider.</a:t>
             </a:r>
           </a:p>
@@ -3683,14 +3707,14 @@
               <a:buFont typeface="Arial" panose="020B0604020202020204" pitchFamily="34" charset="0"/>
               <a:buChar char="•"/>
             </a:pPr>
-            <a:endParaRPr lang="nb-NO"/>
+            <a:endParaRPr lang="nb-NO" dirty="0"/>
           </a:p>
           <a:p>
             <a:pPr marL="171450" indent="-171450">
               <a:buFont typeface="Arial" panose="020B0604020202020204" pitchFamily="34" charset="0"/>
               <a:buChar char="•"/>
             </a:pPr>
-            <a:endParaRPr lang="nb-NO"/>
+            <a:endParaRPr lang="nb-NO" dirty="0"/>
           </a:p>
           <a:p>
             <a:pPr marL="0" indent="0">
@@ -3698,42 +3722,42 @@
               <a:buNone/>
             </a:pPr>
             <a:r>
-              <a:rPr lang="nb-NO"/>
+              <a:rPr lang="nb-NO" dirty="0"/>
               <a:t>Det er en rekke </a:t>
             </a:r>
             <a:r>
-              <a:rPr lang="nb-NO" err="1"/>
+              <a:rPr lang="nb-NO" dirty="0" err="1"/>
               <a:t>API’er</a:t>
             </a:r>
             <a:r>
-              <a:rPr lang="nb-NO"/>
+              <a:rPr lang="nb-NO" dirty="0"/>
               <a:t> og </a:t>
             </a:r>
             <a:r>
-              <a:rPr lang="nb-NO" err="1"/>
+              <a:rPr lang="nb-NO" dirty="0" err="1"/>
               <a:t>SDK’er</a:t>
             </a:r>
             <a:r>
-              <a:rPr lang="nb-NO"/>
+              <a:rPr lang="nb-NO" dirty="0"/>
               <a:t> som gjør det mulig å lett koble til og kommunisere med Storage </a:t>
             </a:r>
             <a:r>
-              <a:rPr lang="nb-NO" err="1"/>
+              <a:rPr lang="nb-NO" dirty="0" err="1"/>
               <a:t>Accounten</a:t>
             </a:r>
             <a:r>
-              <a:rPr lang="nb-NO"/>
+              <a:rPr lang="nb-NO" dirty="0"/>
               <a:t>.</a:t>
             </a:r>
           </a:p>
           <a:p>
-            <a:endParaRPr lang="nb-NO"/>
-          </a:p>
-          <a:p>
-            <a:endParaRPr lang="nb-NO"/>
-          </a:p>
-          <a:p>
-            <a:endParaRPr lang="nb-NO"/>
+            <a:endParaRPr lang="nb-NO" dirty="0"/>
+          </a:p>
+          <a:p>
+            <a:endParaRPr lang="nb-NO" dirty="0"/>
+          </a:p>
+          <a:p>
+            <a:endParaRPr lang="nb-NO" dirty="0"/>
           </a:p>
         </p:txBody>
       </p:sp>
@@ -3818,48 +3842,48 @@
           <a:lstStyle/>
           <a:p>
             <a:r>
-              <a:rPr lang="nb-NO"/>
+              <a:rPr lang="nb-NO" dirty="0"/>
               <a:t>SAS-tokens: Key-</a:t>
             </a:r>
             <a:r>
-              <a:rPr lang="nb-NO" err="1"/>
+              <a:rPr lang="nb-NO" dirty="0" err="1"/>
               <a:t>Valet</a:t>
             </a:r>
             <a:r>
-              <a:rPr lang="nb-NO"/>
+              <a:rPr lang="nb-NO" dirty="0"/>
               <a:t> </a:t>
             </a:r>
             <a:r>
-              <a:rPr lang="nb-NO" err="1"/>
+              <a:rPr lang="nb-NO" dirty="0" err="1"/>
               <a:t>pattern</a:t>
             </a:r>
             <a:r>
-              <a:rPr lang="nb-NO"/>
+              <a:rPr lang="nb-NO" dirty="0"/>
               <a:t>, kan lages </a:t>
             </a:r>
             <a:r>
-              <a:rPr lang="nb-NO" err="1"/>
+              <a:rPr lang="nb-NO" dirty="0" err="1"/>
               <a:t>programatisk</a:t>
             </a:r>
             <a:r>
-              <a:rPr lang="nb-NO"/>
+              <a:rPr lang="nb-NO" dirty="0"/>
               <a:t> i </a:t>
             </a:r>
             <a:r>
-              <a:rPr lang="nb-NO" err="1"/>
+              <a:rPr lang="nb-NO" dirty="0" err="1"/>
               <a:t>APIer</a:t>
             </a:r>
-            <a:endParaRPr lang="nb-NO"/>
-          </a:p>
-          <a:p>
-            <a:endParaRPr lang="nb-NO"/>
-          </a:p>
-          <a:p>
-            <a:endParaRPr lang="nb-NO"/>
-          </a:p>
-          <a:p>
-            <a:r>
-              <a:rPr lang="nb-NO" b="0" i="0">
+            <a:endParaRPr lang="nb-NO" dirty="0"/>
+          </a:p>
+          <a:p>
+            <a:endParaRPr lang="nb-NO" dirty="0"/>
+          </a:p>
+          <a:p>
+            <a:endParaRPr lang="nb-NO" dirty="0"/>
+          </a:p>
+          <a:p>
+            <a:r>
+              <a:rPr lang="nb-NO" b="0" i="0" dirty="0">
                 <a:solidFill>
                   <a:srgbClr val="202124"/>
                 </a:solidFill>
@@ -3869,7 +3893,7 @@
               <a:t> </a:t>
             </a:r>
             <a:r>
-              <a:rPr lang="nb-NO" b="0" i="0" err="1">
+              <a:rPr lang="nb-NO" b="0" i="0" dirty="0" err="1">
                 <a:solidFill>
                   <a:srgbClr val="202124"/>
                 </a:solidFill>
@@ -3879,7 +3903,7 @@
               <a:t>Binary</a:t>
             </a:r>
             <a:r>
-              <a:rPr lang="nb-NO" b="0" i="0">
+              <a:rPr lang="nb-NO" b="0" i="0" dirty="0">
                 <a:solidFill>
                   <a:srgbClr val="202124"/>
                 </a:solidFill>
@@ -3889,7 +3913,7 @@
               <a:t> Large </a:t>
             </a:r>
             <a:r>
-              <a:rPr lang="nb-NO" b="0" i="0" err="1">
+              <a:rPr lang="nb-NO" b="0" i="0" dirty="0" err="1">
                 <a:solidFill>
                   <a:srgbClr val="202124"/>
                 </a:solidFill>
@@ -3899,7 +3923,7 @@
               <a:t>OBject</a:t>
             </a:r>
             <a:r>
-              <a:rPr lang="nb-NO" b="0" i="0">
+              <a:rPr lang="nb-NO" b="0" i="0" dirty="0">
                 <a:solidFill>
                   <a:srgbClr val="202124"/>
                 </a:solidFill>
@@ -3910,7 +3934,7 @@
             </a:r>
           </a:p>
           <a:p>
-            <a:endParaRPr lang="nb-NO" b="0" i="0">
+            <a:endParaRPr lang="nb-NO" b="0" i="0" dirty="0">
               <a:solidFill>
                 <a:srgbClr val="202124"/>
               </a:solidFill>
@@ -3919,11 +3943,11 @@
             </a:endParaRPr>
           </a:p>
           <a:p>
-            <a:endParaRPr lang="nb-NO"/>
-          </a:p>
-          <a:p>
-            <a:r>
-              <a:rPr lang="en-US" b="1" i="0">
+            <a:endParaRPr lang="nb-NO" dirty="0"/>
+          </a:p>
+          <a:p>
+            <a:r>
+              <a:rPr lang="en-US" b="1" i="0" dirty="0">
                 <a:solidFill>
                   <a:srgbClr val="202124"/>
                 </a:solidFill>
@@ -3933,7 +3957,7 @@
               <a:t>Azure Blob storage</a:t>
             </a:r>
             <a:r>
-              <a:rPr lang="en-US" b="0" i="0">
+              <a:rPr lang="en-US" b="0" i="0" dirty="0">
                 <a:solidFill>
                   <a:srgbClr val="202124"/>
                 </a:solidFill>
@@ -3945,7 +3969,7 @@
           </a:p>
           <a:p>
             <a:r>
-              <a:rPr lang="en-US" b="0" i="0" err="1">
+              <a:rPr lang="en-US" b="0" i="0" dirty="0" err="1">
                 <a:solidFill>
                   <a:srgbClr val="202124"/>
                 </a:solidFill>
@@ -3955,7 +3979,7 @@
               <a:t>Veldig</a:t>
             </a:r>
             <a:r>
-              <a:rPr lang="en-US" b="0" i="0">
+              <a:rPr lang="en-US" b="0" i="0" dirty="0">
                 <a:solidFill>
                   <a:srgbClr val="202124"/>
                 </a:solidFill>
@@ -3965,7 +3989,7 @@
               <a:t> </a:t>
             </a:r>
             <a:r>
-              <a:rPr lang="en-US" b="0" i="0" err="1">
+              <a:rPr lang="en-US" b="0" i="0" dirty="0" err="1">
                 <a:solidFill>
                   <a:srgbClr val="202124"/>
                 </a:solidFill>
@@ -3975,7 +3999,7 @@
               <a:t>typisk</a:t>
             </a:r>
             <a:r>
-              <a:rPr lang="en-US" b="0" i="0">
+              <a:rPr lang="en-US" b="0" i="0" dirty="0">
                 <a:solidFill>
                   <a:srgbClr val="202124"/>
                 </a:solidFill>
@@ -3985,7 +4009,7 @@
               <a:t> å </a:t>
             </a:r>
             <a:r>
-              <a:rPr lang="en-US" b="0" i="0" err="1">
+              <a:rPr lang="en-US" b="0" i="0" dirty="0" err="1">
                 <a:solidFill>
                   <a:srgbClr val="202124"/>
                 </a:solidFill>
@@ -3995,27 +4019,67 @@
               <a:t>bruke</a:t>
             </a:r>
             <a:r>
-              <a:rPr lang="en-US" b="0" i="0">
+              <a:rPr lang="en-US" b="0" i="0" dirty="0">
                 <a:solidFill>
                   <a:srgbClr val="202124"/>
                 </a:solidFill>
                 <a:effectLst/>
                 <a:latin typeface="arial" panose="020B0604020202020204" pitchFamily="34" charset="0"/>
               </a:rPr>
-              <a:t> for streaming av video </a:t>
-            </a:r>
-            <a:r>
-              <a:rPr lang="en-US" b="0" i="0" err="1">
+              <a:t> for streaming av video og </a:t>
+            </a:r>
+            <a:r>
+              <a:rPr lang="en-US" b="0" i="0" dirty="0" err="1">
                 <a:solidFill>
                   <a:srgbClr val="202124"/>
                 </a:solidFill>
                 <a:effectLst/>
                 <a:latin typeface="arial" panose="020B0604020202020204" pitchFamily="34" charset="0"/>
               </a:rPr>
-              <a:t>og</a:t>
-            </a:r>
-            <a:r>
-              <a:rPr lang="en-US" b="0" i="0">
+              <a:t>bilder</a:t>
+            </a:r>
+            <a:r>
+              <a:rPr lang="en-US" b="0" i="0" dirty="0">
+                <a:solidFill>
+                  <a:srgbClr val="202124"/>
+                </a:solidFill>
+                <a:effectLst/>
+                <a:latin typeface="arial" panose="020B0604020202020204" pitchFamily="34" charset="0"/>
+              </a:rPr>
+              <a:t>, og </a:t>
+            </a:r>
+            <a:r>
+              <a:rPr lang="en-US" b="0" i="0" dirty="0" err="1">
+                <a:solidFill>
+                  <a:srgbClr val="202124"/>
+                </a:solidFill>
+                <a:effectLst/>
+                <a:latin typeface="arial" panose="020B0604020202020204" pitchFamily="34" charset="0"/>
+              </a:rPr>
+              <a:t>andre</a:t>
+            </a:r>
+            <a:r>
+              <a:rPr lang="en-US" b="0" i="0" dirty="0">
+                <a:solidFill>
+                  <a:srgbClr val="202124"/>
+                </a:solidFill>
+                <a:effectLst/>
+                <a:latin typeface="arial" panose="020B0604020202020204" pitchFamily="34" charset="0"/>
+              </a:rPr>
+              <a:t> type documenter </a:t>
+            </a:r>
+            <a:r>
+              <a:rPr lang="en-US" b="0" i="0" dirty="0" err="1">
+                <a:solidFill>
+                  <a:srgbClr val="202124"/>
+                </a:solidFill>
+                <a:effectLst/>
+                <a:latin typeface="arial" panose="020B0604020202020204" pitchFamily="34" charset="0"/>
+              </a:rPr>
+              <a:t>i</a:t>
+            </a:r>
+            <a:r>
+              <a:rPr lang="en-US" b="0" i="0" dirty="0">
                 <a:solidFill>
                   <a:srgbClr val="202124"/>
                 </a:solidFill>
@@ -4025,37 +4089,17 @@
               <a:t> </a:t>
             </a:r>
             <a:r>
-              <a:rPr lang="en-US" b="0" i="0" err="1">
+              <a:rPr lang="en-US" b="0" i="0" dirty="0" err="1">
                 <a:solidFill>
                   <a:srgbClr val="202124"/>
                 </a:solidFill>
                 <a:effectLst/>
                 <a:latin typeface="arial" panose="020B0604020202020204" pitchFamily="34" charset="0"/>
               </a:rPr>
-              <a:t>bilder</a:t>
-            </a:r>
-            <a:r>
-              <a:rPr lang="en-US" b="0" i="0">
-                <a:solidFill>
-                  <a:srgbClr val="202124"/>
-                </a:solidFill>
-                <a:effectLst/>
-                <a:latin typeface="arial" panose="020B0604020202020204" pitchFamily="34" charset="0"/>
-              </a:rPr>
-              <a:t>, </a:t>
-            </a:r>
-            <a:r>
-              <a:rPr lang="en-US" b="0" i="0" err="1">
-                <a:solidFill>
-                  <a:srgbClr val="202124"/>
-                </a:solidFill>
-                <a:effectLst/>
-                <a:latin typeface="arial" panose="020B0604020202020204" pitchFamily="34" charset="0"/>
-              </a:rPr>
-              <a:t>og</a:t>
-            </a:r>
-            <a:r>
-              <a:rPr lang="en-US" b="0" i="0">
+              <a:t>en</a:t>
+            </a:r>
+            <a:r>
+              <a:rPr lang="en-US" b="0" i="0" dirty="0">
                 <a:solidFill>
                   <a:srgbClr val="202124"/>
                 </a:solidFill>
@@ -4065,37 +4109,17 @@
               <a:t> </a:t>
             </a:r>
             <a:r>
-              <a:rPr lang="en-US" b="0" i="0" err="1">
+              <a:rPr lang="en-US" b="0" i="0" dirty="0" err="1">
                 <a:solidFill>
                   <a:srgbClr val="202124"/>
                 </a:solidFill>
                 <a:effectLst/>
                 <a:latin typeface="arial" panose="020B0604020202020204" pitchFamily="34" charset="0"/>
               </a:rPr>
-              <a:t>andre</a:t>
-            </a:r>
-            <a:r>
-              <a:rPr lang="en-US" b="0" i="0">
-                <a:solidFill>
-                  <a:srgbClr val="202124"/>
-                </a:solidFill>
-                <a:effectLst/>
-                <a:latin typeface="arial" panose="020B0604020202020204" pitchFamily="34" charset="0"/>
-              </a:rPr>
-              <a:t> type documenter </a:t>
-            </a:r>
-            <a:r>
-              <a:rPr lang="en-US" b="0" i="0" err="1">
-                <a:solidFill>
-                  <a:srgbClr val="202124"/>
-                </a:solidFill>
-                <a:effectLst/>
-                <a:latin typeface="arial" panose="020B0604020202020204" pitchFamily="34" charset="0"/>
-              </a:rPr>
-              <a:t>i</a:t>
-            </a:r>
-            <a:r>
-              <a:rPr lang="en-US" b="0" i="0">
+              <a:t>nettside</a:t>
+            </a:r>
+            <a:r>
+              <a:rPr lang="en-US" b="0" i="0" dirty="0">
                 <a:solidFill>
                   <a:srgbClr val="202124"/>
                 </a:solidFill>
@@ -4105,47 +4129,7 @@
               <a:t> </a:t>
             </a:r>
             <a:r>
-              <a:rPr lang="en-US" b="0" i="0" err="1">
-                <a:solidFill>
-                  <a:srgbClr val="202124"/>
-                </a:solidFill>
-                <a:effectLst/>
-                <a:latin typeface="arial" panose="020B0604020202020204" pitchFamily="34" charset="0"/>
-              </a:rPr>
-              <a:t>en</a:t>
-            </a:r>
-            <a:r>
-              <a:rPr lang="en-US" b="0" i="0">
-                <a:solidFill>
-                  <a:srgbClr val="202124"/>
-                </a:solidFill>
-                <a:effectLst/>
-                <a:latin typeface="arial" panose="020B0604020202020204" pitchFamily="34" charset="0"/>
-              </a:rPr>
-              <a:t> </a:t>
-            </a:r>
-            <a:r>
-              <a:rPr lang="en-US" b="0" i="0" err="1">
-                <a:solidFill>
-                  <a:srgbClr val="202124"/>
-                </a:solidFill>
-                <a:effectLst/>
-                <a:latin typeface="arial" panose="020B0604020202020204" pitchFamily="34" charset="0"/>
-              </a:rPr>
-              <a:t>nettside</a:t>
-            </a:r>
-            <a:r>
-              <a:rPr lang="en-US" b="0" i="0">
-                <a:solidFill>
-                  <a:srgbClr val="202124"/>
-                </a:solidFill>
-                <a:effectLst/>
-                <a:latin typeface="arial" panose="020B0604020202020204" pitchFamily="34" charset="0"/>
-              </a:rPr>
-              <a:t> </a:t>
-            </a:r>
-            <a:r>
-              <a:rPr lang="en-US" b="0" i="0" err="1">
+              <a:rPr lang="en-US" b="0" i="0" dirty="0" err="1">
                 <a:solidFill>
                   <a:srgbClr val="202124"/>
                 </a:solidFill>
@@ -4155,7 +4139,7 @@
               <a:t>f.eks</a:t>
             </a:r>
             <a:r>
-              <a:rPr lang="en-US" b="0" i="0">
+              <a:rPr lang="en-US" b="0" i="0" dirty="0">
                 <a:solidFill>
                   <a:srgbClr val="202124"/>
                 </a:solidFill>
@@ -4166,7 +4150,7 @@
             </a:r>
           </a:p>
           <a:p>
-            <a:endParaRPr lang="en-US" b="0" i="0">
+            <a:endParaRPr lang="en-US" b="0" i="0" dirty="0">
               <a:solidFill>
                 <a:srgbClr val="202124"/>
               </a:solidFill>
@@ -4193,15 +4177,15 @@
               <a:defRPr/>
             </a:pPr>
             <a:r>
-              <a:rPr lang="nb-NO"/>
+              <a:rPr lang="nb-NO" dirty="0"/>
               <a:t>Virtuell katalogstruktur. Dvs. sånn som mappestrukturen på </a:t>
             </a:r>
             <a:r>
-              <a:rPr lang="nb-NO" err="1"/>
+              <a:rPr lang="nb-NO" dirty="0" err="1"/>
               <a:t>pcen</a:t>
             </a:r>
             <a:r>
-              <a:rPr lang="nb-NO"/>
+              <a:rPr lang="nb-NO" dirty="0"/>
               <a:t>.</a:t>
             </a:r>
           </a:p>
@@ -4223,18 +4207,18 @@
               <a:tabLst/>
               <a:defRPr/>
             </a:pPr>
-            <a:endParaRPr lang="nb-NO"/>
+            <a:endParaRPr lang="nb-NO" dirty="0"/>
           </a:p>
           <a:p>
             <a:pPr algn="l"/>
             <a:r>
-              <a:rPr lang="nb-NO"/>
+              <a:rPr lang="nb-NO" dirty="0"/>
               <a:t>Den har støtte for SAS tokens </a:t>
             </a:r>
           </a:p>
           <a:p>
             <a:pPr algn="l"/>
-            <a:endParaRPr lang="nb-NO" b="0" i="0">
+            <a:endParaRPr lang="nb-NO" b="0" i="0" dirty="0">
               <a:solidFill>
                 <a:srgbClr val="171717"/>
               </a:solidFill>
@@ -4244,7 +4228,7 @@
           </a:p>
           <a:p>
             <a:pPr algn="l"/>
-            <a:endParaRPr lang="nb-NO" b="0" i="0">
+            <a:endParaRPr lang="nb-NO" b="0" i="0" dirty="0">
               <a:solidFill>
                 <a:srgbClr val="171717"/>
               </a:solidFill>
@@ -4255,7 +4239,7 @@
           <a:p>
             <a:pPr algn="l"/>
             <a:r>
-              <a:rPr lang="en-US" b="0" i="0">
+              <a:rPr lang="en-US" b="0" i="0" dirty="0">
                 <a:solidFill>
                   <a:srgbClr val="171717"/>
                 </a:solidFill>
@@ -4271,7 +4255,7 @@
               <a:buChar char="•"/>
             </a:pPr>
             <a:r>
-              <a:rPr lang="en-US" b="0" i="0">
+              <a:rPr lang="en-US" b="0" i="0" dirty="0">
                 <a:solidFill>
                   <a:srgbClr val="171717"/>
                 </a:solidFill>
@@ -4287,7 +4271,7 @@
               <a:buChar char="•"/>
             </a:pPr>
             <a:r>
-              <a:rPr lang="en-US" b="0" i="0">
+              <a:rPr lang="en-US" b="0" i="0" dirty="0">
                 <a:solidFill>
                   <a:srgbClr val="171717"/>
                 </a:solidFill>
@@ -4303,7 +4287,7 @@
               <a:buChar char="•"/>
             </a:pPr>
             <a:r>
-              <a:rPr lang="en-US" b="0" i="0">
+              <a:rPr lang="en-US" b="0" i="0" dirty="0">
                 <a:solidFill>
                   <a:srgbClr val="171717"/>
                 </a:solidFill>
@@ -4331,7 +4315,7 @@
               <a:tabLst/>
               <a:defRPr/>
             </a:pPr>
-            <a:endParaRPr lang="nb-NO"/>
+            <a:endParaRPr lang="nb-NO" dirty="0"/>
           </a:p>
           <a:p>
             <a:pPr marL="0" marR="0" lvl="0" indent="0" algn="l" defTabSz="914400" rtl="0" eaLnBrk="1" fontAlgn="auto" latinLnBrk="0" hangingPunct="1">
@@ -4351,12 +4335,12 @@
               <a:tabLst/>
               <a:defRPr/>
             </a:pPr>
-            <a:endParaRPr lang="nb-NO"/>
+            <a:endParaRPr lang="nb-NO" dirty="0"/>
           </a:p>
           <a:p>
             <a:pPr algn="l"/>
             <a:r>
-              <a:rPr lang="en-US" b="0" i="0">
+              <a:rPr lang="en-US" b="0" i="0" dirty="0">
                 <a:solidFill>
                   <a:srgbClr val="171717"/>
                 </a:solidFill>
@@ -4372,7 +4356,7 @@
               <a:buChar char="•"/>
             </a:pPr>
             <a:r>
-              <a:rPr lang="en-US" b="1" i="0">
+              <a:rPr lang="en-US" b="1" i="0" dirty="0">
                 <a:solidFill>
                   <a:srgbClr val="171717"/>
                 </a:solidFill>
@@ -4382,7 +4366,7 @@
               <a:t>Block blobs</a:t>
             </a:r>
             <a:r>
-              <a:rPr lang="en-US" b="0" i="0">
+              <a:rPr lang="en-US" b="0" i="0" dirty="0">
                 <a:solidFill>
                   <a:srgbClr val="171717"/>
                 </a:solidFill>
@@ -4398,7 +4382,7 @@
               <a:buChar char="•"/>
             </a:pPr>
             <a:r>
-              <a:rPr lang="en-US" b="1" i="0">
+              <a:rPr lang="en-US" b="1" i="0" dirty="0">
                 <a:solidFill>
                   <a:srgbClr val="171717"/>
                 </a:solidFill>
@@ -4408,7 +4392,7 @@
               <a:t>Append blobs</a:t>
             </a:r>
             <a:r>
-              <a:rPr lang="en-US" b="0" i="0">
+              <a:rPr lang="en-US" b="0" i="0" dirty="0">
                 <a:solidFill>
                   <a:srgbClr val="171717"/>
                 </a:solidFill>
@@ -4424,7 +4408,7 @@
               <a:buChar char="•"/>
             </a:pPr>
             <a:r>
-              <a:rPr lang="en-US" b="1" i="0">
+              <a:rPr lang="en-US" b="1" i="0" dirty="0">
                 <a:solidFill>
                   <a:srgbClr val="171717"/>
                 </a:solidFill>
@@ -4434,7 +4418,7 @@
               <a:t>Page blobs</a:t>
             </a:r>
             <a:r>
-              <a:rPr lang="en-US" b="0" i="0">
+              <a:rPr lang="en-US" b="0" i="0" dirty="0">
                 <a:solidFill>
                   <a:srgbClr val="171717"/>
                 </a:solidFill>
@@ -4462,7 +4446,7 @@
               <a:tabLst/>
               <a:defRPr/>
             </a:pPr>
-            <a:endParaRPr lang="nb-NO"/>
+            <a:endParaRPr lang="nb-NO" dirty="0"/>
           </a:p>
           <a:p>
             <a:pPr marL="0" marR="0" lvl="0" indent="0" algn="l" defTabSz="914400" rtl="0" eaLnBrk="1" fontAlgn="auto" latinLnBrk="0" hangingPunct="1">
@@ -4482,7 +4466,7 @@
               <a:tabLst/>
               <a:defRPr/>
             </a:pPr>
-            <a:endParaRPr lang="nb-NO"/>
+            <a:endParaRPr lang="nb-NO" dirty="0"/>
           </a:p>
           <a:p>
             <a:pPr marL="0" marR="0" lvl="0" indent="0" algn="l" defTabSz="914400" rtl="0" eaLnBrk="1" fontAlgn="auto" latinLnBrk="0" hangingPunct="1">
@@ -4502,7 +4486,7 @@
               <a:tabLst/>
               <a:defRPr/>
             </a:pPr>
-            <a:endParaRPr lang="nb-NO"/>
+            <a:endParaRPr lang="nb-NO" dirty="0"/>
           </a:p>
         </p:txBody>
       </p:sp>
@@ -5482,320 +5466,304 @@
           <a:bodyPr/>
           <a:lstStyle/>
           <a:p>
-            <a:endParaRPr lang="en-US"/>
-          </a:p>
-          <a:p>
-            <a:r>
-              <a:rPr lang="en-US"/>
+            <a:endParaRPr lang="en-US" dirty="0"/>
+          </a:p>
+          <a:p>
+            <a:r>
+              <a:rPr lang="en-US" dirty="0"/>
               <a:t>Om du </a:t>
             </a:r>
             <a:r>
-              <a:rPr lang="en-US" err="1"/>
+              <a:rPr lang="en-US" dirty="0" err="1"/>
               <a:t>utvikler</a:t>
             </a:r>
             <a:r>
-              <a:rPr lang="en-US"/>
+              <a:rPr lang="en-US" dirty="0"/>
               <a:t> </a:t>
             </a:r>
             <a:r>
-              <a:rPr lang="en-US" err="1"/>
+              <a:rPr lang="en-US" dirty="0" err="1"/>
               <a:t>en</a:t>
             </a:r>
             <a:r>
-              <a:rPr lang="en-US"/>
+              <a:rPr lang="en-US" dirty="0"/>
               <a:t> </a:t>
             </a:r>
             <a:r>
-              <a:rPr lang="en-US" err="1"/>
+              <a:rPr lang="en-US" dirty="0" err="1"/>
               <a:t>applikasjon</a:t>
             </a:r>
             <a:r>
-              <a:rPr lang="en-US"/>
+              <a:rPr lang="en-US" dirty="0"/>
+              <a:t> og </a:t>
+            </a:r>
+            <a:r>
+              <a:rPr lang="en-US" dirty="0" err="1"/>
+              <a:t>trenger</a:t>
+            </a:r>
+            <a:r>
+              <a:rPr lang="en-US" dirty="0"/>
+              <a:t> å </a:t>
+            </a:r>
+            <a:r>
+              <a:rPr lang="en-US" dirty="0" err="1"/>
+              <a:t>håndtere</a:t>
+            </a:r>
+            <a:r>
+              <a:rPr lang="en-US" dirty="0"/>
               <a:t> </a:t>
             </a:r>
             <a:r>
-              <a:rPr lang="en-US" err="1"/>
-              <a:t>og</a:t>
-            </a:r>
-            <a:r>
-              <a:rPr lang="en-US"/>
+              <a:rPr lang="en-US" dirty="0" err="1"/>
+              <a:t>applikasjons-hemmeligheter</a:t>
+            </a:r>
+            <a:r>
+              <a:rPr lang="en-US" dirty="0"/>
               <a:t> </a:t>
             </a:r>
             <a:r>
-              <a:rPr lang="en-US" err="1"/>
-              <a:t>trenger</a:t>
-            </a:r>
-            <a:r>
-              <a:rPr lang="en-US"/>
+              <a:rPr lang="en-US" dirty="0" err="1"/>
+              <a:t>eller</a:t>
+            </a:r>
+            <a:r>
+              <a:rPr lang="en-US" dirty="0"/>
+              <a:t> </a:t>
+            </a:r>
+            <a:r>
+              <a:rPr lang="en-US" dirty="0" err="1"/>
+              <a:t>håndterer</a:t>
+            </a:r>
+            <a:r>
+              <a:rPr lang="en-US" dirty="0"/>
+              <a:t> </a:t>
+            </a:r>
+            <a:r>
+              <a:rPr lang="en-US" dirty="0" err="1"/>
+              <a:t>infrastruktur</a:t>
+            </a:r>
+            <a:r>
+              <a:rPr lang="en-US" dirty="0"/>
+              <a:t> og </a:t>
+            </a:r>
+            <a:r>
+              <a:rPr lang="en-US" dirty="0" err="1"/>
+              <a:t>har</a:t>
+            </a:r>
+            <a:r>
+              <a:rPr lang="en-US" dirty="0"/>
+              <a:t> </a:t>
+            </a:r>
+            <a:r>
+              <a:rPr lang="en-US" dirty="0" err="1"/>
+              <a:t>behover</a:t>
+            </a:r>
+            <a:r>
+              <a:rPr lang="en-US" dirty="0"/>
+              <a:t> for å </a:t>
+            </a:r>
+            <a:r>
+              <a:rPr lang="en-US" dirty="0" err="1"/>
+              <a:t>holde</a:t>
+            </a:r>
+            <a:r>
+              <a:rPr lang="en-US" dirty="0"/>
+              <a:t> </a:t>
+            </a:r>
+            <a:r>
+              <a:rPr lang="en-US" dirty="0" err="1"/>
+              <a:t>krypteringsnøkler</a:t>
+            </a:r>
+            <a:r>
+              <a:rPr lang="en-US" dirty="0"/>
+              <a:t> </a:t>
+            </a:r>
+            <a:r>
+              <a:rPr lang="en-US" dirty="0" err="1"/>
+              <a:t>hemmelig</a:t>
+            </a:r>
+            <a:r>
+              <a:rPr lang="en-US" dirty="0"/>
+              <a:t>, er Azure Key vault </a:t>
+            </a:r>
+            <a:r>
+              <a:rPr lang="en-US" dirty="0" err="1"/>
+              <a:t>en</a:t>
+            </a:r>
+            <a:r>
+              <a:rPr lang="en-US" dirty="0"/>
+              <a:t> god </a:t>
+            </a:r>
+            <a:r>
+              <a:rPr lang="en-US" dirty="0" err="1"/>
+              <a:t>løsning</a:t>
+            </a:r>
+            <a:r>
+              <a:rPr lang="en-US" dirty="0"/>
+              <a:t> for </a:t>
+            </a:r>
+            <a:r>
+              <a:rPr lang="en-US" dirty="0" err="1"/>
+              <a:t>dette</a:t>
+            </a:r>
+            <a:r>
+              <a:rPr lang="en-US" dirty="0"/>
+              <a:t>.</a:t>
+            </a:r>
+          </a:p>
+          <a:p>
+            <a:endParaRPr lang="en-US" dirty="0"/>
+          </a:p>
+          <a:p>
+            <a:endParaRPr lang="en-US" dirty="0"/>
+          </a:p>
+          <a:p>
+            <a:r>
+              <a:rPr lang="en-US" dirty="0" err="1"/>
+              <a:t>Hensikten</a:t>
+            </a:r>
+            <a:r>
+              <a:rPr lang="en-US" dirty="0"/>
+              <a:t> med </a:t>
+            </a:r>
+            <a:r>
+              <a:rPr lang="en-US" dirty="0" err="1"/>
+              <a:t>en</a:t>
+            </a:r>
+            <a:r>
+              <a:rPr lang="en-US" dirty="0"/>
+              <a:t> Azure Key vault er for å </a:t>
+            </a:r>
+            <a:r>
+              <a:rPr lang="en-US" dirty="0" err="1"/>
+              <a:t>hjelpe</a:t>
+            </a:r>
+            <a:r>
+              <a:rPr lang="en-US" dirty="0"/>
+              <a:t> </a:t>
+            </a:r>
+            <a:r>
+              <a:rPr lang="en-US" dirty="0" err="1"/>
+              <a:t>til</a:t>
+            </a:r>
+            <a:r>
+              <a:rPr lang="en-US" dirty="0"/>
+              <a:t> med to ting, det </a:t>
+            </a:r>
+            <a:r>
+              <a:rPr lang="en-US" dirty="0" err="1"/>
+              <a:t>ene</a:t>
+            </a:r>
+            <a:r>
+              <a:rPr lang="en-US" dirty="0"/>
+              <a:t> er </a:t>
+            </a:r>
+            <a:r>
+              <a:rPr lang="en-US" dirty="0" err="1"/>
+              <a:t>sentralisering</a:t>
+            </a:r>
+            <a:r>
+              <a:rPr lang="en-US" dirty="0"/>
+              <a:t> av </a:t>
+            </a:r>
+            <a:r>
+              <a:rPr lang="en-US" dirty="0" err="1"/>
+              <a:t>hemmeligheter</a:t>
+            </a:r>
+            <a:r>
+              <a:rPr lang="en-US" dirty="0"/>
+              <a:t> og </a:t>
+            </a:r>
+            <a:r>
+              <a:rPr lang="en-US" dirty="0" err="1"/>
+              <a:t>beskyttelse</a:t>
+            </a:r>
+            <a:r>
+              <a:rPr lang="en-US" dirty="0"/>
+              <a:t> av </a:t>
+            </a:r>
+            <a:r>
+              <a:rPr lang="en-US" dirty="0" err="1"/>
+              <a:t>kryperingsnøkler</a:t>
+            </a:r>
+            <a:r>
+              <a:rPr lang="en-US" dirty="0"/>
+              <a:t>, </a:t>
+            </a:r>
+            <a:r>
+              <a:rPr lang="en-US" dirty="0" err="1"/>
+              <a:t>sertifikater</a:t>
+            </a:r>
+            <a:r>
+              <a:rPr lang="en-US" dirty="0"/>
+              <a:t> </a:t>
+            </a:r>
+            <a:r>
+              <a:rPr lang="en-US" dirty="0" err="1"/>
+              <a:t>osv</a:t>
+            </a:r>
+            <a:r>
+              <a:rPr lang="en-US" dirty="0"/>
+              <a:t>. </a:t>
+            </a:r>
+          </a:p>
+          <a:p>
+            <a:endParaRPr lang="en-US" dirty="0"/>
+          </a:p>
+          <a:p>
+            <a:endParaRPr lang="en-US" dirty="0"/>
+          </a:p>
+          <a:p>
+            <a:r>
+              <a:rPr lang="en-US" dirty="0" err="1"/>
+              <a:t>Noen</a:t>
+            </a:r>
+            <a:r>
+              <a:rPr lang="en-US" dirty="0"/>
+              <a:t> av </a:t>
+            </a:r>
+            <a:r>
+              <a:rPr lang="en-US" dirty="0" err="1"/>
+              <a:t>nøkkelfunksjonalitetene</a:t>
+            </a:r>
+            <a:r>
+              <a:rPr lang="en-US" dirty="0"/>
+              <a:t> </a:t>
+            </a:r>
+            <a:r>
+              <a:rPr lang="en-US" dirty="0" err="1"/>
+              <a:t>til</a:t>
+            </a:r>
+            <a:r>
+              <a:rPr lang="en-US" dirty="0"/>
+              <a:t> Azure Key Vault </a:t>
+            </a:r>
+            <a:r>
+              <a:rPr lang="en-US" dirty="0" err="1"/>
+              <a:t>som</a:t>
+            </a:r>
+            <a:r>
+              <a:rPr lang="en-US" dirty="0"/>
+              <a:t> er </a:t>
+            </a:r>
+            <a:r>
+              <a:rPr lang="en-US" dirty="0" err="1"/>
+              <a:t>verdt</a:t>
+            </a:r>
+            <a:r>
+              <a:rPr lang="en-US" dirty="0"/>
               <a:t> å </a:t>
             </a:r>
             <a:r>
-              <a:rPr lang="en-US" err="1"/>
-              <a:t>håndtere</a:t>
-            </a:r>
-            <a:r>
-              <a:rPr lang="en-US"/>
-              <a:t> </a:t>
-            </a:r>
-            <a:r>
-              <a:rPr lang="en-US" err="1"/>
-              <a:t>applikasjons-hemmeligheter</a:t>
-            </a:r>
-            <a:r>
-              <a:rPr lang="en-US"/>
-              <a:t> </a:t>
-            </a:r>
-            <a:r>
-              <a:rPr lang="en-US" err="1"/>
-              <a:t>eller</a:t>
-            </a:r>
-            <a:r>
-              <a:rPr lang="en-US"/>
-              <a:t> </a:t>
-            </a:r>
-            <a:r>
-              <a:rPr lang="en-US" err="1"/>
-              <a:t>håndterer</a:t>
-            </a:r>
-            <a:r>
-              <a:rPr lang="en-US"/>
-              <a:t> </a:t>
-            </a:r>
-            <a:r>
-              <a:rPr lang="en-US" err="1"/>
-              <a:t>infrastruktur</a:t>
-            </a:r>
-            <a:r>
-              <a:rPr lang="en-US"/>
-              <a:t> </a:t>
-            </a:r>
-            <a:r>
-              <a:rPr lang="en-US" err="1"/>
-              <a:t>og</a:t>
-            </a:r>
-            <a:r>
-              <a:rPr lang="en-US"/>
-              <a:t> har </a:t>
-            </a:r>
-            <a:r>
-              <a:rPr lang="en-US" err="1"/>
-              <a:t>behover</a:t>
-            </a:r>
-            <a:r>
-              <a:rPr lang="en-US"/>
-              <a:t> for å </a:t>
-            </a:r>
-            <a:r>
-              <a:rPr lang="en-US" err="1"/>
-              <a:t>holde</a:t>
-            </a:r>
-            <a:r>
-              <a:rPr lang="en-US"/>
-              <a:t> </a:t>
-            </a:r>
-            <a:r>
-              <a:rPr lang="en-US" err="1"/>
-              <a:t>krypteringsnøkler</a:t>
-            </a:r>
-            <a:r>
-              <a:rPr lang="en-US"/>
-              <a:t> </a:t>
-            </a:r>
-            <a:r>
-              <a:rPr lang="en-US" err="1"/>
-              <a:t>hemmelig</a:t>
-            </a:r>
-            <a:r>
-              <a:rPr lang="en-US"/>
-              <a:t>, er Azure Key vault </a:t>
-            </a:r>
-            <a:r>
-              <a:rPr lang="en-US" err="1"/>
-              <a:t>en</a:t>
-            </a:r>
-            <a:r>
-              <a:rPr lang="en-US"/>
-              <a:t> god </a:t>
-            </a:r>
-            <a:r>
-              <a:rPr lang="en-US" err="1"/>
-              <a:t>løsning</a:t>
-            </a:r>
-            <a:r>
-              <a:rPr lang="en-US"/>
-              <a:t> for </a:t>
-            </a:r>
-            <a:r>
-              <a:rPr lang="en-US" err="1"/>
-              <a:t>dette</a:t>
-            </a:r>
-            <a:r>
-              <a:rPr lang="en-US"/>
-              <a:t>.</a:t>
-            </a:r>
-          </a:p>
-          <a:p>
-            <a:endParaRPr lang="en-US"/>
-          </a:p>
-          <a:p>
-            <a:endParaRPr lang="en-US"/>
-          </a:p>
-          <a:p>
-            <a:r>
-              <a:rPr lang="en-US" err="1"/>
-              <a:t>Hensikten</a:t>
-            </a:r>
-            <a:r>
-              <a:rPr lang="en-US"/>
-              <a:t> med </a:t>
-            </a:r>
-            <a:r>
-              <a:rPr lang="en-US" err="1"/>
-              <a:t>en</a:t>
-            </a:r>
-            <a:r>
-              <a:rPr lang="en-US"/>
-              <a:t> Azure Key vault er for å </a:t>
-            </a:r>
-            <a:r>
-              <a:rPr lang="en-US" err="1"/>
-              <a:t>hjelpe</a:t>
-            </a:r>
-            <a:r>
-              <a:rPr lang="en-US"/>
-              <a:t> </a:t>
-            </a:r>
-            <a:r>
-              <a:rPr lang="en-US" err="1"/>
-              <a:t>til</a:t>
-            </a:r>
-            <a:r>
-              <a:rPr lang="en-US"/>
-              <a:t> med to ting, det </a:t>
-            </a:r>
-            <a:r>
-              <a:rPr lang="en-US" err="1"/>
-              <a:t>ene</a:t>
-            </a:r>
-            <a:r>
-              <a:rPr lang="en-US"/>
+              <a:rPr lang="en-US" dirty="0" err="1"/>
+              <a:t>nevne</a:t>
+            </a:r>
+            <a:r>
+              <a:rPr lang="en-US" dirty="0"/>
               <a:t> er </a:t>
             </a:r>
-            <a:r>
-              <a:rPr lang="en-US" err="1"/>
-              <a:t>sentralisering</a:t>
-            </a:r>
-            <a:r>
-              <a:rPr lang="en-US"/>
-              <a:t> av </a:t>
-            </a:r>
-            <a:r>
-              <a:rPr lang="en-US" err="1"/>
-              <a:t>hemmeligheter</a:t>
-            </a:r>
-            <a:r>
-              <a:rPr lang="en-US"/>
-              <a:t> </a:t>
-            </a:r>
-            <a:r>
-              <a:rPr lang="en-US" err="1"/>
-              <a:t>og</a:t>
-            </a:r>
-            <a:r>
-              <a:rPr lang="en-US"/>
-              <a:t> </a:t>
-            </a:r>
-            <a:r>
-              <a:rPr lang="en-US" err="1"/>
-              <a:t>beskyttelse</a:t>
-            </a:r>
-            <a:r>
-              <a:rPr lang="en-US"/>
-              <a:t> av </a:t>
-            </a:r>
-            <a:r>
-              <a:rPr lang="en-US" err="1"/>
-              <a:t>kryperingsnøkler</a:t>
-            </a:r>
-            <a:r>
-              <a:rPr lang="en-US"/>
-              <a:t>, </a:t>
-            </a:r>
-            <a:r>
-              <a:rPr lang="en-US" err="1"/>
-              <a:t>sertifikater</a:t>
-            </a:r>
-            <a:r>
-              <a:rPr lang="en-US"/>
-              <a:t> </a:t>
-            </a:r>
-            <a:r>
-              <a:rPr lang="en-US" err="1"/>
-              <a:t>osv</a:t>
-            </a:r>
-            <a:r>
-              <a:rPr lang="en-US"/>
-              <a:t>. </a:t>
-            </a:r>
-          </a:p>
-          <a:p>
-            <a:endParaRPr lang="en-US"/>
-          </a:p>
-          <a:p>
-            <a:endParaRPr lang="en-US"/>
-          </a:p>
-          <a:p>
-            <a:r>
-              <a:rPr lang="en-US" err="1"/>
-              <a:t>Noen</a:t>
-            </a:r>
-            <a:r>
-              <a:rPr lang="en-US"/>
-              <a:t> av </a:t>
-            </a:r>
-            <a:r>
-              <a:rPr lang="en-US" err="1"/>
-              <a:t>nøkkelfunksjonalitetene</a:t>
-            </a:r>
-            <a:r>
-              <a:rPr lang="en-US"/>
-              <a:t> </a:t>
-            </a:r>
-            <a:r>
-              <a:rPr lang="en-US" err="1"/>
-              <a:t>til</a:t>
-            </a:r>
-            <a:r>
-              <a:rPr lang="en-US"/>
-              <a:t> Azure Key Vault </a:t>
-            </a:r>
-            <a:r>
-              <a:rPr lang="en-US" err="1"/>
-              <a:t>som</a:t>
-            </a:r>
-            <a:r>
-              <a:rPr lang="en-US"/>
-              <a:t> er </a:t>
-            </a:r>
-            <a:r>
-              <a:rPr lang="en-US" err="1"/>
-              <a:t>verdt</a:t>
-            </a:r>
-            <a:r>
-              <a:rPr lang="en-US"/>
-              <a:t> å </a:t>
-            </a:r>
-            <a:r>
-              <a:rPr lang="en-US" err="1"/>
-              <a:t>nevne</a:t>
-            </a:r>
-            <a:r>
-              <a:rPr lang="en-US"/>
-              <a:t> er </a:t>
-            </a:r>
-          </a:p>
-          <a:p>
-            <a:endParaRPr lang="en-US"/>
+          </a:p>
+          <a:p>
+            <a:endParaRPr lang="en-US" dirty="0"/>
           </a:p>
           <a:p>
             <a:pPr marL="171450" indent="-171450">
@@ -5803,66 +5771,66 @@
               <a:buChar char="•"/>
             </a:pPr>
             <a:r>
-              <a:rPr lang="en-US" err="1"/>
+              <a:rPr lang="en-US" dirty="0" err="1"/>
               <a:t>Brannmur</a:t>
             </a:r>
             <a:r>
-              <a:rPr lang="en-US"/>
+              <a:rPr lang="en-US" dirty="0"/>
               <a:t>, </a:t>
             </a:r>
             <a:r>
-              <a:rPr lang="en-US" err="1"/>
+              <a:rPr lang="en-US" dirty="0" err="1"/>
               <a:t>som</a:t>
             </a:r>
             <a:r>
-              <a:rPr lang="en-US"/>
+              <a:rPr lang="en-US" dirty="0"/>
               <a:t> </a:t>
             </a:r>
             <a:r>
-              <a:rPr lang="en-US" err="1"/>
+              <a:rPr lang="en-US" dirty="0" err="1"/>
               <a:t>gjør</a:t>
             </a:r>
             <a:r>
-              <a:rPr lang="en-US"/>
+              <a:rPr lang="en-US" dirty="0"/>
               <a:t> det </a:t>
             </a:r>
             <a:r>
-              <a:rPr lang="en-US" err="1"/>
+              <a:rPr lang="en-US" dirty="0" err="1"/>
               <a:t>mulig</a:t>
             </a:r>
             <a:r>
-              <a:rPr lang="en-US"/>
+              <a:rPr lang="en-US" dirty="0"/>
               <a:t> å </a:t>
             </a:r>
             <a:r>
-              <a:rPr lang="en-US" err="1"/>
+              <a:rPr lang="en-US" dirty="0" err="1"/>
               <a:t>kreve</a:t>
             </a:r>
             <a:r>
-              <a:rPr lang="en-US"/>
+              <a:rPr lang="en-US" dirty="0"/>
               <a:t> </a:t>
             </a:r>
             <a:r>
-              <a:rPr lang="en-US" err="1"/>
+              <a:rPr lang="en-US" dirty="0" err="1"/>
               <a:t>autorisert</a:t>
             </a:r>
             <a:r>
-              <a:rPr lang="en-US"/>
+              <a:rPr lang="en-US" dirty="0"/>
               <a:t> </a:t>
             </a:r>
             <a:r>
-              <a:rPr lang="en-US" err="1"/>
+              <a:rPr lang="en-US" dirty="0" err="1"/>
               <a:t>tilgang</a:t>
             </a:r>
             <a:r>
-              <a:rPr lang="en-US"/>
+              <a:rPr lang="en-US" dirty="0"/>
               <a:t> via </a:t>
             </a:r>
             <a:r>
-              <a:rPr lang="en-US" err="1"/>
+              <a:rPr lang="en-US" dirty="0" err="1"/>
               <a:t>nettverkskonfigurasjon</a:t>
             </a:r>
-            <a:endParaRPr lang="en-US"/>
+            <a:endParaRPr lang="en-US" dirty="0"/>
           </a:p>
           <a:p>
             <a:pPr marL="171450" indent="-171450">
@@ -5870,127 +5838,127 @@
               <a:buChar char="•"/>
             </a:pPr>
             <a:r>
-              <a:rPr lang="en-US"/>
+              <a:rPr lang="en-US" dirty="0"/>
               <a:t>Auditing for </a:t>
             </a:r>
             <a:r>
-              <a:rPr lang="en-US" err="1"/>
+              <a:rPr lang="en-US" dirty="0" err="1"/>
               <a:t>tilgang</a:t>
             </a:r>
             <a:r>
-              <a:rPr lang="en-US"/>
+              <a:rPr lang="en-US" dirty="0"/>
               <a:t>, </a:t>
             </a:r>
             <a:r>
-              <a:rPr lang="en-US" err="1"/>
+              <a:rPr lang="en-US" dirty="0" err="1"/>
               <a:t>altså</a:t>
             </a:r>
             <a:r>
-              <a:rPr lang="en-US"/>
+              <a:rPr lang="en-US" dirty="0"/>
               <a:t> </a:t>
             </a:r>
             <a:r>
-              <a:rPr lang="en-US" err="1"/>
+              <a:rPr lang="en-US" dirty="0" err="1"/>
               <a:t>en</a:t>
             </a:r>
             <a:r>
-              <a:rPr lang="en-US"/>
+              <a:rPr lang="en-US" dirty="0"/>
               <a:t> log av </a:t>
             </a:r>
             <a:r>
-              <a:rPr lang="en-US" err="1"/>
+              <a:rPr lang="en-US" dirty="0" err="1"/>
               <a:t>hvilke</a:t>
             </a:r>
             <a:r>
-              <a:rPr lang="en-US"/>
+              <a:rPr lang="en-US" dirty="0"/>
               <a:t> </a:t>
             </a:r>
             <a:r>
-              <a:rPr lang="en-US" err="1"/>
+              <a:rPr lang="en-US" dirty="0" err="1"/>
               <a:t>nøkler</a:t>
             </a:r>
             <a:r>
-              <a:rPr lang="en-US"/>
+              <a:rPr lang="en-US" dirty="0"/>
+              <a:t> og </a:t>
+            </a:r>
+            <a:r>
+              <a:rPr lang="en-US" dirty="0" err="1"/>
+              <a:t>hvem</a:t>
+            </a:r>
+            <a:r>
+              <a:rPr lang="en-US" dirty="0"/>
               <a:t> </a:t>
             </a:r>
             <a:r>
-              <a:rPr lang="en-US" err="1"/>
-              <a:t>og</a:t>
-            </a:r>
-            <a:r>
-              <a:rPr lang="en-US"/>
+              <a:rPr lang="en-US" dirty="0" err="1"/>
+              <a:t>som</a:t>
+            </a:r>
+            <a:r>
+              <a:rPr lang="en-US" dirty="0"/>
               <a:t> </a:t>
             </a:r>
             <a:r>
-              <a:rPr lang="en-US" err="1"/>
-              <a:t>hvem</a:t>
-            </a:r>
-            <a:r>
-              <a:rPr lang="en-US"/>
+              <a:rPr lang="en-US" dirty="0" err="1"/>
+              <a:t>har</a:t>
+            </a:r>
+            <a:r>
+              <a:rPr lang="en-US" dirty="0"/>
+              <a:t> Hentet </a:t>
+            </a:r>
+            <a:r>
+              <a:rPr lang="en-US" dirty="0" err="1"/>
+              <a:t>ut</a:t>
+            </a:r>
+            <a:r>
+              <a:rPr lang="en-US" dirty="0"/>
               <a:t> </a:t>
             </a:r>
             <a:r>
-              <a:rPr lang="en-US" err="1"/>
-              <a:t>som</a:t>
-            </a:r>
-            <a:r>
-              <a:rPr lang="en-US"/>
-              <a:t> har Hentet </a:t>
-            </a:r>
-            <a:r>
-              <a:rPr lang="en-US" err="1"/>
-              <a:t>ut</a:t>
-            </a:r>
-            <a:r>
-              <a:rPr lang="en-US"/>
+              <a:rPr lang="en-US" dirty="0" err="1"/>
+              <a:t>disse</a:t>
+            </a:r>
+            <a:r>
+              <a:rPr lang="en-US" dirty="0"/>
               <a:t> </a:t>
             </a:r>
             <a:r>
-              <a:rPr lang="en-US" err="1"/>
-              <a:t>disse</a:t>
-            </a:r>
-            <a:r>
-              <a:rPr lang="en-US"/>
+              <a:rPr lang="en-US" dirty="0" err="1"/>
+              <a:t>nøklene</a:t>
+            </a:r>
+            <a:r>
+              <a:rPr lang="en-US" dirty="0"/>
               <a:t> </a:t>
             </a:r>
             <a:r>
-              <a:rPr lang="en-US" err="1"/>
-              <a:t>nøklene</a:t>
-            </a:r>
-            <a:r>
-              <a:rPr lang="en-US"/>
+              <a:rPr lang="en-US" dirty="0" err="1"/>
+              <a:t>eller</a:t>
+            </a:r>
+            <a:r>
+              <a:rPr lang="en-US" dirty="0"/>
               <a:t> </a:t>
             </a:r>
             <a:r>
-              <a:rPr lang="en-US" err="1"/>
-              <a:t>eller</a:t>
-            </a:r>
-            <a:r>
-              <a:rPr lang="en-US"/>
+              <a:rPr lang="en-US" dirty="0" err="1"/>
+              <a:t>gjort</a:t>
+            </a:r>
+            <a:r>
+              <a:rPr lang="en-US" dirty="0"/>
               <a:t> </a:t>
             </a:r>
             <a:r>
-              <a:rPr lang="en-US" err="1"/>
-              <a:t>gjort</a:t>
-            </a:r>
-            <a:r>
-              <a:rPr lang="en-US"/>
-              <a:t> </a:t>
-            </a:r>
-            <a:r>
-              <a:rPr lang="en-US" err="1"/>
+              <a:rPr lang="en-US" dirty="0" err="1"/>
               <a:t>noe</a:t>
             </a:r>
             <a:r>
-              <a:rPr lang="en-US"/>
+              <a:rPr lang="en-US" dirty="0"/>
               <a:t> med </a:t>
             </a:r>
             <a:r>
-              <a:rPr lang="en-US" err="1"/>
+              <a:rPr lang="en-US" dirty="0" err="1"/>
               <a:t>nøkkelen</a:t>
             </a:r>
             <a:r>
-              <a:rPr lang="en-US"/>
+              <a:rPr lang="en-US" dirty="0"/>
               <a:t>.</a:t>
             </a:r>
           </a:p>
@@ -6000,71 +5968,71 @@
               <a:buChar char="•"/>
             </a:pPr>
             <a:r>
-              <a:rPr lang="en-US"/>
+              <a:rPr lang="en-US" dirty="0"/>
               <a:t>AAD </a:t>
             </a:r>
             <a:r>
-              <a:rPr lang="en-US" err="1"/>
+              <a:rPr lang="en-US" dirty="0" err="1"/>
               <a:t>Integrasjon</a:t>
             </a:r>
             <a:r>
-              <a:rPr lang="en-US"/>
+              <a:rPr lang="en-US" dirty="0"/>
               <a:t>, </a:t>
             </a:r>
             <a:r>
-              <a:rPr lang="en-US" err="1"/>
+              <a:rPr lang="en-US" dirty="0" err="1"/>
               <a:t>som</a:t>
             </a:r>
             <a:r>
-              <a:rPr lang="en-US"/>
+              <a:rPr lang="en-US" dirty="0"/>
               <a:t> </a:t>
             </a:r>
             <a:r>
-              <a:rPr lang="en-US" err="1"/>
+              <a:rPr lang="en-US" dirty="0" err="1"/>
               <a:t>gjør</a:t>
             </a:r>
             <a:r>
-              <a:rPr lang="en-US"/>
+              <a:rPr lang="en-US" dirty="0"/>
               <a:t> det </a:t>
             </a:r>
             <a:r>
-              <a:rPr lang="en-US" err="1"/>
+              <a:rPr lang="en-US" dirty="0" err="1"/>
               <a:t>lett</a:t>
             </a:r>
             <a:r>
-              <a:rPr lang="en-US"/>
+              <a:rPr lang="en-US" dirty="0"/>
               <a:t> å </a:t>
             </a:r>
             <a:r>
-              <a:rPr lang="en-US" err="1"/>
+              <a:rPr lang="en-US" dirty="0" err="1"/>
               <a:t>tildele</a:t>
             </a:r>
             <a:r>
-              <a:rPr lang="en-US"/>
+              <a:rPr lang="en-US" dirty="0"/>
               <a:t> </a:t>
             </a:r>
             <a:r>
-              <a:rPr lang="en-US" err="1"/>
+              <a:rPr lang="en-US" dirty="0" err="1"/>
               <a:t>hemmeligheter</a:t>
             </a:r>
             <a:r>
-              <a:rPr lang="en-US"/>
+              <a:rPr lang="en-US" dirty="0"/>
               <a:t> </a:t>
             </a:r>
             <a:r>
-              <a:rPr lang="en-US" err="1"/>
+              <a:rPr lang="en-US" dirty="0" err="1"/>
               <a:t>til</a:t>
             </a:r>
             <a:r>
-              <a:rPr lang="en-US"/>
+              <a:rPr lang="en-US" dirty="0"/>
               <a:t> </a:t>
             </a:r>
             <a:r>
-              <a:rPr lang="en-US" err="1"/>
+              <a:rPr lang="en-US" dirty="0" err="1"/>
               <a:t>brukere</a:t>
             </a:r>
             <a:r>
-              <a:rPr lang="en-US"/>
+              <a:rPr lang="en-US" dirty="0"/>
               <a:t> I AD</a:t>
             </a:r>
           </a:p>
@@ -6074,460 +6042,452 @@
               <a:buChar char="•"/>
             </a:pPr>
             <a:r>
-              <a:rPr lang="en-US" err="1"/>
+              <a:rPr lang="en-US" dirty="0" err="1"/>
               <a:t>Replikering</a:t>
             </a:r>
             <a:r>
-              <a:rPr lang="en-US"/>
+              <a:rPr lang="en-US" dirty="0"/>
+              <a:t> og </a:t>
+            </a:r>
+            <a:r>
+              <a:rPr lang="en-US" dirty="0" err="1"/>
+              <a:t>dynamisk</a:t>
+            </a:r>
+            <a:r>
+              <a:rPr lang="en-US" dirty="0"/>
               <a:t> </a:t>
             </a:r>
             <a:r>
-              <a:rPr lang="en-US" err="1"/>
-              <a:t>og</a:t>
-            </a:r>
-            <a:r>
-              <a:rPr lang="en-US"/>
+              <a:rPr lang="en-US" dirty="0" err="1"/>
+              <a:t>skaleringsom</a:t>
+            </a:r>
+            <a:r>
+              <a:rPr lang="en-US" dirty="0"/>
               <a:t> </a:t>
             </a:r>
             <a:r>
-              <a:rPr lang="en-US" err="1"/>
-              <a:t>dynamisk</a:t>
-            </a:r>
-            <a:r>
-              <a:rPr lang="en-US"/>
+              <a:rPr lang="en-US" dirty="0" err="1"/>
+              <a:t>gjør</a:t>
+            </a:r>
+            <a:r>
+              <a:rPr lang="en-US" dirty="0"/>
               <a:t> </a:t>
             </a:r>
-            <a:r>
-              <a:rPr lang="en-US" err="1"/>
-              <a:t>skaleringsom</a:t>
-            </a:r>
-            <a:r>
-              <a:rPr lang="en-US"/>
+          </a:p>
+          <a:p>
+            <a:endParaRPr lang="en-US" dirty="0"/>
+          </a:p>
+          <a:p>
+            <a:endParaRPr lang="en-US" dirty="0"/>
+          </a:p>
+          <a:p>
+            <a:endParaRPr lang="en-US" dirty="0"/>
+          </a:p>
+          <a:p>
+            <a:endParaRPr lang="en-US" dirty="0"/>
+          </a:p>
+          <a:p>
+            <a:r>
+              <a:rPr lang="en-US" dirty="0"/>
+              <a:t>Et scenario: </a:t>
+            </a:r>
+          </a:p>
+          <a:p>
+            <a:r>
+              <a:rPr lang="en-US" dirty="0" err="1"/>
+              <a:t>Vanligvis</a:t>
+            </a:r>
+            <a:r>
+              <a:rPr lang="en-US" dirty="0"/>
+              <a:t> I </a:t>
+            </a:r>
+            <a:r>
+              <a:rPr lang="en-US" dirty="0" err="1"/>
+              <a:t>en</a:t>
+            </a:r>
+            <a:r>
+              <a:rPr lang="en-US" dirty="0"/>
+              <a:t> web </a:t>
+            </a:r>
+            <a:r>
+              <a:rPr lang="en-US" dirty="0" err="1"/>
+              <a:t>applikasjon</a:t>
+            </a:r>
+            <a:r>
+              <a:rPr lang="en-US" dirty="0"/>
               <a:t> </a:t>
             </a:r>
             <a:r>
-              <a:rPr lang="en-US" err="1"/>
-              <a:t>gjør</a:t>
-            </a:r>
-            <a:r>
-              <a:rPr lang="en-US"/>
+              <a:rPr lang="en-US" dirty="0" err="1"/>
+              <a:t>kobler</a:t>
+            </a:r>
+            <a:r>
+              <a:rPr lang="en-US" dirty="0"/>
+              <a:t> man seg </a:t>
+            </a:r>
+            <a:r>
+              <a:rPr lang="en-US" dirty="0" err="1"/>
+              <a:t>til</a:t>
+            </a:r>
+            <a:r>
+              <a:rPr lang="en-US" dirty="0"/>
               <a:t> </a:t>
             </a:r>
-          </a:p>
-          <a:p>
-            <a:endParaRPr lang="en-US"/>
-          </a:p>
-          <a:p>
-            <a:endParaRPr lang="en-US"/>
-          </a:p>
-          <a:p>
-            <a:endParaRPr lang="en-US"/>
-          </a:p>
-          <a:p>
-            <a:endParaRPr lang="en-US"/>
-          </a:p>
-          <a:p>
-            <a:r>
-              <a:rPr lang="en-US"/>
-              <a:t>Et scenario: </a:t>
-            </a:r>
-          </a:p>
-          <a:p>
-            <a:r>
-              <a:rPr lang="en-US" err="1"/>
-              <a:t>Vanligvis</a:t>
-            </a:r>
-            <a:r>
-              <a:rPr lang="en-US"/>
+            <a:r>
+              <a:rPr lang="en-US" dirty="0" err="1"/>
+              <a:t>en</a:t>
+            </a:r>
+            <a:r>
+              <a:rPr lang="en-US" dirty="0"/>
+              <a:t> SQL database </a:t>
+            </a:r>
+            <a:r>
+              <a:rPr lang="en-US" dirty="0" err="1"/>
+              <a:t>ved</a:t>
+            </a:r>
+            <a:r>
+              <a:rPr lang="en-US" dirty="0"/>
+              <a:t> bruk av </a:t>
+            </a:r>
+            <a:r>
+              <a:rPr lang="en-US" dirty="0" err="1"/>
+              <a:t>en</a:t>
+            </a:r>
+            <a:r>
+              <a:rPr lang="en-US" dirty="0"/>
+              <a:t> connection string. I </a:t>
+            </a:r>
+            <a:r>
+              <a:rPr lang="en-US" dirty="0" err="1"/>
+              <a:t>f.eks</a:t>
+            </a:r>
+            <a:r>
+              <a:rPr lang="en-US" dirty="0"/>
+              <a:t> et C# </a:t>
+            </a:r>
+            <a:r>
+              <a:rPr lang="en-US" dirty="0" err="1"/>
+              <a:t>webapplikasjons</a:t>
+            </a:r>
+            <a:r>
+              <a:rPr lang="en-US" dirty="0"/>
+              <a:t> </a:t>
+            </a:r>
+            <a:r>
+              <a:rPr lang="en-US" dirty="0" err="1"/>
+              <a:t>prosjekt</a:t>
+            </a:r>
+            <a:r>
+              <a:rPr lang="en-US" dirty="0"/>
+              <a:t> er det </a:t>
+            </a:r>
+            <a:r>
+              <a:rPr lang="en-US" dirty="0" err="1"/>
+              <a:t>veldig</a:t>
+            </a:r>
+            <a:r>
+              <a:rPr lang="en-US" dirty="0"/>
+              <a:t> </a:t>
+            </a:r>
+            <a:r>
+              <a:rPr lang="en-US" dirty="0" err="1"/>
+              <a:t>typisk</a:t>
+            </a:r>
+            <a:r>
+              <a:rPr lang="en-US" dirty="0"/>
+              <a:t> at </a:t>
+            </a:r>
+            <a:r>
+              <a:rPr lang="en-US" dirty="0" err="1"/>
+              <a:t>disse</a:t>
+            </a:r>
+            <a:r>
+              <a:rPr lang="en-US" dirty="0"/>
+              <a:t> connection </a:t>
+            </a:r>
+            <a:r>
+              <a:rPr lang="en-US" dirty="0" err="1"/>
+              <a:t>stringsene</a:t>
+            </a:r>
+            <a:r>
+              <a:rPr lang="en-US" dirty="0"/>
+              <a:t> ligger I </a:t>
+            </a:r>
+            <a:r>
+              <a:rPr lang="en-US" dirty="0" err="1"/>
+              <a:t>Appsettings.json</a:t>
+            </a:r>
+            <a:r>
+              <a:rPr lang="en-US" dirty="0"/>
+              <a:t>.</a:t>
+            </a:r>
+          </a:p>
+          <a:p>
+            <a:endParaRPr lang="en-US" dirty="0"/>
+          </a:p>
+          <a:p>
+            <a:r>
+              <a:rPr lang="en-US" dirty="0"/>
+              <a:t>Det man heller </a:t>
+            </a:r>
+            <a:r>
+              <a:rPr lang="en-US" dirty="0" err="1"/>
+              <a:t>kan</a:t>
+            </a:r>
+            <a:r>
+              <a:rPr lang="en-US" dirty="0"/>
+              <a:t> </a:t>
+            </a:r>
+            <a:r>
+              <a:rPr lang="en-US" dirty="0" err="1"/>
+              <a:t>gjøre</a:t>
+            </a:r>
+            <a:r>
+              <a:rPr lang="en-US" dirty="0"/>
+              <a:t>, er å </a:t>
+            </a:r>
+            <a:r>
+              <a:rPr lang="en-US" dirty="0" err="1"/>
+              <a:t>flytte</a:t>
+            </a:r>
+            <a:r>
+              <a:rPr lang="en-US" dirty="0"/>
+              <a:t> </a:t>
+            </a:r>
+            <a:r>
+              <a:rPr lang="en-US" dirty="0" err="1"/>
+              <a:t>disse</a:t>
+            </a:r>
+            <a:r>
+              <a:rPr lang="en-US" dirty="0"/>
+              <a:t> </a:t>
+            </a:r>
+            <a:r>
+              <a:rPr lang="en-US" dirty="0" err="1"/>
+              <a:t>hemmelig</a:t>
+            </a:r>
+            <a:r>
+              <a:rPr lang="en-US" dirty="0"/>
+              <a:t> </a:t>
+            </a:r>
+            <a:r>
+              <a:rPr lang="en-US" dirty="0" err="1"/>
+              <a:t>nøklene</a:t>
+            </a:r>
+            <a:r>
+              <a:rPr lang="en-US" dirty="0"/>
+              <a:t>, </a:t>
+            </a:r>
+            <a:r>
+              <a:rPr lang="en-US" dirty="0" err="1"/>
+              <a:t>til</a:t>
+            </a:r>
+            <a:r>
+              <a:rPr lang="en-US" dirty="0"/>
+              <a:t> et Key Vault. </a:t>
+            </a:r>
+            <a:r>
+              <a:rPr lang="en-US" dirty="0" err="1"/>
+              <a:t>Slik</a:t>
+            </a:r>
+            <a:r>
+              <a:rPr lang="en-US" dirty="0"/>
+              <a:t> at </a:t>
+            </a:r>
+            <a:r>
+              <a:rPr lang="en-US" dirty="0" err="1"/>
+              <a:t>connectionstringsene</a:t>
+            </a:r>
+            <a:r>
+              <a:rPr lang="en-US" dirty="0"/>
+              <a:t> er </a:t>
+            </a:r>
+            <a:r>
+              <a:rPr lang="en-US" dirty="0" err="1"/>
+              <a:t>beskyttet</a:t>
+            </a:r>
+            <a:r>
+              <a:rPr lang="en-US" dirty="0"/>
+              <a:t>, og </a:t>
+            </a:r>
+            <a:r>
+              <a:rPr lang="en-US" dirty="0" err="1"/>
+              <a:t>ikke</a:t>
+            </a:r>
+            <a:r>
+              <a:rPr lang="en-US" dirty="0"/>
+              <a:t> </a:t>
+            </a:r>
+            <a:r>
+              <a:rPr lang="en-US" dirty="0" err="1"/>
+              <a:t>synlig</a:t>
+            </a:r>
+            <a:r>
+              <a:rPr lang="en-US" dirty="0"/>
+              <a:t> </a:t>
+            </a:r>
+            <a:r>
+              <a:rPr lang="en-US" dirty="0" err="1"/>
+              <a:t>direkte</a:t>
+            </a:r>
+            <a:r>
+              <a:rPr lang="en-US" dirty="0"/>
               <a:t> I </a:t>
             </a:r>
             <a:r>
-              <a:rPr lang="en-US" err="1"/>
-              <a:t>en</a:t>
-            </a:r>
-            <a:r>
-              <a:rPr lang="en-US"/>
-              <a:t> web </a:t>
-            </a:r>
-            <a:r>
-              <a:rPr lang="en-US" err="1"/>
-              <a:t>applikasjon</a:t>
-            </a:r>
-            <a:r>
-              <a:rPr lang="en-US"/>
+              <a:rPr lang="en-US" dirty="0" err="1"/>
+              <a:t>portalen</a:t>
+            </a:r>
+            <a:r>
+              <a:rPr lang="en-US" dirty="0"/>
+              <a:t> og </a:t>
+            </a:r>
+            <a:r>
+              <a:rPr lang="en-US" dirty="0" err="1"/>
+              <a:t>eller</a:t>
+            </a:r>
+            <a:r>
+              <a:rPr lang="en-US" dirty="0"/>
+              <a:t> I </a:t>
+            </a:r>
+            <a:r>
+              <a:rPr lang="en-US" dirty="0" err="1"/>
+              <a:t>versjonskontrollerings</a:t>
+            </a:r>
+            <a:r>
+              <a:rPr lang="en-US" dirty="0"/>
               <a:t> </a:t>
             </a:r>
             <a:r>
-              <a:rPr lang="en-US" err="1"/>
-              <a:t>kobler</a:t>
-            </a:r>
-            <a:r>
-              <a:rPr lang="en-US"/>
-              <a:t> man seg </a:t>
-            </a:r>
-            <a:r>
-              <a:rPr lang="en-US" err="1"/>
-              <a:t>til</a:t>
-            </a:r>
-            <a:r>
-              <a:rPr lang="en-US"/>
+              <a:rPr lang="en-US" dirty="0" err="1"/>
+              <a:t>verktøyet</a:t>
+            </a:r>
+            <a:r>
+              <a:rPr lang="en-US" dirty="0"/>
+              <a:t>.</a:t>
+            </a:r>
+          </a:p>
+          <a:p>
+            <a:endParaRPr lang="en-US" dirty="0"/>
+          </a:p>
+          <a:p>
+            <a:r>
+              <a:rPr lang="nb-NO" dirty="0"/>
+              <a:t>Det er ulike måter man </a:t>
+            </a:r>
+            <a:r>
+              <a:rPr lang="nb-NO" dirty="0" err="1"/>
+              <a:t>man</a:t>
+            </a:r>
+            <a:r>
+              <a:rPr lang="nb-NO" dirty="0"/>
+              <a:t> kan hente ut disse hemmelighetene på, vi skal være litt </a:t>
+            </a:r>
+            <a:r>
+              <a:rPr lang="nb-NO" dirty="0" err="1"/>
+              <a:t>hands-on</a:t>
+            </a:r>
+            <a:r>
+              <a:rPr lang="nb-NO" dirty="0"/>
+              <a:t> og implementere noe kode for å hente ut en </a:t>
+            </a:r>
+            <a:r>
+              <a:rPr lang="nb-NO" dirty="0" err="1"/>
+              <a:t>connection</a:t>
+            </a:r>
+            <a:r>
+              <a:rPr lang="nb-NO" dirty="0"/>
               <a:t> </a:t>
             </a:r>
             <a:r>
-              <a:rPr lang="en-US" err="1"/>
-              <a:t>en</a:t>
-            </a:r>
-            <a:r>
-              <a:rPr lang="en-US"/>
-              <a:t> SQL database </a:t>
-            </a:r>
-            <a:r>
-              <a:rPr lang="en-US" err="1"/>
-              <a:t>ved</a:t>
-            </a:r>
-            <a:r>
-              <a:rPr lang="en-US"/>
-              <a:t> </a:t>
-            </a:r>
-            <a:r>
-              <a:rPr lang="en-US" err="1"/>
-              <a:t>bruk</a:t>
-            </a:r>
-            <a:r>
-              <a:rPr lang="en-US"/>
-              <a:t> av </a:t>
-            </a:r>
-            <a:r>
-              <a:rPr lang="en-US" err="1"/>
-              <a:t>en</a:t>
-            </a:r>
-            <a:r>
-              <a:rPr lang="en-US"/>
-              <a:t> connection string. I </a:t>
-            </a:r>
-            <a:r>
-              <a:rPr lang="en-US" err="1"/>
-              <a:t>f.eks</a:t>
-            </a:r>
-            <a:r>
-              <a:rPr lang="en-US"/>
-              <a:t> et C# </a:t>
-            </a:r>
-            <a:r>
-              <a:rPr lang="en-US" err="1"/>
-              <a:t>webapplikasjons</a:t>
-            </a:r>
-            <a:r>
-              <a:rPr lang="en-US"/>
-              <a:t> </a:t>
-            </a:r>
-            <a:r>
-              <a:rPr lang="en-US" err="1"/>
-              <a:t>prosjekt</a:t>
-            </a:r>
-            <a:r>
-              <a:rPr lang="en-US"/>
-              <a:t> er det </a:t>
-            </a:r>
-            <a:r>
-              <a:rPr lang="en-US" err="1"/>
-              <a:t>veldig</a:t>
-            </a:r>
-            <a:r>
-              <a:rPr lang="en-US"/>
-              <a:t> </a:t>
-            </a:r>
-            <a:r>
-              <a:rPr lang="en-US" err="1"/>
-              <a:t>typisk</a:t>
-            </a:r>
-            <a:r>
-              <a:rPr lang="en-US"/>
-              <a:t> at </a:t>
-            </a:r>
-            <a:r>
-              <a:rPr lang="en-US" err="1"/>
-              <a:t>disse</a:t>
-            </a:r>
-            <a:r>
-              <a:rPr lang="en-US"/>
-              <a:t> connection </a:t>
-            </a:r>
-            <a:r>
-              <a:rPr lang="en-US" err="1"/>
-              <a:t>stringsene</a:t>
-            </a:r>
-            <a:r>
-              <a:rPr lang="en-US"/>
-              <a:t> ligger I Appsettings.json.</a:t>
-            </a:r>
-          </a:p>
-          <a:p>
-            <a:endParaRPr lang="en-US"/>
-          </a:p>
-          <a:p>
-            <a:r>
-              <a:rPr lang="en-US"/>
-              <a:t>Det man heller </a:t>
-            </a:r>
-            <a:r>
-              <a:rPr lang="en-US" err="1"/>
-              <a:t>kan</a:t>
-            </a:r>
-            <a:r>
-              <a:rPr lang="en-US"/>
-              <a:t> </a:t>
-            </a:r>
-            <a:r>
-              <a:rPr lang="en-US" err="1"/>
-              <a:t>gjøre</a:t>
-            </a:r>
-            <a:r>
-              <a:rPr lang="en-US"/>
-              <a:t>, er å </a:t>
-            </a:r>
-            <a:r>
-              <a:rPr lang="en-US" err="1"/>
-              <a:t>flytte</a:t>
-            </a:r>
-            <a:r>
-              <a:rPr lang="en-US"/>
-              <a:t> </a:t>
-            </a:r>
-            <a:r>
-              <a:rPr lang="en-US" err="1"/>
-              <a:t>disse</a:t>
-            </a:r>
-            <a:r>
-              <a:rPr lang="en-US"/>
-              <a:t> </a:t>
-            </a:r>
-            <a:r>
-              <a:rPr lang="en-US" err="1"/>
-              <a:t>hemmelig</a:t>
-            </a:r>
-            <a:r>
-              <a:rPr lang="en-US"/>
-              <a:t> </a:t>
-            </a:r>
-            <a:r>
-              <a:rPr lang="en-US" err="1"/>
-              <a:t>nøklene</a:t>
-            </a:r>
-            <a:r>
-              <a:rPr lang="en-US"/>
-              <a:t>, </a:t>
-            </a:r>
-            <a:r>
-              <a:rPr lang="en-US" err="1"/>
-              <a:t>til</a:t>
-            </a:r>
-            <a:r>
-              <a:rPr lang="en-US"/>
-              <a:t> et Key Vault. </a:t>
-            </a:r>
-            <a:r>
-              <a:rPr lang="en-US" err="1"/>
-              <a:t>Slik</a:t>
-            </a:r>
-            <a:r>
-              <a:rPr lang="en-US"/>
-              <a:t> at </a:t>
-            </a:r>
-            <a:r>
-              <a:rPr lang="en-US" err="1"/>
-              <a:t>connectionstringsene</a:t>
-            </a:r>
-            <a:r>
-              <a:rPr lang="en-US"/>
-              <a:t> er </a:t>
-            </a:r>
-            <a:r>
-              <a:rPr lang="en-US" err="1"/>
-              <a:t>beskyttet</a:t>
-            </a:r>
-            <a:r>
-              <a:rPr lang="en-US"/>
-              <a:t>, </a:t>
-            </a:r>
-            <a:r>
-              <a:rPr lang="en-US" err="1"/>
-              <a:t>og</a:t>
-            </a:r>
-            <a:r>
-              <a:rPr lang="en-US"/>
-              <a:t> </a:t>
-            </a:r>
-            <a:r>
-              <a:rPr lang="en-US" err="1"/>
-              <a:t>ikke</a:t>
-            </a:r>
-            <a:r>
-              <a:rPr lang="en-US"/>
-              <a:t> </a:t>
-            </a:r>
-            <a:r>
-              <a:rPr lang="en-US" err="1"/>
-              <a:t>synlig</a:t>
-            </a:r>
-            <a:r>
-              <a:rPr lang="en-US"/>
-              <a:t> </a:t>
-            </a:r>
-            <a:r>
-              <a:rPr lang="en-US" err="1"/>
-              <a:t>direkte</a:t>
-            </a:r>
-            <a:r>
-              <a:rPr lang="en-US"/>
-              <a:t> I </a:t>
-            </a:r>
-            <a:r>
-              <a:rPr lang="en-US" err="1"/>
-              <a:t>portalen</a:t>
-            </a:r>
-            <a:r>
-              <a:rPr lang="en-US"/>
-              <a:t> </a:t>
-            </a:r>
-            <a:r>
-              <a:rPr lang="en-US" err="1"/>
-              <a:t>og</a:t>
-            </a:r>
-            <a:r>
-              <a:rPr lang="en-US"/>
-              <a:t> </a:t>
-            </a:r>
-            <a:r>
-              <a:rPr lang="en-US" err="1"/>
-              <a:t>eller</a:t>
-            </a:r>
-            <a:r>
-              <a:rPr lang="en-US"/>
-              <a:t> I </a:t>
-            </a:r>
-            <a:r>
-              <a:rPr lang="en-US" err="1"/>
-              <a:t>versjonskontrollerings</a:t>
-            </a:r>
-            <a:r>
-              <a:rPr lang="en-US"/>
-              <a:t> </a:t>
-            </a:r>
-            <a:r>
-              <a:rPr lang="en-US" err="1"/>
-              <a:t>verktøyet</a:t>
-            </a:r>
-            <a:r>
-              <a:rPr lang="en-US"/>
-              <a:t>.</a:t>
-            </a:r>
-          </a:p>
-          <a:p>
-            <a:endParaRPr lang="en-US"/>
-          </a:p>
-          <a:p>
-            <a:r>
-              <a:rPr lang="nb-NO"/>
-              <a:t>Det er ulike måter man </a:t>
-            </a:r>
-            <a:r>
-              <a:rPr lang="nb-NO" err="1"/>
-              <a:t>man</a:t>
-            </a:r>
-            <a:r>
-              <a:rPr lang="nb-NO"/>
-              <a:t> kan hente ut disse hemmelighetene på, vi skal være litt </a:t>
-            </a:r>
-            <a:r>
-              <a:rPr lang="nb-NO" err="1"/>
-              <a:t>hands-on</a:t>
-            </a:r>
-            <a:r>
-              <a:rPr lang="nb-NO"/>
-              <a:t> og implementere noe kode for å hente ut en </a:t>
-            </a:r>
-            <a:r>
-              <a:rPr lang="nb-NO" err="1"/>
-              <a:t>connection</a:t>
-            </a:r>
-            <a:r>
-              <a:rPr lang="nb-NO"/>
-              <a:t> </a:t>
-            </a:r>
-            <a:r>
-              <a:rPr lang="nb-NO" err="1"/>
+              <a:rPr lang="nb-NO" dirty="0" err="1"/>
               <a:t>string</a:t>
             </a:r>
             <a:r>
-              <a:rPr lang="nb-NO"/>
+              <a:rPr lang="nb-NO" dirty="0"/>
               <a:t> i neste leksjon.</a:t>
             </a:r>
           </a:p>
           <a:p>
-            <a:endParaRPr lang="nb-NO"/>
-          </a:p>
-          <a:p>
-            <a:endParaRPr lang="nb-NO"/>
-          </a:p>
-          <a:p>
-            <a:r>
-              <a:rPr lang="nb-NO"/>
-              <a:t>Et annet scenario for bruk av Azure Key </a:t>
-            </a:r>
-            <a:r>
-              <a:rPr lang="nb-NO" err="1"/>
+            <a:endParaRPr lang="nb-NO" dirty="0"/>
+          </a:p>
+          <a:p>
+            <a:endParaRPr lang="nb-NO" dirty="0"/>
+          </a:p>
+          <a:p>
+            <a:r>
+              <a:rPr lang="nb-NO" dirty="0"/>
+              <a:t>Et annet scenario for bruk av </a:t>
+            </a:r>
+            <a:r>
+              <a:rPr lang="nb-NO" dirty="0" err="1"/>
+              <a:t>Azure</a:t>
+            </a:r>
+            <a:r>
+              <a:rPr lang="nb-NO" dirty="0"/>
+              <a:t> Key </a:t>
+            </a:r>
+            <a:r>
+              <a:rPr lang="nb-NO" dirty="0" err="1"/>
               <a:t>Vault</a:t>
             </a:r>
             <a:r>
-              <a:rPr lang="nb-NO"/>
+              <a:rPr lang="nb-NO" dirty="0"/>
               <a:t> er å sentralisere </a:t>
             </a:r>
             <a:r>
-              <a:rPr lang="nb-NO" err="1"/>
+              <a:rPr lang="nb-NO" dirty="0" err="1"/>
               <a:t>hemmlighetene</a:t>
             </a:r>
             <a:r>
-              <a:rPr lang="nb-NO"/>
+              <a:rPr lang="nb-NO" dirty="0"/>
               <a:t> dine på ett sted. </a:t>
             </a:r>
           </a:p>
           <a:p>
             <a:r>
-              <a:rPr lang="nb-NO"/>
-              <a:t>Så om du har flere tjenester som bruker de samme hemmelighetene, kan man bruke Azure Key </a:t>
-            </a:r>
-            <a:r>
-              <a:rPr lang="nb-NO" err="1"/>
+              <a:rPr lang="nb-NO" dirty="0"/>
+              <a:t>Så om du har flere tjenester som bruker de samme hemmelighetene, kan man bruke </a:t>
+            </a:r>
+            <a:r>
+              <a:rPr lang="nb-NO" dirty="0" err="1"/>
+              <a:t>Azure</a:t>
+            </a:r>
+            <a:r>
+              <a:rPr lang="nb-NO" dirty="0"/>
+              <a:t> Key </a:t>
+            </a:r>
+            <a:r>
+              <a:rPr lang="nb-NO" dirty="0" err="1"/>
               <a:t>Vault</a:t>
             </a:r>
             <a:r>
-              <a:rPr lang="nb-NO"/>
+              <a:rPr lang="nb-NO" dirty="0"/>
               <a:t> for å sentralisere hemmelighetene. </a:t>
             </a:r>
           </a:p>
           <a:p>
-            <a:endParaRPr lang="nb-NO"/>
-          </a:p>
-          <a:p>
-            <a:r>
-              <a:rPr lang="nb-NO"/>
+            <a:endParaRPr lang="nb-NO" dirty="0"/>
+          </a:p>
+          <a:p>
+            <a:r>
+              <a:rPr lang="nb-NO" dirty="0"/>
               <a:t>Dette er veldig fordelaktig for de som skal drifte løsningen ved et senere tidspunkt skal skifte ut  Connection </a:t>
             </a:r>
             <a:r>
-              <a:rPr lang="nb-NO" err="1"/>
+              <a:rPr lang="nb-NO" dirty="0" err="1"/>
               <a:t>Stringen</a:t>
             </a:r>
             <a:r>
-              <a:rPr lang="nb-NO"/>
+              <a:rPr lang="nb-NO" dirty="0"/>
               <a:t> til databasen f.eks. Da kan de gjøre dette ett sted i </a:t>
             </a:r>
             <a:r>
-              <a:rPr lang="nb-NO" err="1"/>
+              <a:rPr lang="nb-NO" dirty="0" err="1"/>
               <a:t>stedenfor</a:t>
             </a:r>
             <a:r>
-              <a:rPr lang="nb-NO"/>
+              <a:rPr lang="nb-NO" dirty="0"/>
               <a:t> å gjøre det i vær tjeneste.</a:t>
             </a:r>
           </a:p>
@@ -17766,61 +17726,57 @@
           <a:lstStyle/>
           <a:p>
             <a:r>
-              <a:rPr lang="nb-NO">
+              <a:rPr lang="nb-NO" dirty="0">
                 <a:hlinkClick r:id="rId3"/>
               </a:rPr>
               <a:t>https://azure.microsoft.com/en/services/</a:t>
             </a:r>
-            <a:endParaRPr lang="nb-NO"/>
-          </a:p>
-          <a:p>
-            <a:endParaRPr lang="nb-NO"/>
-          </a:p>
-          <a:p>
-            <a:r>
-              <a:rPr lang="nb-NO"/>
-              <a:t>Architecture BluePrints: </a:t>
-            </a:r>
-            <a:r>
-              <a:rPr lang="nb-NO">
+            <a:endParaRPr lang="nb-NO" dirty="0"/>
+          </a:p>
+          <a:p>
+            <a:endParaRPr lang="nb-NO" dirty="0"/>
+          </a:p>
+          <a:p>
+            <a:r>
+              <a:rPr lang="nb-NO" dirty="0"/>
+              <a:t>Architecture </a:t>
+            </a:r>
+            <a:r>
+              <a:rPr lang="nb-NO" dirty="0" err="1"/>
+              <a:t>BluePrints</a:t>
+            </a:r>
+            <a:r>
+              <a:rPr lang="nb-NO" dirty="0"/>
+              <a:t>: </a:t>
+            </a:r>
+            <a:r>
+              <a:rPr lang="nb-NO" dirty="0">
                 <a:hlinkClick r:id="rId4"/>
               </a:rPr>
               <a:t>https://azure.microsoft.com/en-us/solutions/architecture/</a:t>
             </a:r>
-            <a:endParaRPr lang="nb-NO"/>
-          </a:p>
-          <a:p>
-            <a:endParaRPr lang="nb-NO"/>
-          </a:p>
-          <a:p>
-            <a:r>
-              <a:rPr lang="nb-NO">
-                <a:hlinkClick r:id="rId5"/>
-              </a:rPr>
-              <a:t>https://azure-overview.com/Home/Index</a:t>
-            </a:r>
-            <a:endParaRPr lang="nb-NO"/>
-          </a:p>
-          <a:p>
-            <a:endParaRPr lang="nb-NO"/>
-          </a:p>
-          <a:p>
-            <a:endParaRPr lang="nb-NO"/>
-          </a:p>
-          <a:p>
-            <a:endParaRPr lang="nb-NO"/>
-          </a:p>
-          <a:p>
-            <a:endParaRPr lang="nb-NO"/>
+            <a:endParaRPr lang="nb-NO" dirty="0"/>
+          </a:p>
+          <a:p>
+            <a:endParaRPr lang="nb-NO" dirty="0"/>
+          </a:p>
+          <a:p>
+            <a:endParaRPr lang="nb-NO" dirty="0"/>
+          </a:p>
+          <a:p>
+            <a:endParaRPr lang="nb-NO" dirty="0"/>
+          </a:p>
+          <a:p>
+            <a:endParaRPr lang="nb-NO" dirty="0"/>
           </a:p>
           <a:p>
             <a:pPr marL="0" indent="0">
               <a:buNone/>
             </a:pPr>
-            <a:endParaRPr lang="nb-NO"/>
-          </a:p>
-          <a:p>
-            <a:endParaRPr lang="nb-NO"/>
+            <a:endParaRPr lang="nb-NO" dirty="0"/>
+          </a:p>
+          <a:p>
+            <a:endParaRPr lang="nb-NO" dirty="0"/>
           </a:p>
         </p:txBody>
       </p:sp>
@@ -18654,85 +18610,102 @@
           <a:lstStyle/>
           <a:p>
             <a:r>
-              <a:rPr lang="nb-NO"/>
+              <a:rPr lang="nb-NO" dirty="0"/>
               <a:t>Portalen:</a:t>
             </a:r>
           </a:p>
           <a:p>
             <a:pPr lvl="1"/>
             <a:r>
-              <a:rPr lang="nb-NO" err="1"/>
+              <a:rPr lang="nb-NO" dirty="0" err="1"/>
               <a:t>Pek&amp;Klikk</a:t>
             </a:r>
-            <a:endParaRPr lang="nb-NO"/>
-          </a:p>
-          <a:p>
-            <a:r>
-              <a:rPr lang="nb-NO" err="1"/>
+            <a:endParaRPr lang="nb-NO" dirty="0"/>
+          </a:p>
+          <a:p>
+            <a:r>
+              <a:rPr lang="nb-NO" dirty="0" err="1"/>
               <a:t>Powershell</a:t>
             </a:r>
-            <a:endParaRPr lang="nb-NO"/>
+            <a:endParaRPr lang="nb-NO" dirty="0"/>
           </a:p>
           <a:p>
             <a:pPr lvl="1"/>
             <a:r>
-              <a:rPr lang="nb-NO"/>
-              <a:t>Også tilgjengelig i Azure Shell (portalen)</a:t>
-            </a:r>
-          </a:p>
-          <a:p>
-            <a:r>
-              <a:rPr lang="nb-NO"/>
-              <a:t>Azure CLI</a:t>
+              <a:rPr lang="nb-NO" dirty="0"/>
+              <a:t>Også tilgjengelig i </a:t>
+            </a:r>
+            <a:r>
+              <a:rPr lang="nb-NO" dirty="0" err="1"/>
+              <a:t>Azure</a:t>
+            </a:r>
+            <a:r>
+              <a:rPr lang="nb-NO" dirty="0"/>
+              <a:t> Shell (portalen)</a:t>
+            </a:r>
+          </a:p>
+          <a:p>
+            <a:r>
+              <a:rPr lang="nb-NO" dirty="0" err="1"/>
+              <a:t>Azure</a:t>
+            </a:r>
+            <a:r>
+              <a:rPr lang="nb-NO" dirty="0"/>
+              <a:t> CLI</a:t>
             </a:r>
           </a:p>
           <a:p>
             <a:pPr lvl="1"/>
             <a:r>
-              <a:rPr lang="nb-NO"/>
+              <a:rPr lang="nb-NO" dirty="0"/>
               <a:t>Kommandolinjebasert – Kryss-</a:t>
             </a:r>
             <a:r>
-              <a:rPr lang="nb-NO" err="1"/>
+              <a:rPr lang="nb-NO" dirty="0" err="1"/>
               <a:t>platform</a:t>
             </a:r>
             <a:r>
-              <a:rPr lang="nb-NO"/>
+              <a:rPr lang="nb-NO" dirty="0"/>
               <a:t>. </a:t>
             </a:r>
           </a:p>
           <a:p>
             <a:pPr lvl="1"/>
             <a:r>
-              <a:rPr lang="nb-NO"/>
+              <a:rPr lang="nb-NO" dirty="0"/>
               <a:t>Tilgjengelig </a:t>
             </a:r>
           </a:p>
           <a:p>
             <a:r>
-              <a:rPr lang="nb-NO"/>
+              <a:rPr lang="nb-NO" dirty="0"/>
               <a:t>ARM-</a:t>
             </a:r>
             <a:r>
-              <a:rPr lang="nb-NO" err="1"/>
+              <a:rPr lang="nb-NO" dirty="0" err="1"/>
               <a:t>templates</a:t>
             </a:r>
             <a:r>
-              <a:rPr lang="nb-NO"/>
-              <a:t> </a:t>
-            </a:r>
+              <a:rPr lang="nb-NO" dirty="0"/>
+              <a:t> / </a:t>
+            </a:r>
+            <a:r>
+              <a:rPr lang="nb-NO" dirty="0" err="1"/>
+              <a:t>Bicep</a:t>
+            </a:r>
+            <a:endParaRPr lang="nb-NO" dirty="0"/>
           </a:p>
           <a:p>
             <a:pPr lvl="1"/>
             <a:r>
-              <a:rPr lang="nb-NO"/>
+              <a:rPr lang="nb-NO" dirty="0"/>
               <a:t>Deklarativt</a:t>
             </a:r>
           </a:p>
           <a:p>
             <a:pPr lvl="1"/>
             <a:r>
-              <a:rPr lang="nb-NO"/>
+              <a:rPr lang="nb-NO" dirty="0"/>
               <a:t>Inkrementell</a:t>
             </a:r>
           </a:p>
@@ -22924,56 +22897,6 @@
       </p:grpSpPr>
       <p:sp>
         <p:nvSpPr>
-          <p:cNvPr id="2" name="Content Placeholder 1">
-            <a:extLst>
-              <a:ext uri="{FF2B5EF4-FFF2-40B4-BE49-F238E27FC236}">
-                <a16:creationId xmlns:a16="http://schemas.microsoft.com/office/drawing/2014/main" id="{B30B91A4-AB72-4A94-BC5E-92A57CF75A85}"/>
-              </a:ext>
-            </a:extLst>
-          </p:cNvPr>
-          <p:cNvSpPr>
-            <a:spLocks noGrp="1"/>
-          </p:cNvSpPr>
-          <p:nvPr>
-            <p:ph idx="1"/>
-          </p:nvPr>
-        </p:nvSpPr>
-        <p:spPr/>
-        <p:txBody>
-          <a:bodyPr/>
-          <a:lstStyle/>
-          <a:p>
-            <a:endParaRPr lang="nb-NO"/>
-          </a:p>
-        </p:txBody>
-      </p:sp>
-      <p:sp>
-        <p:nvSpPr>
-          <p:cNvPr id="3" name="Title 2">
-            <a:extLst>
-              <a:ext uri="{FF2B5EF4-FFF2-40B4-BE49-F238E27FC236}">
-                <a16:creationId xmlns:a16="http://schemas.microsoft.com/office/drawing/2014/main" id="{67BAA3A3-966B-4BDB-B4EE-93F148EB2CD8}"/>
-              </a:ext>
-            </a:extLst>
-          </p:cNvPr>
-          <p:cNvSpPr>
-            <a:spLocks noGrp="1"/>
-          </p:cNvSpPr>
-          <p:nvPr>
-            <p:ph type="title"/>
-          </p:nvPr>
-        </p:nvSpPr>
-        <p:spPr/>
-        <p:txBody>
-          <a:bodyPr/>
-          <a:lstStyle/>
-          <a:p>
-            <a:endParaRPr lang="nb-NO"/>
-          </a:p>
-        </p:txBody>
-      </p:sp>
-      <p:sp>
-        <p:nvSpPr>
           <p:cNvPr id="4" name="Title 2">
             <a:extLst>
               <a:ext uri="{FF2B5EF4-FFF2-40B4-BE49-F238E27FC236}">
@@ -23923,14 +23846,14 @@
           </a:ln>
           <a:extLst>
             <a:ext uri="{909E8E84-426E-40dd-AFC4-6F175D3DCCD1}">
-              <a14:hiddenFill xmlns:a14="http://schemas.microsoft.com/office/drawing/2010/main" xmlns:lc="http://schemas.openxmlformats.org/drawingml/2006/lockedCanvas" xmlns="">
+              <a14:hiddenFill xmlns="" xmlns:lc="http://schemas.openxmlformats.org/drawingml/2006/lockedCanvas" xmlns:a14="http://schemas.microsoft.com/office/drawing/2010/main">
                 <a:solidFill>
                   <a:srgbClr val="FFFFFF"/>
                 </a:solidFill>
               </a14:hiddenFill>
             </a:ext>
             <a:ext uri="{91240B29-F687-4f45-9708-019B960494DF}">
-              <a14:hiddenLine xmlns:a14="http://schemas.microsoft.com/office/drawing/2010/main" xmlns:lc="http://schemas.openxmlformats.org/drawingml/2006/lockedCanvas" xmlns="" w="9525">
+              <a14:hiddenLine xmlns="" xmlns:lc="http://schemas.openxmlformats.org/drawingml/2006/lockedCanvas" xmlns:a14="http://schemas.microsoft.com/office/drawing/2010/main" w="9525">
                 <a:solidFill>
                   <a:srgbClr val="000000"/>
                 </a:solidFill>
@@ -24119,14 +24042,14 @@
           </a:ln>
           <a:extLst>
             <a:ext uri="{909E8E84-426E-40dd-AFC4-6F175D3DCCD1}">
-              <a14:hiddenFill xmlns:a14="http://schemas.microsoft.com/office/drawing/2010/main" xmlns:lc="http://schemas.openxmlformats.org/drawingml/2006/lockedCanvas" xmlns="">
+              <a14:hiddenFill xmlns="" xmlns:lc="http://schemas.openxmlformats.org/drawingml/2006/lockedCanvas" xmlns:a14="http://schemas.microsoft.com/office/drawing/2010/main">
                 <a:solidFill>
                   <a:srgbClr val="FFFFFF"/>
                 </a:solidFill>
               </a14:hiddenFill>
             </a:ext>
             <a:ext uri="{91240B29-F687-4f45-9708-019B960494DF}">
-              <a14:hiddenLine xmlns:a14="http://schemas.microsoft.com/office/drawing/2010/main" xmlns:lc="http://schemas.openxmlformats.org/drawingml/2006/lockedCanvas" xmlns="" w="9525">
+              <a14:hiddenLine xmlns="" xmlns:lc="http://schemas.openxmlformats.org/drawingml/2006/lockedCanvas" xmlns:a14="http://schemas.microsoft.com/office/drawing/2010/main" w="9525">
                 <a:solidFill>
                   <a:srgbClr val="000000"/>
                 </a:solidFill>
@@ -24587,14 +24510,14 @@
           </a:ln>
           <a:extLst>
             <a:ext uri="{909E8E84-426E-40dd-AFC4-6F175D3DCCD1}">
-              <a14:hiddenFill xmlns:a14="http://schemas.microsoft.com/office/drawing/2010/main" xmlns:lc="http://schemas.openxmlformats.org/drawingml/2006/lockedCanvas" xmlns="">
+              <a14:hiddenFill xmlns="" xmlns:lc="http://schemas.openxmlformats.org/drawingml/2006/lockedCanvas" xmlns:a14="http://schemas.microsoft.com/office/drawing/2010/main">
                 <a:solidFill>
                   <a:srgbClr val="FFFFFF"/>
                 </a:solidFill>
               </a14:hiddenFill>
             </a:ext>
             <a:ext uri="{91240B29-F687-4f45-9708-019B960494DF}">
-              <a14:hiddenLine xmlns:a14="http://schemas.microsoft.com/office/drawing/2010/main" xmlns:lc="http://schemas.openxmlformats.org/drawingml/2006/lockedCanvas" xmlns="" w="9525">
+              <a14:hiddenLine xmlns="" xmlns:lc="http://schemas.openxmlformats.org/drawingml/2006/lockedCanvas" xmlns:a14="http://schemas.microsoft.com/office/drawing/2010/main" w="9525">
                 <a:solidFill>
                   <a:srgbClr val="000000"/>
                 </a:solidFill>
@@ -25300,14 +25223,14 @@
           </a:ln>
           <a:extLst>
             <a:ext uri="{909E8E84-426E-40dd-AFC4-6F175D3DCCD1}">
-              <a14:hiddenFill xmlns:a14="http://schemas.microsoft.com/office/drawing/2010/main" xmlns:lc="http://schemas.openxmlformats.org/drawingml/2006/lockedCanvas" xmlns="">
+              <a14:hiddenFill xmlns="" xmlns:lc="http://schemas.openxmlformats.org/drawingml/2006/lockedCanvas" xmlns:a14="http://schemas.microsoft.com/office/drawing/2010/main">
                 <a:solidFill>
                   <a:srgbClr val="FFFFFF"/>
                 </a:solidFill>
               </a14:hiddenFill>
             </a:ext>
             <a:ext uri="{91240B29-F687-4f45-9708-019B960494DF}">
-              <a14:hiddenLine xmlns:a14="http://schemas.microsoft.com/office/drawing/2010/main" xmlns:lc="http://schemas.openxmlformats.org/drawingml/2006/lockedCanvas" xmlns="" w="9525">
+              <a14:hiddenLine xmlns="" xmlns:lc="http://schemas.openxmlformats.org/drawingml/2006/lockedCanvas" xmlns:a14="http://schemas.microsoft.com/office/drawing/2010/main" w="9525">
                 <a:solidFill>
                   <a:srgbClr val="000000"/>
                 </a:solidFill>
@@ -25360,14 +25283,14 @@
           </a:ln>
           <a:extLst>
             <a:ext uri="{909E8E84-426E-40dd-AFC4-6F175D3DCCD1}">
-              <a14:hiddenFill xmlns:a14="http://schemas.microsoft.com/office/drawing/2010/main" xmlns:lc="http://schemas.openxmlformats.org/drawingml/2006/lockedCanvas" xmlns="">
+              <a14:hiddenFill xmlns="" xmlns:lc="http://schemas.openxmlformats.org/drawingml/2006/lockedCanvas" xmlns:a14="http://schemas.microsoft.com/office/drawing/2010/main">
                 <a:solidFill>
                   <a:srgbClr val="FFFFFF"/>
                 </a:solidFill>
               </a14:hiddenFill>
             </a:ext>
             <a:ext uri="{91240B29-F687-4f45-9708-019B960494DF}">
-              <a14:hiddenLine xmlns:a14="http://schemas.microsoft.com/office/drawing/2010/main" xmlns:lc="http://schemas.openxmlformats.org/drawingml/2006/lockedCanvas" xmlns="" w="9525">
+              <a14:hiddenLine xmlns="" xmlns:lc="http://schemas.openxmlformats.org/drawingml/2006/lockedCanvas" xmlns:a14="http://schemas.microsoft.com/office/drawing/2010/main" w="9525">
                 <a:solidFill>
                   <a:srgbClr val="000000"/>
                 </a:solidFill>
@@ -26237,69 +26160,69 @@
           <a:lstStyle/>
           <a:p>
             <a:r>
-              <a:rPr lang="nb-NO"/>
+              <a:rPr lang="nb-NO" dirty="0"/>
               <a:t>En Storage </a:t>
             </a:r>
             <a:r>
-              <a:rPr lang="nb-NO" err="1"/>
+              <a:rPr lang="nb-NO" dirty="0" err="1"/>
               <a:t>Account</a:t>
             </a:r>
             <a:r>
-              <a:rPr lang="nb-NO"/>
+              <a:rPr lang="nb-NO" dirty="0"/>
               <a:t> kan inneholde</a:t>
             </a:r>
           </a:p>
           <a:p>
             <a:pPr lvl="1"/>
             <a:r>
-              <a:rPr lang="nb-NO"/>
+              <a:rPr lang="nb-NO" dirty="0"/>
               <a:t>Files</a:t>
             </a:r>
           </a:p>
           <a:p>
             <a:pPr lvl="1"/>
             <a:r>
-              <a:rPr lang="nb-NO"/>
+              <a:rPr lang="nb-NO" dirty="0"/>
               <a:t>Queues</a:t>
             </a:r>
           </a:p>
           <a:p>
             <a:pPr lvl="1"/>
             <a:r>
-              <a:rPr lang="nb-NO" err="1"/>
+              <a:rPr lang="nb-NO" dirty="0" err="1"/>
               <a:t>Tables</a:t>
             </a:r>
-            <a:endParaRPr lang="nb-NO"/>
+            <a:endParaRPr lang="nb-NO" dirty="0"/>
           </a:p>
           <a:p>
             <a:pPr lvl="1"/>
             <a:r>
-              <a:rPr lang="nb-NO" err="1"/>
+              <a:rPr lang="nb-NO" dirty="0" err="1"/>
               <a:t>Blobs</a:t>
             </a:r>
-            <a:endParaRPr lang="nb-NO"/>
-          </a:p>
-          <a:p>
-            <a:r>
-              <a:rPr lang="nb-NO"/>
-              <a:t>Holdbar</a:t>
-            </a:r>
-          </a:p>
-          <a:p>
-            <a:r>
-              <a:rPr lang="nb-NO"/>
+            <a:endParaRPr lang="nb-NO" dirty="0"/>
+          </a:p>
+          <a:p>
+            <a:r>
+              <a:rPr lang="nb-NO" dirty="0"/>
+              <a:t>Robust</a:t>
+            </a:r>
+          </a:p>
+          <a:p>
+            <a:r>
+              <a:rPr lang="nb-NO" dirty="0"/>
               <a:t>Sikker</a:t>
             </a:r>
           </a:p>
           <a:p>
             <a:r>
-              <a:rPr lang="nb-NO"/>
+              <a:rPr lang="nb-NO" dirty="0"/>
               <a:t>Skalerbar</a:t>
             </a:r>
           </a:p>
           <a:p>
             <a:r>
-              <a:rPr lang="nb-NO"/>
+              <a:rPr lang="nb-NO" dirty="0"/>
               <a:t>Tilgjengelig</a:t>
             </a:r>
           </a:p>
@@ -26307,11 +26230,11 @@
             <a:pPr marL="0" indent="0">
               <a:buNone/>
             </a:pPr>
-            <a:endParaRPr lang="nb-NO"/>
+            <a:endParaRPr lang="nb-NO" dirty="0"/>
           </a:p>
           <a:p>
             <a:pPr lvl="1"/>
-            <a:endParaRPr lang="nb-NO"/>
+            <a:endParaRPr lang="nb-NO" dirty="0"/>
           </a:p>
         </p:txBody>
       </p:sp>
@@ -26690,86 +26613,86 @@
           <a:bodyPr/>
           <a:lstStyle/>
           <a:p>
-            <a:endParaRPr lang="nb-NO"/>
-          </a:p>
-          <a:p>
-            <a:r>
-              <a:rPr lang="nb-NO" err="1"/>
+            <a:endParaRPr lang="nb-NO" dirty="0"/>
+          </a:p>
+          <a:p>
+            <a:r>
+              <a:rPr lang="nb-NO" dirty="0" err="1"/>
               <a:t>NoSQL</a:t>
             </a:r>
             <a:r>
-              <a:rPr lang="nb-NO"/>
+              <a:rPr lang="nb-NO" dirty="0"/>
               <a:t>  - No </a:t>
             </a:r>
             <a:r>
-              <a:rPr lang="nb-NO" err="1"/>
+              <a:rPr lang="nb-NO" dirty="0" err="1"/>
               <a:t>Schema</a:t>
             </a:r>
             <a:r>
-              <a:rPr lang="nb-NO"/>
+              <a:rPr lang="nb-NO" dirty="0"/>
               <a:t>.</a:t>
             </a:r>
           </a:p>
           <a:p>
             <a:r>
-              <a:rPr lang="nb-NO"/>
+              <a:rPr lang="nb-NO" dirty="0"/>
               <a:t>Ingen relasjoner mellom tabellene.</a:t>
             </a:r>
           </a:p>
           <a:p>
             <a:r>
-              <a:rPr lang="nb-NO" err="1"/>
+              <a:rPr lang="nb-NO" dirty="0" err="1"/>
               <a:t>PartitionKey</a:t>
             </a:r>
             <a:r>
-              <a:rPr lang="nb-NO"/>
+              <a:rPr lang="nb-NO" dirty="0"/>
               <a:t> og </a:t>
             </a:r>
             <a:r>
-              <a:rPr lang="nb-NO" err="1"/>
+              <a:rPr lang="nb-NO" dirty="0" err="1"/>
               <a:t>RowKey</a:t>
             </a:r>
             <a:r>
-              <a:rPr lang="nb-NO"/>
+              <a:rPr lang="nb-NO" dirty="0"/>
               <a:t> eneste indekserte kolonner.</a:t>
             </a:r>
           </a:p>
           <a:p>
             <a:r>
-              <a:rPr lang="nb-NO" err="1"/>
+              <a:rPr lang="nb-NO" dirty="0" err="1"/>
               <a:t>PartitionKey</a:t>
             </a:r>
             <a:r>
-              <a:rPr lang="nb-NO"/>
+              <a:rPr lang="nb-NO" dirty="0"/>
               <a:t> viktig for skalering.</a:t>
             </a:r>
           </a:p>
           <a:p>
             <a:r>
-              <a:rPr lang="nb-NO"/>
+              <a:rPr lang="nb-NO" dirty="0"/>
               <a:t>Hvis brukt riktig, veldig kjapt og rimelig.</a:t>
             </a:r>
           </a:p>
           <a:p>
             <a:r>
-              <a:rPr lang="nb-NO"/>
+              <a:rPr lang="nb-NO" dirty="0"/>
               <a:t>Haveibeenpwned.com</a:t>
             </a:r>
           </a:p>
           <a:p>
-            <a:endParaRPr lang="nb-NO"/>
-          </a:p>
-          <a:p>
-            <a:endParaRPr lang="nb-NO"/>
-          </a:p>
-          <a:p>
-            <a:endParaRPr lang="nb-NO"/>
-          </a:p>
-          <a:p>
-            <a:endParaRPr lang="nb-NO"/>
-          </a:p>
-          <a:p>
-            <a:endParaRPr lang="nb-NO"/>
+            <a:endParaRPr lang="nb-NO" dirty="0"/>
+          </a:p>
+          <a:p>
+            <a:endParaRPr lang="nb-NO" dirty="0"/>
+          </a:p>
+          <a:p>
+            <a:endParaRPr lang="nb-NO" dirty="0"/>
+          </a:p>
+          <a:p>
+            <a:endParaRPr lang="nb-NO" dirty="0"/>
+          </a:p>
+          <a:p>
+            <a:endParaRPr lang="nb-NO" dirty="0"/>
           </a:p>
         </p:txBody>
       </p:sp>
@@ -36390,18 +36313,18 @@
 </file>
 
 <file path=customXml/item1.xml><?xml version="1.0" encoding="utf-8"?>
-<p:properties xmlns:p="http://schemas.microsoft.com/office/2006/metadata/properties" xmlns:xsi="http://www.w3.org/2001/XMLSchema-instance" xmlns:pc="http://schemas.microsoft.com/office/infopath/2007/PartnerControls">
-  <documentManagement/>
-</p:properties>
-</file>
-
-<file path=customXml/item2.xml><?xml version="1.0" encoding="utf-8"?>
 <?mso-contentType ?>
 <FormTemplates xmlns="http://schemas.microsoft.com/sharepoint/v3/contenttype/forms">
   <Display>DocumentLibraryForm</Display>
   <Edit>DocumentLibraryForm</Edit>
   <New>DocumentLibraryForm</New>
 </FormTemplates>
+</file>
+
+<file path=customXml/item2.xml><?xml version="1.0" encoding="utf-8"?>
+<p:properties xmlns:p="http://schemas.microsoft.com/office/2006/metadata/properties" xmlns:xsi="http://www.w3.org/2001/XMLSchema-instance" xmlns:pc="http://schemas.microsoft.com/office/infopath/2007/PartnerControls">
+  <documentManagement/>
+</p:properties>
 </file>
 
 <file path=customXml/item3.xml><?xml version="1.0" encoding="utf-8"?>
@@ -36614,6 +36537,14 @@
 </file>
 
 <file path=customXml/itemProps1.xml><?xml version="1.0" encoding="utf-8"?>
+<ds:datastoreItem xmlns:ds="http://schemas.openxmlformats.org/officeDocument/2006/customXml" ds:itemID="{BB82CC63-55FC-4D22-9ED3-DB88AF6228E1}">
+  <ds:schemaRefs>
+    <ds:schemaRef ds:uri="http://schemas.microsoft.com/sharepoint/v3/contenttype/forms"/>
+  </ds:schemaRefs>
+</ds:datastoreItem>
+</file>
+
+<file path=customXml/itemProps2.xml><?xml version="1.0" encoding="utf-8"?>
 <ds:datastoreItem xmlns:ds="http://schemas.openxmlformats.org/officeDocument/2006/customXml" ds:itemID="{9D2CB842-18D5-4EEF-9009-B0CAFCE7AC3E}">
   <ds:schemaRefs>
     <ds:schemaRef ds:uri="7ba49632-979e-4ee1-aefd-7896aa63ba9e"/>
@@ -36626,14 +36557,6 @@
     <ds:schemaRef ds:uri="http://schemas.microsoft.com/office/infopath/2007/PartnerControls"/>
     <ds:schemaRef ds:uri="http://schemas.openxmlformats.org/package/2006/metadata/core-properties"/>
     <ds:schemaRef ds:uri="http://www.w3.org/XML/1998/namespace"/>
-  </ds:schemaRefs>
-</ds:datastoreItem>
-</file>
-
-<file path=customXml/itemProps2.xml><?xml version="1.0" encoding="utf-8"?>
-<ds:datastoreItem xmlns:ds="http://schemas.openxmlformats.org/officeDocument/2006/customXml" ds:itemID="{BB82CC63-55FC-4D22-9ED3-DB88AF6228E1}">
-  <ds:schemaRefs>
-    <ds:schemaRef ds:uri="http://schemas.microsoft.com/sharepoint/v3/contenttype/forms"/>
   </ds:schemaRefs>
 </ds:datastoreItem>
 </file>

--- a/Workshop_1/Presentasjon/Azureskolen-Workshop#1.pptx
+++ b/Workshop_1/Presentasjon/Azureskolen-Workshop#1.pptx
@@ -258,7 +258,7 @@
           <a:p>
             <a:fld id="{54C52192-B826-4AE0-9CD6-BEA9467D12B3}" type="datetimeFigureOut">
               <a:rPr lang="nb-NO" smtClean="0"/>
-              <a:t>02.09.2022</a:t>
+              <a:t>07.09.2022</a:t>
             </a:fld>
             <a:endParaRPr lang="nb-NO"/>
           </a:p>
@@ -423,7 +423,7 @@
           <a:p>
             <a:fld id="{2696BCB2-2760-41B1-A1BE-7886EF110FCB}" type="datetimeFigureOut">
               <a:rPr lang="nb-NO" smtClean="0"/>
-              <a:t>02.09.2022</a:t>
+              <a:t>07.09.2022</a:t>
             </a:fld>
             <a:endParaRPr lang="nb-NO"/>
           </a:p>
@@ -1402,48 +1402,54 @@
           <a:lstStyle/>
           <a:p>
             <a:r>
-              <a:rPr lang="nb-NO" err="1"/>
+              <a:rPr lang="nb-NO" dirty="0" err="1"/>
               <a:t>Azure</a:t>
             </a:r>
             <a:r>
-              <a:rPr lang="nb-NO"/>
+              <a:rPr lang="nb-NO" dirty="0"/>
               <a:t>, det går vel aldri ned, de har jo så mange servere og datasentre. </a:t>
             </a:r>
           </a:p>
           <a:p>
-            <a:endParaRPr lang="nb-NO"/>
-          </a:p>
-          <a:p>
-            <a:endParaRPr lang="nb-NO"/>
-          </a:p>
-          <a:p>
-            <a:r>
-              <a:rPr lang="nb-NO"/>
+            <a:endParaRPr lang="nb-NO" dirty="0"/>
+          </a:p>
+          <a:p>
+            <a:r>
+              <a:rPr lang="nb-NO" dirty="0"/>
               <a:t>Nå har vi snakket skytjenester opp skikkelig, og hvor bra det er. Men la oss ikke glemme at det er snakk om fysisk hardware i skyen også, det er snakk om mennesker, og da selvfølgelig at ting kan feile i skyen og. </a:t>
             </a:r>
             <a:r>
-              <a:rPr lang="nb-NO" err="1"/>
+              <a:rPr lang="nb-NO" dirty="0" err="1"/>
               <a:t>Hehe</a:t>
             </a:r>
             <a:r>
-              <a:rPr lang="nb-NO"/>
+              <a:rPr lang="nb-NO" dirty="0"/>
               <a:t>. For det er ikke slik at du ikke har nede tid i skyen. Det finnes regnværsdager. Kartet viser omfanget av </a:t>
             </a:r>
             <a:r>
-              <a:rPr lang="nb-NO" err="1"/>
+              <a:rPr lang="nb-NO" dirty="0" err="1"/>
               <a:t>outager</a:t>
             </a:r>
             <a:r>
-              <a:rPr lang="nb-NO"/>
+              <a:rPr lang="nb-NO" dirty="0"/>
               <a:t>. Dette kan være ulike grunner til. Alt fra strømbrudd, til naturkatastrofer, sikkert til politiske grunner og. Eller feil. Fordelen med skyen er jo at du enkelt kan flytte ressurser, enkelt å ta </a:t>
             </a:r>
             <a:r>
-              <a:rPr lang="nb-NO" err="1"/>
+              <a:rPr lang="nb-NO" dirty="0" err="1"/>
               <a:t>backup</a:t>
             </a:r>
             <a:r>
-              <a:rPr lang="nb-NO"/>
-              <a:t>. </a:t>
+              <a:rPr lang="nb-NO" dirty="0"/>
+              <a:t>.</a:t>
+            </a:r>
+          </a:p>
+          <a:p>
+            <a:endParaRPr lang="nb-NO" dirty="0"/>
+          </a:p>
+          <a:p>
+            <a:r>
+              <a:rPr lang="nb-NO" dirty="0"/>
+              <a:t>Skyen betyr ikke 100% oppetid, så man må være obs på dette. Til forskjell fra når egne servere går ned, har man heller ingen kontroll over når ting kan fungere igjen.</a:t>
             </a:r>
           </a:p>
         </p:txBody>
@@ -1638,7 +1644,23 @@
             </a:r>
             <a:r>
               <a:rPr lang="nb-NO" dirty="0"/>
-              <a:t> AD og App service. I </a:t>
+              <a:t> </a:t>
+            </a:r>
+            <a:r>
+              <a:rPr lang="nb-NO" dirty="0" err="1"/>
+              <a:t>IoT</a:t>
+            </a:r>
+            <a:r>
+              <a:rPr lang="nb-NO" dirty="0"/>
+              <a:t> </a:t>
+            </a:r>
+            <a:r>
+              <a:rPr lang="nb-NO" dirty="0" err="1"/>
+              <a:t>Hub</a:t>
+            </a:r>
+            <a:r>
+              <a:rPr lang="nb-NO" dirty="0"/>
+              <a:t> og App service. I </a:t>
             </a:r>
             <a:r>
               <a:rPr lang="nb-NO" dirty="0" err="1"/>
@@ -1788,154 +1810,305 @@
           <a:bodyPr/>
           <a:lstStyle/>
           <a:p>
-            <a:endParaRPr lang="nb-NO"/>
-          </a:p>
-          <a:p>
-            <a:r>
-              <a:rPr lang="nb-NO"/>
+            <a:endParaRPr lang="nb-NO" dirty="0"/>
+          </a:p>
+          <a:p>
+            <a:r>
+              <a:rPr lang="nb-NO" dirty="0"/>
               <a:t>En del ting er ikke tilgjengelig i portalen, men </a:t>
             </a:r>
             <a:r>
-              <a:rPr lang="nb-NO" err="1"/>
+              <a:rPr lang="nb-NO" dirty="0" err="1"/>
               <a:t>powershell</a:t>
             </a:r>
             <a:r>
-              <a:rPr lang="nb-NO"/>
-              <a:t> og Azure CLI skal ha de samme mulighetene</a:t>
-            </a:r>
-          </a:p>
-          <a:p>
-            <a:endParaRPr lang="nb-NO">
+              <a:rPr lang="nb-NO" dirty="0"/>
+              <a:t> og </a:t>
+            </a:r>
+            <a:r>
+              <a:rPr lang="nb-NO" dirty="0" err="1"/>
+              <a:t>Azure</a:t>
+            </a:r>
+            <a:r>
+              <a:rPr lang="nb-NO" dirty="0"/>
+              <a:t> CLI skal ha de samme mulighetene</a:t>
+            </a:r>
+          </a:p>
+          <a:p>
+            <a:endParaRPr lang="nb-NO" dirty="0">
               <a:cs typeface="Calibri"/>
             </a:endParaRPr>
           </a:p>
           <a:p>
-            <a:endParaRPr lang="nb-NO">
+            <a:r>
+              <a:rPr lang="nb-NO" dirty="0">
+                <a:cs typeface="Calibri"/>
+              </a:rPr>
+              <a:t>Man har en del muligheter til å opprette ressurser i </a:t>
+            </a:r>
+            <a:r>
+              <a:rPr lang="nb-NO" dirty="0" err="1">
+                <a:cs typeface="Calibri"/>
+              </a:rPr>
+              <a:t>Azure</a:t>
+            </a:r>
+            <a:r>
+              <a:rPr lang="nb-NO" dirty="0">
+                <a:cs typeface="Calibri"/>
+              </a:rPr>
+              <a:t>.</a:t>
+            </a:r>
+          </a:p>
+          <a:p>
+            <a:endParaRPr lang="nb-NO" dirty="0">
               <a:cs typeface="Calibri"/>
             </a:endParaRPr>
           </a:p>
           <a:p>
             <a:r>
-              <a:rPr lang="nb-NO">
-                <a:cs typeface="Calibri"/>
-              </a:rPr>
-              <a:t>Man har en del muligheter til å opprette ressurser i Azure.</a:t>
-            </a:r>
-          </a:p>
-          <a:p>
-            <a:endParaRPr lang="nb-NO">
-              <a:cs typeface="Calibri"/>
-            </a:endParaRPr>
-          </a:p>
-          <a:p>
-            <a:r>
-              <a:rPr lang="nb-NO">
+              <a:rPr lang="nb-NO" dirty="0">
                 <a:cs typeface="Calibri"/>
               </a:rPr>
               <a:t>Man kan </a:t>
             </a:r>
             <a:r>
-              <a:rPr lang="nb-NO" err="1">
+              <a:rPr lang="nb-NO" dirty="0" err="1">
                 <a:cs typeface="Calibri"/>
               </a:rPr>
               <a:t>f.eks</a:t>
             </a:r>
             <a:r>
-              <a:rPr lang="nb-NO">
+              <a:rPr lang="nb-NO" dirty="0">
                 <a:cs typeface="Calibri"/>
               </a:rPr>
               <a:t> </a:t>
             </a:r>
             <a:r>
-              <a:rPr lang="nb-NO" err="1">
+              <a:rPr lang="nb-NO" dirty="0" err="1">
                 <a:cs typeface="Calibri"/>
               </a:rPr>
               <a:t>point</a:t>
             </a:r>
             <a:r>
-              <a:rPr lang="nb-NO">
+              <a:rPr lang="nb-NO" dirty="0">
                 <a:cs typeface="Calibri"/>
               </a:rPr>
               <a:t> and </a:t>
             </a:r>
             <a:r>
-              <a:rPr lang="nb-NO" err="1">
+              <a:rPr lang="nb-NO" dirty="0" err="1">
                 <a:cs typeface="Calibri"/>
               </a:rPr>
               <a:t>clicke</a:t>
             </a:r>
             <a:r>
-              <a:rPr lang="nb-NO">
+              <a:rPr lang="nb-NO" dirty="0">
                 <a:cs typeface="Calibri"/>
               </a:rPr>
-              <a:t> direkte i nettleseren i portalen til Azure.</a:t>
-            </a:r>
-          </a:p>
-          <a:p>
-            <a:endParaRPr lang="nb-NO">
+              <a:t> direkte i nettleseren i portalen til </a:t>
+            </a:r>
+            <a:r>
+              <a:rPr lang="nb-NO" dirty="0" err="1">
+                <a:cs typeface="Calibri"/>
+              </a:rPr>
+              <a:t>Azure</a:t>
+            </a:r>
+            <a:r>
+              <a:rPr lang="nb-NO" dirty="0">
+                <a:cs typeface="Calibri"/>
+              </a:rPr>
+              <a:t>.</a:t>
+            </a:r>
+          </a:p>
+          <a:p>
+            <a:endParaRPr lang="nb-NO" dirty="0">
               <a:cs typeface="Calibri"/>
             </a:endParaRPr>
           </a:p>
           <a:p>
             <a:r>
-              <a:rPr lang="nb-NO">
+              <a:rPr lang="nb-NO" dirty="0">
                 <a:cs typeface="Calibri"/>
               </a:rPr>
               <a:t>Rett fra </a:t>
             </a:r>
             <a:r>
-              <a:rPr lang="nb-NO" err="1">
+              <a:rPr lang="nb-NO" dirty="0" err="1">
                 <a:cs typeface="Calibri"/>
               </a:rPr>
               <a:t>powershell</a:t>
             </a:r>
             <a:r>
-              <a:rPr lang="nb-NO">
+              <a:rPr lang="nb-NO" dirty="0">
                 <a:cs typeface="Calibri"/>
               </a:rPr>
-              <a:t>, eller eventuelt ved hjelp av Azure CLI som er </a:t>
-            </a:r>
-            <a:r>
-              <a:rPr lang="nb-NO" err="1">
+              <a:t>, eller eventuelt ved hjelp av </a:t>
+            </a:r>
+            <a:r>
+              <a:rPr lang="nb-NO" dirty="0" err="1">
+                <a:cs typeface="Calibri"/>
+              </a:rPr>
+              <a:t>Azure</a:t>
+            </a:r>
+            <a:r>
+              <a:rPr lang="nb-NO" dirty="0">
+                <a:cs typeface="Calibri"/>
+              </a:rPr>
+              <a:t> CLI som er </a:t>
+            </a:r>
+            <a:r>
+              <a:rPr lang="nb-NO" dirty="0" err="1">
                 <a:cs typeface="Calibri"/>
               </a:rPr>
               <a:t>kryssplatform</a:t>
             </a:r>
-            <a:endParaRPr lang="nb-NO">
+            <a:endParaRPr lang="nb-NO" dirty="0">
               <a:cs typeface="Calibri"/>
             </a:endParaRPr>
           </a:p>
           <a:p>
-            <a:endParaRPr lang="nb-NO"/>
-          </a:p>
-          <a:p>
-            <a:r>
-              <a:rPr lang="nb-NO"/>
+            <a:endParaRPr lang="nb-NO" dirty="0"/>
+          </a:p>
+          <a:p>
+            <a:r>
+              <a:rPr lang="nb-NO" dirty="0"/>
               <a:t>ARM </a:t>
             </a:r>
             <a:r>
-              <a:rPr lang="nb-NO" err="1"/>
+              <a:rPr lang="nb-NO" dirty="0" err="1"/>
               <a:t>templates</a:t>
             </a:r>
             <a:r>
-              <a:rPr lang="nb-NO"/>
-              <a:t>. Egner seg veldig godt.</a:t>
-            </a:r>
-          </a:p>
-          <a:p>
-            <a:r>
-              <a:rPr lang="nb-NO"/>
-              <a:t>Da infrastruktur har blitt en del av den iterative prosessen, har skillet mellom drift og utvikling forsvunnet. Teamene må administrere infrastruktur og applikasjonskode gjennom en enhetlig prosess.</a:t>
-            </a:r>
-          </a:p>
-          <a:p>
-            <a:endParaRPr lang="nb-NO"/>
-          </a:p>
-          <a:p>
-            <a:r>
-              <a:rPr lang="nb-NO"/>
-              <a:t>For å møte disse utfordringene kan du automatisere distribusjoner og bruke praksis med infrastruktur som kode. I kode definerer du infrastrukturen som må distribueres. Infrastrukturkoden blir en del av prosjektet ditt. Akkurat som applikasjonskode, lagrer du infrastrukturkoden i et kildelager og verserer den. Alle i teamet ditt kan kjøre koden og distribuere lignende miljøer.</a:t>
-            </a:r>
+              <a:rPr lang="nb-NO" dirty="0"/>
+              <a:t>. Egner seg veldig godt, man definerer infrastrukturen i konfigurasjonsfiler og så kan man </a:t>
+            </a:r>
+            <a:r>
+              <a:rPr lang="nb-NO" dirty="0" err="1"/>
+              <a:t>deploye</a:t>
+            </a:r>
+            <a:r>
+              <a:rPr lang="nb-NO" dirty="0"/>
+              <a:t> disse og </a:t>
+            </a:r>
+            <a:r>
+              <a:rPr lang="nb-NO" dirty="0" err="1"/>
+              <a:t>Azure</a:t>
+            </a:r>
+            <a:r>
+              <a:rPr lang="nb-NO" dirty="0"/>
+              <a:t> oppretter ressursene som definert – infrastruktur som kode.</a:t>
+            </a:r>
+          </a:p>
+          <a:p>
+            <a:endParaRPr lang="nb-NO" dirty="0"/>
+          </a:p>
+          <a:p>
+            <a:r>
+              <a:rPr lang="nb-NO" dirty="0"/>
+              <a:t>Fordeler med ARM:</a:t>
+            </a:r>
+          </a:p>
+          <a:p>
+            <a:pPr marL="171450" indent="-171450">
+              <a:buFontTx/>
+              <a:buChar char="-"/>
+            </a:pPr>
+            <a:r>
+              <a:rPr lang="nb-NO" dirty="0" err="1"/>
+              <a:t>Disaster</a:t>
+            </a:r>
+            <a:r>
+              <a:rPr lang="nb-NO" dirty="0"/>
+              <a:t> </a:t>
+            </a:r>
+            <a:r>
+              <a:rPr lang="nb-NO" dirty="0" err="1"/>
+              <a:t>recovery</a:t>
+            </a:r>
+            <a:r>
+              <a:rPr lang="nb-NO" dirty="0"/>
+              <a:t> er enklere, kan automatisk kjøre opp hele miljøer</a:t>
+            </a:r>
+          </a:p>
+          <a:p>
+            <a:pPr marL="171450" indent="-171450">
+              <a:buFontTx/>
+              <a:buChar char="-"/>
+            </a:pPr>
+            <a:r>
+              <a:rPr lang="nb-NO" dirty="0"/>
+              <a:t>Infrastruktur som kode, blir en del av kodebasen og vedlikeholdes på samme måte</a:t>
+            </a:r>
+          </a:p>
+          <a:p>
+            <a:pPr marL="171450" indent="-171450">
+              <a:buFontTx/>
+              <a:buChar char="-"/>
+            </a:pPr>
+            <a:r>
+              <a:rPr lang="nb-NO" dirty="0"/>
+              <a:t>Enklere når skillet mellom utvikling og infrastruktur blir mindre synlig</a:t>
+            </a:r>
+          </a:p>
+          <a:p>
+            <a:pPr marL="171450" indent="-171450">
+              <a:buFontTx/>
+              <a:buChar char="-"/>
+            </a:pPr>
+            <a:r>
+              <a:rPr lang="nb-NO" dirty="0"/>
+              <a:t>Inkrementell oppdatering vil bare legge til nye ting eller endre eksisterende ressurser, mens fullstendig vil slette ressurser som *ikke* finnes i templaten</a:t>
+            </a:r>
+          </a:p>
+          <a:p>
+            <a:pPr marL="171450" indent="-171450">
+              <a:buFontTx/>
+              <a:buChar char="-"/>
+            </a:pPr>
+            <a:endParaRPr lang="nb-NO" dirty="0"/>
+          </a:p>
+          <a:p>
+            <a:pPr marL="0" indent="0">
+              <a:buFontTx/>
+              <a:buNone/>
+            </a:pPr>
+            <a:r>
+              <a:rPr lang="nb-NO" dirty="0" err="1"/>
+              <a:t>Bicep</a:t>
+            </a:r>
+            <a:r>
+              <a:rPr lang="nb-NO" dirty="0"/>
+              <a:t>: Mindre </a:t>
+            </a:r>
+            <a:r>
+              <a:rPr lang="nb-NO" dirty="0" err="1"/>
+              <a:t>boilerplate</a:t>
+            </a:r>
+            <a:r>
+              <a:rPr lang="nb-NO" dirty="0"/>
+              <a:t>, enklere </a:t>
+            </a:r>
+            <a:r>
+              <a:rPr lang="nb-NO" dirty="0" err="1"/>
+              <a:t>syntax</a:t>
+            </a:r>
+            <a:r>
+              <a:rPr lang="nb-NO" dirty="0"/>
+              <a:t> enn ARM. </a:t>
+            </a:r>
+            <a:r>
+              <a:rPr lang="nb-NO" dirty="0" err="1"/>
+              <a:t>Domain-specific</a:t>
+            </a:r>
+            <a:r>
+              <a:rPr lang="nb-NO" dirty="0"/>
+              <a:t> </a:t>
+            </a:r>
+            <a:r>
+              <a:rPr lang="nb-NO" dirty="0" err="1"/>
+              <a:t>language</a:t>
+            </a:r>
+            <a:endParaRPr lang="nb-NO" dirty="0"/>
           </a:p>
         </p:txBody>
       </p:sp>
@@ -2020,133 +2193,204 @@
           <a:lstStyle/>
           <a:p>
             <a:r>
-              <a:rPr lang="nb-NO"/>
-              <a:t>App services er en av mange tjenester tilbudt av Azure, og går under </a:t>
-            </a:r>
-            <a:r>
-              <a:rPr lang="nb-NO" err="1"/>
+              <a:rPr lang="nb-NO" dirty="0"/>
+              <a:t>App services er en av mange tjenester tilbudt av </a:t>
+            </a:r>
+            <a:r>
+              <a:rPr lang="nb-NO" dirty="0" err="1"/>
+              <a:t>Azure</a:t>
+            </a:r>
+            <a:r>
+              <a:rPr lang="nb-NO" dirty="0"/>
+              <a:t>, og går under </a:t>
+            </a:r>
+            <a:r>
+              <a:rPr lang="nb-NO" dirty="0" err="1"/>
               <a:t>skymodellen</a:t>
             </a:r>
             <a:r>
-              <a:rPr lang="nb-NO"/>
-              <a:t> Platform as a service.</a:t>
-            </a:r>
-          </a:p>
-          <a:p>
-            <a:endParaRPr lang="nb-NO"/>
-          </a:p>
-          <a:p>
-            <a:r>
-              <a:rPr lang="nb-NO"/>
+              <a:rPr lang="nb-NO" dirty="0"/>
+              <a:t> Platform as a service. Du stiller med koden, Microsoft håndterer plattformen og det lenger ned i </a:t>
+            </a:r>
+            <a:r>
+              <a:rPr lang="nb-NO" dirty="0" err="1"/>
+              <a:t>stacken</a:t>
+            </a:r>
+            <a:r>
+              <a:rPr lang="nb-NO" dirty="0"/>
+              <a:t>.</a:t>
+            </a:r>
+          </a:p>
+          <a:p>
+            <a:endParaRPr lang="nb-NO" dirty="0"/>
+          </a:p>
+          <a:p>
+            <a:r>
+              <a:rPr lang="nb-NO" dirty="0"/>
               <a:t>Det er en HTTP-basert tjeneste for hosting av webapplikasjoner og API-er. </a:t>
             </a:r>
           </a:p>
           <a:p>
             <a:r>
-              <a:rPr lang="nb-NO"/>
+              <a:rPr lang="nb-NO" dirty="0"/>
               <a:t>Du kan utvikle med ditt favoritt kodespråk, og applikasjonen kan enkelt skaleres. </a:t>
             </a:r>
           </a:p>
           <a:p>
-            <a:endParaRPr lang="nb-NO"/>
-          </a:p>
-          <a:p>
-            <a:endParaRPr lang="nb-NO"/>
-          </a:p>
-          <a:p>
-            <a:r>
-              <a:rPr lang="nb-NO"/>
+            <a:endParaRPr lang="nb-NO" dirty="0"/>
+          </a:p>
+          <a:p>
+            <a:r>
+              <a:rPr lang="nb-NO" dirty="0"/>
               <a:t>En App Service er Platform As A Service, </a:t>
             </a:r>
-            <a:endParaRPr lang="en-US"/>
-          </a:p>
-          <a:p>
-            <a:r>
-              <a:rPr lang="nb-NO"/>
+            <a:endParaRPr lang="en-US" dirty="0"/>
+          </a:p>
+          <a:p>
+            <a:r>
+              <a:rPr lang="nb-NO" dirty="0"/>
               <a:t>Inkludert i en app service er blant annet Last balansering, </a:t>
             </a:r>
             <a:r>
-              <a:rPr lang="nb-NO" err="1"/>
+              <a:rPr lang="nb-NO" dirty="0" err="1"/>
               <a:t>autoskalering</a:t>
             </a:r>
             <a:r>
-              <a:rPr lang="nb-NO"/>
-              <a:t> og automatisert administrasjon, Du kan også dra nytte av kontinuerlig utrulling fra Azure </a:t>
-            </a:r>
-            <a:r>
-              <a:rPr lang="nb-NO" err="1"/>
+              <a:rPr lang="nb-NO" dirty="0"/>
+              <a:t> og automatisert administrasjon, Du kan også dra nytte av kontinuerlig utrulling fra </a:t>
+            </a:r>
+            <a:r>
+              <a:rPr lang="nb-NO" dirty="0" err="1"/>
+              <a:t>Azure</a:t>
+            </a:r>
+            <a:r>
+              <a:rPr lang="nb-NO" dirty="0"/>
+              <a:t> </a:t>
+            </a:r>
+            <a:r>
+              <a:rPr lang="nb-NO" dirty="0" err="1"/>
               <a:t>Devops</a:t>
             </a:r>
             <a:r>
-              <a:rPr lang="nb-NO"/>
+              <a:rPr lang="nb-NO" dirty="0"/>
               <a:t>, </a:t>
             </a:r>
             <a:r>
-              <a:rPr lang="nb-NO" err="1"/>
+              <a:rPr lang="nb-NO" dirty="0" err="1"/>
               <a:t>Github</a:t>
             </a:r>
             <a:r>
-              <a:rPr lang="nb-NO"/>
+              <a:rPr lang="nb-NO" dirty="0"/>
               <a:t> osv.</a:t>
             </a:r>
           </a:p>
           <a:p>
-            <a:endParaRPr lang="nb-NO"/>
-          </a:p>
-          <a:p>
-            <a:r>
-              <a:rPr lang="nb-NO"/>
-              <a:t>Med tanke på at App service er en </a:t>
-            </a:r>
-            <a:r>
-              <a:rPr lang="nb-NO" err="1"/>
-              <a:t>PaaS</a:t>
-            </a:r>
-            <a:r>
-              <a:rPr lang="nb-NO"/>
-              <a:t>, er det ingen form for server vedlikehold. Det eneste du trenger å tenke på er å deployere koden og sørge for at din applikasjonskode er sikker.</a:t>
-            </a:r>
-          </a:p>
-          <a:p>
-            <a:endParaRPr lang="nb-NO"/>
-          </a:p>
-          <a:p>
-            <a:endParaRPr lang="nb-NO"/>
-          </a:p>
-          <a:p>
-            <a:r>
-              <a:rPr lang="nb-NO"/>
+            <a:endParaRPr lang="nb-NO" dirty="0"/>
+          </a:p>
+          <a:p>
+            <a:r>
+              <a:rPr lang="nb-NO" dirty="0"/>
               <a:t>Den lar oss rulle ut og skalere </a:t>
             </a:r>
             <a:r>
-              <a:rPr lang="nb-NO" err="1"/>
+              <a:rPr lang="nb-NO" dirty="0" err="1"/>
               <a:t>nettaplikasjoner</a:t>
             </a:r>
             <a:r>
-              <a:rPr lang="nb-NO"/>
+              <a:rPr lang="nb-NO" dirty="0"/>
               <a:t> og API-er </a:t>
             </a:r>
           </a:p>
           <a:p>
-            <a:endParaRPr lang="nb-NO"/>
-          </a:p>
-          <a:p>
-            <a:r>
-              <a:rPr lang="nb-NO"/>
-              <a:t>App services er en tjeneste som lar deg rulle ut og skalere applikasjonene dine. </a:t>
-            </a:r>
-          </a:p>
-          <a:p>
-            <a:endParaRPr lang="nb-NO"/>
-          </a:p>
-          <a:p>
-            <a:r>
-              <a:rPr lang="nb-NO"/>
+            <a:endParaRPr lang="nb-NO" dirty="0"/>
+          </a:p>
+          <a:p>
+            <a:r>
+              <a:rPr lang="nb-NO" dirty="0"/>
               <a:t>App service er mer spesifikt for Nettapplikasjoner og API-er </a:t>
             </a:r>
           </a:p>
           <a:p>
-            <a:endParaRPr lang="nb-NO">
+            <a:endParaRPr lang="nb-NO" dirty="0"/>
+          </a:p>
+          <a:p>
+            <a:r>
+              <a:rPr lang="nb-NO" dirty="0"/>
+              <a:t>Støtte for flere programmeringsspråk </a:t>
+            </a:r>
+          </a:p>
+          <a:p>
+            <a:pPr lvl="1"/>
+            <a:r>
+              <a:rPr lang="nb-NO" dirty="0"/>
+              <a:t>.NET / .NET </a:t>
+            </a:r>
+            <a:r>
+              <a:rPr lang="nb-NO" dirty="0" err="1"/>
+              <a:t>Core</a:t>
+            </a:r>
+            <a:endParaRPr lang="nb-NO" dirty="0"/>
+          </a:p>
+          <a:p>
+            <a:pPr lvl="1"/>
+            <a:r>
+              <a:rPr lang="nb-NO" dirty="0"/>
+              <a:t>Java</a:t>
+            </a:r>
+          </a:p>
+          <a:p>
+            <a:pPr lvl="1"/>
+            <a:r>
+              <a:rPr lang="nb-NO" dirty="0"/>
+              <a:t>Python</a:t>
+            </a:r>
+          </a:p>
+          <a:p>
+            <a:pPr lvl="1"/>
+            <a:r>
+              <a:rPr lang="nb-NO" dirty="0"/>
+              <a:t>Node.JS</a:t>
+            </a:r>
+          </a:p>
+          <a:p>
+            <a:pPr lvl="1"/>
+            <a:r>
+              <a:rPr lang="nb-NO" dirty="0"/>
+              <a:t>PHP</a:t>
+            </a:r>
+          </a:p>
+          <a:p>
+            <a:pPr lvl="1"/>
+            <a:r>
+              <a:rPr lang="nb-NO" dirty="0"/>
+              <a:t>Ruby</a:t>
+            </a:r>
+          </a:p>
+          <a:p>
+            <a:endParaRPr lang="nb-NO" dirty="0"/>
+          </a:p>
+          <a:p>
+            <a:r>
+              <a:rPr lang="nb-NO" dirty="0"/>
+              <a:t>Deployment </a:t>
+            </a:r>
+            <a:r>
+              <a:rPr lang="nb-NO" dirty="0" err="1"/>
+              <a:t>slots</a:t>
+            </a:r>
+            <a:r>
+              <a:rPr lang="nb-NO" dirty="0"/>
+              <a:t> er fint å bruke for eksempel til Production og Staging, så de ligger på samme og kan enkelt og raskt endre fra en til den andre og tilbake igjen</a:t>
+            </a:r>
+          </a:p>
+          <a:p>
+            <a:r>
+              <a:rPr lang="nb-NO" dirty="0"/>
+              <a:t>Bør ikke brukes til å kjøre flere miljøer i samme web app, ingen isolasjon mellom miljøer.</a:t>
+            </a:r>
+          </a:p>
+          <a:p>
+            <a:endParaRPr lang="nb-NO" dirty="0">
               <a:cs typeface="Calibri"/>
             </a:endParaRPr>
           </a:p>
@@ -2317,60 +2561,60 @@
           <a:lstStyle/>
           <a:p>
             <a:r>
-              <a:rPr lang="nb-NO"/>
+              <a:rPr lang="nb-NO" dirty="0"/>
               <a:t>App Service</a:t>
             </a:r>
           </a:p>
           <a:p>
             <a:r>
-              <a:rPr lang="nb-NO"/>
+              <a:rPr lang="nb-NO" dirty="0"/>
               <a:t>Kan ikke ha </a:t>
             </a:r>
             <a:r>
-              <a:rPr lang="nb-NO" err="1"/>
+              <a:rPr lang="nb-NO" dirty="0" err="1"/>
               <a:t>windows</a:t>
             </a:r>
             <a:r>
-              <a:rPr lang="nb-NO"/>
+              <a:rPr lang="nb-NO" dirty="0"/>
               <a:t> og </a:t>
             </a:r>
             <a:r>
-              <a:rPr lang="nb-NO" err="1"/>
+              <a:rPr lang="nb-NO" dirty="0" err="1"/>
               <a:t>linux</a:t>
             </a:r>
             <a:r>
-              <a:rPr lang="nb-NO"/>
+              <a:rPr lang="nb-NO" dirty="0"/>
               <a:t> på samme App Service plan</a:t>
             </a:r>
           </a:p>
           <a:p>
-            <a:endParaRPr lang="nb-NO"/>
-          </a:p>
-          <a:p>
-            <a:r>
-              <a:rPr lang="nb-NO"/>
+            <a:endParaRPr lang="nb-NO" dirty="0"/>
+          </a:p>
+          <a:p>
+            <a:r>
+              <a:rPr lang="nb-NO" dirty="0"/>
               <a:t>Siden vi har pratet litt om App Servicer kan vi prate litt om App Service Plans også. </a:t>
             </a:r>
             <a:br>
-              <a:rPr lang="nb-NO"/>
+              <a:rPr lang="nb-NO" dirty="0"/>
             </a:br>
             <a:r>
-              <a:rPr lang="nb-NO"/>
+              <a:rPr lang="nb-NO" dirty="0"/>
               <a:t>På en måte kan man si at en App Service alltid kjører i en App Service Plan. En plan definerer i all hovedsak et </a:t>
             </a:r>
             <a:r>
-              <a:rPr lang="nb-NO" err="1"/>
+              <a:rPr lang="nb-NO" dirty="0" err="1"/>
               <a:t>set</a:t>
             </a:r>
             <a:r>
-              <a:rPr lang="nb-NO"/>
+              <a:rPr lang="nb-NO" dirty="0"/>
               <a:t> med ressurser som trengs for en app å kjøre.</a:t>
             </a:r>
             <a:br>
-              <a:rPr lang="nb-NO"/>
+              <a:rPr lang="nb-NO" dirty="0"/>
             </a:br>
             <a:r>
-              <a:rPr lang="nb-NO"/>
+              <a:rPr lang="nb-NO" dirty="0"/>
               <a:t>Og her er det litt fordeler og ulemper på en måte. </a:t>
             </a:r>
           </a:p>
@@ -2541,42 +2785,48 @@
           <a:lstStyle/>
           <a:p>
             <a:r>
-              <a:rPr lang="nb-NO"/>
+              <a:rPr lang="nb-NO" dirty="0"/>
               <a:t>Litt sære ting kan kjøres med App Service for containere (</a:t>
             </a:r>
             <a:r>
-              <a:rPr lang="nb-NO" err="1"/>
+              <a:rPr lang="nb-NO" dirty="0" err="1"/>
               <a:t>docker</a:t>
             </a:r>
             <a:r>
-              <a:rPr lang="nb-NO"/>
+              <a:rPr lang="nb-NO" dirty="0"/>
               <a:t> images), begrenset hva som finnes, men kan passe for noe</a:t>
             </a:r>
           </a:p>
           <a:p>
-            <a:endParaRPr lang="nb-NO"/>
-          </a:p>
-          <a:p>
-            <a:r>
-              <a:rPr lang="nb-NO"/>
+            <a:endParaRPr lang="nb-NO" dirty="0"/>
+          </a:p>
+          <a:p>
+            <a:r>
+              <a:rPr lang="nb-NO" dirty="0"/>
               <a:t>Det er i all hovedsak en vm, hvor du enten kjører </a:t>
             </a:r>
             <a:r>
-              <a:rPr lang="nb-NO" err="1"/>
+              <a:rPr lang="nb-NO" dirty="0" err="1"/>
               <a:t>windows</a:t>
             </a:r>
             <a:r>
-              <a:rPr lang="nb-NO"/>
+              <a:rPr lang="nb-NO" dirty="0"/>
               <a:t> eller </a:t>
             </a:r>
             <a:r>
-              <a:rPr lang="nb-NO" err="1"/>
+              <a:rPr lang="nb-NO" dirty="0" err="1"/>
               <a:t>linux</a:t>
             </a:r>
             <a:r>
-              <a:rPr lang="nb-NO"/>
+              <a:rPr lang="nb-NO" dirty="0"/>
               <a:t>, kan ikke kjøre begge. </a:t>
             </a:r>
+          </a:p>
+          <a:p>
+            <a:endParaRPr lang="nb-NO" dirty="0"/>
+          </a:p>
+          <a:p>
+            <a:endParaRPr lang="nb-NO" dirty="0"/>
           </a:p>
         </p:txBody>
       </p:sp>
@@ -2955,22 +3205,22 @@
               <a:buNone/>
             </a:pPr>
             <a:r>
-              <a:rPr lang="nb-NO"/>
+              <a:rPr lang="nb-NO" dirty="0"/>
               <a:t>Allright!</a:t>
             </a:r>
             <a:br>
-              <a:rPr lang="nb-NO"/>
+              <a:rPr lang="nb-NO" dirty="0"/>
             </a:br>
             <a:r>
-              <a:rPr lang="nb-NO"/>
+              <a:rPr lang="nb-NO" dirty="0"/>
               <a:t>Da ha vi kommet oss til dag 2 av Workshop 1 og vi starter egentlig litt rett på med Lagring i </a:t>
             </a:r>
             <a:r>
-              <a:rPr lang="nb-NO" err="1"/>
+              <a:rPr lang="nb-NO" dirty="0" err="1"/>
               <a:t>Azure</a:t>
             </a:r>
             <a:r>
-              <a:rPr lang="nb-NO"/>
+              <a:rPr lang="nb-NO" dirty="0"/>
               <a:t>, da det er mange ulike metoder for det. </a:t>
             </a:r>
           </a:p>
@@ -2980,15 +3230,15 @@
               <a:buNone/>
             </a:pPr>
             <a:r>
-              <a:rPr lang="nb-NO"/>
+              <a:rPr lang="nb-NO" dirty="0"/>
               <a:t>Som vi husker fra sist så snakket vi mye om servicer eller tjenester i </a:t>
             </a:r>
             <a:r>
-              <a:rPr lang="nb-NO" err="1"/>
+              <a:rPr lang="nb-NO" dirty="0" err="1"/>
               <a:t>Azure</a:t>
             </a:r>
             <a:r>
-              <a:rPr lang="nb-NO"/>
+              <a:rPr lang="nb-NO" dirty="0"/>
               <a:t>. Hver av disse lagringsmetodene kan vi kalle en tjeneste.</a:t>
             </a:r>
           </a:p>
@@ -2998,47 +3248,47 @@
               <a:buNone/>
             </a:pPr>
             <a:r>
-              <a:rPr lang="nb-NO"/>
+              <a:rPr lang="nb-NO" dirty="0"/>
               <a:t>Første vi har på lista her er en </a:t>
             </a:r>
             <a:r>
-              <a:rPr lang="nb-NO" err="1"/>
+              <a:rPr lang="nb-NO" dirty="0" err="1"/>
               <a:t>Azure</a:t>
             </a:r>
             <a:r>
-              <a:rPr lang="nb-NO"/>
+              <a:rPr lang="nb-NO" dirty="0"/>
               <a:t> SQL Database. </a:t>
             </a:r>
             <a:r>
-              <a:rPr lang="nb-NO" err="1"/>
+              <a:rPr lang="nb-NO" dirty="0" err="1"/>
               <a:t>Basically</a:t>
             </a:r>
             <a:r>
-              <a:rPr lang="nb-NO"/>
+              <a:rPr lang="nb-NO" dirty="0"/>
               <a:t> er det en «vanlig» SQL Server som man får som en tjeneste i skyen. Dette er en PAAS løsning. Det vil si at Infrastrukturen og </a:t>
             </a:r>
             <a:r>
-              <a:rPr lang="nb-NO" err="1"/>
+              <a:rPr lang="nb-NO" dirty="0" err="1"/>
               <a:t>platformen</a:t>
             </a:r>
             <a:r>
-              <a:rPr lang="nb-NO"/>
+              <a:rPr lang="nb-NO" dirty="0"/>
               <a:t> er </a:t>
             </a:r>
             <a:r>
-              <a:rPr lang="nb-NO" err="1"/>
+              <a:rPr lang="nb-NO" dirty="0" err="1"/>
               <a:t>managed</a:t>
             </a:r>
             <a:r>
-              <a:rPr lang="nb-NO"/>
+              <a:rPr lang="nb-NO" dirty="0"/>
               <a:t> av </a:t>
             </a:r>
             <a:r>
-              <a:rPr lang="nb-NO" err="1"/>
+              <a:rPr lang="nb-NO" dirty="0" err="1"/>
               <a:t>Azure</a:t>
             </a:r>
             <a:r>
-              <a:rPr lang="nb-NO"/>
+              <a:rPr lang="nb-NO" dirty="0"/>
               <a:t>. Det er en stjerne i denne sliden som jeg ikke er 100% sikker på hvorfor. </a:t>
             </a:r>
           </a:p>
@@ -3048,23 +3298,23 @@
               <a:buNone/>
             </a:pPr>
             <a:r>
-              <a:rPr lang="nb-NO"/>
+              <a:rPr lang="nb-NO" dirty="0"/>
               <a:t>Ytelsen her måles i DTU, Data Transfer Units. Også skal det sies at det går an å heller kjøre opp en VM i </a:t>
             </a:r>
             <a:r>
-              <a:rPr lang="nb-NO" err="1"/>
+              <a:rPr lang="nb-NO" dirty="0" err="1"/>
               <a:t>Azure</a:t>
             </a:r>
             <a:r>
-              <a:rPr lang="nb-NO"/>
+              <a:rPr lang="nb-NO" dirty="0"/>
               <a:t> og Installere </a:t>
             </a:r>
             <a:r>
-              <a:rPr lang="nb-NO" err="1"/>
+              <a:rPr lang="nb-NO" dirty="0" err="1"/>
               <a:t>Azure</a:t>
             </a:r>
             <a:r>
-              <a:rPr lang="nb-NO"/>
+              <a:rPr lang="nb-NO" dirty="0"/>
               <a:t> SQL Server (Som er en IAAS), men da må man knote en del mer, for da må man blant annet fikse lisens og greier. Plus at man har ansvar for Plattformen.</a:t>
             </a:r>
           </a:p>
@@ -3073,7 +3323,7 @@
               <a:buFontTx/>
               <a:buNone/>
             </a:pPr>
-            <a:endParaRPr lang="nb-NO"/>
+            <a:endParaRPr lang="nb-NO" dirty="0"/>
           </a:p>
           <a:p>
             <a:pPr marL="0" indent="0">
@@ -3081,23 +3331,23 @@
               <a:buNone/>
             </a:pPr>
             <a:r>
-              <a:rPr lang="nb-NO"/>
+              <a:rPr lang="nb-NO" dirty="0"/>
               <a:t>Videre her har vi Cosmos DB som mange har vært borti. Det er en No-SQL-database som det står her. Også er den globalt </a:t>
             </a:r>
             <a:r>
-              <a:rPr lang="nb-NO" err="1"/>
+              <a:rPr lang="nb-NO" dirty="0" err="1"/>
               <a:t>distrubert</a:t>
             </a:r>
             <a:r>
-              <a:rPr lang="nb-NO"/>
+              <a:rPr lang="nb-NO" dirty="0"/>
               <a:t> som betyr at man kan skalere den globalt også. Si f.eks. Starbucks som er en bruker. Denne satses mye på, og det tilbys mange ulike </a:t>
             </a:r>
             <a:r>
-              <a:rPr lang="nb-NO" err="1"/>
+              <a:rPr lang="nb-NO" dirty="0" err="1"/>
               <a:t>APIer</a:t>
             </a:r>
             <a:r>
-              <a:rPr lang="nb-NO"/>
+              <a:rPr lang="nb-NO" dirty="0"/>
               <a:t>. Denne er dyr, så vær forsiktig hvis dere tar i bruk denne. I mindre prosjekter er det kanskje ikke helt verdt å bruke denne. </a:t>
             </a:r>
           </a:p>
@@ -3106,7 +3356,7 @@
               <a:buFontTx/>
               <a:buNone/>
             </a:pPr>
-            <a:endParaRPr lang="nb-NO"/>
+            <a:endParaRPr lang="nb-NO" dirty="0"/>
           </a:p>
           <a:p>
             <a:pPr marL="0" indent="0">
@@ -3114,15 +3364,15 @@
               <a:buNone/>
             </a:pPr>
             <a:r>
-              <a:rPr lang="nb-NO"/>
+              <a:rPr lang="nb-NO" dirty="0"/>
               <a:t>Vi skal snakke mer om </a:t>
             </a:r>
             <a:r>
-              <a:rPr lang="nb-NO" err="1"/>
+              <a:rPr lang="nb-NO" dirty="0" err="1"/>
               <a:t>Azure</a:t>
             </a:r>
             <a:r>
-              <a:rPr lang="nb-NO"/>
+              <a:rPr lang="nb-NO" dirty="0"/>
               <a:t> Storage fremover, så skal ikke si mer om det her. </a:t>
             </a:r>
           </a:p>
@@ -3131,7 +3381,7 @@
               <a:buFontTx/>
               <a:buNone/>
             </a:pPr>
-            <a:endParaRPr lang="nb-NO"/>
+            <a:endParaRPr lang="nb-NO" dirty="0"/>
           </a:p>
           <a:p>
             <a:pPr marL="0" indent="0">
@@ -3139,7 +3389,7 @@
               <a:buNone/>
             </a:pPr>
             <a:r>
-              <a:rPr lang="nb-NO"/>
+              <a:rPr lang="nb-NO" dirty="0"/>
               <a:t>Vi har også mulighet til å benytte oss av blant annet MySQL og flere ulike SQL servicer.</a:t>
             </a:r>
           </a:p>
@@ -3148,7 +3398,7 @@
               <a:buFontTx/>
               <a:buNone/>
             </a:pPr>
-            <a:endParaRPr lang="nb-NO"/>
+            <a:endParaRPr lang="nb-NO" dirty="0"/>
           </a:p>
           <a:p>
             <a:pPr marL="0" indent="0">
@@ -3156,59 +3406,59 @@
               <a:buNone/>
             </a:pPr>
             <a:r>
-              <a:rPr lang="nb-NO" err="1"/>
+              <a:rPr lang="nb-NO" dirty="0" err="1"/>
               <a:t>Azure</a:t>
             </a:r>
             <a:r>
-              <a:rPr lang="nb-NO"/>
+              <a:rPr lang="nb-NO" dirty="0"/>
               <a:t> Data Lake er </a:t>
             </a:r>
             <a:r>
-              <a:rPr lang="nb-NO" err="1"/>
+              <a:rPr lang="nb-NO" dirty="0" err="1"/>
               <a:t>storage</a:t>
             </a:r>
             <a:r>
-              <a:rPr lang="nb-NO"/>
+              <a:rPr lang="nb-NO" dirty="0"/>
               <a:t> </a:t>
             </a:r>
             <a:r>
-              <a:rPr lang="nb-NO" err="1"/>
+              <a:rPr lang="nb-NO" dirty="0" err="1"/>
               <a:t>big</a:t>
             </a:r>
             <a:r>
-              <a:rPr lang="nb-NO"/>
+              <a:rPr lang="nb-NO" dirty="0"/>
               <a:t> </a:t>
             </a:r>
             <a:r>
-              <a:rPr lang="nb-NO" err="1"/>
+              <a:rPr lang="nb-NO" dirty="0" err="1"/>
               <a:t>guns</a:t>
             </a:r>
             <a:r>
-              <a:rPr lang="nb-NO"/>
+              <a:rPr lang="nb-NO" dirty="0"/>
               <a:t>. Dette er det du helst vil bruke når du trenger </a:t>
             </a:r>
             <a:r>
-              <a:rPr lang="nb-NO" err="1"/>
+              <a:rPr lang="nb-NO" dirty="0" err="1"/>
               <a:t>unlimited</a:t>
             </a:r>
             <a:r>
-              <a:rPr lang="nb-NO"/>
+              <a:rPr lang="nb-NO" dirty="0"/>
               <a:t> plass, for strukturert, </a:t>
             </a:r>
             <a:r>
-              <a:rPr lang="nb-NO" err="1"/>
+              <a:rPr lang="nb-NO" dirty="0" err="1"/>
               <a:t>semi-stukturert</a:t>
             </a:r>
             <a:r>
-              <a:rPr lang="nb-NO"/>
+              <a:rPr lang="nb-NO" dirty="0"/>
               <a:t> og ustrukturert data. Brukes mye i AI og ML løsninger. Egentlig i all hovedsak i Big data og </a:t>
             </a:r>
             <a:r>
-              <a:rPr lang="nb-NO" err="1"/>
+              <a:rPr lang="nb-NO" dirty="0" err="1"/>
               <a:t>analytics</a:t>
             </a:r>
             <a:r>
-              <a:rPr lang="nb-NO"/>
+              <a:rPr lang="nb-NO" dirty="0"/>
               <a:t> type prosjekter. </a:t>
             </a:r>
           </a:p>
@@ -3217,59 +3467,28 @@
               <a:buFontTx/>
               <a:buNone/>
             </a:pPr>
-            <a:endParaRPr lang="nb-NO"/>
+            <a:endParaRPr lang="nb-NO" dirty="0"/>
           </a:p>
           <a:p>
             <a:pPr marL="0" indent="0">
               <a:buFontTx/>
               <a:buNone/>
             </a:pPr>
-            <a:r>
-              <a:rPr lang="nb-NO" err="1"/>
-              <a:t>Polyglot</a:t>
-            </a:r>
-            <a:r>
-              <a:rPr lang="nb-NO"/>
-              <a:t> </a:t>
-            </a:r>
-            <a:r>
-              <a:rPr lang="nb-NO" err="1"/>
-              <a:t>storage</a:t>
-            </a:r>
-            <a:r>
-              <a:rPr lang="nb-NO"/>
-              <a:t>, kan jeg ikke huske å ha vært borti, men det er </a:t>
-            </a:r>
-            <a:r>
-              <a:rPr lang="nb-NO" err="1"/>
-              <a:t>bascially</a:t>
-            </a:r>
-            <a:r>
-              <a:rPr lang="nb-NO"/>
-              <a:t> flere forskjellige lagringstyper brukes for samme applikasjon / tjeneste, et eksempel er SQL Database og </a:t>
-            </a:r>
-            <a:r>
-              <a:rPr lang="nb-NO" err="1"/>
-              <a:t>Azure</a:t>
-            </a:r>
-            <a:r>
-              <a:rPr lang="nb-NO"/>
-              <a:t> Storage.</a:t>
-            </a:r>
+            <a:endParaRPr lang="nb-NO" dirty="0"/>
           </a:p>
           <a:p>
             <a:pPr marL="0" indent="0">
               <a:buFontTx/>
               <a:buNone/>
             </a:pPr>
-            <a:endParaRPr lang="nb-NO"/>
+            <a:endParaRPr lang="nb-NO" dirty="0"/>
           </a:p>
           <a:p>
             <a:pPr marL="0" indent="0">
               <a:buFontTx/>
               <a:buNone/>
             </a:pPr>
-            <a:endParaRPr lang="nb-NO"/>
+            <a:endParaRPr lang="nb-NO" dirty="0"/>
           </a:p>
         </p:txBody>
       </p:sp>
@@ -3598,7 +3817,7 @@
             </a:pPr>
             <a:r>
               <a:rPr lang="nb-NO" dirty="0"/>
-              <a:t>Tjenesten er holdbar, Microsoft håndterer all maskinvarefeil. </a:t>
+              <a:t>Tjenesten er robust, Microsoft håndterer all maskinvarefeil. </a:t>
             </a:r>
           </a:p>
           <a:p>
@@ -4571,223 +4790,234 @@
           <a:lstStyle/>
           <a:p>
             <a:r>
-              <a:rPr lang="nb-NO" err="1"/>
+              <a:rPr lang="nb-NO" dirty="0" err="1"/>
               <a:t>Table</a:t>
             </a:r>
             <a:r>
-              <a:rPr lang="nb-NO"/>
+              <a:rPr lang="nb-NO" dirty="0"/>
               <a:t> </a:t>
             </a:r>
             <a:r>
-              <a:rPr lang="nb-NO" err="1"/>
+              <a:rPr lang="nb-NO" dirty="0" err="1"/>
               <a:t>storage</a:t>
             </a:r>
             <a:r>
-              <a:rPr lang="nb-NO"/>
+              <a:rPr lang="nb-NO" dirty="0"/>
               <a:t> er som en database hvor man lagrer flere tabeller av data. Tabellene er skjemaløse og har ingen relasjoner mellom seg,  derav en </a:t>
             </a:r>
             <a:r>
-              <a:rPr lang="nb-NO" err="1"/>
+              <a:rPr lang="nb-NO" dirty="0" err="1"/>
               <a:t>NoSql</a:t>
             </a:r>
             <a:r>
-              <a:rPr lang="nb-NO"/>
-              <a:t> database.</a:t>
-            </a:r>
-          </a:p>
-          <a:p>
-            <a:endParaRPr lang="nb-NO"/>
-          </a:p>
-          <a:p>
-            <a:r>
-              <a:rPr lang="nb-NO"/>
+              <a:rPr lang="nb-NO" dirty="0"/>
+              <a:t> database. Likevel snakk om semistrukturert data her, men hver entitet kan ha ulik struktur.</a:t>
+            </a:r>
+          </a:p>
+          <a:p>
+            <a:endParaRPr lang="nb-NO" dirty="0"/>
+          </a:p>
+          <a:p>
+            <a:r>
+              <a:rPr lang="nb-NO" dirty="0"/>
               <a:t>Man kan ikke «</a:t>
             </a:r>
             <a:r>
-              <a:rPr lang="nb-NO" err="1"/>
+              <a:rPr lang="nb-NO" dirty="0" err="1"/>
               <a:t>joine</a:t>
             </a:r>
             <a:r>
-              <a:rPr lang="nb-NO"/>
+              <a:rPr lang="nb-NO" dirty="0"/>
               <a:t>» dataen i </a:t>
             </a:r>
             <a:r>
-              <a:rPr lang="nb-NO" err="1"/>
+              <a:rPr lang="nb-NO" dirty="0" err="1"/>
               <a:t>table</a:t>
             </a:r>
             <a:r>
-              <a:rPr lang="nb-NO"/>
+              <a:rPr lang="nb-NO" dirty="0"/>
               <a:t> </a:t>
             </a:r>
             <a:r>
-              <a:rPr lang="nb-NO" err="1"/>
+              <a:rPr lang="nb-NO" dirty="0" err="1"/>
               <a:t>storage</a:t>
             </a:r>
             <a:r>
-              <a:rPr lang="nb-NO"/>
+              <a:rPr lang="nb-NO" dirty="0"/>
               <a:t> slik man kan med SQL.  Man kan derimot spørre om data i applikasjonen og sy dem sammen på applikasjonslaget.</a:t>
             </a:r>
           </a:p>
           <a:p>
             <a:r>
-              <a:rPr lang="nb-NO"/>
+              <a:rPr lang="nb-NO" dirty="0"/>
               <a:t> </a:t>
             </a:r>
           </a:p>
           <a:p>
             <a:r>
-              <a:rPr lang="nb-NO"/>
+              <a:rPr lang="nb-NO" dirty="0"/>
               <a:t>Det er et veldig stort designhensyn man må ta ved valg av en </a:t>
             </a:r>
             <a:r>
-              <a:rPr lang="nb-NO" err="1"/>
+              <a:rPr lang="nb-NO" dirty="0" err="1"/>
               <a:t>NoSql</a:t>
             </a:r>
             <a:r>
-              <a:rPr lang="nb-NO"/>
+              <a:rPr lang="nb-NO" dirty="0"/>
               <a:t> database. </a:t>
             </a:r>
           </a:p>
           <a:p>
-            <a:endParaRPr lang="nb-NO"/>
-          </a:p>
-          <a:p>
-            <a:r>
-              <a:rPr lang="nb-NO" err="1"/>
+            <a:endParaRPr lang="nb-NO" dirty="0"/>
+          </a:p>
+          <a:p>
+            <a:r>
+              <a:rPr lang="nb-NO" dirty="0" err="1"/>
               <a:t>F.eks</a:t>
             </a:r>
             <a:r>
-              <a:rPr lang="nb-NO"/>
+              <a:rPr lang="nb-NO" dirty="0"/>
               <a:t> ved en gitt side i en applikasjon ønsker man oftest å gjøre så få spørring mot </a:t>
             </a:r>
             <a:r>
-              <a:rPr lang="nb-NO" err="1"/>
+              <a:rPr lang="nb-NO" dirty="0" err="1"/>
               <a:t>table</a:t>
             </a:r>
             <a:r>
-              <a:rPr lang="nb-NO"/>
+              <a:rPr lang="nb-NO" dirty="0"/>
               <a:t> </a:t>
             </a:r>
             <a:r>
-              <a:rPr lang="nb-NO" err="1"/>
+              <a:rPr lang="nb-NO" dirty="0" err="1"/>
               <a:t>storage</a:t>
             </a:r>
             <a:r>
-              <a:rPr lang="nb-NO"/>
+              <a:rPr lang="nb-NO" dirty="0"/>
               <a:t> som mulig, det er her du virkelig må endre tankesettet om hvordan man lagrer dataen på en </a:t>
             </a:r>
             <a:r>
-              <a:rPr lang="nb-NO" err="1"/>
+              <a:rPr lang="nb-NO" dirty="0" err="1"/>
               <a:t>skjemløs</a:t>
             </a:r>
             <a:r>
-              <a:rPr lang="nb-NO"/>
+              <a:rPr lang="nb-NO" dirty="0"/>
               <a:t> måte. Man ønsker ikke å måtte foreta fem forskjellige spørringer mot databasen for å koble dataene sammen, for å få det fulle bildet, det vil både være tregt og ikke så økonomisk. </a:t>
             </a:r>
           </a:p>
           <a:p>
-            <a:endParaRPr lang="nb-NO"/>
-          </a:p>
-          <a:p>
-            <a:r>
-              <a:rPr lang="nb-NO"/>
-              <a:t>Så om man har en relasjonell tankeprosess når man skal gå i gang med å implementere Azure </a:t>
-            </a:r>
-            <a:r>
-              <a:rPr lang="nb-NO" err="1"/>
+            <a:endParaRPr lang="nb-NO" dirty="0"/>
+          </a:p>
+          <a:p>
+            <a:r>
+              <a:rPr lang="nb-NO" dirty="0"/>
+              <a:t>Så om man har en relasjonell tankeprosess når man skal gå i gang med å implementere </a:t>
+            </a:r>
+            <a:r>
+              <a:rPr lang="nb-NO" dirty="0" err="1"/>
+              <a:t>Azure</a:t>
+            </a:r>
+            <a:r>
+              <a:rPr lang="nb-NO" dirty="0"/>
+              <a:t> </a:t>
+            </a:r>
+            <a:r>
+              <a:rPr lang="nb-NO" dirty="0" err="1"/>
               <a:t>Table</a:t>
             </a:r>
             <a:r>
-              <a:rPr lang="nb-NO"/>
+              <a:rPr lang="nb-NO" dirty="0"/>
               <a:t> Storage kommer til å lede deg ned til noen fallgruver.</a:t>
             </a:r>
           </a:p>
           <a:p>
-            <a:endParaRPr lang="nb-NO"/>
-          </a:p>
-          <a:p>
-            <a:endParaRPr lang="nb-NO"/>
-          </a:p>
-          <a:p>
-            <a:r>
-              <a:rPr lang="nb-NO"/>
+            <a:endParaRPr lang="nb-NO" dirty="0"/>
+          </a:p>
+          <a:p>
+            <a:endParaRPr lang="nb-NO" dirty="0"/>
+          </a:p>
+          <a:p>
+            <a:r>
+              <a:rPr lang="nb-NO" dirty="0"/>
               <a:t>Konseptuelt er ikke </a:t>
             </a:r>
             <a:r>
-              <a:rPr lang="nb-NO" err="1"/>
+              <a:rPr lang="nb-NO" dirty="0" err="1"/>
               <a:t>partitions</a:t>
             </a:r>
             <a:r>
-              <a:rPr lang="nb-NO"/>
+              <a:rPr lang="nb-NO" dirty="0"/>
               <a:t> så ulikt fra en telefonkatalog. I </a:t>
             </a:r>
             <a:r>
-              <a:rPr lang="nb-NO" err="1"/>
+              <a:rPr lang="nb-NO" dirty="0" err="1"/>
               <a:t>stedenfor</a:t>
             </a:r>
             <a:r>
-              <a:rPr lang="nb-NO"/>
+              <a:rPr lang="nb-NO" dirty="0"/>
               <a:t> å dumpe alle mobilnumre tilfeldig i telefonkatalogen, har de blitt jevnt sortert etter 29 «partisjoner» </a:t>
             </a:r>
             <a:r>
-              <a:rPr lang="nb-NO" err="1"/>
+              <a:rPr lang="nb-NO" dirty="0" err="1"/>
               <a:t>dvs</a:t>
             </a:r>
             <a:r>
-              <a:rPr lang="nb-NO"/>
+              <a:rPr lang="nb-NO" dirty="0"/>
               <a:t> etter alfabetisk rekkefølge fra (A-Å), og inni der igjen er den sortert etter alfabetet. </a:t>
             </a:r>
           </a:p>
           <a:p>
-            <a:endParaRPr lang="nb-NO"/>
-          </a:p>
-          <a:p>
-            <a:r>
-              <a:rPr lang="nb-NO"/>
+            <a:endParaRPr lang="nb-NO" dirty="0"/>
+          </a:p>
+          <a:p>
+            <a:r>
+              <a:rPr lang="nb-NO" dirty="0"/>
               <a:t>Det gjør det mye enklere for oss mennesker å lete opp i disse telefonkatalogene.</a:t>
             </a:r>
           </a:p>
           <a:p>
-            <a:endParaRPr lang="nb-NO"/>
-          </a:p>
-          <a:p>
-            <a:r>
-              <a:rPr lang="nb-NO"/>
+            <a:endParaRPr lang="nb-NO" dirty="0"/>
+          </a:p>
+          <a:p>
+            <a:r>
+              <a:rPr lang="nb-NO" dirty="0"/>
               <a:t>Hvordan man strukturerer partisjonene er veldig avhengig av hvordan man ønsker å spørre etter dataen.</a:t>
             </a:r>
           </a:p>
           <a:p>
-            <a:endParaRPr lang="nb-NO"/>
-          </a:p>
-          <a:p>
-            <a:endParaRPr lang="nb-NO"/>
-          </a:p>
-          <a:p>
-            <a:endParaRPr lang="nb-NO"/>
-          </a:p>
-          <a:p>
-            <a:r>
-              <a:rPr lang="nb-NO"/>
+            <a:endParaRPr lang="nb-NO" dirty="0"/>
+          </a:p>
+          <a:p>
+            <a:endParaRPr lang="nb-NO" dirty="0"/>
+          </a:p>
+          <a:p>
+            <a:r>
+              <a:rPr lang="nb-NO" dirty="0"/>
               <a:t>Eksempel: haveibeenpwd.com fra Troy Hunt blir brukt til dette:</a:t>
             </a:r>
           </a:p>
           <a:p>
-            <a:endParaRPr lang="nb-NO"/>
-          </a:p>
-          <a:p>
-            <a:endParaRPr lang="nb-NO"/>
-          </a:p>
-          <a:p>
-            <a:r>
-              <a:rPr lang="nb-NO"/>
+            <a:endParaRPr lang="nb-NO" dirty="0"/>
+          </a:p>
+          <a:p>
+            <a:endParaRPr lang="nb-NO" dirty="0"/>
+          </a:p>
+          <a:p>
+            <a:r>
+              <a:rPr lang="nb-NO" dirty="0"/>
               <a:t>https://haveibeenpwned.com/HowFastIsAzureTableStorage/?email=asdasg@hotmail.com</a:t>
             </a:r>
           </a:p>
           <a:p>
-            <a:endParaRPr lang="nb-NO"/>
-          </a:p>
-          <a:p>
-            <a:endParaRPr lang="nb-NO"/>
+            <a:endParaRPr lang="nb-NO" dirty="0"/>
+          </a:p>
+          <a:p>
+            <a:r>
+              <a:rPr lang="nb-NO" dirty="0"/>
+              <a:t>https://www.troyhunt.com/working-with-154-million-records-on/</a:t>
+            </a:r>
+          </a:p>
+          <a:p>
+            <a:endParaRPr lang="nb-NO" dirty="0"/>
           </a:p>
         </p:txBody>
       </p:sp>
@@ -4872,15 +5102,52 @@
           <a:lstStyle/>
           <a:p>
             <a:r>
-              <a:rPr lang="nb-NO"/>
+              <a:rPr lang="nb-NO" dirty="0" err="1"/>
+              <a:t>Fileshares</a:t>
+            </a:r>
+            <a:r>
+              <a:rPr lang="nb-NO" dirty="0"/>
+              <a:t>/disker å koble til. Nyttig om du f.eks. skal migrere en on-</a:t>
+            </a:r>
+            <a:r>
+              <a:rPr lang="nb-NO" dirty="0" err="1"/>
+              <a:t>prem</a:t>
+            </a:r>
+            <a:r>
+              <a:rPr lang="nb-NO" dirty="0"/>
+              <a:t> løsning til skyen, og overraskende mange on-</a:t>
+            </a:r>
+            <a:r>
+              <a:rPr lang="nb-NO" dirty="0" err="1"/>
+              <a:t>prem</a:t>
+            </a:r>
+            <a:r>
+              <a:rPr lang="nb-NO" dirty="0"/>
+              <a:t>-løsninger er avhengig av noe </a:t>
+            </a:r>
+            <a:r>
+              <a:rPr lang="nb-NO" dirty="0" err="1"/>
+              <a:t>fileshares</a:t>
+            </a:r>
+            <a:r>
+              <a:rPr lang="nb-NO" dirty="0"/>
+              <a:t>.</a:t>
+            </a:r>
+          </a:p>
+          <a:p>
+            <a:endParaRPr lang="nb-NO" dirty="0"/>
+          </a:p>
+          <a:p>
+            <a:r>
+              <a:rPr lang="nb-NO" dirty="0"/>
               <a:t>Flyttingen blir enklere å gjøre siden mange systemer bruker en eller annen </a:t>
             </a:r>
             <a:r>
-              <a:rPr lang="nb-NO" err="1"/>
+              <a:rPr lang="nb-NO" dirty="0" err="1"/>
               <a:t>fileshare</a:t>
             </a:r>
             <a:r>
-              <a:rPr lang="nb-NO"/>
+              <a:rPr lang="nb-NO" dirty="0"/>
               <a:t> for lagring av data.</a:t>
             </a:r>
           </a:p>
@@ -4984,8 +5251,36 @@
               <a:defRPr/>
             </a:pPr>
             <a:r>
-              <a:rPr lang="nb-NO"/>
-              <a:t>Azure Storage Queue er en meldingssystem mellom applikasjoner.</a:t>
+              <a:rPr lang="nb-NO" dirty="0" err="1"/>
+              <a:t>Azure</a:t>
+            </a:r>
+            <a:r>
+              <a:rPr lang="nb-NO" dirty="0"/>
+              <a:t> Storage Queue er en meldingssystem mellom applikasjoner. </a:t>
+            </a:r>
+            <a:r>
+              <a:rPr lang="nb-NO" dirty="0" err="1"/>
+              <a:t>Azure</a:t>
+            </a:r>
+            <a:r>
+              <a:rPr lang="nb-NO" dirty="0"/>
+              <a:t> har også en annen løsning for køer, nemlig </a:t>
+            </a:r>
+            <a:r>
+              <a:rPr lang="nb-NO" dirty="0" err="1"/>
+              <a:t>ServiceBus</a:t>
+            </a:r>
+            <a:r>
+              <a:rPr lang="nb-NO" dirty="0"/>
+              <a:t>, men Queue Storage er den som er inkludert inn under </a:t>
+            </a:r>
+            <a:r>
+              <a:rPr lang="nb-NO" dirty="0" err="1"/>
+              <a:t>Azure</a:t>
+            </a:r>
+            <a:r>
+              <a:rPr lang="nb-NO" dirty="0"/>
+              <a:t> Storage, og også den som kan lagre mest data – over 80GB i kø. Service Bus ser vi ikke på i dag.</a:t>
             </a:r>
           </a:p>
           <a:p>
@@ -5006,7 +5301,7 @@
               <a:tabLst/>
               <a:defRPr/>
             </a:pPr>
-            <a:endParaRPr lang="nb-NO"/>
+            <a:endParaRPr lang="nb-NO" dirty="0"/>
           </a:p>
           <a:p>
             <a:pPr marL="0" marR="0" lvl="0" indent="0" algn="l" defTabSz="914400" rtl="0" eaLnBrk="1" fontAlgn="auto" latinLnBrk="0" hangingPunct="1">
@@ -5026,7 +5321,10 @@
               <a:tabLst/>
               <a:defRPr/>
             </a:pPr>
-            <a:endParaRPr lang="nb-NO"/>
+            <a:r>
+              <a:rPr lang="nb-NO" dirty="0"/>
+              <a:t>Storage Queues er separert inn i køer, og hver kø inneholder meldinger. Disse meldingene blir plukket fra toppen og gjør noe basert på det. Det er en lur løsning for å hindre flaskehalser ved mye trafikk. Queue Storage har dog ingen garanti for FIFO, så det er verdt å være obs på.</a:t>
+            </a:r>
           </a:p>
           <a:p>
             <a:pPr marL="0" marR="0" lvl="0" indent="0" algn="l" defTabSz="914400" rtl="0" eaLnBrk="1" fontAlgn="auto" latinLnBrk="0" hangingPunct="1">
@@ -5046,10 +5344,7 @@
               <a:tabLst/>
               <a:defRPr/>
             </a:pPr>
-            <a:r>
-              <a:rPr lang="nb-NO"/>
-              <a:t>Storage Queues er separert inn i køer, og hver kø inneholder meldinger. Disse meldingene blir plukket fra toppen og gjør noe basert på det. Det er en lur løsning for å hindre flaskehalser ved mye trafikk.</a:t>
-            </a:r>
+            <a:endParaRPr lang="nb-NO" dirty="0"/>
           </a:p>
           <a:p>
             <a:pPr marL="0" marR="0" lvl="0" indent="0" algn="l" defTabSz="914400" rtl="0" eaLnBrk="1" fontAlgn="auto" latinLnBrk="0" hangingPunct="1">
@@ -5069,7 +5364,10 @@
               <a:tabLst/>
               <a:defRPr/>
             </a:pPr>
-            <a:endParaRPr lang="nb-NO"/>
+            <a:r>
+              <a:rPr lang="nb-NO" dirty="0"/>
+              <a:t>Se for dere en restaurant, hvor servitøren sender bestillingene til kokken. Kokken(e) tar imot disse bestillingene en etter en og prosesserer dem.</a:t>
+            </a:r>
           </a:p>
           <a:p>
             <a:pPr marL="0" marR="0" lvl="0" indent="0" algn="l" defTabSz="914400" rtl="0" eaLnBrk="1" fontAlgn="auto" latinLnBrk="0" hangingPunct="1">
@@ -5089,10 +5387,7 @@
               <a:tabLst/>
               <a:defRPr/>
             </a:pPr>
-            <a:r>
-              <a:rPr lang="nb-NO"/>
-              <a:t>Se for dere en restaurant, hvor servitøren sender bestillingene til kokken. Kokken(e) tar imot disse bestillingene en etter en og prosesserer dem.</a:t>
-            </a:r>
+            <a:endParaRPr lang="nb-NO" dirty="0"/>
           </a:p>
           <a:p>
             <a:pPr marL="0" marR="0" lvl="0" indent="0" algn="l" defTabSz="914400" rtl="0" eaLnBrk="1" fontAlgn="auto" latinLnBrk="0" hangingPunct="1">
@@ -5112,7 +5407,7 @@
               <a:tabLst/>
               <a:defRPr/>
             </a:pPr>
-            <a:endParaRPr lang="nb-NO"/>
+            <a:endParaRPr lang="nb-NO" dirty="0"/>
           </a:p>
           <a:p>
             <a:pPr marL="0" marR="0" lvl="0" indent="0" algn="l" defTabSz="914400" rtl="0" eaLnBrk="1" fontAlgn="auto" latinLnBrk="0" hangingPunct="1">
@@ -5132,36 +5427,16 @@
               <a:tabLst/>
               <a:defRPr/>
             </a:pPr>
-            <a:endParaRPr lang="nb-NO"/>
-          </a:p>
-          <a:p>
-            <a:pPr marL="0" marR="0" lvl="0" indent="0" algn="l" defTabSz="914400" rtl="0" eaLnBrk="1" fontAlgn="auto" latinLnBrk="0" hangingPunct="1">
-              <a:lnSpc>
-                <a:spcPct val="100000"/>
-              </a:lnSpc>
-              <a:spcBef>
-                <a:spcPts val="0"/>
-              </a:spcBef>
-              <a:spcAft>
-                <a:spcPts val="0"/>
-              </a:spcAft>
-              <a:buClrTx/>
-              <a:buSzTx/>
-              <a:buFontTx/>
-              <a:buNone/>
-              <a:tabLst/>
-              <a:defRPr/>
-            </a:pPr>
-            <a:r>
-              <a:rPr lang="nb-NO"/>
+            <a:r>
+              <a:rPr lang="nb-NO" dirty="0"/>
               <a:t>(Ikke garantert FIFO)</a:t>
             </a:r>
           </a:p>
           <a:p>
-            <a:endParaRPr lang="nb-NO"/>
-          </a:p>
-          <a:p>
-            <a:endParaRPr lang="nb-NO"/>
+            <a:endParaRPr lang="nb-NO" dirty="0"/>
+          </a:p>
+          <a:p>
+            <a:endParaRPr lang="nb-NO" dirty="0"/>
           </a:p>
         </p:txBody>
       </p:sp>
@@ -18471,61 +18746,81 @@
           <a:lstStyle/>
           <a:p>
             <a:r>
-              <a:rPr lang="nb-NO"/>
+              <a:rPr lang="nb-NO" dirty="0"/>
               <a:t>Forskjellige tjenester har forskjellig SLA.</a:t>
             </a:r>
           </a:p>
           <a:p>
             <a:r>
-              <a:rPr lang="nb-NO"/>
+              <a:rPr lang="nb-NO" dirty="0"/>
               <a:t>Forskjellige pris-nivåer (tiers) har ofte forskjellig SLA.</a:t>
             </a:r>
           </a:p>
           <a:p>
             <a:r>
-              <a:rPr lang="nb-NO">
+              <a:rPr lang="nb-NO" dirty="0">
                 <a:hlinkClick r:id="rId3"/>
               </a:rPr>
               <a:t>https://azure.microsoft.com/en-us/support/legal/sla/summary/</a:t>
             </a:r>
-            <a:endParaRPr lang="nb-NO"/>
-          </a:p>
-          <a:p>
-            <a:r>
-              <a:rPr lang="nb-NO"/>
+            <a:endParaRPr lang="nb-NO" dirty="0"/>
+          </a:p>
+          <a:p>
+            <a:r>
+              <a:rPr lang="nb-NO" dirty="0"/>
               <a:t>Eksempel:</a:t>
             </a:r>
           </a:p>
           <a:p>
             <a:pPr lvl="1"/>
             <a:r>
-              <a:rPr lang="nb-NO"/>
-              <a:t>99.9% = ~43 minutter per måned  (Azure AD)</a:t>
+              <a:rPr lang="nb-NO" dirty="0"/>
+              <a:t>99.9% = ~43 minutter per måned  (</a:t>
+            </a:r>
+            <a:r>
+              <a:rPr lang="nb-NO" dirty="0" err="1"/>
+              <a:t>Azure</a:t>
+            </a:r>
+            <a:r>
+              <a:rPr lang="nb-NO" dirty="0"/>
+              <a:t> </a:t>
+            </a:r>
+            <a:r>
+              <a:rPr lang="nb-NO" dirty="0" err="1"/>
+              <a:t>IoT</a:t>
+            </a:r>
+            <a:r>
+              <a:rPr lang="nb-NO" dirty="0"/>
+              <a:t> </a:t>
+            </a:r>
+            <a:r>
+              <a:rPr lang="nb-NO" dirty="0" err="1"/>
+              <a:t>Hub</a:t>
+            </a:r>
+            <a:r>
+              <a:rPr lang="nb-NO" dirty="0"/>
+              <a:t>)</a:t>
             </a:r>
           </a:p>
           <a:p>
             <a:pPr lvl="1"/>
             <a:r>
-              <a:rPr lang="nb-NO"/>
-              <a:t>99.95% = ~22 minutter per måned  (</a:t>
-            </a:r>
-            <a:r>
-              <a:rPr lang="nb-NO" err="1"/>
-              <a:t>App</a:t>
-            </a:r>
-            <a:r>
-              <a:rPr lang="nb-NO"/>
-              <a:t> Service med 2 instanser)</a:t>
+              <a:rPr lang="nb-NO" dirty="0"/>
+              <a:t>99.95% = ~22 minutter per måned  (App Service med 2 instanser)</a:t>
             </a:r>
           </a:p>
           <a:p>
             <a:pPr lvl="1"/>
-            <a:endParaRPr lang="nb-NO"/>
-          </a:p>
-          <a:p>
-            <a:r>
-              <a:rPr lang="nb-NO"/>
-              <a:t>Aggregate SLA: Service1 SLA + Service2 SLA </a:t>
+            <a:endParaRPr lang="nb-NO" dirty="0"/>
+          </a:p>
+          <a:p>
+            <a:r>
+              <a:rPr lang="nb-NO" dirty="0" err="1"/>
+              <a:t>Aggregate</a:t>
+            </a:r>
+            <a:r>
+              <a:rPr lang="nb-NO" dirty="0"/>
+              <a:t> SLA: Service1 SLA × Service2 SLA </a:t>
             </a:r>
           </a:p>
         </p:txBody>
@@ -18673,7 +18968,7 @@
             <a:pPr lvl="1"/>
             <a:r>
               <a:rPr lang="nb-NO" dirty="0"/>
-              <a:t>Tilgjengelig </a:t>
+              <a:t>Tilgjengelig via portalen</a:t>
             </a:r>
           </a:p>
           <a:p>
@@ -18706,7 +19001,7 @@
             <a:pPr lvl="1"/>
             <a:r>
               <a:rPr lang="nb-NO" dirty="0"/>
-              <a:t>Inkrementell</a:t>
+              <a:t>Inkrementell eller fullstendig</a:t>
             </a:r>
           </a:p>
         </p:txBody>
@@ -18798,33 +19093,38 @@
           <a:lstStyle/>
           <a:p>
             <a:r>
-              <a:rPr lang="nb-NO"/>
+              <a:rPr lang="nb-NO" dirty="0"/>
               <a:t>App Services: </a:t>
             </a:r>
           </a:p>
           <a:p>
             <a:pPr lvl="1" indent="-271145"/>
             <a:r>
-              <a:rPr lang="nb-NO"/>
+              <a:rPr lang="nb-NO" dirty="0"/>
               <a:t>Web Apps, Web Apps for Containers, API Apps, Mobile Apps</a:t>
             </a:r>
-            <a:endParaRPr lang="nb-NO">
+            <a:endParaRPr lang="nb-NO" dirty="0">
               <a:cs typeface="Calibri" panose="020F0502020204030204"/>
             </a:endParaRPr>
           </a:p>
           <a:p>
             <a:r>
-              <a:rPr lang="nb-NO"/>
-              <a:t>En av de mest brukte tjenestene i Azure</a:t>
-            </a:r>
-          </a:p>
-          <a:p>
-            <a:r>
-              <a:rPr lang="nb-NO"/>
+              <a:rPr lang="nb-NO" dirty="0"/>
+              <a:t>En av de mest brukte tjenestene i </a:t>
+            </a:r>
+            <a:r>
+              <a:rPr lang="nb-NO" dirty="0" err="1"/>
+              <a:t>Azure</a:t>
+            </a:r>
+            <a:endParaRPr lang="nb-NO" dirty="0"/>
+          </a:p>
+          <a:p>
+            <a:r>
+              <a:rPr lang="nb-NO" dirty="0"/>
               <a:t>I praksis: </a:t>
             </a:r>
             <a:r>
-              <a:rPr lang="nb-NO">
+              <a:rPr lang="nb-NO" dirty="0">
                 <a:ea typeface="+mn-lt"/>
                 <a:cs typeface="+mn-lt"/>
               </a:rPr>
@@ -18833,39 +19133,65 @@
           </a:p>
           <a:p>
             <a:r>
-              <a:rPr lang="nb-NO"/>
-              <a:t>Mange features:</a:t>
+              <a:rPr lang="nb-NO" dirty="0"/>
+              <a:t>Mange </a:t>
+            </a:r>
+            <a:r>
+              <a:rPr lang="nb-NO" dirty="0" err="1"/>
+              <a:t>features</a:t>
+            </a:r>
+            <a:r>
+              <a:rPr lang="nb-NO" dirty="0"/>
+              <a:t>:</a:t>
+            </a:r>
+          </a:p>
+          <a:p>
+            <a:pPr lvl="1"/>
+            <a:r>
+              <a:rPr lang="nb-NO" dirty="0"/>
+              <a:t>Mange programmeringsspråk</a:t>
             </a:r>
           </a:p>
           <a:p>
             <a:pPr lvl="1" indent="-271145"/>
             <a:r>
-              <a:rPr lang="nb-NO"/>
-              <a:t>Skalering / Autoskalering</a:t>
-            </a:r>
-            <a:endParaRPr lang="nb-NO">
+              <a:rPr lang="nb-NO" dirty="0"/>
+              <a:t>Skalering / </a:t>
+            </a:r>
+            <a:r>
+              <a:rPr lang="nb-NO" dirty="0" err="1"/>
+              <a:t>Autoskalering</a:t>
+            </a:r>
+            <a:endParaRPr lang="nb-NO" dirty="0">
               <a:cs typeface="Calibri" panose="020F0502020204030204"/>
             </a:endParaRPr>
           </a:p>
           <a:p>
             <a:pPr lvl="1" indent="-271145"/>
             <a:r>
-              <a:rPr lang="nb-NO"/>
-              <a:t>Deployment slots / AB-testing</a:t>
-            </a:r>
-            <a:endParaRPr lang="nb-NO">
+              <a:rPr lang="nb-NO" dirty="0"/>
+              <a:t>Deployment </a:t>
+            </a:r>
+            <a:r>
+              <a:rPr lang="nb-NO" dirty="0" err="1"/>
+              <a:t>slots</a:t>
+            </a:r>
+            <a:r>
+              <a:rPr lang="nb-NO" dirty="0"/>
+              <a:t> / AB-testing</a:t>
+            </a:r>
+            <a:endParaRPr lang="nb-NO" dirty="0">
               <a:cs typeface="Calibri" panose="020F0502020204030204"/>
             </a:endParaRPr>
           </a:p>
           <a:p>
             <a:pPr lvl="1" indent="-271145"/>
             <a:r>
-              <a:rPr lang="nb-NO"/>
-              <a:t>...</a:t>
-            </a:r>
-            <a:endParaRPr lang="nb-NO">
-              <a:cs typeface="Calibri" panose="020F0502020204030204"/>
-            </a:endParaRPr>
+              <a:rPr lang="nb-NO" dirty="0">
+                <a:cs typeface="Calibri" panose="020F0502020204030204"/>
+              </a:rPr>
+              <a:t>…</a:t>
+            </a:r>
           </a:p>
         </p:txBody>
       </p:sp>
@@ -25578,78 +25904,78 @@
           <a:lstStyle/>
           <a:p>
             <a:r>
-              <a:rPr lang="nb-NO"/>
+              <a:rPr lang="nb-NO" dirty="0"/>
               <a:t>Støtte for flere programmeringsspråk </a:t>
             </a:r>
           </a:p>
           <a:p>
             <a:pPr lvl="1"/>
             <a:r>
-              <a:rPr lang="nb-NO"/>
+              <a:rPr lang="nb-NO" dirty="0"/>
               <a:t>.NET / .NET </a:t>
             </a:r>
             <a:r>
-              <a:rPr lang="nb-NO" err="1"/>
+              <a:rPr lang="nb-NO" dirty="0" err="1"/>
               <a:t>Core</a:t>
             </a:r>
-            <a:endParaRPr lang="nb-NO"/>
+            <a:endParaRPr lang="nb-NO" dirty="0"/>
           </a:p>
           <a:p>
             <a:pPr lvl="1"/>
             <a:r>
-              <a:rPr lang="nb-NO"/>
+              <a:rPr lang="nb-NO" dirty="0"/>
               <a:t>Java</a:t>
             </a:r>
           </a:p>
           <a:p>
             <a:pPr lvl="1"/>
             <a:r>
-              <a:rPr lang="nb-NO"/>
+              <a:rPr lang="nb-NO" dirty="0"/>
               <a:t>Python</a:t>
             </a:r>
           </a:p>
           <a:p>
             <a:pPr lvl="1"/>
             <a:r>
-              <a:rPr lang="nb-NO"/>
+              <a:rPr lang="nb-NO" dirty="0"/>
               <a:t>Node.JS</a:t>
             </a:r>
           </a:p>
           <a:p>
             <a:pPr lvl="1"/>
             <a:r>
-              <a:rPr lang="nb-NO"/>
+              <a:rPr lang="nb-NO" dirty="0"/>
               <a:t>PHP</a:t>
             </a:r>
           </a:p>
           <a:p>
             <a:pPr lvl="1"/>
             <a:r>
-              <a:rPr lang="nb-NO"/>
+              <a:rPr lang="nb-NO" dirty="0"/>
               <a:t>Ruby</a:t>
             </a:r>
           </a:p>
           <a:p>
             <a:r>
-              <a:rPr lang="nb-NO" err="1"/>
+              <a:rPr lang="nb-NO" dirty="0" err="1"/>
               <a:t>Features</a:t>
             </a:r>
             <a:r>
-              <a:rPr lang="nb-NO"/>
+              <a:rPr lang="nb-NO" dirty="0"/>
               <a:t>:</a:t>
             </a:r>
           </a:p>
           <a:p>
             <a:pPr lvl="1"/>
             <a:r>
-              <a:rPr lang="nb-NO" err="1"/>
+              <a:rPr lang="nb-NO" dirty="0" err="1"/>
               <a:t>Slots</a:t>
             </a:r>
-            <a:endParaRPr lang="nb-NO"/>
+            <a:endParaRPr lang="nb-NO" dirty="0"/>
           </a:p>
           <a:p>
             <a:pPr lvl="1"/>
-            <a:endParaRPr lang="nb-NO"/>
+            <a:endParaRPr lang="nb-NO" dirty="0"/>
           </a:p>
         </p:txBody>
       </p:sp>
@@ -25951,132 +26277,125 @@
           <a:lstStyle/>
           <a:p>
             <a:r>
-              <a:rPr lang="nb-NO" err="1"/>
+              <a:rPr lang="nb-NO" dirty="0" err="1"/>
               <a:t>Azure</a:t>
             </a:r>
             <a:r>
-              <a:rPr lang="nb-NO"/>
+              <a:rPr lang="nb-NO" dirty="0"/>
               <a:t> SQL Database</a:t>
             </a:r>
           </a:p>
           <a:p>
             <a:pPr lvl="1"/>
             <a:r>
-              <a:rPr lang="nb-NO"/>
+              <a:rPr lang="nb-NO" dirty="0"/>
               <a:t>SQL Server som tjeneste i skyen (*)</a:t>
             </a:r>
           </a:p>
           <a:p>
             <a:r>
-              <a:rPr lang="nb-NO"/>
+              <a:rPr lang="nb-NO" dirty="0"/>
               <a:t>Cosmos DB</a:t>
             </a:r>
           </a:p>
           <a:p>
             <a:pPr lvl="1"/>
             <a:r>
-              <a:rPr lang="nb-NO"/>
+              <a:rPr lang="nb-NO" dirty="0"/>
               <a:t>No-SQL-database</a:t>
             </a:r>
           </a:p>
           <a:p>
             <a:pPr lvl="1"/>
             <a:r>
-              <a:rPr lang="nb-NO"/>
+              <a:rPr lang="nb-NO" dirty="0"/>
               <a:t>Global skalering.</a:t>
             </a:r>
           </a:p>
           <a:p>
             <a:pPr lvl="1"/>
             <a:r>
-              <a:rPr lang="nb-NO"/>
+              <a:rPr lang="nb-NO" dirty="0"/>
               <a:t>Tilbyr forskjellige </a:t>
             </a:r>
             <a:r>
-              <a:rPr lang="nb-NO" err="1"/>
+              <a:rPr lang="nb-NO" dirty="0" err="1"/>
               <a:t>APIer</a:t>
             </a:r>
             <a:r>
-              <a:rPr lang="nb-NO"/>
+              <a:rPr lang="nb-NO" dirty="0"/>
               <a:t>: </a:t>
             </a:r>
             <a:r>
-              <a:rPr lang="nb-NO" err="1"/>
-              <a:t>DocumentDB</a:t>
-            </a:r>
-            <a:r>
-              <a:rPr lang="nb-NO"/>
-              <a:t> API </a:t>
-            </a:r>
-            <a:r>
-              <a:rPr lang="nb-NO" err="1"/>
-              <a:t>Sql</a:t>
-            </a:r>
-            <a:r>
-              <a:rPr lang="nb-NO"/>
+              <a:rPr lang="nb-NO" dirty="0" err="1"/>
+              <a:t>Core</a:t>
+            </a:r>
+            <a:r>
+              <a:rPr lang="nb-NO" dirty="0"/>
+              <a:t> (SQL) API, API for </a:t>
+            </a:r>
+            <a:r>
+              <a:rPr lang="nb-NO" dirty="0" err="1"/>
+              <a:t>MongoDB</a:t>
+            </a:r>
+            <a:r>
+              <a:rPr lang="nb-NO" dirty="0"/>
+              <a:t>, Cassandra API, </a:t>
+            </a:r>
+            <a:r>
+              <a:rPr lang="nb-NO" dirty="0" err="1"/>
+              <a:t>Gremlin</a:t>
+            </a:r>
+            <a:r>
+              <a:rPr lang="nb-NO" dirty="0"/>
               <a:t> API, </a:t>
             </a:r>
             <a:r>
-              <a:rPr lang="nb-NO" err="1"/>
+              <a:rPr lang="nb-NO" dirty="0" err="1"/>
               <a:t>Table</a:t>
             </a:r>
             <a:r>
-              <a:rPr lang="nb-NO"/>
-              <a:t> Storage API</a:t>
-            </a:r>
-          </a:p>
-          <a:p>
-            <a:r>
-              <a:rPr lang="nb-NO" err="1"/>
+              <a:rPr lang="nb-NO" dirty="0"/>
+              <a:t> API</a:t>
+            </a:r>
+          </a:p>
+          <a:p>
+            <a:r>
+              <a:rPr lang="nb-NO" dirty="0" err="1"/>
               <a:t>Azure</a:t>
             </a:r>
             <a:r>
-              <a:rPr lang="nb-NO"/>
+              <a:rPr lang="nb-NO" dirty="0"/>
               <a:t> Storage</a:t>
             </a:r>
           </a:p>
           <a:p>
             <a:r>
-              <a:rPr lang="nb-NO" err="1"/>
+              <a:rPr lang="nb-NO" dirty="0" err="1"/>
               <a:t>MySql</a:t>
             </a:r>
             <a:r>
-              <a:rPr lang="nb-NO"/>
+              <a:rPr lang="nb-NO" dirty="0"/>
               <a:t>, </a:t>
             </a:r>
             <a:r>
-              <a:rPr lang="nb-NO" err="1"/>
+              <a:rPr lang="nb-NO" dirty="0" err="1"/>
               <a:t>PostgreSQL</a:t>
             </a:r>
             <a:r>
-              <a:rPr lang="nb-NO"/>
+              <a:rPr lang="nb-NO" dirty="0"/>
               <a:t> ++</a:t>
             </a:r>
           </a:p>
           <a:p>
             <a:r>
-              <a:rPr lang="nb-NO" err="1"/>
+              <a:rPr lang="nb-NO" dirty="0" err="1"/>
               <a:t>Azure</a:t>
             </a:r>
             <a:r>
-              <a:rPr lang="nb-NO"/>
+              <a:rPr lang="nb-NO" dirty="0"/>
               <a:t> Data Lake</a:t>
             </a:r>
-          </a:p>
-          <a:p>
-            <a:r>
-              <a:rPr lang="nb-NO" err="1"/>
-              <a:t>Polyglot</a:t>
-            </a:r>
-            <a:r>
-              <a:rPr lang="nb-NO"/>
-              <a:t> </a:t>
-            </a:r>
-            <a:r>
-              <a:rPr lang="nb-NO" err="1"/>
-              <a:t>storage</a:t>
-            </a:r>
-            <a:endParaRPr lang="nb-NO"/>
           </a:p>
         </p:txBody>
       </p:sp>
@@ -26176,13 +26495,6 @@
             <a:pPr lvl="1"/>
             <a:r>
               <a:rPr lang="nb-NO" dirty="0"/>
-              <a:t>Files</a:t>
-            </a:r>
-          </a:p>
-          <a:p>
-            <a:pPr lvl="1"/>
-            <a:r>
-              <a:rPr lang="nb-NO" dirty="0"/>
               <a:t>Queues</a:t>
             </a:r>
           </a:p>
@@ -26201,6 +26513,13 @@
               <a:t>Blobs</a:t>
             </a:r>
             <a:endParaRPr lang="nb-NO" dirty="0"/>
+          </a:p>
+          <a:p>
+            <a:pPr lvl="1"/>
+            <a:r>
+              <a:rPr lang="nb-NO" dirty="0"/>
+              <a:t>Files</a:t>
+            </a:r>
           </a:p>
           <a:p>
             <a:r>
@@ -27333,8 +27652,12 @@
           <a:lstStyle/>
           <a:p>
             <a:r>
-              <a:rPr lang="nb-NO"/>
-              <a:t>Azure Storage Queue</a:t>
+              <a:rPr lang="nb-NO" dirty="0" err="1"/>
+              <a:t>Azure</a:t>
+            </a:r>
+            <a:r>
+              <a:rPr lang="nb-NO" dirty="0"/>
+              <a:t> Queue Storage</a:t>
             </a:r>
           </a:p>
         </p:txBody>
